--- a/141B presentation.pptx
+++ b/141B presentation.pptx
@@ -5,21 +5,23 @@
     <p:sldMasterId id="2147483648" r:id="rId1"/>
   </p:sldMasterIdLst>
   <p:notesMasterIdLst>
-    <p:notesMasterId r:id="rId14"/>
+    <p:notesMasterId r:id="rId16"/>
   </p:notesMasterIdLst>
   <p:sldIdLst>
     <p:sldId id="279" r:id="rId2"/>
     <p:sldId id="381" r:id="rId3"/>
     <p:sldId id="382" r:id="rId4"/>
-    <p:sldId id="385" r:id="rId5"/>
+    <p:sldId id="534" r:id="rId5"/>
     <p:sldId id="529" r:id="rId6"/>
-    <p:sldId id="530" r:id="rId7"/>
-    <p:sldId id="531" r:id="rId8"/>
-    <p:sldId id="532" r:id="rId9"/>
-    <p:sldId id="533" r:id="rId10"/>
-    <p:sldId id="453" r:id="rId11"/>
-    <p:sldId id="455" r:id="rId12"/>
-    <p:sldId id="460" r:id="rId13"/>
+    <p:sldId id="535" r:id="rId7"/>
+    <p:sldId id="536" r:id="rId8"/>
+    <p:sldId id="537" r:id="rId9"/>
+    <p:sldId id="539" r:id="rId10"/>
+    <p:sldId id="538" r:id="rId11"/>
+    <p:sldId id="540" r:id="rId12"/>
+    <p:sldId id="453" r:id="rId13"/>
+    <p:sldId id="455" r:id="rId14"/>
+    <p:sldId id="460" r:id="rId15"/>
   </p:sldIdLst>
   <p:sldSz cx="9144000" cy="6858000" type="screen4x3"/>
   <p:notesSz cx="6858000" cy="9144000"/>
@@ -5292,6 +5294,565 @@
       </p:grpSpPr>
       <p:pic>
         <p:nvPicPr>
+          <p:cNvPr id="8194" name="Picture 31" descr="图片1_副本"/>
+          <p:cNvPicPr>
+            <a:picLocks noChangeAspect="1" noChangeArrowheads="1"/>
+          </p:cNvPicPr>
+          <p:nvPr/>
+        </p:nvPicPr>
+        <p:blipFill>
+          <a:blip r:embed="rId2" cstate="print"/>
+          <a:srcRect/>
+          <a:stretch>
+            <a:fillRect/>
+          </a:stretch>
+        </p:blipFill>
+        <p:spPr bwMode="auto">
+          <a:xfrm>
+            <a:off x="0" y="0"/>
+            <a:ext cx="9144000" cy="6858000"/>
+          </a:xfrm>
+          <a:prstGeom prst="rect">
+            <a:avLst/>
+          </a:prstGeom>
+          <a:noFill/>
+          <a:ln w="9525">
+            <a:noFill/>
+            <a:miter lim="800000"/>
+            <a:headEnd/>
+            <a:tailEnd/>
+          </a:ln>
+        </p:spPr>
+      </p:pic>
+      <p:sp>
+        <p:nvSpPr>
+          <p:cNvPr id="8197" name="Rectangle 5"/>
+          <p:cNvSpPr>
+            <a:spLocks noGrp="1" noChangeArrowheads="1"/>
+          </p:cNvSpPr>
+          <p:nvPr>
+            <p:ph type="body" idx="4294967295"/>
+          </p:nvPr>
+        </p:nvSpPr>
+        <p:spPr>
+          <a:xfrm>
+            <a:off x="0" y="166369"/>
+            <a:ext cx="8746288" cy="5974081"/>
+          </a:xfrm>
+        </p:spPr>
+        <p:txBody>
+          <a:bodyPr/>
+          <a:lstStyle/>
+          <a:p>
+            <a:pPr eaLnBrk="1" hangingPunct="1">
+              <a:buFontTx/>
+              <a:buNone/>
+            </a:pPr>
+            <a:endParaRPr lang="zh-CN" altLang="en-US" sz="2800" b="1" dirty="0">
+              <a:solidFill>
+                <a:schemeClr val="tx1"/>
+              </a:solidFill>
+              <a:ea typeface="微软雅黑" pitchFamily="34" charset="-122"/>
+            </a:endParaRPr>
+          </a:p>
+        </p:txBody>
+      </p:sp>
+      <p:sp>
+        <p:nvSpPr>
+          <p:cNvPr id="8216" name="Text Box 24"/>
+          <p:cNvSpPr txBox="1">
+            <a:spLocks noChangeArrowheads="1"/>
+          </p:cNvSpPr>
+          <p:nvPr/>
+        </p:nvSpPr>
+        <p:spPr bwMode="auto">
+          <a:xfrm>
+            <a:off x="697010" y="534119"/>
+            <a:ext cx="2180792" cy="867930"/>
+          </a:xfrm>
+          <a:prstGeom prst="rect">
+            <a:avLst/>
+          </a:prstGeom>
+          <a:noFill/>
+          <a:ln w="9525">
+            <a:noFill/>
+            <a:miter lim="800000"/>
+            <a:headEnd/>
+            <a:tailEnd/>
+          </a:ln>
+        </p:spPr>
+        <p:txBody>
+          <a:bodyPr wrap="square">
+            <a:spAutoFit/>
+          </a:bodyPr>
+          <a:lstStyle/>
+          <a:p>
+            <a:pPr>
+              <a:lnSpc>
+                <a:spcPct val="80000"/>
+              </a:lnSpc>
+              <a:spcBef>
+                <a:spcPct val="50000"/>
+              </a:spcBef>
+            </a:pPr>
+            <a:r>
+              <a:rPr lang="en-US" altLang="zh-CN" dirty="0">
+                <a:solidFill>
+                  <a:schemeClr val="bg1"/>
+                </a:solidFill>
+                <a:latin typeface="微软雅黑" pitchFamily="34" charset="-122"/>
+                <a:ea typeface="微软雅黑" pitchFamily="34" charset="-122"/>
+              </a:rPr>
+              <a:t>Web </a:t>
+            </a:r>
+          </a:p>
+          <a:p>
+            <a:pPr>
+              <a:lnSpc>
+                <a:spcPct val="80000"/>
+              </a:lnSpc>
+              <a:spcBef>
+                <a:spcPct val="50000"/>
+              </a:spcBef>
+            </a:pPr>
+            <a:r>
+              <a:rPr lang="en-US" altLang="zh-CN" dirty="0">
+                <a:solidFill>
+                  <a:schemeClr val="bg1"/>
+                </a:solidFill>
+                <a:latin typeface="微软雅黑" pitchFamily="34" charset="-122"/>
+                <a:ea typeface="微软雅黑" pitchFamily="34" charset="-122"/>
+              </a:rPr>
+              <a:t>Scrapping </a:t>
+            </a:r>
+            <a:endParaRPr lang="zh-CN" altLang="en-US" dirty="0">
+              <a:solidFill>
+                <a:schemeClr val="bg1"/>
+              </a:solidFill>
+              <a:latin typeface="微软雅黑" pitchFamily="34" charset="-122"/>
+              <a:ea typeface="微软雅黑" pitchFamily="34" charset="-122"/>
+            </a:endParaRPr>
+          </a:p>
+        </p:txBody>
+      </p:sp>
+      <p:pic>
+        <p:nvPicPr>
+          <p:cNvPr id="3" name="Picture 2"/>
+          <p:cNvPicPr>
+            <a:picLocks noChangeAspect="1"/>
+          </p:cNvPicPr>
+          <p:nvPr/>
+        </p:nvPicPr>
+        <p:blipFill rotWithShape="1">
+          <a:blip r:embed="rId3">
+            <a:extLst>
+              <a:ext uri="{28A0092B-C50C-407E-A947-70E740481C1C}">
+                <a14:useLocalDpi xmlns:a14="http://schemas.microsoft.com/office/drawing/2010/main" val="0"/>
+              </a:ext>
+            </a:extLst>
+          </a:blip>
+          <a:srcRect l="5098" r="7273"/>
+          <a:stretch/>
+        </p:blipFill>
+        <p:spPr>
+          <a:xfrm>
+            <a:off x="166255" y="2023525"/>
+            <a:ext cx="3851016" cy="3083923"/>
+          </a:xfrm>
+          <a:prstGeom prst="rect">
+            <a:avLst/>
+          </a:prstGeom>
+        </p:spPr>
+      </p:pic>
+      <p:sp>
+        <p:nvSpPr>
+          <p:cNvPr id="36" name="AutoShape 5"/>
+          <p:cNvSpPr>
+            <a:spLocks noChangeArrowheads="1"/>
+          </p:cNvSpPr>
+          <p:nvPr/>
+        </p:nvSpPr>
+        <p:spPr bwMode="auto">
+          <a:xfrm>
+            <a:off x="0" y="-3372"/>
+            <a:ext cx="9144000" cy="831850"/>
+          </a:xfrm>
+          <a:prstGeom prst="roundRect">
+            <a:avLst>
+              <a:gd name="adj" fmla="val 16667"/>
+            </a:avLst>
+          </a:prstGeom>
+          <a:solidFill>
+            <a:schemeClr val="accent1"/>
+          </a:solidFill>
+          <a:ln w="9525" cmpd="sng">
+            <a:solidFill>
+              <a:schemeClr val="bg1"/>
+            </a:solidFill>
+            <a:round/>
+            <a:headEnd/>
+            <a:tailEnd/>
+          </a:ln>
+        </p:spPr>
+        <p:txBody>
+          <a:bodyPr wrap="none" anchor="ctr"/>
+          <a:lstStyle/>
+          <a:p>
+            <a:pPr eaLnBrk="1" hangingPunct="1">
+              <a:buFontTx/>
+              <a:buNone/>
+            </a:pPr>
+            <a:r>
+              <a:rPr lang="en-US" altLang="zh-CN" sz="2800" dirty="0">
+                <a:ea typeface="微软雅黑" pitchFamily="34" charset="-122"/>
+              </a:rPr>
+              <a:t>      </a:t>
+            </a:r>
+            <a:r>
+              <a:rPr lang="en-US" altLang="zh-CN" sz="2800" dirty="0">
+                <a:solidFill>
+                  <a:schemeClr val="bg1"/>
+                </a:solidFill>
+                <a:ea typeface="微软雅黑" pitchFamily="34" charset="-122"/>
+              </a:rPr>
+              <a:t>Skills Requirements vs Working Experience</a:t>
+            </a:r>
+            <a:endParaRPr lang="zh-CN" altLang="en-US" sz="2800" dirty="0">
+              <a:solidFill>
+                <a:schemeClr val="bg1"/>
+              </a:solidFill>
+              <a:ea typeface="微软雅黑" pitchFamily="34" charset="-122"/>
+            </a:endParaRPr>
+          </a:p>
+        </p:txBody>
+      </p:sp>
+      <p:pic>
+        <p:nvPicPr>
+          <p:cNvPr id="4" name="Picture 3"/>
+          <p:cNvPicPr>
+            <a:picLocks noChangeAspect="1"/>
+          </p:cNvPicPr>
+          <p:nvPr/>
+        </p:nvPicPr>
+        <p:blipFill rotWithShape="1">
+          <a:blip r:embed="rId4">
+            <a:extLst>
+              <a:ext uri="{28A0092B-C50C-407E-A947-70E740481C1C}">
+                <a14:useLocalDpi xmlns:a14="http://schemas.microsoft.com/office/drawing/2010/main" val="0"/>
+              </a:ext>
+            </a:extLst>
+          </a:blip>
+          <a:srcRect l="4829" r="7503" b="4101"/>
+          <a:stretch/>
+        </p:blipFill>
+        <p:spPr>
+          <a:xfrm>
+            <a:off x="4427952" y="828479"/>
+            <a:ext cx="4025381" cy="2921486"/>
+          </a:xfrm>
+          <a:prstGeom prst="rect">
+            <a:avLst/>
+          </a:prstGeom>
+        </p:spPr>
+      </p:pic>
+      <p:pic>
+        <p:nvPicPr>
+          <p:cNvPr id="5" name="Picture 4"/>
+          <p:cNvPicPr>
+            <a:picLocks noChangeAspect="1"/>
+          </p:cNvPicPr>
+          <p:nvPr/>
+        </p:nvPicPr>
+        <p:blipFill rotWithShape="1">
+          <a:blip r:embed="rId5">
+            <a:extLst>
+              <a:ext uri="{28A0092B-C50C-407E-A947-70E740481C1C}">
+                <a14:useLocalDpi xmlns:a14="http://schemas.microsoft.com/office/drawing/2010/main" val="0"/>
+              </a:ext>
+            </a:extLst>
+          </a:blip>
+          <a:srcRect l="4925" t="29" r="2485" b="-1"/>
+          <a:stretch/>
+        </p:blipFill>
+        <p:spPr>
+          <a:xfrm>
+            <a:off x="4427952" y="3877013"/>
+            <a:ext cx="4177329" cy="2980987"/>
+          </a:xfrm>
+          <a:prstGeom prst="rect">
+            <a:avLst/>
+          </a:prstGeom>
+        </p:spPr>
+      </p:pic>
+    </p:spTree>
+    <p:extLst>
+      <p:ext uri="{BB962C8B-B14F-4D97-AF65-F5344CB8AC3E}">
+        <p14:creationId xmlns:p14="http://schemas.microsoft.com/office/powerpoint/2010/main" val="627396308"/>
+      </p:ext>
+    </p:extLst>
+  </p:cSld>
+  <p:clrMapOvr>
+    <a:masterClrMapping/>
+  </p:clrMapOvr>
+  <p:transition/>
+</p:sld>
+</file>
+
+<file path=ppt/slides/slide11.xml><?xml version="1.0" encoding="utf-8"?>
+<p:sld xmlns:a="http://schemas.openxmlformats.org/drawingml/2006/main" xmlns:r="http://schemas.openxmlformats.org/officeDocument/2006/relationships" xmlns:p="http://schemas.openxmlformats.org/presentationml/2006/main">
+  <p:cSld>
+    <p:spTree>
+      <p:nvGrpSpPr>
+        <p:cNvPr id="1" name=""/>
+        <p:cNvGrpSpPr/>
+        <p:nvPr/>
+      </p:nvGrpSpPr>
+      <p:grpSpPr>
+        <a:xfrm>
+          <a:off x="0" y="0"/>
+          <a:ext cx="0" cy="0"/>
+          <a:chOff x="0" y="0"/>
+          <a:chExt cx="0" cy="0"/>
+        </a:xfrm>
+      </p:grpSpPr>
+      <p:pic>
+        <p:nvPicPr>
+          <p:cNvPr id="8194" name="Picture 31" descr="图片1_副本"/>
+          <p:cNvPicPr>
+            <a:picLocks noChangeAspect="1" noChangeArrowheads="1"/>
+          </p:cNvPicPr>
+          <p:nvPr/>
+        </p:nvPicPr>
+        <p:blipFill>
+          <a:blip r:embed="rId2" cstate="print"/>
+          <a:srcRect/>
+          <a:stretch>
+            <a:fillRect/>
+          </a:stretch>
+        </p:blipFill>
+        <p:spPr bwMode="auto">
+          <a:xfrm>
+            <a:off x="0" y="0"/>
+            <a:ext cx="9144000" cy="6858000"/>
+          </a:xfrm>
+          <a:prstGeom prst="rect">
+            <a:avLst/>
+          </a:prstGeom>
+          <a:noFill/>
+          <a:ln w="9525">
+            <a:noFill/>
+            <a:miter lim="800000"/>
+            <a:headEnd/>
+            <a:tailEnd/>
+          </a:ln>
+        </p:spPr>
+      </p:pic>
+      <p:sp>
+        <p:nvSpPr>
+          <p:cNvPr id="8197" name="Rectangle 5"/>
+          <p:cNvSpPr>
+            <a:spLocks noGrp="1" noChangeArrowheads="1"/>
+          </p:cNvSpPr>
+          <p:nvPr>
+            <p:ph type="body" idx="4294967295"/>
+          </p:nvPr>
+        </p:nvSpPr>
+        <p:spPr>
+          <a:xfrm>
+            <a:off x="0" y="166369"/>
+            <a:ext cx="8746288" cy="5974081"/>
+          </a:xfrm>
+        </p:spPr>
+        <p:txBody>
+          <a:bodyPr/>
+          <a:lstStyle/>
+          <a:p>
+            <a:pPr eaLnBrk="1" hangingPunct="1">
+              <a:buFontTx/>
+              <a:buNone/>
+            </a:pPr>
+            <a:endParaRPr lang="zh-CN" altLang="en-US" sz="2800" b="1" dirty="0">
+              <a:solidFill>
+                <a:schemeClr val="tx1"/>
+              </a:solidFill>
+              <a:ea typeface="微软雅黑" pitchFamily="34" charset="-122"/>
+            </a:endParaRPr>
+          </a:p>
+        </p:txBody>
+      </p:sp>
+      <p:sp>
+        <p:nvSpPr>
+          <p:cNvPr id="8216" name="Text Box 24"/>
+          <p:cNvSpPr txBox="1">
+            <a:spLocks noChangeArrowheads="1"/>
+          </p:cNvSpPr>
+          <p:nvPr/>
+        </p:nvSpPr>
+        <p:spPr bwMode="auto">
+          <a:xfrm>
+            <a:off x="697010" y="534119"/>
+            <a:ext cx="2180792" cy="867930"/>
+          </a:xfrm>
+          <a:prstGeom prst="rect">
+            <a:avLst/>
+          </a:prstGeom>
+          <a:noFill/>
+          <a:ln w="9525">
+            <a:noFill/>
+            <a:miter lim="800000"/>
+            <a:headEnd/>
+            <a:tailEnd/>
+          </a:ln>
+        </p:spPr>
+        <p:txBody>
+          <a:bodyPr wrap="square">
+            <a:spAutoFit/>
+          </a:bodyPr>
+          <a:lstStyle/>
+          <a:p>
+            <a:pPr>
+              <a:lnSpc>
+                <a:spcPct val="80000"/>
+              </a:lnSpc>
+              <a:spcBef>
+                <a:spcPct val="50000"/>
+              </a:spcBef>
+            </a:pPr>
+            <a:r>
+              <a:rPr lang="en-US" altLang="zh-CN" dirty="0">
+                <a:solidFill>
+                  <a:schemeClr val="bg1"/>
+                </a:solidFill>
+                <a:latin typeface="微软雅黑" pitchFamily="34" charset="-122"/>
+                <a:ea typeface="微软雅黑" pitchFamily="34" charset="-122"/>
+              </a:rPr>
+              <a:t>Web </a:t>
+            </a:r>
+          </a:p>
+          <a:p>
+            <a:pPr>
+              <a:lnSpc>
+                <a:spcPct val="80000"/>
+              </a:lnSpc>
+              <a:spcBef>
+                <a:spcPct val="50000"/>
+              </a:spcBef>
+            </a:pPr>
+            <a:r>
+              <a:rPr lang="en-US" altLang="zh-CN" dirty="0">
+                <a:solidFill>
+                  <a:schemeClr val="bg1"/>
+                </a:solidFill>
+                <a:latin typeface="微软雅黑" pitchFamily="34" charset="-122"/>
+                <a:ea typeface="微软雅黑" pitchFamily="34" charset="-122"/>
+              </a:rPr>
+              <a:t>Scrapping </a:t>
+            </a:r>
+            <a:endParaRPr lang="zh-CN" altLang="en-US" dirty="0">
+              <a:solidFill>
+                <a:schemeClr val="bg1"/>
+              </a:solidFill>
+              <a:latin typeface="微软雅黑" pitchFamily="34" charset="-122"/>
+              <a:ea typeface="微软雅黑" pitchFamily="34" charset="-122"/>
+            </a:endParaRPr>
+          </a:p>
+        </p:txBody>
+      </p:sp>
+      <p:sp>
+        <p:nvSpPr>
+          <p:cNvPr id="36" name="AutoShape 5"/>
+          <p:cNvSpPr>
+            <a:spLocks noChangeArrowheads="1"/>
+          </p:cNvSpPr>
+          <p:nvPr/>
+        </p:nvSpPr>
+        <p:spPr bwMode="auto">
+          <a:xfrm>
+            <a:off x="0" y="-3372"/>
+            <a:ext cx="9144000" cy="831850"/>
+          </a:xfrm>
+          <a:prstGeom prst="roundRect">
+            <a:avLst>
+              <a:gd name="adj" fmla="val 16667"/>
+            </a:avLst>
+          </a:prstGeom>
+          <a:solidFill>
+            <a:schemeClr val="accent1"/>
+          </a:solidFill>
+          <a:ln w="9525" cmpd="sng">
+            <a:solidFill>
+              <a:schemeClr val="bg1"/>
+            </a:solidFill>
+            <a:round/>
+            <a:headEnd/>
+            <a:tailEnd/>
+          </a:ln>
+        </p:spPr>
+        <p:txBody>
+          <a:bodyPr wrap="none" anchor="ctr"/>
+          <a:lstStyle/>
+          <a:p>
+            <a:pPr eaLnBrk="1" hangingPunct="1">
+              <a:buFontTx/>
+              <a:buNone/>
+            </a:pPr>
+            <a:r>
+              <a:rPr lang="en-US" altLang="zh-CN" sz="2800" dirty="0">
+                <a:ea typeface="微软雅黑" pitchFamily="34" charset="-122"/>
+              </a:rPr>
+              <a:t>      </a:t>
+            </a:r>
+            <a:r>
+              <a:rPr lang="en-US" altLang="zh-CN" sz="2800" dirty="0">
+                <a:solidFill>
+                  <a:schemeClr val="bg1"/>
+                </a:solidFill>
+                <a:ea typeface="微软雅黑" pitchFamily="34" charset="-122"/>
+              </a:rPr>
+              <a:t>Skills Requirements vs Education Background</a:t>
+            </a:r>
+            <a:endParaRPr lang="zh-CN" altLang="en-US" sz="2800" dirty="0">
+              <a:solidFill>
+                <a:schemeClr val="bg1"/>
+              </a:solidFill>
+              <a:ea typeface="微软雅黑" pitchFamily="34" charset="-122"/>
+            </a:endParaRPr>
+          </a:p>
+        </p:txBody>
+      </p:sp>
+    </p:spTree>
+    <p:extLst>
+      <p:ext uri="{BB962C8B-B14F-4D97-AF65-F5344CB8AC3E}">
+        <p14:creationId xmlns:p14="http://schemas.microsoft.com/office/powerpoint/2010/main" val="3613642893"/>
+      </p:ext>
+    </p:extLst>
+  </p:cSld>
+  <p:clrMapOvr>
+    <a:masterClrMapping/>
+  </p:clrMapOvr>
+  <p:transition/>
+</p:sld>
+</file>
+
+<file path=ppt/slides/slide12.xml><?xml version="1.0" encoding="utf-8"?>
+<p:sld xmlns:a="http://schemas.openxmlformats.org/drawingml/2006/main" xmlns:r="http://schemas.openxmlformats.org/officeDocument/2006/relationships" xmlns:p="http://schemas.openxmlformats.org/presentationml/2006/main">
+  <p:cSld>
+    <p:spTree>
+      <p:nvGrpSpPr>
+        <p:cNvPr id="1" name=""/>
+        <p:cNvGrpSpPr/>
+        <p:nvPr/>
+      </p:nvGrpSpPr>
+      <p:grpSpPr>
+        <a:xfrm>
+          <a:off x="0" y="0"/>
+          <a:ext cx="0" cy="0"/>
+          <a:chOff x="0" y="0"/>
+          <a:chExt cx="0" cy="0"/>
+        </a:xfrm>
+      </p:grpSpPr>
+      <p:pic>
+        <p:nvPicPr>
           <p:cNvPr id="45058" name="Picture 31" descr="图片1_副本"/>
           <p:cNvPicPr>
             <a:picLocks noChangeAspect="1" noChangeArrowheads="1"/>
@@ -5603,7 +6164,7 @@
 </p:sld>
 </file>
 
-<file path=ppt/slides/slide11.xml><?xml version="1.0" encoding="utf-8"?>
+<file path=ppt/slides/slide13.xml><?xml version="1.0" encoding="utf-8"?>
 <p:sld xmlns:a="http://schemas.openxmlformats.org/drawingml/2006/main" xmlns:r="http://schemas.openxmlformats.org/officeDocument/2006/relationships" xmlns:p="http://schemas.openxmlformats.org/presentationml/2006/main">
   <p:cSld>
     <p:spTree>
@@ -6950,7 +7511,7 @@
 </p:sld>
 </file>
 
-<file path=ppt/slides/slide12.xml><?xml version="1.0" encoding="utf-8"?>
+<file path=ppt/slides/slide14.xml><?xml version="1.0" encoding="utf-8"?>
 <p:sld xmlns:a="http://schemas.openxmlformats.org/drawingml/2006/main" xmlns:r="http://schemas.openxmlformats.org/officeDocument/2006/relationships" xmlns:p="http://schemas.openxmlformats.org/presentationml/2006/main">
   <p:cSld>
     <p:spTree>
@@ -8319,7 +8880,7 @@
           <a:lstStyle/>
           <a:p>
             <a:pPr eaLnBrk="1" hangingPunct="1"/>
-            <a:endParaRPr lang="zh-CN" altLang="en-US">
+            <a:endParaRPr lang="zh-CN" altLang="en-US" dirty="0">
               <a:ea typeface="宋体" pitchFamily="2" charset="-122"/>
             </a:endParaRPr>
           </a:p>
@@ -8342,7 +8903,7 @@
         </p:blipFill>
         <p:spPr bwMode="auto">
           <a:xfrm>
-            <a:off x="0" y="1495425"/>
+            <a:off x="0" y="1449677"/>
             <a:ext cx="9144000" cy="5181600"/>
           </a:xfrm>
           <a:prstGeom prst="rect">
@@ -8381,27 +8942,6 @@
               <a:buFontTx/>
               <a:buNone/>
             </a:pPr>
-            <a:endParaRPr lang="zh-CN" altLang="en-US" sz="4000" b="1" dirty="0">
-              <a:solidFill>
-                <a:schemeClr val="tx1"/>
-              </a:solidFill>
-              <a:ea typeface="微软雅黑" pitchFamily="34" charset="-122"/>
-            </a:endParaRPr>
-          </a:p>
-          <a:p>
-            <a:pPr eaLnBrk="1" hangingPunct="1">
-              <a:buFontTx/>
-              <a:buNone/>
-            </a:pPr>
-            <a:r>
-              <a:rPr lang="zh-CN" altLang="en-US" sz="4000" b="1" dirty="0">
-                <a:solidFill>
-                  <a:schemeClr val="tx1"/>
-                </a:solidFill>
-                <a:ea typeface="微软雅黑" pitchFamily="34" charset="-122"/>
-              </a:rPr>
-              <a:t>调查内容</a:t>
-            </a:r>
             <a:r>
               <a:rPr lang="en-US" altLang="zh-CN" sz="4000" b="1" dirty="0">
                 <a:solidFill>
@@ -8409,7 +8949,7 @@
                 </a:solidFill>
                 <a:ea typeface="微软雅黑" pitchFamily="34" charset="-122"/>
               </a:rPr>
-              <a:t>(data from, job description)</a:t>
+              <a:t>Data source and cleaning</a:t>
             </a:r>
             <a:endParaRPr lang="zh-CN" altLang="en-US" sz="4000" b="1" dirty="0">
               <a:solidFill>
@@ -8417,72 +8957,6 @@
               </a:solidFill>
               <a:ea typeface="微软雅黑" pitchFamily="34" charset="-122"/>
             </a:endParaRPr>
-          </a:p>
-          <a:p>
-            <a:pPr eaLnBrk="1" hangingPunct="1">
-              <a:buFontTx/>
-              <a:buNone/>
-            </a:pPr>
-            <a:r>
-              <a:rPr lang="zh-CN" altLang="en-US" sz="4000" b="1" dirty="0">
-                <a:ea typeface="宋体" pitchFamily="2" charset="-122"/>
-              </a:rPr>
-              <a:t>   </a:t>
-            </a:r>
-            <a:r>
-              <a:rPr lang="zh-CN" altLang="en-US" dirty="0">
-                <a:solidFill>
-                  <a:schemeClr val="tx1"/>
-                </a:solidFill>
-                <a:ea typeface="微软雅黑" pitchFamily="34" charset="-122"/>
-              </a:rPr>
-              <a:t>被调查大学生的基本情况</a:t>
-            </a:r>
-          </a:p>
-          <a:p>
-            <a:pPr eaLnBrk="1" hangingPunct="1">
-              <a:buFontTx/>
-              <a:buNone/>
-            </a:pPr>
-            <a:r>
-              <a:rPr lang="zh-CN" altLang="en-US" dirty="0">
-                <a:solidFill>
-                  <a:schemeClr val="tx1"/>
-                </a:solidFill>
-                <a:ea typeface="微软雅黑" pitchFamily="34" charset="-122"/>
-              </a:rPr>
-              <a:t>    被调查大学生的就业地点选择</a:t>
-            </a:r>
-          </a:p>
-          <a:p>
-            <a:pPr eaLnBrk="1" hangingPunct="1">
-              <a:buFontTx/>
-              <a:buNone/>
-            </a:pPr>
-            <a:r>
-              <a:rPr lang="zh-CN" altLang="en-US" dirty="0">
-                <a:solidFill>
-                  <a:schemeClr val="tx1"/>
-                </a:solidFill>
-                <a:ea typeface="微软雅黑" pitchFamily="34" charset="-122"/>
-              </a:rPr>
-              <a:t>    被调查大学生的动机和想法</a:t>
-            </a:r>
-          </a:p>
-          <a:p>
-            <a:pPr eaLnBrk="1" hangingPunct="1">
-              <a:buFontTx/>
-              <a:buNone/>
-            </a:pPr>
-            <a:r>
-              <a:rPr lang="zh-CN" altLang="en-US" dirty="0">
-                <a:solidFill>
-                  <a:schemeClr val="tx1"/>
-                </a:solidFill>
-                <a:ea typeface="微软雅黑" pitchFamily="34" charset="-122"/>
-              </a:rPr>
-              <a:t>    被调查大学生对武汉市的主观评价 </a:t>
-            </a:r>
           </a:p>
         </p:txBody>
       </p:sp>
@@ -8496,10 +8970,10 @@
         </p:nvGrpSpPr>
         <p:grpSpPr bwMode="auto">
           <a:xfrm>
-            <a:off x="457200" y="412799"/>
-            <a:ext cx="7636749" cy="1263601"/>
-            <a:chOff x="0" y="-6309"/>
-            <a:chExt cx="6625997" cy="1265213"/>
+            <a:off x="457200" y="419100"/>
+            <a:ext cx="8345055" cy="1257300"/>
+            <a:chOff x="0" y="0"/>
+            <a:chExt cx="6895958" cy="1258904"/>
           </a:xfrm>
         </p:grpSpPr>
         <p:grpSp>
@@ -8512,10 +8986,10 @@
           </p:nvGrpSpPr>
           <p:grpSpPr bwMode="auto">
             <a:xfrm>
-              <a:off x="168996" y="-6309"/>
-              <a:ext cx="5103782" cy="1022625"/>
-              <a:chOff x="0" y="-6309"/>
-              <a:chExt cx="5103782" cy="1022625"/>
+              <a:off x="168995" y="0"/>
+              <a:ext cx="6726963" cy="1016316"/>
+              <a:chOff x="-1" y="0"/>
+              <a:chExt cx="6726963" cy="1016316"/>
             </a:xfrm>
           </p:grpSpPr>
           <p:sp>
@@ -8528,8 +9002,8 @@
             </p:nvSpPr>
             <p:spPr bwMode="auto">
               <a:xfrm>
-                <a:off x="0" y="0"/>
-                <a:ext cx="1704934" cy="1008112"/>
+                <a:off x="-1" y="0"/>
+                <a:ext cx="1880349" cy="1008112"/>
               </a:xfrm>
               <a:prstGeom prst="homePlate">
                 <a:avLst>
@@ -8571,8 +9045,8 @@
             </p:nvSpPr>
             <p:spPr bwMode="auto">
               <a:xfrm>
-                <a:off x="1390627" y="8204"/>
-                <a:ext cx="1753189" cy="1008112"/>
+                <a:off x="1572465" y="8204"/>
+                <a:ext cx="2775659" cy="1008112"/>
               </a:xfrm>
               <a:prstGeom prst="chevron">
                 <a:avLst>
@@ -8614,8 +9088,8 @@
             </p:nvSpPr>
             <p:spPr bwMode="auto">
               <a:xfrm>
-                <a:off x="2885197" y="-6309"/>
-                <a:ext cx="2218585" cy="1008112"/>
+                <a:off x="4078096" y="8204"/>
+                <a:ext cx="2648866" cy="1008112"/>
               </a:xfrm>
               <a:prstGeom prst="chevron">
                 <a:avLst>
@@ -9055,8 +9529,8 @@
         </p:nvSpPr>
         <p:spPr bwMode="auto">
           <a:xfrm>
-            <a:off x="638366" y="496743"/>
-            <a:ext cx="1894483" cy="867930"/>
+            <a:off x="681902" y="556058"/>
+            <a:ext cx="2180792" cy="867930"/>
           </a:xfrm>
           <a:prstGeom prst="rect">
             <a:avLst/>
@@ -9133,8 +9607,8 @@
         </p:nvSpPr>
         <p:spPr bwMode="auto">
           <a:xfrm>
-            <a:off x="4336661" y="533178"/>
-            <a:ext cx="2315622" cy="830997"/>
+            <a:off x="5774104" y="238209"/>
+            <a:ext cx="2910896" cy="1384995"/>
           </a:xfrm>
           <a:prstGeom prst="rect">
             <a:avLst/>
@@ -9154,6 +9628,9 @@
           <a:lstStyle/>
           <a:p>
             <a:pPr>
+              <a:lnSpc>
+                <a:spcPct val="150000"/>
+              </a:lnSpc>
               <a:spcBef>
                 <a:spcPct val="50000"/>
               </a:spcBef>
@@ -9166,39 +9643,19 @@
                 <a:latin typeface="微软雅黑" pitchFamily="34" charset="-122"/>
                 <a:ea typeface="微软雅黑" pitchFamily="34" charset="-122"/>
               </a:rPr>
-              <a:t>   Data</a:t>
+              <a:t>   </a:t>
             </a:r>
             <a:r>
-              <a:rPr lang="en-US" altLang="zh-CN" sz="2000" dirty="0">
+              <a:rPr lang="en-US" altLang="zh-CN" sz="2800" dirty="0">
                 <a:solidFill>
                   <a:schemeClr val="bg1"/>
                 </a:solidFill>
                 <a:latin typeface="微软雅黑" pitchFamily="34" charset="-122"/>
                 <a:ea typeface="微软雅黑" pitchFamily="34" charset="-122"/>
               </a:rPr>
-              <a:t> </a:t>
+              <a:t>Skills    Requirements </a:t>
             </a:r>
-            <a:r>
-              <a:rPr lang="en-US" altLang="zh-CN" sz="2200" dirty="0">
-                <a:solidFill>
-                  <a:schemeClr val="bg1"/>
-                </a:solidFill>
-                <a:latin typeface="微软雅黑" pitchFamily="34" charset="-122"/>
-                <a:ea typeface="微软雅黑" pitchFamily="34" charset="-122"/>
-              </a:rPr>
-              <a:t>Visualization</a:t>
-            </a:r>
-            <a:r>
-              <a:rPr lang="en-US" altLang="zh-CN" sz="2000" dirty="0">
-                <a:solidFill>
-                  <a:schemeClr val="bg1"/>
-                </a:solidFill>
-                <a:latin typeface="微软雅黑" pitchFamily="34" charset="-122"/>
-                <a:ea typeface="微软雅黑" pitchFamily="34" charset="-122"/>
-              </a:rPr>
-              <a:t> </a:t>
-            </a:r>
-            <a:endParaRPr lang="zh-CN" altLang="en-US" sz="2000" dirty="0">
+            <a:endParaRPr lang="zh-CN" altLang="en-US" sz="2800" dirty="0">
               <a:solidFill>
                 <a:schemeClr val="bg1"/>
               </a:solidFill>
@@ -9218,63 +9675,8 @@
         </p:nvSpPr>
         <p:spPr bwMode="auto">
           <a:xfrm>
-            <a:off x="2895685" y="648565"/>
-            <a:ext cx="1066800" cy="584775"/>
-          </a:xfrm>
-          <a:prstGeom prst="rect">
-            <a:avLst/>
-          </a:prstGeom>
-          <a:noFill/>
-          <a:ln w="9525">
-            <a:noFill/>
-            <a:miter lim="800000"/>
-            <a:headEnd/>
-            <a:tailEnd/>
-          </a:ln>
-        </p:spPr>
-        <p:txBody>
-          <a:bodyPr>
-            <a:spAutoFit/>
-          </a:bodyPr>
-          <a:lstStyle/>
-          <a:p>
-            <a:pPr>
-              <a:spcBef>
-                <a:spcPct val="50000"/>
-              </a:spcBef>
-            </a:pPr>
-            <a:r>
-              <a:rPr lang="en-US" altLang="zh-CN" sz="3200" dirty="0">
-                <a:solidFill>
-                  <a:schemeClr val="bg1"/>
-                </a:solidFill>
-                <a:latin typeface="微软雅黑" pitchFamily="34" charset="-122"/>
-                <a:ea typeface="微软雅黑" pitchFamily="34" charset="-122"/>
-              </a:rPr>
-              <a:t>NLP</a:t>
-            </a:r>
-            <a:endParaRPr lang="zh-CN" altLang="en-US" sz="3200" dirty="0">
-              <a:solidFill>
-                <a:schemeClr val="bg1"/>
-              </a:solidFill>
-              <a:latin typeface="微软雅黑" pitchFamily="34" charset="-122"/>
-              <a:ea typeface="微软雅黑" pitchFamily="34" charset="-122"/>
-            </a:endParaRPr>
-          </a:p>
-        </p:txBody>
-      </p:sp>
-      <p:sp>
-        <p:nvSpPr>
-          <p:cNvPr id="8219" name="Text Box 27"/>
-          <p:cNvSpPr txBox="1">
-            <a:spLocks noChangeArrowheads="1"/>
-          </p:cNvSpPr>
-          <p:nvPr/>
-        </p:nvSpPr>
-        <p:spPr bwMode="auto">
-          <a:xfrm>
-            <a:off x="6610224" y="586219"/>
-            <a:ext cx="2127376" cy="738664"/>
+            <a:off x="2893170" y="498188"/>
+            <a:ext cx="3036485" cy="997196"/>
           </a:xfrm>
           <a:prstGeom prst="rect">
             <a:avLst/>
@@ -9302,14 +9704,14 @@
               </a:spcBef>
             </a:pPr>
             <a:r>
-              <a:rPr lang="en-US" altLang="zh-CN" sz="2000" dirty="0">
+              <a:rPr lang="en-US" altLang="zh-CN" sz="2800" dirty="0">
                 <a:solidFill>
                   <a:schemeClr val="bg1"/>
                 </a:solidFill>
                 <a:latin typeface="微软雅黑" pitchFamily="34" charset="-122"/>
                 <a:ea typeface="微软雅黑" pitchFamily="34" charset="-122"/>
               </a:rPr>
-              <a:t>Method</a:t>
+              <a:t> Basic</a:t>
             </a:r>
           </a:p>
           <a:p>
@@ -9322,16 +9724,16 @@
               </a:spcBef>
             </a:pPr>
             <a:r>
-              <a:rPr lang="en-US" altLang="zh-CN" sz="2000" dirty="0">
+              <a:rPr lang="en-US" altLang="zh-CN" sz="2800" dirty="0">
                 <a:solidFill>
                   <a:schemeClr val="bg1"/>
                 </a:solidFill>
                 <a:latin typeface="微软雅黑" pitchFamily="34" charset="-122"/>
                 <a:ea typeface="微软雅黑" pitchFamily="34" charset="-122"/>
               </a:rPr>
-              <a:t>Generalization</a:t>
+              <a:t>Requirements</a:t>
             </a:r>
-            <a:endParaRPr lang="zh-CN" altLang="en-US" sz="2000" dirty="0">
+            <a:endParaRPr lang="zh-CN" altLang="en-US" sz="2800" dirty="0">
               <a:solidFill>
                 <a:schemeClr val="bg1"/>
               </a:solidFill>
@@ -9486,6 +9888,11 @@
         </p:txBody>
       </p:sp>
     </p:spTree>
+    <p:extLst>
+      <p:ext uri="{BB962C8B-B14F-4D97-AF65-F5344CB8AC3E}">
+        <p14:creationId xmlns:p14="http://schemas.microsoft.com/office/powerpoint/2010/main" val="1533257125"/>
+      </p:ext>
+    </p:extLst>
   </p:cSld>
   <p:clrMapOvr>
     <a:masterClrMapping/>
@@ -9503,6 +9910,9 @@
                     <p:cTn id="3" fill="hold">
                       <p:stCondLst>
                         <p:cond delay="indefinite"/>
+                        <p:cond evt="onBegin" delay="0">
+                          <p:tn val="2"/>
+                        </p:cond>
                       </p:stCondLst>
                       <p:childTnLst>
                         <p:par>
@@ -9512,7 +9922,7 @@
                             </p:stCondLst>
                             <p:childTnLst>
                               <p:par>
-                                <p:cTn id="5" presetID="2" presetClass="entr" presetSubtype="4" fill="hold" nodeType="clickEffect">
+                                <p:cTn id="5" presetID="2" presetClass="entr" presetSubtype="4" fill="hold" grpId="0" nodeType="afterEffect">
                                   <p:stCondLst>
                                     <p:cond delay="0"/>
                                   </p:stCondLst>
@@ -9525,11 +9935,7 @@
                                           </p:stCondLst>
                                         </p:cTn>
                                         <p:tgtEl>
-                                          <p:spTgt spid="8197">
-                                            <p:txEl>
-                                              <p:pRg st="1" end="1"/>
-                                            </p:txEl>
-                                          </p:spTgt>
+                                          <p:spTgt spid="8220"/>
                                         </p:tgtEl>
                                         <p:attrNameLst>
                                           <p:attrName>style.visibility</p:attrName>
@@ -9543,11 +9949,7 @@
                                       <p:cBhvr additive="base">
                                         <p:cTn id="7" dur="500" fill="hold"/>
                                         <p:tgtEl>
-                                          <p:spTgt spid="8197">
-                                            <p:txEl>
-                                              <p:pRg st="1" end="1"/>
-                                            </p:txEl>
-                                          </p:spTgt>
+                                          <p:spTgt spid="8220"/>
                                         </p:tgtEl>
                                         <p:attrNameLst>
                                           <p:attrName>ppt_x</p:attrName>
@@ -9570,11 +9972,7 @@
                                       <p:cBhvr additive="base">
                                         <p:cTn id="8" dur="500" fill="hold"/>
                                         <p:tgtEl>
-                                          <p:spTgt spid="8197">
-                                            <p:txEl>
-                                              <p:pRg st="1" end="1"/>
-                                            </p:txEl>
-                                          </p:spTgt>
+                                          <p:spTgt spid="8220"/>
                                         </p:tgtEl>
                                         <p:attrNameLst>
                                           <p:attrName>ppt_y</p:attrName>
@@ -9619,7 +10017,7 @@
                                           </p:stCondLst>
                                         </p:cTn>
                                         <p:tgtEl>
-                                          <p:spTgt spid="8220"/>
+                                          <p:spTgt spid="8222"/>
                                         </p:tgtEl>
                                         <p:attrNameLst>
                                           <p:attrName>style.visibility</p:attrName>
@@ -9633,7 +10031,7 @@
                                       <p:cBhvr additive="base">
                                         <p:cTn id="12" dur="500" fill="hold"/>
                                         <p:tgtEl>
-                                          <p:spTgt spid="8220"/>
+                                          <p:spTgt spid="8222"/>
                                         </p:tgtEl>
                                         <p:attrNameLst>
                                           <p:attrName>ppt_x</p:attrName>
@@ -9656,7 +10054,7 @@
                                       <p:cBhvr additive="base">
                                         <p:cTn id="13" dur="500" fill="hold"/>
                                         <p:tgtEl>
-                                          <p:spTgt spid="8220"/>
+                                          <p:spTgt spid="8222"/>
                                         </p:tgtEl>
                                         <p:attrNameLst>
                                           <p:attrName>ppt_y</p:attrName>
@@ -9688,7 +10086,7 @@
                             </p:stCondLst>
                             <p:childTnLst>
                               <p:par>
-                                <p:cTn id="15" presetID="2" presetClass="entr" presetSubtype="4" fill="hold" nodeType="afterEffect">
+                                <p:cTn id="15" presetID="2" presetClass="entr" presetSubtype="4" fill="hold" grpId="0" nodeType="afterEffect">
                                   <p:stCondLst>
                                     <p:cond delay="0"/>
                                   </p:stCondLst>
@@ -9701,11 +10099,7 @@
                                           </p:stCondLst>
                                         </p:cTn>
                                         <p:tgtEl>
-                                          <p:spTgt spid="8197">
-                                            <p:txEl>
-                                              <p:pRg st="2" end="2"/>
-                                            </p:txEl>
-                                          </p:spTgt>
+                                          <p:spTgt spid="8223"/>
                                         </p:tgtEl>
                                         <p:attrNameLst>
                                           <p:attrName>style.visibility</p:attrName>
@@ -9719,11 +10113,7 @@
                                       <p:cBhvr additive="base">
                                         <p:cTn id="17" dur="500" fill="hold"/>
                                         <p:tgtEl>
-                                          <p:spTgt spid="8197">
-                                            <p:txEl>
-                                              <p:pRg st="2" end="2"/>
-                                            </p:txEl>
-                                          </p:spTgt>
+                                          <p:spTgt spid="8223"/>
                                         </p:tgtEl>
                                         <p:attrNameLst>
                                           <p:attrName>ppt_x</p:attrName>
@@ -9746,11 +10136,7 @@
                                       <p:cBhvr additive="base">
                                         <p:cTn id="18" dur="500" fill="hold"/>
                                         <p:tgtEl>
-                                          <p:spTgt spid="8197">
-                                            <p:txEl>
-                                              <p:pRg st="2" end="2"/>
-                                            </p:txEl>
-                                          </p:spTgt>
+                                          <p:spTgt spid="8223"/>
                                         </p:tgtEl>
                                         <p:attrNameLst>
                                           <p:attrName>ppt_y</p:attrName>
@@ -9795,7 +10181,7 @@
                                           </p:stCondLst>
                                         </p:cTn>
                                         <p:tgtEl>
-                                          <p:spTgt spid="8222"/>
+                                          <p:spTgt spid="8221"/>
                                         </p:tgtEl>
                                         <p:attrNameLst>
                                           <p:attrName>style.visibility</p:attrName>
@@ -9809,7 +10195,7 @@
                                       <p:cBhvr additive="base">
                                         <p:cTn id="22" dur="500" fill="hold"/>
                                         <p:tgtEl>
-                                          <p:spTgt spid="8222"/>
+                                          <p:spTgt spid="8221"/>
                                         </p:tgtEl>
                                         <p:attrNameLst>
                                           <p:attrName>ppt_x</p:attrName>
@@ -9832,453 +10218,7 @@
                                       <p:cBhvr additive="base">
                                         <p:cTn id="23" dur="500" fill="hold"/>
                                         <p:tgtEl>
-                                          <p:spTgt spid="8222"/>
-                                        </p:tgtEl>
-                                        <p:attrNameLst>
-                                          <p:attrName>ppt_y</p:attrName>
-                                        </p:attrNameLst>
-                                      </p:cBhvr>
-                                      <p:tavLst>
-                                        <p:tav tm="0">
-                                          <p:val>
-                                            <p:strVal val="1+#ppt_h/2"/>
-                                          </p:val>
-                                        </p:tav>
-                                        <p:tav tm="100000">
-                                          <p:val>
-                                            <p:strVal val="#ppt_y"/>
-                                          </p:val>
-                                        </p:tav>
-                                      </p:tavLst>
-                                    </p:anim>
-                                  </p:childTnLst>
-                                </p:cTn>
-                              </p:par>
-                            </p:childTnLst>
-                          </p:cTn>
-                        </p:par>
-                        <p:par>
-                          <p:cTn id="24" fill="hold">
-                            <p:stCondLst>
-                              <p:cond delay="2000"/>
-                            </p:stCondLst>
-                            <p:childTnLst>
-                              <p:par>
-                                <p:cTn id="25" presetID="2" presetClass="entr" presetSubtype="4" fill="hold" nodeType="afterEffect">
-                                  <p:stCondLst>
-                                    <p:cond delay="0"/>
-                                  </p:stCondLst>
-                                  <p:childTnLst>
-                                    <p:set>
-                                      <p:cBhvr>
-                                        <p:cTn id="26" dur="1" fill="hold">
-                                          <p:stCondLst>
-                                            <p:cond delay="0"/>
-                                          </p:stCondLst>
-                                        </p:cTn>
-                                        <p:tgtEl>
-                                          <p:spTgt spid="8197">
-                                            <p:txEl>
-                                              <p:pRg st="3" end="3"/>
-                                            </p:txEl>
-                                          </p:spTgt>
-                                        </p:tgtEl>
-                                        <p:attrNameLst>
-                                          <p:attrName>style.visibility</p:attrName>
-                                        </p:attrNameLst>
-                                      </p:cBhvr>
-                                      <p:to>
-                                        <p:strVal val="visible"/>
-                                      </p:to>
-                                    </p:set>
-                                    <p:anim calcmode="lin" valueType="num">
-                                      <p:cBhvr additive="base">
-                                        <p:cTn id="27" dur="500" fill="hold"/>
-                                        <p:tgtEl>
-                                          <p:spTgt spid="8197">
-                                            <p:txEl>
-                                              <p:pRg st="3" end="3"/>
-                                            </p:txEl>
-                                          </p:spTgt>
-                                        </p:tgtEl>
-                                        <p:attrNameLst>
-                                          <p:attrName>ppt_x</p:attrName>
-                                        </p:attrNameLst>
-                                      </p:cBhvr>
-                                      <p:tavLst>
-                                        <p:tav tm="0">
-                                          <p:val>
-                                            <p:strVal val="#ppt_x"/>
-                                          </p:val>
-                                        </p:tav>
-                                        <p:tav tm="100000">
-                                          <p:val>
-                                            <p:strVal val="#ppt_x"/>
-                                          </p:val>
-                                        </p:tav>
-                                      </p:tavLst>
-                                    </p:anim>
-                                    <p:anim calcmode="lin" valueType="num">
-                                      <p:cBhvr additive="base">
-                                        <p:cTn id="28" dur="500" fill="hold"/>
-                                        <p:tgtEl>
-                                          <p:spTgt spid="8197">
-                                            <p:txEl>
-                                              <p:pRg st="3" end="3"/>
-                                            </p:txEl>
-                                          </p:spTgt>
-                                        </p:tgtEl>
-                                        <p:attrNameLst>
-                                          <p:attrName>ppt_y</p:attrName>
-                                        </p:attrNameLst>
-                                      </p:cBhvr>
-                                      <p:tavLst>
-                                        <p:tav tm="0">
-                                          <p:val>
-                                            <p:strVal val="1+#ppt_h/2"/>
-                                          </p:val>
-                                        </p:tav>
-                                        <p:tav tm="100000">
-                                          <p:val>
-                                            <p:strVal val="#ppt_y"/>
-                                          </p:val>
-                                        </p:tav>
-                                      </p:tavLst>
-                                    </p:anim>
-                                  </p:childTnLst>
-                                </p:cTn>
-                              </p:par>
-                            </p:childTnLst>
-                          </p:cTn>
-                        </p:par>
-                        <p:par>
-                          <p:cTn id="29" fill="hold">
-                            <p:stCondLst>
-                              <p:cond delay="2500"/>
-                            </p:stCondLst>
-                            <p:childTnLst>
-                              <p:par>
-                                <p:cTn id="30" presetID="2" presetClass="entr" presetSubtype="4" fill="hold" grpId="0" nodeType="afterEffect">
-                                  <p:stCondLst>
-                                    <p:cond delay="0"/>
-                                  </p:stCondLst>
-                                  <p:childTnLst>
-                                    <p:set>
-                                      <p:cBhvr>
-                                        <p:cTn id="31" dur="1" fill="hold">
-                                          <p:stCondLst>
-                                            <p:cond delay="0"/>
-                                          </p:stCondLst>
-                                        </p:cTn>
-                                        <p:tgtEl>
-                                          <p:spTgt spid="8223"/>
-                                        </p:tgtEl>
-                                        <p:attrNameLst>
-                                          <p:attrName>style.visibility</p:attrName>
-                                        </p:attrNameLst>
-                                      </p:cBhvr>
-                                      <p:to>
-                                        <p:strVal val="visible"/>
-                                      </p:to>
-                                    </p:set>
-                                    <p:anim calcmode="lin" valueType="num">
-                                      <p:cBhvr additive="base">
-                                        <p:cTn id="32" dur="500" fill="hold"/>
-                                        <p:tgtEl>
-                                          <p:spTgt spid="8223"/>
-                                        </p:tgtEl>
-                                        <p:attrNameLst>
-                                          <p:attrName>ppt_x</p:attrName>
-                                        </p:attrNameLst>
-                                      </p:cBhvr>
-                                      <p:tavLst>
-                                        <p:tav tm="0">
-                                          <p:val>
-                                            <p:strVal val="#ppt_x"/>
-                                          </p:val>
-                                        </p:tav>
-                                        <p:tav tm="100000">
-                                          <p:val>
-                                            <p:strVal val="#ppt_x"/>
-                                          </p:val>
-                                        </p:tav>
-                                      </p:tavLst>
-                                    </p:anim>
-                                    <p:anim calcmode="lin" valueType="num">
-                                      <p:cBhvr additive="base">
-                                        <p:cTn id="33" dur="500" fill="hold"/>
-                                        <p:tgtEl>
-                                          <p:spTgt spid="8223"/>
-                                        </p:tgtEl>
-                                        <p:attrNameLst>
-                                          <p:attrName>ppt_y</p:attrName>
-                                        </p:attrNameLst>
-                                      </p:cBhvr>
-                                      <p:tavLst>
-                                        <p:tav tm="0">
-                                          <p:val>
-                                            <p:strVal val="1+#ppt_h/2"/>
-                                          </p:val>
-                                        </p:tav>
-                                        <p:tav tm="100000">
-                                          <p:val>
-                                            <p:strVal val="#ppt_y"/>
-                                          </p:val>
-                                        </p:tav>
-                                      </p:tavLst>
-                                    </p:anim>
-                                  </p:childTnLst>
-                                </p:cTn>
-                              </p:par>
-                            </p:childTnLst>
-                          </p:cTn>
-                        </p:par>
-                        <p:par>
-                          <p:cTn id="34" fill="hold">
-                            <p:stCondLst>
-                              <p:cond delay="3000"/>
-                            </p:stCondLst>
-                            <p:childTnLst>
-                              <p:par>
-                                <p:cTn id="35" presetID="2" presetClass="entr" presetSubtype="4" fill="hold" nodeType="afterEffect">
-                                  <p:stCondLst>
-                                    <p:cond delay="0"/>
-                                  </p:stCondLst>
-                                  <p:childTnLst>
-                                    <p:set>
-                                      <p:cBhvr>
-                                        <p:cTn id="36" dur="1" fill="hold">
-                                          <p:stCondLst>
-                                            <p:cond delay="0"/>
-                                          </p:stCondLst>
-                                        </p:cTn>
-                                        <p:tgtEl>
-                                          <p:spTgt spid="8197">
-                                            <p:txEl>
-                                              <p:pRg st="4" end="4"/>
-                                            </p:txEl>
-                                          </p:spTgt>
-                                        </p:tgtEl>
-                                        <p:attrNameLst>
-                                          <p:attrName>style.visibility</p:attrName>
-                                        </p:attrNameLst>
-                                      </p:cBhvr>
-                                      <p:to>
-                                        <p:strVal val="visible"/>
-                                      </p:to>
-                                    </p:set>
-                                    <p:anim calcmode="lin" valueType="num">
-                                      <p:cBhvr additive="base">
-                                        <p:cTn id="37" dur="500" fill="hold"/>
-                                        <p:tgtEl>
-                                          <p:spTgt spid="8197">
-                                            <p:txEl>
-                                              <p:pRg st="4" end="4"/>
-                                            </p:txEl>
-                                          </p:spTgt>
-                                        </p:tgtEl>
-                                        <p:attrNameLst>
-                                          <p:attrName>ppt_x</p:attrName>
-                                        </p:attrNameLst>
-                                      </p:cBhvr>
-                                      <p:tavLst>
-                                        <p:tav tm="0">
-                                          <p:val>
-                                            <p:strVal val="#ppt_x"/>
-                                          </p:val>
-                                        </p:tav>
-                                        <p:tav tm="100000">
-                                          <p:val>
-                                            <p:strVal val="#ppt_x"/>
-                                          </p:val>
-                                        </p:tav>
-                                      </p:tavLst>
-                                    </p:anim>
-                                    <p:anim calcmode="lin" valueType="num">
-                                      <p:cBhvr additive="base">
-                                        <p:cTn id="38" dur="500" fill="hold"/>
-                                        <p:tgtEl>
-                                          <p:spTgt spid="8197">
-                                            <p:txEl>
-                                              <p:pRg st="4" end="4"/>
-                                            </p:txEl>
-                                          </p:spTgt>
-                                        </p:tgtEl>
-                                        <p:attrNameLst>
-                                          <p:attrName>ppt_y</p:attrName>
-                                        </p:attrNameLst>
-                                      </p:cBhvr>
-                                      <p:tavLst>
-                                        <p:tav tm="0">
-                                          <p:val>
-                                            <p:strVal val="1+#ppt_h/2"/>
-                                          </p:val>
-                                        </p:tav>
-                                        <p:tav tm="100000">
-                                          <p:val>
-                                            <p:strVal val="#ppt_y"/>
-                                          </p:val>
-                                        </p:tav>
-                                      </p:tavLst>
-                                    </p:anim>
-                                  </p:childTnLst>
-                                </p:cTn>
-                              </p:par>
-                            </p:childTnLst>
-                          </p:cTn>
-                        </p:par>
-                        <p:par>
-                          <p:cTn id="39" fill="hold">
-                            <p:stCondLst>
-                              <p:cond delay="3500"/>
-                            </p:stCondLst>
-                            <p:childTnLst>
-                              <p:par>
-                                <p:cTn id="40" presetID="2" presetClass="entr" presetSubtype="4" fill="hold" grpId="0" nodeType="afterEffect">
-                                  <p:stCondLst>
-                                    <p:cond delay="0"/>
-                                  </p:stCondLst>
-                                  <p:childTnLst>
-                                    <p:set>
-                                      <p:cBhvr>
-                                        <p:cTn id="41" dur="1" fill="hold">
-                                          <p:stCondLst>
-                                            <p:cond delay="0"/>
-                                          </p:stCondLst>
-                                        </p:cTn>
-                                        <p:tgtEl>
                                           <p:spTgt spid="8221"/>
-                                        </p:tgtEl>
-                                        <p:attrNameLst>
-                                          <p:attrName>style.visibility</p:attrName>
-                                        </p:attrNameLst>
-                                      </p:cBhvr>
-                                      <p:to>
-                                        <p:strVal val="visible"/>
-                                      </p:to>
-                                    </p:set>
-                                    <p:anim calcmode="lin" valueType="num">
-                                      <p:cBhvr additive="base">
-                                        <p:cTn id="42" dur="500" fill="hold"/>
-                                        <p:tgtEl>
-                                          <p:spTgt spid="8221"/>
-                                        </p:tgtEl>
-                                        <p:attrNameLst>
-                                          <p:attrName>ppt_x</p:attrName>
-                                        </p:attrNameLst>
-                                      </p:cBhvr>
-                                      <p:tavLst>
-                                        <p:tav tm="0">
-                                          <p:val>
-                                            <p:strVal val="#ppt_x"/>
-                                          </p:val>
-                                        </p:tav>
-                                        <p:tav tm="100000">
-                                          <p:val>
-                                            <p:strVal val="#ppt_x"/>
-                                          </p:val>
-                                        </p:tav>
-                                      </p:tavLst>
-                                    </p:anim>
-                                    <p:anim calcmode="lin" valueType="num">
-                                      <p:cBhvr additive="base">
-                                        <p:cTn id="43" dur="500" fill="hold"/>
-                                        <p:tgtEl>
-                                          <p:spTgt spid="8221"/>
-                                        </p:tgtEl>
-                                        <p:attrNameLst>
-                                          <p:attrName>ppt_y</p:attrName>
-                                        </p:attrNameLst>
-                                      </p:cBhvr>
-                                      <p:tavLst>
-                                        <p:tav tm="0">
-                                          <p:val>
-                                            <p:strVal val="1+#ppt_h/2"/>
-                                          </p:val>
-                                        </p:tav>
-                                        <p:tav tm="100000">
-                                          <p:val>
-                                            <p:strVal val="#ppt_y"/>
-                                          </p:val>
-                                        </p:tav>
-                                      </p:tavLst>
-                                    </p:anim>
-                                  </p:childTnLst>
-                                </p:cTn>
-                              </p:par>
-                            </p:childTnLst>
-                          </p:cTn>
-                        </p:par>
-                        <p:par>
-                          <p:cTn id="44" fill="hold">
-                            <p:stCondLst>
-                              <p:cond delay="4000"/>
-                            </p:stCondLst>
-                            <p:childTnLst>
-                              <p:par>
-                                <p:cTn id="45" presetID="2" presetClass="entr" presetSubtype="4" fill="hold" nodeType="afterEffect">
-                                  <p:stCondLst>
-                                    <p:cond delay="0"/>
-                                  </p:stCondLst>
-                                  <p:childTnLst>
-                                    <p:set>
-                                      <p:cBhvr>
-                                        <p:cTn id="46" dur="1" fill="hold">
-                                          <p:stCondLst>
-                                            <p:cond delay="0"/>
-                                          </p:stCondLst>
-                                        </p:cTn>
-                                        <p:tgtEl>
-                                          <p:spTgt spid="8197">
-                                            <p:txEl>
-                                              <p:pRg st="5" end="5"/>
-                                            </p:txEl>
-                                          </p:spTgt>
-                                        </p:tgtEl>
-                                        <p:attrNameLst>
-                                          <p:attrName>style.visibility</p:attrName>
-                                        </p:attrNameLst>
-                                      </p:cBhvr>
-                                      <p:to>
-                                        <p:strVal val="visible"/>
-                                      </p:to>
-                                    </p:set>
-                                    <p:anim calcmode="lin" valueType="num">
-                                      <p:cBhvr additive="base">
-                                        <p:cTn id="47" dur="500" fill="hold"/>
-                                        <p:tgtEl>
-                                          <p:spTgt spid="8197">
-                                            <p:txEl>
-                                              <p:pRg st="5" end="5"/>
-                                            </p:txEl>
-                                          </p:spTgt>
-                                        </p:tgtEl>
-                                        <p:attrNameLst>
-                                          <p:attrName>ppt_x</p:attrName>
-                                        </p:attrNameLst>
-                                      </p:cBhvr>
-                                      <p:tavLst>
-                                        <p:tav tm="0">
-                                          <p:val>
-                                            <p:strVal val="#ppt_x"/>
-                                          </p:val>
-                                        </p:tav>
-                                        <p:tav tm="100000">
-                                          <p:val>
-                                            <p:strVal val="#ppt_x"/>
-                                          </p:val>
-                                        </p:tav>
-                                      </p:tavLst>
-                                    </p:anim>
-                                    <p:anim calcmode="lin" valueType="num">
-                                      <p:cBhvr additive="base">
-                                        <p:cTn id="48" dur="500" fill="hold"/>
-                                        <p:tgtEl>
-                                          <p:spTgt spid="8197">
-                                            <p:txEl>
-                                              <p:pRg st="5" end="5"/>
-                                            </p:txEl>
-                                          </p:spTgt>
                                         </p:tgtEl>
                                         <p:attrNameLst>
                                           <p:attrName>ppt_y</p:attrName>
@@ -10430,7 +10370,7 @@
         </p:blipFill>
         <p:spPr bwMode="auto">
           <a:xfrm>
-            <a:off x="0" y="1495425"/>
+            <a:off x="0" y="1449677"/>
             <a:ext cx="9144000" cy="5181600"/>
           </a:xfrm>
           <a:prstGeom prst="rect">
@@ -10497,10 +10437,10 @@
         </p:nvGrpSpPr>
         <p:grpSpPr bwMode="auto">
           <a:xfrm>
-            <a:off x="457200" y="412799"/>
-            <a:ext cx="7636749" cy="1263601"/>
-            <a:chOff x="0" y="-6309"/>
-            <a:chExt cx="6625997" cy="1265213"/>
+            <a:off x="457200" y="419100"/>
+            <a:ext cx="8345055" cy="1257300"/>
+            <a:chOff x="0" y="0"/>
+            <a:chExt cx="6895958" cy="1258904"/>
           </a:xfrm>
         </p:grpSpPr>
         <p:grpSp>
@@ -10513,10 +10453,10 @@
           </p:nvGrpSpPr>
           <p:grpSpPr bwMode="auto">
             <a:xfrm>
-              <a:off x="168996" y="-6309"/>
-              <a:ext cx="5103782" cy="1022625"/>
-              <a:chOff x="0" y="-6309"/>
-              <a:chExt cx="5103782" cy="1022625"/>
+              <a:off x="168995" y="0"/>
+              <a:ext cx="6726963" cy="1016316"/>
+              <a:chOff x="-1" y="0"/>
+              <a:chExt cx="6726963" cy="1016316"/>
             </a:xfrm>
           </p:grpSpPr>
           <p:sp>
@@ -10529,8 +10469,8 @@
             </p:nvSpPr>
             <p:spPr bwMode="auto">
               <a:xfrm>
-                <a:off x="0" y="0"/>
-                <a:ext cx="1704934" cy="1008112"/>
+                <a:off x="-1" y="0"/>
+                <a:ext cx="1880349" cy="1008112"/>
               </a:xfrm>
               <a:prstGeom prst="homePlate">
                 <a:avLst>
@@ -10572,8 +10512,8 @@
             </p:nvSpPr>
             <p:spPr bwMode="auto">
               <a:xfrm>
-                <a:off x="1390627" y="8204"/>
-                <a:ext cx="1753189" cy="1008112"/>
+                <a:off x="1572465" y="8204"/>
+                <a:ext cx="2775659" cy="1008112"/>
               </a:xfrm>
               <a:prstGeom prst="chevron">
                 <a:avLst>
@@ -10615,8 +10555,8 @@
             </p:nvSpPr>
             <p:spPr bwMode="auto">
               <a:xfrm>
-                <a:off x="2885197" y="-6309"/>
-                <a:ext cx="2218585" cy="1008112"/>
+                <a:off x="4078096" y="8204"/>
+                <a:ext cx="2648866" cy="1008112"/>
               </a:xfrm>
               <a:prstGeom prst="chevron">
                 <a:avLst>
@@ -11056,8 +10996,8 @@
         </p:nvSpPr>
         <p:spPr bwMode="auto">
           <a:xfrm>
-            <a:off x="638366" y="496743"/>
-            <a:ext cx="1894483" cy="867930"/>
+            <a:off x="681902" y="556058"/>
+            <a:ext cx="2180792" cy="867930"/>
           </a:xfrm>
           <a:prstGeom prst="rect">
             <a:avLst/>
@@ -11134,8 +11074,8 @@
         </p:nvSpPr>
         <p:spPr bwMode="auto">
           <a:xfrm>
-            <a:off x="4336661" y="533178"/>
-            <a:ext cx="2315622" cy="830997"/>
+            <a:off x="5774104" y="238209"/>
+            <a:ext cx="2910896" cy="1384995"/>
           </a:xfrm>
           <a:prstGeom prst="rect">
             <a:avLst/>
@@ -11155,6 +11095,9 @@
           <a:lstStyle/>
           <a:p>
             <a:pPr>
+              <a:lnSpc>
+                <a:spcPct val="150000"/>
+              </a:lnSpc>
               <a:spcBef>
                 <a:spcPct val="50000"/>
               </a:spcBef>
@@ -11167,39 +11110,19 @@
                 <a:latin typeface="微软雅黑" pitchFamily="34" charset="-122"/>
                 <a:ea typeface="微软雅黑" pitchFamily="34" charset="-122"/>
               </a:rPr>
-              <a:t>   Data</a:t>
+              <a:t>   </a:t>
             </a:r>
             <a:r>
-              <a:rPr lang="en-US" altLang="zh-CN" sz="2000" dirty="0">
+              <a:rPr lang="en-US" altLang="zh-CN" sz="2800" dirty="0">
                 <a:solidFill>
                   <a:schemeClr val="bg1"/>
                 </a:solidFill>
                 <a:latin typeface="微软雅黑" pitchFamily="34" charset="-122"/>
                 <a:ea typeface="微软雅黑" pitchFamily="34" charset="-122"/>
               </a:rPr>
-              <a:t> </a:t>
+              <a:t>Skills    Requirements </a:t>
             </a:r>
-            <a:r>
-              <a:rPr lang="en-US" altLang="zh-CN" sz="2200" dirty="0">
-                <a:solidFill>
-                  <a:schemeClr val="bg1"/>
-                </a:solidFill>
-                <a:latin typeface="微软雅黑" pitchFamily="34" charset="-122"/>
-                <a:ea typeface="微软雅黑" pitchFamily="34" charset="-122"/>
-              </a:rPr>
-              <a:t>Visualization</a:t>
-            </a:r>
-            <a:r>
-              <a:rPr lang="en-US" altLang="zh-CN" sz="2000" dirty="0">
-                <a:solidFill>
-                  <a:schemeClr val="bg1"/>
-                </a:solidFill>
-                <a:latin typeface="微软雅黑" pitchFamily="34" charset="-122"/>
-                <a:ea typeface="微软雅黑" pitchFamily="34" charset="-122"/>
-              </a:rPr>
-              <a:t> </a:t>
-            </a:r>
-            <a:endParaRPr lang="zh-CN" altLang="en-US" sz="2000" dirty="0">
+            <a:endParaRPr lang="zh-CN" altLang="en-US" sz="2800" dirty="0">
               <a:solidFill>
                 <a:schemeClr val="bg1"/>
               </a:solidFill>
@@ -11219,63 +11142,8 @@
         </p:nvSpPr>
         <p:spPr bwMode="auto">
           <a:xfrm>
-            <a:off x="2895685" y="648565"/>
-            <a:ext cx="1066800" cy="584775"/>
-          </a:xfrm>
-          <a:prstGeom prst="rect">
-            <a:avLst/>
-          </a:prstGeom>
-          <a:noFill/>
-          <a:ln w="9525">
-            <a:noFill/>
-            <a:miter lim="800000"/>
-            <a:headEnd/>
-            <a:tailEnd/>
-          </a:ln>
-        </p:spPr>
-        <p:txBody>
-          <a:bodyPr>
-            <a:spAutoFit/>
-          </a:bodyPr>
-          <a:lstStyle/>
-          <a:p>
-            <a:pPr>
-              <a:spcBef>
-                <a:spcPct val="50000"/>
-              </a:spcBef>
-            </a:pPr>
-            <a:r>
-              <a:rPr lang="en-US" altLang="zh-CN" sz="3200" dirty="0">
-                <a:solidFill>
-                  <a:schemeClr val="bg1"/>
-                </a:solidFill>
-                <a:latin typeface="微软雅黑" pitchFamily="34" charset="-122"/>
-                <a:ea typeface="微软雅黑" pitchFamily="34" charset="-122"/>
-              </a:rPr>
-              <a:t>NLP</a:t>
-            </a:r>
-            <a:endParaRPr lang="zh-CN" altLang="en-US" sz="3200" dirty="0">
-              <a:solidFill>
-                <a:schemeClr val="bg1"/>
-              </a:solidFill>
-              <a:latin typeface="微软雅黑" pitchFamily="34" charset="-122"/>
-              <a:ea typeface="微软雅黑" pitchFamily="34" charset="-122"/>
-            </a:endParaRPr>
-          </a:p>
-        </p:txBody>
-      </p:sp>
-      <p:sp>
-        <p:nvSpPr>
-          <p:cNvPr id="8219" name="Text Box 27"/>
-          <p:cNvSpPr txBox="1">
-            <a:spLocks noChangeArrowheads="1"/>
-          </p:cNvSpPr>
-          <p:nvPr/>
-        </p:nvSpPr>
-        <p:spPr bwMode="auto">
-          <a:xfrm>
-            <a:off x="6610224" y="586219"/>
-            <a:ext cx="2127376" cy="738664"/>
+            <a:off x="2893170" y="498188"/>
+            <a:ext cx="3036485" cy="997196"/>
           </a:xfrm>
           <a:prstGeom prst="rect">
             <a:avLst/>
@@ -11303,14 +11171,14 @@
               </a:spcBef>
             </a:pPr>
             <a:r>
-              <a:rPr lang="en-US" altLang="zh-CN" sz="2000" dirty="0">
+              <a:rPr lang="en-US" altLang="zh-CN" sz="2800" dirty="0">
                 <a:solidFill>
                   <a:schemeClr val="bg1"/>
                 </a:solidFill>
                 <a:latin typeface="微软雅黑" pitchFamily="34" charset="-122"/>
                 <a:ea typeface="微软雅黑" pitchFamily="34" charset="-122"/>
               </a:rPr>
-              <a:t>Method</a:t>
+              <a:t> Basic</a:t>
             </a:r>
           </a:p>
           <a:p>
@@ -11323,16 +11191,16 @@
               </a:spcBef>
             </a:pPr>
             <a:r>
-              <a:rPr lang="en-US" altLang="zh-CN" sz="2000" dirty="0">
+              <a:rPr lang="en-US" altLang="zh-CN" sz="2800" dirty="0">
                 <a:solidFill>
                   <a:schemeClr val="bg1"/>
                 </a:solidFill>
                 <a:latin typeface="微软雅黑" pitchFamily="34" charset="-122"/>
                 <a:ea typeface="微软雅黑" pitchFamily="34" charset="-122"/>
               </a:rPr>
-              <a:t>Generalization</a:t>
+              <a:t>Requirements</a:t>
             </a:r>
-            <a:endParaRPr lang="zh-CN" altLang="en-US" sz="2000" dirty="0">
+            <a:endParaRPr lang="zh-CN" altLang="en-US" sz="2800" dirty="0">
               <a:solidFill>
                 <a:schemeClr val="bg1"/>
               </a:solidFill>
@@ -11946,7 +11814,7 @@
           <a:lstStyle/>
           <a:p>
             <a:pPr eaLnBrk="1" hangingPunct="1"/>
-            <a:endParaRPr lang="zh-CN" altLang="en-US">
+            <a:endParaRPr lang="zh-CN" altLang="en-US" dirty="0">
               <a:ea typeface="宋体" pitchFamily="2" charset="-122"/>
             </a:endParaRPr>
           </a:p>
@@ -11969,7 +11837,7 @@
         </p:blipFill>
         <p:spPr bwMode="auto">
           <a:xfrm>
-            <a:off x="0" y="1495425"/>
+            <a:off x="0" y="1449677"/>
             <a:ext cx="9144000" cy="5181600"/>
           </a:xfrm>
           <a:prstGeom prst="rect">
@@ -12008,7 +11876,16 @@
               <a:buFontTx/>
               <a:buNone/>
             </a:pPr>
-            <a:endParaRPr lang="zh-CN" altLang="en-US" sz="4000" b="1" dirty="0">
+            <a:r>
+              <a:rPr lang="en-US" altLang="zh-CN" sz="2800" b="1" dirty="0">
+                <a:solidFill>
+                  <a:schemeClr val="tx1"/>
+                </a:solidFill>
+                <a:ea typeface="微软雅黑" pitchFamily="34" charset="-122"/>
+              </a:rPr>
+              <a:t>Education Background Requirements</a:t>
+            </a:r>
+            <a:endParaRPr lang="zh-CN" altLang="en-US" sz="2800" b="1" dirty="0">
               <a:solidFill>
                 <a:schemeClr val="tx1"/>
               </a:solidFill>
@@ -12027,10 +11904,10 @@
         </p:nvGrpSpPr>
         <p:grpSpPr bwMode="auto">
           <a:xfrm>
-            <a:off x="457200" y="412799"/>
-            <a:ext cx="7830228" cy="1263601"/>
-            <a:chOff x="0" y="-6309"/>
-            <a:chExt cx="6625997" cy="1265213"/>
+            <a:off x="457200" y="419100"/>
+            <a:ext cx="8345055" cy="1257300"/>
+            <a:chOff x="0" y="0"/>
+            <a:chExt cx="6895958" cy="1258904"/>
           </a:xfrm>
         </p:grpSpPr>
         <p:grpSp>
@@ -12043,10 +11920,10 @@
           </p:nvGrpSpPr>
           <p:grpSpPr bwMode="auto">
             <a:xfrm>
-              <a:off x="168996" y="-6309"/>
-              <a:ext cx="5103782" cy="1022625"/>
-              <a:chOff x="0" y="-6309"/>
-              <a:chExt cx="5103782" cy="1022625"/>
+              <a:off x="168995" y="0"/>
+              <a:ext cx="6726963" cy="1016316"/>
+              <a:chOff x="-1" y="0"/>
+              <a:chExt cx="6726963" cy="1016316"/>
             </a:xfrm>
           </p:grpSpPr>
           <p:sp>
@@ -12059,8 +11936,8 @@
             </p:nvSpPr>
             <p:spPr bwMode="auto">
               <a:xfrm>
-                <a:off x="0" y="0"/>
-                <a:ext cx="1704934" cy="1008112"/>
+                <a:off x="-1" y="0"/>
+                <a:ext cx="1880349" cy="1008112"/>
               </a:xfrm>
               <a:prstGeom prst="homePlate">
                 <a:avLst>
@@ -12068,8 +11945,9 @@
                 </a:avLst>
               </a:prstGeom>
               <a:solidFill>
-                <a:schemeClr val="accent3">
-                  <a:lumMod val="75000"/>
+                <a:schemeClr val="bg2">
+                  <a:lumMod val="60000"/>
+                  <a:lumOff val="40000"/>
                 </a:schemeClr>
               </a:solidFill>
               <a:ln w="9525">
@@ -12084,7 +11962,7 @@
               <a:lstStyle/>
               <a:p>
                 <a:pPr algn="ctr"/>
-                <a:endParaRPr lang="zh-CN" altLang="en-US" sz="6000">
+                <a:endParaRPr lang="zh-CN" altLang="en-US" sz="6000" dirty="0">
                   <a:solidFill>
                     <a:srgbClr val="FFFFFF"/>
                   </a:solidFill>
@@ -12104,8 +11982,8 @@
             </p:nvSpPr>
             <p:spPr bwMode="auto">
               <a:xfrm>
-                <a:off x="1390627" y="8204"/>
-                <a:ext cx="1753189" cy="1008112"/>
+                <a:off x="1572465" y="8204"/>
+                <a:ext cx="2775659" cy="1008112"/>
               </a:xfrm>
               <a:prstGeom prst="chevron">
                 <a:avLst>
@@ -12113,7 +11991,7 @@
                 </a:avLst>
               </a:prstGeom>
               <a:solidFill>
-                <a:srgbClr val="0070C0"/>
+                <a:schemeClr val="accent1"/>
               </a:solidFill>
               <a:ln w="9525">
                 <a:noFill/>
@@ -12147,8 +12025,8 @@
             </p:nvSpPr>
             <p:spPr bwMode="auto">
               <a:xfrm>
-                <a:off x="2885197" y="-6309"/>
-                <a:ext cx="2218585" cy="1008112"/>
+                <a:off x="4078096" y="8204"/>
+                <a:ext cx="2648866" cy="1008112"/>
               </a:xfrm>
               <a:prstGeom prst="chevron">
                 <a:avLst>
@@ -12588,8 +12466,8 @@
         </p:nvSpPr>
         <p:spPr bwMode="auto">
           <a:xfrm>
-            <a:off x="638366" y="449335"/>
-            <a:ext cx="2098789" cy="867930"/>
+            <a:off x="697010" y="534119"/>
+            <a:ext cx="2180792" cy="867930"/>
           </a:xfrm>
           <a:prstGeom prst="rect">
             <a:avLst/>
@@ -12666,8 +12544,8 @@
         </p:nvSpPr>
         <p:spPr bwMode="auto">
           <a:xfrm>
-            <a:off x="4457806" y="496305"/>
-            <a:ext cx="2315622" cy="830997"/>
+            <a:off x="5774104" y="238209"/>
+            <a:ext cx="2910896" cy="1384995"/>
           </a:xfrm>
           <a:prstGeom prst="rect">
             <a:avLst/>
@@ -12687,6 +12565,9 @@
           <a:lstStyle/>
           <a:p>
             <a:pPr>
+              <a:lnSpc>
+                <a:spcPct val="150000"/>
+              </a:lnSpc>
               <a:spcBef>
                 <a:spcPct val="50000"/>
               </a:spcBef>
@@ -12699,39 +12580,19 @@
                 <a:latin typeface="微软雅黑" pitchFamily="34" charset="-122"/>
                 <a:ea typeface="微软雅黑" pitchFamily="34" charset="-122"/>
               </a:rPr>
-              <a:t>   Data</a:t>
+              <a:t>   </a:t>
             </a:r>
             <a:r>
-              <a:rPr lang="en-US" altLang="zh-CN" sz="2000" dirty="0">
+              <a:rPr lang="en-US" altLang="zh-CN" sz="2800" dirty="0">
                 <a:solidFill>
                   <a:schemeClr val="bg1"/>
                 </a:solidFill>
                 <a:latin typeface="微软雅黑" pitchFamily="34" charset="-122"/>
                 <a:ea typeface="微软雅黑" pitchFamily="34" charset="-122"/>
               </a:rPr>
-              <a:t> </a:t>
+              <a:t>Skills    Requirements </a:t>
             </a:r>
-            <a:r>
-              <a:rPr lang="en-US" altLang="zh-CN" sz="2200" dirty="0">
-                <a:solidFill>
-                  <a:schemeClr val="bg1"/>
-                </a:solidFill>
-                <a:latin typeface="微软雅黑" pitchFamily="34" charset="-122"/>
-                <a:ea typeface="微软雅黑" pitchFamily="34" charset="-122"/>
-              </a:rPr>
-              <a:t>Visualization</a:t>
-            </a:r>
-            <a:r>
-              <a:rPr lang="en-US" altLang="zh-CN" sz="2000" dirty="0">
-                <a:solidFill>
-                  <a:schemeClr val="bg1"/>
-                </a:solidFill>
-                <a:latin typeface="微软雅黑" pitchFamily="34" charset="-122"/>
-                <a:ea typeface="微软雅黑" pitchFamily="34" charset="-122"/>
-              </a:rPr>
-              <a:t> </a:t>
-            </a:r>
-            <a:endParaRPr lang="zh-CN" altLang="en-US" sz="2000" dirty="0">
+            <a:endParaRPr lang="zh-CN" altLang="en-US" sz="2800" dirty="0">
               <a:solidFill>
                 <a:schemeClr val="bg1"/>
               </a:solidFill>
@@ -12751,63 +12612,8 @@
         </p:nvSpPr>
         <p:spPr bwMode="auto">
           <a:xfrm>
-            <a:off x="2770251" y="647270"/>
-            <a:ext cx="1066800" cy="584775"/>
-          </a:xfrm>
-          <a:prstGeom prst="rect">
-            <a:avLst/>
-          </a:prstGeom>
-          <a:noFill/>
-          <a:ln w="9525">
-            <a:noFill/>
-            <a:miter lim="800000"/>
-            <a:headEnd/>
-            <a:tailEnd/>
-          </a:ln>
-        </p:spPr>
-        <p:txBody>
-          <a:bodyPr>
-            <a:spAutoFit/>
-          </a:bodyPr>
-          <a:lstStyle/>
-          <a:p>
-            <a:pPr>
-              <a:spcBef>
-                <a:spcPct val="50000"/>
-              </a:spcBef>
-            </a:pPr>
-            <a:r>
-              <a:rPr lang="en-US" altLang="zh-CN" sz="3200" dirty="0">
-                <a:solidFill>
-                  <a:schemeClr val="bg1"/>
-                </a:solidFill>
-                <a:latin typeface="微软雅黑" pitchFamily="34" charset="-122"/>
-                <a:ea typeface="微软雅黑" pitchFamily="34" charset="-122"/>
-              </a:rPr>
-              <a:t>NLP</a:t>
-            </a:r>
-            <a:endParaRPr lang="zh-CN" altLang="en-US" sz="3200" dirty="0">
-              <a:solidFill>
-                <a:schemeClr val="bg1"/>
-              </a:solidFill>
-              <a:latin typeface="微软雅黑" pitchFamily="34" charset="-122"/>
-              <a:ea typeface="微软雅黑" pitchFamily="34" charset="-122"/>
-            </a:endParaRPr>
-          </a:p>
-        </p:txBody>
-      </p:sp>
-      <p:sp>
-        <p:nvSpPr>
-          <p:cNvPr id="8219" name="Text Box 27"/>
-          <p:cNvSpPr txBox="1">
-            <a:spLocks noChangeArrowheads="1"/>
-          </p:cNvSpPr>
-          <p:nvPr/>
-        </p:nvSpPr>
-        <p:spPr bwMode="auto">
-          <a:xfrm>
-            <a:off x="6610224" y="586219"/>
-            <a:ext cx="2276286" cy="738664"/>
+            <a:off x="2873064" y="498688"/>
+            <a:ext cx="3036485" cy="997196"/>
           </a:xfrm>
           <a:prstGeom prst="rect">
             <a:avLst/>
@@ -12835,14 +12641,14 @@
               </a:spcBef>
             </a:pPr>
             <a:r>
-              <a:rPr lang="en-US" altLang="zh-CN" sz="2000" dirty="0">
+              <a:rPr lang="en-US" altLang="zh-CN" sz="2800" dirty="0">
                 <a:solidFill>
                   <a:schemeClr val="bg1"/>
                 </a:solidFill>
                 <a:latin typeface="微软雅黑" pitchFamily="34" charset="-122"/>
                 <a:ea typeface="微软雅黑" pitchFamily="34" charset="-122"/>
               </a:rPr>
-              <a:t>   Method</a:t>
+              <a:t> Basic</a:t>
             </a:r>
           </a:p>
           <a:p>
@@ -12855,16 +12661,16 @@
               </a:spcBef>
             </a:pPr>
             <a:r>
-              <a:rPr lang="en-US" altLang="zh-CN" sz="2000" dirty="0">
+              <a:rPr lang="en-US" altLang="zh-CN" sz="2800" dirty="0">
                 <a:solidFill>
                   <a:schemeClr val="bg1"/>
                 </a:solidFill>
                 <a:latin typeface="微软雅黑" pitchFamily="34" charset="-122"/>
                 <a:ea typeface="微软雅黑" pitchFamily="34" charset="-122"/>
               </a:rPr>
-              <a:t>  Generalization</a:t>
+              <a:t>Requirements</a:t>
             </a:r>
-            <a:endParaRPr lang="zh-CN" altLang="en-US" sz="2000" dirty="0">
+            <a:endParaRPr lang="zh-CN" altLang="en-US" sz="2800" dirty="0">
               <a:solidFill>
                 <a:schemeClr val="bg1"/>
               </a:solidFill>
@@ -13021,7 +12827,7 @@
     </p:spTree>
     <p:extLst>
       <p:ext uri="{BB962C8B-B14F-4D97-AF65-F5344CB8AC3E}">
-        <p14:creationId xmlns:p14="http://schemas.microsoft.com/office/powerpoint/2010/main" val="3275186731"/>
+        <p14:creationId xmlns:p14="http://schemas.microsoft.com/office/powerpoint/2010/main" val="3716971158"/>
       </p:ext>
     </p:extLst>
   </p:cSld>
@@ -13478,8 +13284,82 @@
           <a:lstStyle/>
           <a:p>
             <a:pPr eaLnBrk="1" hangingPunct="1"/>
-            <a:endParaRPr lang="zh-CN" altLang="en-US">
+            <a:endParaRPr lang="zh-CN" altLang="en-US" dirty="0">
               <a:ea typeface="宋体" pitchFamily="2" charset="-122"/>
+            </a:endParaRPr>
+          </a:p>
+        </p:txBody>
+      </p:sp>
+      <p:pic>
+        <p:nvPicPr>
+          <p:cNvPr id="8196" name="Picture 4" descr="Client-info-Box"/>
+          <p:cNvPicPr>
+            <a:picLocks noChangeAspect="1" noChangeArrowheads="1"/>
+          </p:cNvPicPr>
+          <p:nvPr/>
+        </p:nvPicPr>
+        <p:blipFill>
+          <a:blip r:embed="rId3" cstate="print"/>
+          <a:srcRect/>
+          <a:stretch>
+            <a:fillRect/>
+          </a:stretch>
+        </p:blipFill>
+        <p:spPr bwMode="auto">
+          <a:xfrm>
+            <a:off x="0" y="1449677"/>
+            <a:ext cx="9144000" cy="5181600"/>
+          </a:xfrm>
+          <a:prstGeom prst="rect">
+            <a:avLst/>
+          </a:prstGeom>
+          <a:noFill/>
+          <a:ln w="9525">
+            <a:noFill/>
+            <a:miter lim="800000"/>
+            <a:headEnd/>
+            <a:tailEnd/>
+          </a:ln>
+        </p:spPr>
+      </p:pic>
+      <p:sp>
+        <p:nvSpPr>
+          <p:cNvPr id="8197" name="Rectangle 5"/>
+          <p:cNvSpPr>
+            <a:spLocks noGrp="1" noChangeArrowheads="1"/>
+          </p:cNvSpPr>
+          <p:nvPr>
+            <p:ph type="body" idx="4294967295"/>
+          </p:nvPr>
+        </p:nvSpPr>
+        <p:spPr>
+          <a:xfrm>
+            <a:off x="457200" y="1614488"/>
+            <a:ext cx="8229600" cy="4525962"/>
+          </a:xfrm>
+        </p:spPr>
+        <p:txBody>
+          <a:bodyPr/>
+          <a:lstStyle/>
+          <a:p>
+            <a:pPr eaLnBrk="1" hangingPunct="1">
+              <a:buFontTx/>
+              <a:buNone/>
+            </a:pPr>
+            <a:r>
+              <a:rPr lang="en-US" altLang="zh-CN" sz="2800" b="1" dirty="0">
+                <a:solidFill>
+                  <a:schemeClr val="tx1"/>
+                </a:solidFill>
+                <a:ea typeface="微软雅黑" pitchFamily="34" charset="-122"/>
+              </a:rPr>
+              <a:t>Working Experience Requirements</a:t>
+            </a:r>
+            <a:endParaRPr lang="zh-CN" altLang="en-US" sz="2800" b="1" dirty="0">
+              <a:solidFill>
+                <a:schemeClr val="tx1"/>
+              </a:solidFill>
+              <a:ea typeface="微软雅黑" pitchFamily="34" charset="-122"/>
             </a:endParaRPr>
           </a:p>
         </p:txBody>
@@ -13494,10 +13374,10 @@
         </p:nvGrpSpPr>
         <p:grpSpPr bwMode="auto">
           <a:xfrm>
-            <a:off x="457200" y="369553"/>
-            <a:ext cx="7762471" cy="1269902"/>
-            <a:chOff x="0" y="-12618"/>
-            <a:chExt cx="6625997" cy="1271522"/>
+            <a:off x="457200" y="419100"/>
+            <a:ext cx="8345055" cy="1257300"/>
+            <a:chOff x="0" y="0"/>
+            <a:chExt cx="6895958" cy="1258904"/>
           </a:xfrm>
         </p:grpSpPr>
         <p:grpSp>
@@ -13510,10 +13390,10 @@
           </p:nvGrpSpPr>
           <p:grpSpPr bwMode="auto">
             <a:xfrm>
-              <a:off x="168996" y="-12618"/>
-              <a:ext cx="5116179" cy="1030845"/>
-              <a:chOff x="0" y="-12618"/>
-              <a:chExt cx="5116179" cy="1030845"/>
+              <a:off x="168995" y="0"/>
+              <a:ext cx="6726963" cy="1016316"/>
+              <a:chOff x="-1" y="0"/>
+              <a:chExt cx="6726963" cy="1016316"/>
             </a:xfrm>
           </p:grpSpPr>
           <p:sp>
@@ -13526,8 +13406,8 @@
             </p:nvSpPr>
             <p:spPr bwMode="auto">
               <a:xfrm>
-                <a:off x="0" y="0"/>
-                <a:ext cx="1704934" cy="1008112"/>
+                <a:off x="-1" y="0"/>
+                <a:ext cx="1880349" cy="1008112"/>
               </a:xfrm>
               <a:prstGeom prst="homePlate">
                 <a:avLst>
@@ -13535,8 +13415,9 @@
                 </a:avLst>
               </a:prstGeom>
               <a:solidFill>
-                <a:schemeClr val="accent3">
-                  <a:lumMod val="75000"/>
+                <a:schemeClr val="bg2">
+                  <a:lumMod val="60000"/>
+                  <a:lumOff val="40000"/>
                 </a:schemeClr>
               </a:solidFill>
               <a:ln w="9525">
@@ -13551,7 +13432,7 @@
               <a:lstStyle/>
               <a:p>
                 <a:pPr algn="ctr"/>
-                <a:endParaRPr lang="zh-CN" altLang="en-US" sz="6000">
+                <a:endParaRPr lang="zh-CN" altLang="en-US" sz="6000" dirty="0">
                   <a:solidFill>
                     <a:srgbClr val="FFFFFF"/>
                   </a:solidFill>
@@ -13571,8 +13452,8 @@
             </p:nvSpPr>
             <p:spPr bwMode="auto">
               <a:xfrm>
-                <a:off x="2784125" y="-12618"/>
-                <a:ext cx="2332054" cy="1008112"/>
+                <a:off x="1572465" y="8204"/>
+                <a:ext cx="2775659" cy="1008112"/>
               </a:xfrm>
               <a:prstGeom prst="chevron">
                 <a:avLst>
@@ -13580,7 +13461,7 @@
                 </a:avLst>
               </a:prstGeom>
               <a:solidFill>
-                <a:srgbClr val="0070C0"/>
+                <a:schemeClr val="accent1"/>
               </a:solidFill>
               <a:ln w="9525">
                 <a:noFill/>
@@ -13614,8 +13495,8 @@
             </p:nvSpPr>
             <p:spPr bwMode="auto">
               <a:xfrm>
-                <a:off x="1412296" y="10115"/>
-                <a:ext cx="1639405" cy="1008112"/>
+                <a:off x="4078096" y="8204"/>
+                <a:ext cx="2648866" cy="1008112"/>
               </a:xfrm>
               <a:prstGeom prst="chevron">
                 <a:avLst>
@@ -14055,8 +13936,8 @@
         </p:nvSpPr>
         <p:spPr bwMode="auto">
           <a:xfrm>
-            <a:off x="638366" y="449335"/>
-            <a:ext cx="2098789" cy="867930"/>
+            <a:off x="697010" y="534119"/>
+            <a:ext cx="2180792" cy="867930"/>
           </a:xfrm>
           <a:prstGeom prst="rect">
             <a:avLst/>
@@ -14133,8 +14014,8 @@
         </p:nvSpPr>
         <p:spPr bwMode="auto">
           <a:xfrm>
-            <a:off x="4333253" y="472857"/>
-            <a:ext cx="2315622" cy="800219"/>
+            <a:off x="5774104" y="238209"/>
+            <a:ext cx="2910896" cy="1384995"/>
           </a:xfrm>
           <a:prstGeom prst="rect">
             <a:avLst/>
@@ -14154,6 +14035,9 @@
           <a:lstStyle/>
           <a:p>
             <a:pPr>
+              <a:lnSpc>
+                <a:spcPct val="150000"/>
+              </a:lnSpc>
               <a:spcBef>
                 <a:spcPct val="50000"/>
               </a:spcBef>
@@ -14166,39 +14050,19 @@
                 <a:latin typeface="微软雅黑" pitchFamily="34" charset="-122"/>
                 <a:ea typeface="微软雅黑" pitchFamily="34" charset="-122"/>
               </a:rPr>
-              <a:t>   Data</a:t>
+              <a:t>   </a:t>
             </a:r>
             <a:r>
-              <a:rPr lang="en-US" altLang="zh-CN" sz="2000" dirty="0">
+              <a:rPr lang="en-US" altLang="zh-CN" sz="2800" dirty="0">
                 <a:solidFill>
                   <a:schemeClr val="bg1"/>
                 </a:solidFill>
                 <a:latin typeface="微软雅黑" pitchFamily="34" charset="-122"/>
                 <a:ea typeface="微软雅黑" pitchFamily="34" charset="-122"/>
               </a:rPr>
-              <a:t>       </a:t>
+              <a:t>Skills    Requirements </a:t>
             </a:r>
-            <a:r>
-              <a:rPr lang="en-US" altLang="zh-CN" sz="2200" dirty="0">
-                <a:solidFill>
-                  <a:schemeClr val="bg1"/>
-                </a:solidFill>
-                <a:latin typeface="微软雅黑" pitchFamily="34" charset="-122"/>
-                <a:ea typeface="微软雅黑" pitchFamily="34" charset="-122"/>
-              </a:rPr>
-              <a:t>Visualization</a:t>
-            </a:r>
-            <a:r>
-              <a:rPr lang="en-US" altLang="zh-CN" sz="2000" dirty="0">
-                <a:solidFill>
-                  <a:schemeClr val="bg1"/>
-                </a:solidFill>
-                <a:latin typeface="微软雅黑" pitchFamily="34" charset="-122"/>
-                <a:ea typeface="微软雅黑" pitchFamily="34" charset="-122"/>
-              </a:rPr>
-              <a:t> </a:t>
-            </a:r>
-            <a:endParaRPr lang="zh-CN" altLang="en-US" sz="2000" dirty="0">
+            <a:endParaRPr lang="zh-CN" altLang="en-US" sz="2800" dirty="0">
               <a:solidFill>
                 <a:schemeClr val="bg1"/>
               </a:solidFill>
@@ -14218,63 +14082,8 @@
         </p:nvSpPr>
         <p:spPr bwMode="auto">
           <a:xfrm>
-            <a:off x="2746602" y="649431"/>
-            <a:ext cx="1066800" cy="584775"/>
-          </a:xfrm>
-          <a:prstGeom prst="rect">
-            <a:avLst/>
-          </a:prstGeom>
-          <a:noFill/>
-          <a:ln w="9525">
-            <a:noFill/>
-            <a:miter lim="800000"/>
-            <a:headEnd/>
-            <a:tailEnd/>
-          </a:ln>
-        </p:spPr>
-        <p:txBody>
-          <a:bodyPr>
-            <a:spAutoFit/>
-          </a:bodyPr>
-          <a:lstStyle/>
-          <a:p>
-            <a:pPr>
-              <a:spcBef>
-                <a:spcPct val="50000"/>
-              </a:spcBef>
-            </a:pPr>
-            <a:r>
-              <a:rPr lang="en-US" altLang="zh-CN" sz="3200" dirty="0">
-                <a:solidFill>
-                  <a:schemeClr val="bg1"/>
-                </a:solidFill>
-                <a:latin typeface="微软雅黑" pitchFamily="34" charset="-122"/>
-                <a:ea typeface="微软雅黑" pitchFamily="34" charset="-122"/>
-              </a:rPr>
-              <a:t>NLP</a:t>
-            </a:r>
-            <a:endParaRPr lang="zh-CN" altLang="en-US" sz="3200" dirty="0">
-              <a:solidFill>
-                <a:schemeClr val="bg1"/>
-              </a:solidFill>
-              <a:latin typeface="微软雅黑" pitchFamily="34" charset="-122"/>
-              <a:ea typeface="微软雅黑" pitchFamily="34" charset="-122"/>
-            </a:endParaRPr>
-          </a:p>
-        </p:txBody>
-      </p:sp>
-      <p:sp>
-        <p:nvSpPr>
-          <p:cNvPr id="8219" name="Text Box 27"/>
-          <p:cNvSpPr txBox="1">
-            <a:spLocks noChangeArrowheads="1"/>
-          </p:cNvSpPr>
-          <p:nvPr/>
-        </p:nvSpPr>
-        <p:spPr bwMode="auto">
-          <a:xfrm>
-            <a:off x="6391049" y="586219"/>
-            <a:ext cx="2462625" cy="738664"/>
+            <a:off x="2873064" y="498688"/>
+            <a:ext cx="3036485" cy="997196"/>
           </a:xfrm>
           <a:prstGeom prst="rect">
             <a:avLst/>
@@ -14302,14 +14111,14 @@
               </a:spcBef>
             </a:pPr>
             <a:r>
-              <a:rPr lang="en-US" altLang="zh-CN" sz="2000" dirty="0">
+              <a:rPr lang="en-US" altLang="zh-CN" sz="2800" dirty="0">
                 <a:solidFill>
                   <a:schemeClr val="bg1"/>
                 </a:solidFill>
                 <a:latin typeface="微软雅黑" pitchFamily="34" charset="-122"/>
                 <a:ea typeface="微软雅黑" pitchFamily="34" charset="-122"/>
               </a:rPr>
-              <a:t>   Method</a:t>
+              <a:t> Basic</a:t>
             </a:r>
           </a:p>
           <a:p>
@@ -14322,16 +14131,16 @@
               </a:spcBef>
             </a:pPr>
             <a:r>
-              <a:rPr lang="en-US" altLang="zh-CN" sz="2000" dirty="0">
+              <a:rPr lang="en-US" altLang="zh-CN" sz="2800" dirty="0">
                 <a:solidFill>
                   <a:schemeClr val="bg1"/>
                 </a:solidFill>
                 <a:latin typeface="微软雅黑" pitchFamily="34" charset="-122"/>
                 <a:ea typeface="微软雅黑" pitchFamily="34" charset="-122"/>
               </a:rPr>
-              <a:t>   Generalization</a:t>
+              <a:t>Requirements</a:t>
             </a:r>
-            <a:endParaRPr lang="zh-CN" altLang="en-US" sz="2000" dirty="0">
+            <a:endParaRPr lang="zh-CN" altLang="en-US" sz="2800" dirty="0">
               <a:solidFill>
                 <a:schemeClr val="bg1"/>
               </a:solidFill>
@@ -14341,10 +14150,154 @@
           </a:p>
         </p:txBody>
       </p:sp>
+      <p:sp>
+        <p:nvSpPr>
+          <p:cNvPr id="8220" name="AutoShape 28"/>
+          <p:cNvSpPr>
+            <a:spLocks noChangeArrowheads="1"/>
+          </p:cNvSpPr>
+          <p:nvPr/>
+        </p:nvSpPr>
+        <p:spPr bwMode="auto">
+          <a:xfrm>
+            <a:off x="631825" y="3290888"/>
+            <a:ext cx="304800" cy="331787"/>
+          </a:xfrm>
+          <a:prstGeom prst="diamond">
+            <a:avLst/>
+          </a:prstGeom>
+          <a:solidFill>
+            <a:schemeClr val="tx1"/>
+          </a:solidFill>
+          <a:ln w="9525" cmpd="sng">
+            <a:solidFill>
+              <a:schemeClr val="tx1"/>
+            </a:solidFill>
+            <a:miter lim="800000"/>
+            <a:headEnd/>
+            <a:tailEnd/>
+          </a:ln>
+        </p:spPr>
+        <p:txBody>
+          <a:bodyPr wrap="none" anchor="ctr"/>
+          <a:lstStyle/>
+          <a:p>
+            <a:endParaRPr lang="zh-CN" altLang="en-US"/>
+          </a:p>
+        </p:txBody>
+      </p:sp>
+      <p:sp>
+        <p:nvSpPr>
+          <p:cNvPr id="8221" name="AutoShape 29"/>
+          <p:cNvSpPr>
+            <a:spLocks noChangeArrowheads="1"/>
+          </p:cNvSpPr>
+          <p:nvPr/>
+        </p:nvSpPr>
+        <p:spPr bwMode="auto">
+          <a:xfrm>
+            <a:off x="679450" y="5099050"/>
+            <a:ext cx="304800" cy="331788"/>
+          </a:xfrm>
+          <a:prstGeom prst="diamond">
+            <a:avLst/>
+          </a:prstGeom>
+          <a:solidFill>
+            <a:schemeClr val="tx1"/>
+          </a:solidFill>
+          <a:ln w="9525" cmpd="sng">
+            <a:solidFill>
+              <a:schemeClr val="tx1"/>
+            </a:solidFill>
+            <a:miter lim="800000"/>
+            <a:headEnd/>
+            <a:tailEnd/>
+          </a:ln>
+        </p:spPr>
+        <p:txBody>
+          <a:bodyPr wrap="none" anchor="ctr"/>
+          <a:lstStyle/>
+          <a:p>
+            <a:endParaRPr lang="zh-CN" altLang="en-US"/>
+          </a:p>
+        </p:txBody>
+      </p:sp>
+      <p:sp>
+        <p:nvSpPr>
+          <p:cNvPr id="8222" name="AutoShape 30"/>
+          <p:cNvSpPr>
+            <a:spLocks noChangeArrowheads="1"/>
+          </p:cNvSpPr>
+          <p:nvPr/>
+        </p:nvSpPr>
+        <p:spPr bwMode="auto">
+          <a:xfrm>
+            <a:off x="615950" y="3905250"/>
+            <a:ext cx="304800" cy="331788"/>
+          </a:xfrm>
+          <a:prstGeom prst="diamond">
+            <a:avLst/>
+          </a:prstGeom>
+          <a:solidFill>
+            <a:schemeClr val="tx1"/>
+          </a:solidFill>
+          <a:ln w="9525" cmpd="sng">
+            <a:solidFill>
+              <a:schemeClr val="tx1"/>
+            </a:solidFill>
+            <a:miter lim="800000"/>
+            <a:headEnd/>
+            <a:tailEnd/>
+          </a:ln>
+        </p:spPr>
+        <p:txBody>
+          <a:bodyPr wrap="none" anchor="ctr"/>
+          <a:lstStyle/>
+          <a:p>
+            <a:endParaRPr lang="zh-CN" altLang="en-US"/>
+          </a:p>
+        </p:txBody>
+      </p:sp>
+      <p:sp>
+        <p:nvSpPr>
+          <p:cNvPr id="8223" name="AutoShape 31"/>
+          <p:cNvSpPr>
+            <a:spLocks noChangeArrowheads="1"/>
+          </p:cNvSpPr>
+          <p:nvPr/>
+        </p:nvSpPr>
+        <p:spPr bwMode="auto">
+          <a:xfrm>
+            <a:off x="635000" y="4522788"/>
+            <a:ext cx="304800" cy="331787"/>
+          </a:xfrm>
+          <a:prstGeom prst="diamond">
+            <a:avLst/>
+          </a:prstGeom>
+          <a:solidFill>
+            <a:schemeClr val="tx1"/>
+          </a:solidFill>
+          <a:ln w="9525" cmpd="sng">
+            <a:solidFill>
+              <a:schemeClr val="tx1"/>
+            </a:solidFill>
+            <a:miter lim="800000"/>
+            <a:headEnd/>
+            <a:tailEnd/>
+          </a:ln>
+        </p:spPr>
+        <p:txBody>
+          <a:bodyPr wrap="none" anchor="ctr"/>
+          <a:lstStyle/>
+          <a:p>
+            <a:endParaRPr lang="zh-CN" altLang="en-US"/>
+          </a:p>
+        </p:txBody>
+      </p:sp>
     </p:spTree>
     <p:extLst>
       <p:ext uri="{BB962C8B-B14F-4D97-AF65-F5344CB8AC3E}">
-        <p14:creationId xmlns:p14="http://schemas.microsoft.com/office/powerpoint/2010/main" val="325400906"/>
+        <p14:creationId xmlns:p14="http://schemas.microsoft.com/office/powerpoint/2010/main" val="4037611483"/>
       </p:ext>
     </p:extLst>
   </p:cSld>
@@ -14352,6 +14305,382 @@
     <a:masterClrMapping/>
   </p:clrMapOvr>
   <p:transition/>
+  <p:timing>
+    <p:tnLst>
+      <p:par>
+        <p:cTn id="1" dur="indefinite" restart="never" nodeType="tmRoot">
+          <p:childTnLst>
+            <p:seq concurrent="1" nextAc="seek">
+              <p:cTn id="2" dur="indefinite" nodeType="mainSeq">
+                <p:childTnLst>
+                  <p:par>
+                    <p:cTn id="3" fill="hold">
+                      <p:stCondLst>
+                        <p:cond delay="indefinite"/>
+                        <p:cond evt="onBegin" delay="0">
+                          <p:tn val="2"/>
+                        </p:cond>
+                      </p:stCondLst>
+                      <p:childTnLst>
+                        <p:par>
+                          <p:cTn id="4" fill="hold">
+                            <p:stCondLst>
+                              <p:cond delay="0"/>
+                            </p:stCondLst>
+                            <p:childTnLst>
+                              <p:par>
+                                <p:cTn id="5" presetID="2" presetClass="entr" presetSubtype="4" fill="hold" grpId="0" nodeType="afterEffect">
+                                  <p:stCondLst>
+                                    <p:cond delay="0"/>
+                                  </p:stCondLst>
+                                  <p:childTnLst>
+                                    <p:set>
+                                      <p:cBhvr>
+                                        <p:cTn id="6" dur="1" fill="hold">
+                                          <p:stCondLst>
+                                            <p:cond delay="0"/>
+                                          </p:stCondLst>
+                                        </p:cTn>
+                                        <p:tgtEl>
+                                          <p:spTgt spid="8220"/>
+                                        </p:tgtEl>
+                                        <p:attrNameLst>
+                                          <p:attrName>style.visibility</p:attrName>
+                                        </p:attrNameLst>
+                                      </p:cBhvr>
+                                      <p:to>
+                                        <p:strVal val="visible"/>
+                                      </p:to>
+                                    </p:set>
+                                    <p:anim calcmode="lin" valueType="num">
+                                      <p:cBhvr additive="base">
+                                        <p:cTn id="7" dur="500" fill="hold"/>
+                                        <p:tgtEl>
+                                          <p:spTgt spid="8220"/>
+                                        </p:tgtEl>
+                                        <p:attrNameLst>
+                                          <p:attrName>ppt_x</p:attrName>
+                                        </p:attrNameLst>
+                                      </p:cBhvr>
+                                      <p:tavLst>
+                                        <p:tav tm="0">
+                                          <p:val>
+                                            <p:strVal val="#ppt_x"/>
+                                          </p:val>
+                                        </p:tav>
+                                        <p:tav tm="100000">
+                                          <p:val>
+                                            <p:strVal val="#ppt_x"/>
+                                          </p:val>
+                                        </p:tav>
+                                      </p:tavLst>
+                                    </p:anim>
+                                    <p:anim calcmode="lin" valueType="num">
+                                      <p:cBhvr additive="base">
+                                        <p:cTn id="8" dur="500" fill="hold"/>
+                                        <p:tgtEl>
+                                          <p:spTgt spid="8220"/>
+                                        </p:tgtEl>
+                                        <p:attrNameLst>
+                                          <p:attrName>ppt_y</p:attrName>
+                                        </p:attrNameLst>
+                                      </p:cBhvr>
+                                      <p:tavLst>
+                                        <p:tav tm="0">
+                                          <p:val>
+                                            <p:strVal val="1+#ppt_h/2"/>
+                                          </p:val>
+                                        </p:tav>
+                                        <p:tav tm="100000">
+                                          <p:val>
+                                            <p:strVal val="#ppt_y"/>
+                                          </p:val>
+                                        </p:tav>
+                                      </p:tavLst>
+                                    </p:anim>
+                                  </p:childTnLst>
+                                </p:cTn>
+                              </p:par>
+                            </p:childTnLst>
+                          </p:cTn>
+                        </p:par>
+                        <p:par>
+                          <p:cTn id="9" fill="hold">
+                            <p:stCondLst>
+                              <p:cond delay="500"/>
+                            </p:stCondLst>
+                            <p:childTnLst>
+                              <p:par>
+                                <p:cTn id="10" presetID="2" presetClass="entr" presetSubtype="4" fill="hold" grpId="0" nodeType="afterEffect">
+                                  <p:stCondLst>
+                                    <p:cond delay="0"/>
+                                  </p:stCondLst>
+                                  <p:childTnLst>
+                                    <p:set>
+                                      <p:cBhvr>
+                                        <p:cTn id="11" dur="1" fill="hold">
+                                          <p:stCondLst>
+                                            <p:cond delay="0"/>
+                                          </p:stCondLst>
+                                        </p:cTn>
+                                        <p:tgtEl>
+                                          <p:spTgt spid="8222"/>
+                                        </p:tgtEl>
+                                        <p:attrNameLst>
+                                          <p:attrName>style.visibility</p:attrName>
+                                        </p:attrNameLst>
+                                      </p:cBhvr>
+                                      <p:to>
+                                        <p:strVal val="visible"/>
+                                      </p:to>
+                                    </p:set>
+                                    <p:anim calcmode="lin" valueType="num">
+                                      <p:cBhvr additive="base">
+                                        <p:cTn id="12" dur="500" fill="hold"/>
+                                        <p:tgtEl>
+                                          <p:spTgt spid="8222"/>
+                                        </p:tgtEl>
+                                        <p:attrNameLst>
+                                          <p:attrName>ppt_x</p:attrName>
+                                        </p:attrNameLst>
+                                      </p:cBhvr>
+                                      <p:tavLst>
+                                        <p:tav tm="0">
+                                          <p:val>
+                                            <p:strVal val="#ppt_x"/>
+                                          </p:val>
+                                        </p:tav>
+                                        <p:tav tm="100000">
+                                          <p:val>
+                                            <p:strVal val="#ppt_x"/>
+                                          </p:val>
+                                        </p:tav>
+                                      </p:tavLst>
+                                    </p:anim>
+                                    <p:anim calcmode="lin" valueType="num">
+                                      <p:cBhvr additive="base">
+                                        <p:cTn id="13" dur="500" fill="hold"/>
+                                        <p:tgtEl>
+                                          <p:spTgt spid="8222"/>
+                                        </p:tgtEl>
+                                        <p:attrNameLst>
+                                          <p:attrName>ppt_y</p:attrName>
+                                        </p:attrNameLst>
+                                      </p:cBhvr>
+                                      <p:tavLst>
+                                        <p:tav tm="0">
+                                          <p:val>
+                                            <p:strVal val="1+#ppt_h/2"/>
+                                          </p:val>
+                                        </p:tav>
+                                        <p:tav tm="100000">
+                                          <p:val>
+                                            <p:strVal val="#ppt_y"/>
+                                          </p:val>
+                                        </p:tav>
+                                      </p:tavLst>
+                                    </p:anim>
+                                  </p:childTnLst>
+                                </p:cTn>
+                              </p:par>
+                            </p:childTnLst>
+                          </p:cTn>
+                        </p:par>
+                        <p:par>
+                          <p:cTn id="14" fill="hold">
+                            <p:stCondLst>
+                              <p:cond delay="1000"/>
+                            </p:stCondLst>
+                            <p:childTnLst>
+                              <p:par>
+                                <p:cTn id="15" presetID="2" presetClass="entr" presetSubtype="4" fill="hold" grpId="0" nodeType="afterEffect">
+                                  <p:stCondLst>
+                                    <p:cond delay="0"/>
+                                  </p:stCondLst>
+                                  <p:childTnLst>
+                                    <p:set>
+                                      <p:cBhvr>
+                                        <p:cTn id="16" dur="1" fill="hold">
+                                          <p:stCondLst>
+                                            <p:cond delay="0"/>
+                                          </p:stCondLst>
+                                        </p:cTn>
+                                        <p:tgtEl>
+                                          <p:spTgt spid="8223"/>
+                                        </p:tgtEl>
+                                        <p:attrNameLst>
+                                          <p:attrName>style.visibility</p:attrName>
+                                        </p:attrNameLst>
+                                      </p:cBhvr>
+                                      <p:to>
+                                        <p:strVal val="visible"/>
+                                      </p:to>
+                                    </p:set>
+                                    <p:anim calcmode="lin" valueType="num">
+                                      <p:cBhvr additive="base">
+                                        <p:cTn id="17" dur="500" fill="hold"/>
+                                        <p:tgtEl>
+                                          <p:spTgt spid="8223"/>
+                                        </p:tgtEl>
+                                        <p:attrNameLst>
+                                          <p:attrName>ppt_x</p:attrName>
+                                        </p:attrNameLst>
+                                      </p:cBhvr>
+                                      <p:tavLst>
+                                        <p:tav tm="0">
+                                          <p:val>
+                                            <p:strVal val="#ppt_x"/>
+                                          </p:val>
+                                        </p:tav>
+                                        <p:tav tm="100000">
+                                          <p:val>
+                                            <p:strVal val="#ppt_x"/>
+                                          </p:val>
+                                        </p:tav>
+                                      </p:tavLst>
+                                    </p:anim>
+                                    <p:anim calcmode="lin" valueType="num">
+                                      <p:cBhvr additive="base">
+                                        <p:cTn id="18" dur="500" fill="hold"/>
+                                        <p:tgtEl>
+                                          <p:spTgt spid="8223"/>
+                                        </p:tgtEl>
+                                        <p:attrNameLst>
+                                          <p:attrName>ppt_y</p:attrName>
+                                        </p:attrNameLst>
+                                      </p:cBhvr>
+                                      <p:tavLst>
+                                        <p:tav tm="0">
+                                          <p:val>
+                                            <p:strVal val="1+#ppt_h/2"/>
+                                          </p:val>
+                                        </p:tav>
+                                        <p:tav tm="100000">
+                                          <p:val>
+                                            <p:strVal val="#ppt_y"/>
+                                          </p:val>
+                                        </p:tav>
+                                      </p:tavLst>
+                                    </p:anim>
+                                  </p:childTnLst>
+                                </p:cTn>
+                              </p:par>
+                            </p:childTnLst>
+                          </p:cTn>
+                        </p:par>
+                        <p:par>
+                          <p:cTn id="19" fill="hold">
+                            <p:stCondLst>
+                              <p:cond delay="1500"/>
+                            </p:stCondLst>
+                            <p:childTnLst>
+                              <p:par>
+                                <p:cTn id="20" presetID="2" presetClass="entr" presetSubtype="4" fill="hold" grpId="0" nodeType="afterEffect">
+                                  <p:stCondLst>
+                                    <p:cond delay="0"/>
+                                  </p:stCondLst>
+                                  <p:childTnLst>
+                                    <p:set>
+                                      <p:cBhvr>
+                                        <p:cTn id="21" dur="1" fill="hold">
+                                          <p:stCondLst>
+                                            <p:cond delay="0"/>
+                                          </p:stCondLst>
+                                        </p:cTn>
+                                        <p:tgtEl>
+                                          <p:spTgt spid="8221"/>
+                                        </p:tgtEl>
+                                        <p:attrNameLst>
+                                          <p:attrName>style.visibility</p:attrName>
+                                        </p:attrNameLst>
+                                      </p:cBhvr>
+                                      <p:to>
+                                        <p:strVal val="visible"/>
+                                      </p:to>
+                                    </p:set>
+                                    <p:anim calcmode="lin" valueType="num">
+                                      <p:cBhvr additive="base">
+                                        <p:cTn id="22" dur="500" fill="hold"/>
+                                        <p:tgtEl>
+                                          <p:spTgt spid="8221"/>
+                                        </p:tgtEl>
+                                        <p:attrNameLst>
+                                          <p:attrName>ppt_x</p:attrName>
+                                        </p:attrNameLst>
+                                      </p:cBhvr>
+                                      <p:tavLst>
+                                        <p:tav tm="0">
+                                          <p:val>
+                                            <p:strVal val="#ppt_x"/>
+                                          </p:val>
+                                        </p:tav>
+                                        <p:tav tm="100000">
+                                          <p:val>
+                                            <p:strVal val="#ppt_x"/>
+                                          </p:val>
+                                        </p:tav>
+                                      </p:tavLst>
+                                    </p:anim>
+                                    <p:anim calcmode="lin" valueType="num">
+                                      <p:cBhvr additive="base">
+                                        <p:cTn id="23" dur="500" fill="hold"/>
+                                        <p:tgtEl>
+                                          <p:spTgt spid="8221"/>
+                                        </p:tgtEl>
+                                        <p:attrNameLst>
+                                          <p:attrName>ppt_y</p:attrName>
+                                        </p:attrNameLst>
+                                      </p:cBhvr>
+                                      <p:tavLst>
+                                        <p:tav tm="0">
+                                          <p:val>
+                                            <p:strVal val="1+#ppt_h/2"/>
+                                          </p:val>
+                                        </p:tav>
+                                        <p:tav tm="100000">
+                                          <p:val>
+                                            <p:strVal val="#ppt_y"/>
+                                          </p:val>
+                                        </p:tav>
+                                      </p:tavLst>
+                                    </p:anim>
+                                  </p:childTnLst>
+                                </p:cTn>
+                              </p:par>
+                            </p:childTnLst>
+                          </p:cTn>
+                        </p:par>
+                      </p:childTnLst>
+                    </p:cTn>
+                  </p:par>
+                </p:childTnLst>
+              </p:cTn>
+              <p:prevCondLst>
+                <p:cond evt="onPrev" delay="0">
+                  <p:tgtEl>
+                    <p:sldTgt/>
+                  </p:tgtEl>
+                </p:cond>
+              </p:prevCondLst>
+              <p:nextCondLst>
+                <p:cond evt="onNext" delay="0">
+                  <p:tgtEl>
+                    <p:sldTgt/>
+                  </p:tgtEl>
+                </p:cond>
+              </p:nextCondLst>
+            </p:seq>
+          </p:childTnLst>
+        </p:cTn>
+      </p:par>
+    </p:tnLst>
+    <p:bldLst>
+      <p:bldP spid="8220" grpId="0" animBg="1" autoUpdateAnimBg="0"/>
+      <p:bldP spid="8221" grpId="0" animBg="1" autoUpdateAnimBg="0"/>
+      <p:bldP spid="8222" grpId="0" animBg="1" autoUpdateAnimBg="0"/>
+      <p:bldP spid="8223" grpId="0" animBg="1" autoUpdateAnimBg="0"/>
+    </p:bldLst>
+  </p:timing>
 </p:sld>
 </file>
 
@@ -14425,8 +14754,106 @@
           <a:lstStyle/>
           <a:p>
             <a:pPr eaLnBrk="1" hangingPunct="1"/>
-            <a:endParaRPr lang="zh-CN" altLang="en-US">
+            <a:endParaRPr lang="zh-CN" altLang="en-US" dirty="0">
               <a:ea typeface="宋体" pitchFamily="2" charset="-122"/>
+            </a:endParaRPr>
+          </a:p>
+        </p:txBody>
+      </p:sp>
+      <p:pic>
+        <p:nvPicPr>
+          <p:cNvPr id="8196" name="Picture 4" descr="Client-info-Box"/>
+          <p:cNvPicPr>
+            <a:picLocks noChangeAspect="1" noChangeArrowheads="1"/>
+          </p:cNvPicPr>
+          <p:nvPr/>
+        </p:nvPicPr>
+        <p:blipFill>
+          <a:blip r:embed="rId3" cstate="print"/>
+          <a:srcRect/>
+          <a:stretch>
+            <a:fillRect/>
+          </a:stretch>
+        </p:blipFill>
+        <p:spPr bwMode="auto">
+          <a:xfrm>
+            <a:off x="0" y="1449677"/>
+            <a:ext cx="9144000" cy="5181600"/>
+          </a:xfrm>
+          <a:prstGeom prst="rect">
+            <a:avLst/>
+          </a:prstGeom>
+          <a:noFill/>
+          <a:ln w="9525">
+            <a:noFill/>
+            <a:miter lim="800000"/>
+            <a:headEnd/>
+            <a:tailEnd/>
+          </a:ln>
+        </p:spPr>
+      </p:pic>
+      <p:pic>
+        <p:nvPicPr>
+          <p:cNvPr id="2" name="Picture 1"/>
+          <p:cNvPicPr>
+            <a:picLocks noChangeAspect="1"/>
+          </p:cNvPicPr>
+          <p:nvPr/>
+        </p:nvPicPr>
+        <p:blipFill>
+          <a:blip r:embed="rId4"/>
+          <a:stretch>
+            <a:fillRect/>
+          </a:stretch>
+        </p:blipFill>
+        <p:spPr>
+          <a:xfrm>
+            <a:off x="697010" y="2887365"/>
+            <a:ext cx="329213" cy="353599"/>
+          </a:xfrm>
+          <a:prstGeom prst="rect">
+            <a:avLst/>
+          </a:prstGeom>
+        </p:spPr>
+      </p:pic>
+      <p:sp>
+        <p:nvSpPr>
+          <p:cNvPr id="8197" name="Rectangle 5"/>
+          <p:cNvSpPr>
+            <a:spLocks noGrp="1" noChangeArrowheads="1"/>
+          </p:cNvSpPr>
+          <p:nvPr>
+            <p:ph type="body" idx="4294967295"/>
+          </p:nvPr>
+        </p:nvSpPr>
+        <p:spPr>
+          <a:xfrm>
+            <a:off x="622154" y="1979170"/>
+            <a:ext cx="8064646" cy="4161280"/>
+          </a:xfrm>
+        </p:spPr>
+        <p:txBody>
+          <a:bodyPr/>
+          <a:lstStyle/>
+          <a:p>
+            <a:pPr eaLnBrk="1" hangingPunct="1">
+              <a:buFontTx/>
+              <a:buNone/>
+            </a:pPr>
+            <a:r>
+              <a:rPr lang="en-US" altLang="zh-CN" b="1" dirty="0">
+                <a:solidFill>
+                  <a:schemeClr val="tx1"/>
+                </a:solidFill>
+                <a:ea typeface="微软雅黑" pitchFamily="34" charset="-122"/>
+              </a:rPr>
+              <a:t>Natural Language Processing</a:t>
+            </a:r>
+            <a:endParaRPr lang="zh-CN" altLang="en-US" b="1" dirty="0">
+              <a:solidFill>
+                <a:schemeClr val="tx1"/>
+              </a:solidFill>
+              <a:ea typeface="微软雅黑" pitchFamily="34" charset="-122"/>
             </a:endParaRPr>
           </a:p>
         </p:txBody>
@@ -14441,10 +14868,10 @@
         </p:nvGrpSpPr>
         <p:grpSpPr bwMode="auto">
           <a:xfrm>
-            <a:off x="457200" y="369553"/>
-            <a:ext cx="7762471" cy="1269902"/>
-            <a:chOff x="0" y="-12618"/>
-            <a:chExt cx="6625997" cy="1271522"/>
+            <a:off x="341745" y="355454"/>
+            <a:ext cx="8404543" cy="1259034"/>
+            <a:chOff x="0" y="-1736"/>
+            <a:chExt cx="6945116" cy="1260640"/>
           </a:xfrm>
         </p:grpSpPr>
         <p:grpSp>
@@ -14457,10 +14884,10 @@
           </p:nvGrpSpPr>
           <p:grpSpPr bwMode="auto">
             <a:xfrm>
-              <a:off x="168996" y="-12618"/>
-              <a:ext cx="5116179" cy="1030845"/>
-              <a:chOff x="0" y="-12618"/>
-              <a:chExt cx="5116179" cy="1030845"/>
+              <a:off x="168995" y="-1736"/>
+              <a:ext cx="6776121" cy="1016999"/>
+              <a:chOff x="-1" y="-1736"/>
+              <a:chExt cx="6776121" cy="1016999"/>
             </a:xfrm>
           </p:grpSpPr>
           <p:sp>
@@ -14473,8 +14900,8 @@
             </p:nvSpPr>
             <p:spPr bwMode="auto">
               <a:xfrm>
-                <a:off x="0" y="0"/>
-                <a:ext cx="1704934" cy="1008112"/>
+                <a:off x="-1" y="0"/>
+                <a:ext cx="1880349" cy="1008112"/>
               </a:xfrm>
               <a:prstGeom prst="homePlate">
                 <a:avLst>
@@ -14482,8 +14909,9 @@
                 </a:avLst>
               </a:prstGeom>
               <a:solidFill>
-                <a:schemeClr val="accent3">
-                  <a:lumMod val="75000"/>
+                <a:schemeClr val="bg2">
+                  <a:lumMod val="60000"/>
+                  <a:lumOff val="40000"/>
                 </a:schemeClr>
               </a:solidFill>
               <a:ln w="9525">
@@ -14498,7 +14926,7 @@
               <a:lstStyle/>
               <a:p>
                 <a:pPr algn="ctr"/>
-                <a:endParaRPr lang="zh-CN" altLang="en-US" sz="6000">
+                <a:endParaRPr lang="zh-CN" altLang="en-US" sz="6000" dirty="0">
                   <a:solidFill>
                     <a:srgbClr val="FFFFFF"/>
                   </a:solidFill>
@@ -14518,8 +14946,8 @@
             </p:nvSpPr>
             <p:spPr bwMode="auto">
               <a:xfrm>
-                <a:off x="2784125" y="-12618"/>
-                <a:ext cx="2332054" cy="1008112"/>
+                <a:off x="4000461" y="7151"/>
+                <a:ext cx="2775659" cy="1008112"/>
               </a:xfrm>
               <a:prstGeom prst="chevron">
                 <a:avLst>
@@ -14527,7 +14955,7 @@
                 </a:avLst>
               </a:prstGeom>
               <a:solidFill>
-                <a:srgbClr val="0070C0"/>
+                <a:schemeClr val="accent1"/>
               </a:solidFill>
               <a:ln w="9525">
                 <a:noFill/>
@@ -14561,8 +14989,8 @@
             </p:nvSpPr>
             <p:spPr bwMode="auto">
               <a:xfrm>
-                <a:off x="1412296" y="10115"/>
-                <a:ext cx="1639405" cy="1008112"/>
+                <a:off x="1637525" y="-1736"/>
+                <a:ext cx="2648866" cy="1008112"/>
               </a:xfrm>
               <a:prstGeom prst="chevron">
                 <a:avLst>
@@ -15002,8 +15430,8 @@
         </p:nvSpPr>
         <p:spPr bwMode="auto">
           <a:xfrm>
-            <a:off x="638366" y="449335"/>
-            <a:ext cx="2098789" cy="867930"/>
+            <a:off x="697010" y="534119"/>
+            <a:ext cx="2180792" cy="867930"/>
           </a:xfrm>
           <a:prstGeom prst="rect">
             <a:avLst/>
@@ -15080,8 +15508,8 @@
         </p:nvSpPr>
         <p:spPr bwMode="auto">
           <a:xfrm>
-            <a:off x="4333253" y="472857"/>
-            <a:ext cx="2315622" cy="800219"/>
+            <a:off x="5626518" y="166369"/>
+            <a:ext cx="2910896" cy="1384995"/>
           </a:xfrm>
           <a:prstGeom prst="rect">
             <a:avLst/>
@@ -15101,6 +15529,9 @@
           <a:lstStyle/>
           <a:p>
             <a:pPr>
+              <a:lnSpc>
+                <a:spcPct val="150000"/>
+              </a:lnSpc>
               <a:spcBef>
                 <a:spcPct val="50000"/>
               </a:spcBef>
@@ -15113,39 +15544,19 @@
                 <a:latin typeface="微软雅黑" pitchFamily="34" charset="-122"/>
                 <a:ea typeface="微软雅黑" pitchFamily="34" charset="-122"/>
               </a:rPr>
-              <a:t>   Data</a:t>
+              <a:t>   </a:t>
             </a:r>
             <a:r>
-              <a:rPr lang="en-US" altLang="zh-CN" sz="2000" dirty="0">
+              <a:rPr lang="en-US" altLang="zh-CN" sz="2800" dirty="0">
                 <a:solidFill>
                   <a:schemeClr val="bg1"/>
                 </a:solidFill>
                 <a:latin typeface="微软雅黑" pitchFamily="34" charset="-122"/>
                 <a:ea typeface="微软雅黑" pitchFamily="34" charset="-122"/>
               </a:rPr>
-              <a:t>       </a:t>
+              <a:t>Skills    Requirements </a:t>
             </a:r>
-            <a:r>
-              <a:rPr lang="en-US" altLang="zh-CN" sz="2200" dirty="0">
-                <a:solidFill>
-                  <a:schemeClr val="bg1"/>
-                </a:solidFill>
-                <a:latin typeface="微软雅黑" pitchFamily="34" charset="-122"/>
-                <a:ea typeface="微软雅黑" pitchFamily="34" charset="-122"/>
-              </a:rPr>
-              <a:t>Visualization</a:t>
-            </a:r>
-            <a:r>
-              <a:rPr lang="en-US" altLang="zh-CN" sz="2000" dirty="0">
-                <a:solidFill>
-                  <a:schemeClr val="bg1"/>
-                </a:solidFill>
-                <a:latin typeface="微软雅黑" pitchFamily="34" charset="-122"/>
-                <a:ea typeface="微软雅黑" pitchFamily="34" charset="-122"/>
-              </a:rPr>
-              <a:t> </a:t>
-            </a:r>
-            <a:endParaRPr lang="zh-CN" altLang="en-US" sz="2000" dirty="0">
+            <a:endParaRPr lang="zh-CN" altLang="en-US" sz="2800" dirty="0">
               <a:solidFill>
                 <a:schemeClr val="bg1"/>
               </a:solidFill>
@@ -15165,63 +15576,8 @@
         </p:nvSpPr>
         <p:spPr bwMode="auto">
           <a:xfrm>
-            <a:off x="2746602" y="649431"/>
-            <a:ext cx="1066800" cy="584775"/>
-          </a:xfrm>
-          <a:prstGeom prst="rect">
-            <a:avLst/>
-          </a:prstGeom>
-          <a:noFill/>
-          <a:ln w="9525">
-            <a:noFill/>
-            <a:miter lim="800000"/>
-            <a:headEnd/>
-            <a:tailEnd/>
-          </a:ln>
-        </p:spPr>
-        <p:txBody>
-          <a:bodyPr>
-            <a:spAutoFit/>
-          </a:bodyPr>
-          <a:lstStyle/>
-          <a:p>
-            <a:pPr>
-              <a:spcBef>
-                <a:spcPct val="50000"/>
-              </a:spcBef>
-            </a:pPr>
-            <a:r>
-              <a:rPr lang="en-US" altLang="zh-CN" sz="3200" dirty="0">
-                <a:solidFill>
-                  <a:schemeClr val="bg1"/>
-                </a:solidFill>
-                <a:latin typeface="微软雅黑" pitchFamily="34" charset="-122"/>
-                <a:ea typeface="微软雅黑" pitchFamily="34" charset="-122"/>
-              </a:rPr>
-              <a:t>NLP</a:t>
-            </a:r>
-            <a:endParaRPr lang="zh-CN" altLang="en-US" sz="3200" dirty="0">
-              <a:solidFill>
-                <a:schemeClr val="bg1"/>
-              </a:solidFill>
-              <a:latin typeface="微软雅黑" pitchFamily="34" charset="-122"/>
-              <a:ea typeface="微软雅黑" pitchFamily="34" charset="-122"/>
-            </a:endParaRPr>
-          </a:p>
-        </p:txBody>
-      </p:sp>
-      <p:sp>
-        <p:nvSpPr>
-          <p:cNvPr id="8219" name="Text Box 27"/>
-          <p:cNvSpPr txBox="1">
-            <a:spLocks noChangeArrowheads="1"/>
-          </p:cNvSpPr>
-          <p:nvPr/>
-        </p:nvSpPr>
-        <p:spPr bwMode="auto">
-          <a:xfrm>
-            <a:off x="6391049" y="586219"/>
-            <a:ext cx="2462625" cy="738664"/>
+            <a:off x="2826632" y="415857"/>
+            <a:ext cx="3036485" cy="997196"/>
           </a:xfrm>
           <a:prstGeom prst="rect">
             <a:avLst/>
@@ -15249,14 +15605,14 @@
               </a:spcBef>
             </a:pPr>
             <a:r>
-              <a:rPr lang="en-US" altLang="zh-CN" sz="2000" dirty="0">
+              <a:rPr lang="en-US" altLang="zh-CN" sz="2800" dirty="0">
                 <a:solidFill>
                   <a:schemeClr val="bg1"/>
                 </a:solidFill>
                 <a:latin typeface="微软雅黑" pitchFamily="34" charset="-122"/>
                 <a:ea typeface="微软雅黑" pitchFamily="34" charset="-122"/>
               </a:rPr>
-              <a:t>   Method</a:t>
+              <a:t> Basic</a:t>
             </a:r>
           </a:p>
           <a:p>
@@ -15269,16 +15625,16 @@
               </a:spcBef>
             </a:pPr>
             <a:r>
-              <a:rPr lang="en-US" altLang="zh-CN" sz="2000" dirty="0">
+              <a:rPr lang="en-US" altLang="zh-CN" sz="2800" dirty="0">
                 <a:solidFill>
                   <a:schemeClr val="bg1"/>
                 </a:solidFill>
                 <a:latin typeface="微软雅黑" pitchFamily="34" charset="-122"/>
                 <a:ea typeface="微软雅黑" pitchFamily="34" charset="-122"/>
               </a:rPr>
-              <a:t>   Generalization</a:t>
+              <a:t>Requirements</a:t>
             </a:r>
-            <a:endParaRPr lang="zh-CN" altLang="en-US" sz="2000" dirty="0">
+            <a:endParaRPr lang="zh-CN" altLang="en-US" sz="2800" dirty="0">
               <a:solidFill>
                 <a:schemeClr val="bg1"/>
               </a:solidFill>
@@ -15288,10 +15644,149 @@
           </a:p>
         </p:txBody>
       </p:sp>
+      <p:sp>
+        <p:nvSpPr>
+          <p:cNvPr id="33" name="TextBox 32"/>
+          <p:cNvSpPr txBox="1"/>
+          <p:nvPr/>
+        </p:nvSpPr>
+        <p:spPr>
+          <a:xfrm>
+            <a:off x="1273651" y="2740998"/>
+            <a:ext cx="2106827" cy="584775"/>
+          </a:xfrm>
+          <a:prstGeom prst="rect">
+            <a:avLst/>
+          </a:prstGeom>
+          <a:noFill/>
+        </p:spPr>
+        <p:txBody>
+          <a:bodyPr wrap="square" rtlCol="0">
+            <a:spAutoFit/>
+          </a:bodyPr>
+          <a:lstStyle/>
+          <a:p>
+            <a:r>
+              <a:rPr lang="en-US" sz="3200" dirty="0"/>
+              <a:t>Stem</a:t>
+            </a:r>
+          </a:p>
+        </p:txBody>
+      </p:sp>
+      <p:sp>
+        <p:nvSpPr>
+          <p:cNvPr id="34" name="TextBox 33"/>
+          <p:cNvSpPr txBox="1"/>
+          <p:nvPr/>
+        </p:nvSpPr>
+        <p:spPr>
+          <a:xfrm>
+            <a:off x="1177160" y="3441270"/>
+            <a:ext cx="5029675" cy="646331"/>
+          </a:xfrm>
+          <a:prstGeom prst="rect">
+            <a:avLst/>
+          </a:prstGeom>
+          <a:noFill/>
+        </p:spPr>
+        <p:txBody>
+          <a:bodyPr wrap="square" rtlCol="0">
+            <a:spAutoFit/>
+          </a:bodyPr>
+          <a:lstStyle/>
+          <a:p>
+            <a:r>
+              <a:rPr lang="en-US" sz="3600" dirty="0"/>
+              <a:t> lemmatize</a:t>
+            </a:r>
+          </a:p>
+        </p:txBody>
+      </p:sp>
+      <p:pic>
+        <p:nvPicPr>
+          <p:cNvPr id="35" name="Picture 34"/>
+          <p:cNvPicPr>
+            <a:picLocks noChangeAspect="1"/>
+          </p:cNvPicPr>
+          <p:nvPr/>
+        </p:nvPicPr>
+        <p:blipFill>
+          <a:blip r:embed="rId4"/>
+          <a:stretch>
+            <a:fillRect/>
+          </a:stretch>
+        </p:blipFill>
+        <p:spPr>
+          <a:xfrm>
+            <a:off x="670970" y="3599651"/>
+            <a:ext cx="329213" cy="353599"/>
+          </a:xfrm>
+          <a:prstGeom prst="rect">
+            <a:avLst/>
+          </a:prstGeom>
+        </p:spPr>
+      </p:pic>
+      <p:pic>
+        <p:nvPicPr>
+          <p:cNvPr id="37" name="Picture 36"/>
+          <p:cNvPicPr>
+            <a:picLocks noChangeAspect="1"/>
+          </p:cNvPicPr>
+          <p:nvPr/>
+        </p:nvPicPr>
+        <p:blipFill>
+          <a:blip r:embed="rId4"/>
+          <a:stretch>
+            <a:fillRect/>
+          </a:stretch>
+        </p:blipFill>
+        <p:spPr>
+          <a:xfrm>
+            <a:off x="670969" y="4397297"/>
+            <a:ext cx="329213" cy="353599"/>
+          </a:xfrm>
+          <a:prstGeom prst="rect">
+            <a:avLst/>
+          </a:prstGeom>
+        </p:spPr>
+      </p:pic>
+      <p:sp>
+        <p:nvSpPr>
+          <p:cNvPr id="38" name="TextBox 37"/>
+          <p:cNvSpPr txBox="1"/>
+          <p:nvPr/>
+        </p:nvSpPr>
+        <p:spPr>
+          <a:xfrm>
+            <a:off x="1273651" y="4281708"/>
+            <a:ext cx="3257163" cy="584775"/>
+          </a:xfrm>
+          <a:prstGeom prst="rect">
+            <a:avLst/>
+          </a:prstGeom>
+          <a:noFill/>
+        </p:spPr>
+        <p:txBody>
+          <a:bodyPr wrap="square" rtlCol="0">
+            <a:spAutoFit/>
+          </a:bodyPr>
+          <a:lstStyle/>
+          <a:p>
+            <a:r>
+              <a:rPr lang="en-US" sz="3200" dirty="0" err="1"/>
+              <a:t>lDF</a:t>
+            </a:r>
+            <a:r>
+              <a:rPr lang="en-US" sz="3200" dirty="0"/>
+              <a:t> Calculation</a:t>
+            </a:r>
+          </a:p>
+        </p:txBody>
+      </p:sp>
     </p:spTree>
     <p:extLst>
       <p:ext uri="{BB962C8B-B14F-4D97-AF65-F5344CB8AC3E}">
-        <p14:creationId xmlns:p14="http://schemas.microsoft.com/office/powerpoint/2010/main" val="2062428393"/>
+        <p14:creationId xmlns:p14="http://schemas.microsoft.com/office/powerpoint/2010/main" val="2493559965"/>
       </p:ext>
     </p:extLst>
   </p:cSld>
@@ -15372,7 +15867,7 @@
           <a:lstStyle/>
           <a:p>
             <a:pPr eaLnBrk="1" hangingPunct="1"/>
-            <a:endParaRPr lang="zh-CN" altLang="en-US">
+            <a:endParaRPr lang="zh-CN" altLang="en-US" dirty="0">
               <a:ea typeface="宋体" pitchFamily="2" charset="-122"/>
             </a:endParaRPr>
           </a:p>
@@ -15388,10 +15883,10 @@
         </p:nvGrpSpPr>
         <p:grpSpPr bwMode="auto">
           <a:xfrm>
-            <a:off x="452017" y="320600"/>
-            <a:ext cx="7762471" cy="1269902"/>
-            <a:chOff x="0" y="-12618"/>
-            <a:chExt cx="6625997" cy="1271522"/>
+            <a:off x="341745" y="355454"/>
+            <a:ext cx="8404543" cy="1259034"/>
+            <a:chOff x="0" y="-1736"/>
+            <a:chExt cx="6945116" cy="1260640"/>
           </a:xfrm>
         </p:grpSpPr>
         <p:grpSp>
@@ -15404,10 +15899,10 @@
           </p:nvGrpSpPr>
           <p:grpSpPr bwMode="auto">
             <a:xfrm>
-              <a:off x="168996" y="-12618"/>
-              <a:ext cx="5116179" cy="1030845"/>
-              <a:chOff x="0" y="-12618"/>
-              <a:chExt cx="5116179" cy="1030845"/>
+              <a:off x="168995" y="-1736"/>
+              <a:ext cx="6776121" cy="1016999"/>
+              <a:chOff x="-1" y="-1736"/>
+              <a:chExt cx="6776121" cy="1016999"/>
             </a:xfrm>
           </p:grpSpPr>
           <p:sp>
@@ -15420,8 +15915,8 @@
             </p:nvSpPr>
             <p:spPr bwMode="auto">
               <a:xfrm>
-                <a:off x="0" y="0"/>
-                <a:ext cx="1704934" cy="1008112"/>
+                <a:off x="-1" y="0"/>
+                <a:ext cx="1880349" cy="1008112"/>
               </a:xfrm>
               <a:prstGeom prst="homePlate">
                 <a:avLst>
@@ -15429,8 +15924,9 @@
                 </a:avLst>
               </a:prstGeom>
               <a:solidFill>
-                <a:schemeClr val="accent3">
-                  <a:lumMod val="75000"/>
+                <a:schemeClr val="bg2">
+                  <a:lumMod val="60000"/>
+                  <a:lumOff val="40000"/>
                 </a:schemeClr>
               </a:solidFill>
               <a:ln w="9525">
@@ -15445,7 +15941,7 @@
               <a:lstStyle/>
               <a:p>
                 <a:pPr algn="ctr"/>
-                <a:endParaRPr lang="zh-CN" altLang="en-US" sz="6000">
+                <a:endParaRPr lang="zh-CN" altLang="en-US" sz="6000" dirty="0">
                   <a:solidFill>
                     <a:srgbClr val="FFFFFF"/>
                   </a:solidFill>
@@ -15465,8 +15961,8 @@
             </p:nvSpPr>
             <p:spPr bwMode="auto">
               <a:xfrm>
-                <a:off x="2784125" y="-12618"/>
-                <a:ext cx="2332054" cy="1008112"/>
+                <a:off x="4000461" y="7151"/>
+                <a:ext cx="2775659" cy="1008112"/>
               </a:xfrm>
               <a:prstGeom prst="chevron">
                 <a:avLst>
@@ -15474,7 +15970,7 @@
                 </a:avLst>
               </a:prstGeom>
               <a:solidFill>
-                <a:srgbClr val="0070C0"/>
+                <a:schemeClr val="accent1"/>
               </a:solidFill>
               <a:ln w="9525">
                 <a:noFill/>
@@ -15508,8 +16004,8 @@
             </p:nvSpPr>
             <p:spPr bwMode="auto">
               <a:xfrm>
-                <a:off x="1412296" y="10115"/>
-                <a:ext cx="1639405" cy="1008112"/>
+                <a:off x="1637525" y="-1736"/>
+                <a:ext cx="2648866" cy="1008112"/>
               </a:xfrm>
               <a:prstGeom prst="chevron">
                 <a:avLst>
@@ -15949,8 +16445,8 @@
         </p:nvSpPr>
         <p:spPr bwMode="auto">
           <a:xfrm>
-            <a:off x="638366" y="449335"/>
-            <a:ext cx="2098789" cy="867930"/>
+            <a:off x="697010" y="534119"/>
+            <a:ext cx="2180792" cy="867930"/>
           </a:xfrm>
           <a:prstGeom prst="rect">
             <a:avLst/>
@@ -16027,8 +16523,8 @@
         </p:nvSpPr>
         <p:spPr bwMode="auto">
           <a:xfrm>
-            <a:off x="4333253" y="472857"/>
-            <a:ext cx="2315622" cy="800219"/>
+            <a:off x="5626518" y="166369"/>
+            <a:ext cx="2910896" cy="1384995"/>
           </a:xfrm>
           <a:prstGeom prst="rect">
             <a:avLst/>
@@ -16048,6 +16544,9 @@
           <a:lstStyle/>
           <a:p>
             <a:pPr>
+              <a:lnSpc>
+                <a:spcPct val="150000"/>
+              </a:lnSpc>
               <a:spcBef>
                 <a:spcPct val="50000"/>
               </a:spcBef>
@@ -16060,39 +16559,19 @@
                 <a:latin typeface="微软雅黑" pitchFamily="34" charset="-122"/>
                 <a:ea typeface="微软雅黑" pitchFamily="34" charset="-122"/>
               </a:rPr>
-              <a:t>   Data</a:t>
+              <a:t>   </a:t>
             </a:r>
             <a:r>
-              <a:rPr lang="en-US" altLang="zh-CN" sz="2000" dirty="0">
+              <a:rPr lang="en-US" altLang="zh-CN" sz="2800" dirty="0">
                 <a:solidFill>
                   <a:schemeClr val="bg1"/>
                 </a:solidFill>
                 <a:latin typeface="微软雅黑" pitchFamily="34" charset="-122"/>
                 <a:ea typeface="微软雅黑" pitchFamily="34" charset="-122"/>
               </a:rPr>
-              <a:t>       </a:t>
+              <a:t>Skills    Requirements </a:t>
             </a:r>
-            <a:r>
-              <a:rPr lang="en-US" altLang="zh-CN" sz="2200" dirty="0">
-                <a:solidFill>
-                  <a:schemeClr val="bg1"/>
-                </a:solidFill>
-                <a:latin typeface="微软雅黑" pitchFamily="34" charset="-122"/>
-                <a:ea typeface="微软雅黑" pitchFamily="34" charset="-122"/>
-              </a:rPr>
-              <a:t>Visualization</a:t>
-            </a:r>
-            <a:r>
-              <a:rPr lang="en-US" altLang="zh-CN" sz="2000" dirty="0">
-                <a:solidFill>
-                  <a:schemeClr val="bg1"/>
-                </a:solidFill>
-                <a:latin typeface="微软雅黑" pitchFamily="34" charset="-122"/>
-                <a:ea typeface="微软雅黑" pitchFamily="34" charset="-122"/>
-              </a:rPr>
-              <a:t> </a:t>
-            </a:r>
-            <a:endParaRPr lang="zh-CN" altLang="en-US" sz="2000" dirty="0">
+            <a:endParaRPr lang="zh-CN" altLang="en-US" sz="2800" dirty="0">
               <a:solidFill>
                 <a:schemeClr val="bg1"/>
               </a:solidFill>
@@ -16112,63 +16591,8 @@
         </p:nvSpPr>
         <p:spPr bwMode="auto">
           <a:xfrm>
-            <a:off x="2746602" y="649431"/>
-            <a:ext cx="1066800" cy="584775"/>
-          </a:xfrm>
-          <a:prstGeom prst="rect">
-            <a:avLst/>
-          </a:prstGeom>
-          <a:noFill/>
-          <a:ln w="9525">
-            <a:noFill/>
-            <a:miter lim="800000"/>
-            <a:headEnd/>
-            <a:tailEnd/>
-          </a:ln>
-        </p:spPr>
-        <p:txBody>
-          <a:bodyPr>
-            <a:spAutoFit/>
-          </a:bodyPr>
-          <a:lstStyle/>
-          <a:p>
-            <a:pPr>
-              <a:spcBef>
-                <a:spcPct val="50000"/>
-              </a:spcBef>
-            </a:pPr>
-            <a:r>
-              <a:rPr lang="en-US" altLang="zh-CN" sz="3200" dirty="0">
-                <a:solidFill>
-                  <a:schemeClr val="bg1"/>
-                </a:solidFill>
-                <a:latin typeface="微软雅黑" pitchFamily="34" charset="-122"/>
-                <a:ea typeface="微软雅黑" pitchFamily="34" charset="-122"/>
-              </a:rPr>
-              <a:t>NLP</a:t>
-            </a:r>
-            <a:endParaRPr lang="zh-CN" altLang="en-US" sz="3200" dirty="0">
-              <a:solidFill>
-                <a:schemeClr val="bg1"/>
-              </a:solidFill>
-              <a:latin typeface="微软雅黑" pitchFamily="34" charset="-122"/>
-              <a:ea typeface="微软雅黑" pitchFamily="34" charset="-122"/>
-            </a:endParaRPr>
-          </a:p>
-        </p:txBody>
-      </p:sp>
-      <p:sp>
-        <p:nvSpPr>
-          <p:cNvPr id="8219" name="Text Box 27"/>
-          <p:cNvSpPr txBox="1">
-            <a:spLocks noChangeArrowheads="1"/>
-          </p:cNvSpPr>
-          <p:nvPr/>
-        </p:nvSpPr>
-        <p:spPr bwMode="auto">
-          <a:xfrm>
-            <a:off x="6391049" y="586219"/>
-            <a:ext cx="2462625" cy="738664"/>
+            <a:off x="2826632" y="415857"/>
+            <a:ext cx="3036485" cy="997196"/>
           </a:xfrm>
           <a:prstGeom prst="rect">
             <a:avLst/>
@@ -16196,14 +16620,14 @@
               </a:spcBef>
             </a:pPr>
             <a:r>
-              <a:rPr lang="en-US" altLang="zh-CN" sz="2000" dirty="0">
+              <a:rPr lang="en-US" altLang="zh-CN" sz="2800" dirty="0">
                 <a:solidFill>
                   <a:schemeClr val="bg1"/>
                 </a:solidFill>
                 <a:latin typeface="微软雅黑" pitchFamily="34" charset="-122"/>
                 <a:ea typeface="微软雅黑" pitchFamily="34" charset="-122"/>
               </a:rPr>
-              <a:t>   Method</a:t>
+              <a:t> Basic</a:t>
             </a:r>
           </a:p>
           <a:p>
@@ -16216,16 +16640,16 @@
               </a:spcBef>
             </a:pPr>
             <a:r>
-              <a:rPr lang="en-US" altLang="zh-CN" sz="2000" dirty="0">
+              <a:rPr lang="en-US" altLang="zh-CN" sz="2800" dirty="0">
                 <a:solidFill>
                   <a:schemeClr val="bg1"/>
                 </a:solidFill>
                 <a:latin typeface="微软雅黑" pitchFamily="34" charset="-122"/>
                 <a:ea typeface="微软雅黑" pitchFamily="34" charset="-122"/>
               </a:rPr>
-              <a:t>   Generalization</a:t>
+              <a:t>Requirements</a:t>
             </a:r>
-            <a:endParaRPr lang="zh-CN" altLang="en-US" sz="2000" dirty="0">
+            <a:endParaRPr lang="zh-CN" altLang="en-US" sz="2800" dirty="0">
               <a:solidFill>
                 <a:schemeClr val="bg1"/>
               </a:solidFill>
@@ -16235,10 +16659,39 @@
           </a:p>
         </p:txBody>
       </p:sp>
+      <p:sp>
+        <p:nvSpPr>
+          <p:cNvPr id="3" name="TextBox 2"/>
+          <p:cNvSpPr txBox="1"/>
+          <p:nvPr/>
+        </p:nvSpPr>
+        <p:spPr>
+          <a:xfrm>
+            <a:off x="824189" y="1995055"/>
+            <a:ext cx="7535921" cy="461665"/>
+          </a:xfrm>
+          <a:prstGeom prst="rect">
+            <a:avLst/>
+          </a:prstGeom>
+          <a:noFill/>
+        </p:spPr>
+        <p:txBody>
+          <a:bodyPr wrap="square" rtlCol="0">
+            <a:spAutoFit/>
+          </a:bodyPr>
+          <a:lstStyle/>
+          <a:p>
+            <a:r>
+              <a:rPr lang="en-US" dirty="0"/>
+              <a:t>Word cloud</a:t>
+            </a:r>
+          </a:p>
+        </p:txBody>
+      </p:sp>
     </p:spTree>
     <p:extLst>
       <p:ext uri="{BB962C8B-B14F-4D97-AF65-F5344CB8AC3E}">
-        <p14:creationId xmlns:p14="http://schemas.microsoft.com/office/powerpoint/2010/main" val="1653512634"/>
+        <p14:creationId xmlns:p14="http://schemas.microsoft.com/office/powerpoint/2010/main" val="4000364226"/>
       </p:ext>
     </p:extLst>
   </p:cSld>

--- a/141B presentation.pptx
+++ b/141B presentation.pptx
@@ -5,7 +5,7 @@
     <p:sldMasterId id="2147483648" r:id="rId1"/>
   </p:sldMasterIdLst>
   <p:notesMasterIdLst>
-    <p:notesMasterId r:id="rId16"/>
+    <p:notesMasterId r:id="rId15"/>
   </p:notesMasterIdLst>
   <p:sldIdLst>
     <p:sldId id="279" r:id="rId2"/>
@@ -14,14 +14,13 @@
     <p:sldId id="534" r:id="rId5"/>
     <p:sldId id="529" r:id="rId6"/>
     <p:sldId id="535" r:id="rId7"/>
-    <p:sldId id="536" r:id="rId8"/>
-    <p:sldId id="537" r:id="rId9"/>
-    <p:sldId id="539" r:id="rId10"/>
-    <p:sldId id="538" r:id="rId11"/>
-    <p:sldId id="540" r:id="rId12"/>
-    <p:sldId id="453" r:id="rId13"/>
-    <p:sldId id="455" r:id="rId14"/>
-    <p:sldId id="460" r:id="rId15"/>
+    <p:sldId id="537" r:id="rId8"/>
+    <p:sldId id="539" r:id="rId9"/>
+    <p:sldId id="538" r:id="rId10"/>
+    <p:sldId id="540" r:id="rId11"/>
+    <p:sldId id="453" r:id="rId12"/>
+    <p:sldId id="455" r:id="rId13"/>
+    <p:sldId id="460" r:id="rId14"/>
   </p:sldIdLst>
   <p:sldSz cx="9144000" cy="6858000" type="screen4x3"/>
   <p:notesSz cx="6858000" cy="9144000"/>
@@ -157,7 +156,7 @@
   </p:defaultTextStyle>
   <p:extLst>
     <p:ext uri="{EFAFB233-063F-42B5-8137-9DF3F51BA10A}">
-      <p15:sldGuideLst xmlns:p15="http://schemas.microsoft.com/office/powerpoint/2012/main">
+      <p15:sldGuideLst xmlns="" xmlns:p15="http://schemas.microsoft.com/office/powerpoint/2012/main">
         <p15:guide id="1" orient="horz" pos="2180">
           <p15:clr>
             <a:srgbClr val="A4A3A4"/>
@@ -510,6 +509,11 @@
         </p:txBody>
       </p:sp>
     </p:spTree>
+    <p:extLst>
+      <p:ext uri="{BB962C8B-B14F-4D97-AF65-F5344CB8AC3E}">
+        <p14:creationId xmlns:p14="http://schemas.microsoft.com/office/powerpoint/2010/main" val="1509421870"/>
+      </p:ext>
+    </p:extLst>
   </p:cSld>
   <p:clrMap bg1="lt1" tx1="dk1" bg2="lt2" tx2="dk2" accent1="accent1" accent2="accent2" accent3="accent3" accent4="accent4" accent5="accent5" accent6="accent6" hlink="hlink" folHlink="folHlink"/>
   <p:notesStyle>
@@ -5435,35 +5439,6 @@
           </a:p>
         </p:txBody>
       </p:sp>
-      <p:pic>
-        <p:nvPicPr>
-          <p:cNvPr id="3" name="Picture 2"/>
-          <p:cNvPicPr>
-            <a:picLocks noChangeAspect="1"/>
-          </p:cNvPicPr>
-          <p:nvPr/>
-        </p:nvPicPr>
-        <p:blipFill rotWithShape="1">
-          <a:blip r:embed="rId3">
-            <a:extLst>
-              <a:ext uri="{28A0092B-C50C-407E-A947-70E740481C1C}">
-                <a14:useLocalDpi xmlns:a14="http://schemas.microsoft.com/office/drawing/2010/main" val="0"/>
-              </a:ext>
-            </a:extLst>
-          </a:blip>
-          <a:srcRect l="5098" r="7273"/>
-          <a:stretch/>
-        </p:blipFill>
-        <p:spPr>
-          <a:xfrm>
-            <a:off x="166255" y="2023525"/>
-            <a:ext cx="3851016" cy="3083923"/>
-          </a:xfrm>
-          <a:prstGeom prst="rect">
-            <a:avLst/>
-          </a:prstGeom>
-        </p:spPr>
-      </p:pic>
       <p:sp>
         <p:nvSpPr>
           <p:cNvPr id="36" name="AutoShape 5"/>
@@ -5515,300 +5490,6 @@
                 </a:solidFill>
                 <a:ea typeface="微软雅黑" pitchFamily="34" charset="-122"/>
               </a:rPr>
-              <a:t>Skills Requirements vs Working Experience</a:t>
-            </a:r>
-            <a:endParaRPr lang="zh-CN" altLang="en-US" sz="2800" dirty="0">
-              <a:solidFill>
-                <a:schemeClr val="bg1"/>
-              </a:solidFill>
-              <a:ea typeface="微软雅黑" pitchFamily="34" charset="-122"/>
-            </a:endParaRPr>
-          </a:p>
-        </p:txBody>
-      </p:sp>
-      <p:pic>
-        <p:nvPicPr>
-          <p:cNvPr id="4" name="Picture 3"/>
-          <p:cNvPicPr>
-            <a:picLocks noChangeAspect="1"/>
-          </p:cNvPicPr>
-          <p:nvPr/>
-        </p:nvPicPr>
-        <p:blipFill rotWithShape="1">
-          <a:blip r:embed="rId4">
-            <a:extLst>
-              <a:ext uri="{28A0092B-C50C-407E-A947-70E740481C1C}">
-                <a14:useLocalDpi xmlns:a14="http://schemas.microsoft.com/office/drawing/2010/main" val="0"/>
-              </a:ext>
-            </a:extLst>
-          </a:blip>
-          <a:srcRect l="4829" r="7503" b="4101"/>
-          <a:stretch/>
-        </p:blipFill>
-        <p:spPr>
-          <a:xfrm>
-            <a:off x="4427952" y="828479"/>
-            <a:ext cx="4025381" cy="2921486"/>
-          </a:xfrm>
-          <a:prstGeom prst="rect">
-            <a:avLst/>
-          </a:prstGeom>
-        </p:spPr>
-      </p:pic>
-      <p:pic>
-        <p:nvPicPr>
-          <p:cNvPr id="5" name="Picture 4"/>
-          <p:cNvPicPr>
-            <a:picLocks noChangeAspect="1"/>
-          </p:cNvPicPr>
-          <p:nvPr/>
-        </p:nvPicPr>
-        <p:blipFill rotWithShape="1">
-          <a:blip r:embed="rId5">
-            <a:extLst>
-              <a:ext uri="{28A0092B-C50C-407E-A947-70E740481C1C}">
-                <a14:useLocalDpi xmlns:a14="http://schemas.microsoft.com/office/drawing/2010/main" val="0"/>
-              </a:ext>
-            </a:extLst>
-          </a:blip>
-          <a:srcRect l="4925" t="29" r="2485" b="-1"/>
-          <a:stretch/>
-        </p:blipFill>
-        <p:spPr>
-          <a:xfrm>
-            <a:off x="4427952" y="3877013"/>
-            <a:ext cx="4177329" cy="2980987"/>
-          </a:xfrm>
-          <a:prstGeom prst="rect">
-            <a:avLst/>
-          </a:prstGeom>
-        </p:spPr>
-      </p:pic>
-    </p:spTree>
-    <p:extLst>
-      <p:ext uri="{BB962C8B-B14F-4D97-AF65-F5344CB8AC3E}">
-        <p14:creationId xmlns:p14="http://schemas.microsoft.com/office/powerpoint/2010/main" val="627396308"/>
-      </p:ext>
-    </p:extLst>
-  </p:cSld>
-  <p:clrMapOvr>
-    <a:masterClrMapping/>
-  </p:clrMapOvr>
-  <p:transition/>
-</p:sld>
-</file>
-
-<file path=ppt/slides/slide11.xml><?xml version="1.0" encoding="utf-8"?>
-<p:sld xmlns:a="http://schemas.openxmlformats.org/drawingml/2006/main" xmlns:r="http://schemas.openxmlformats.org/officeDocument/2006/relationships" xmlns:p="http://schemas.openxmlformats.org/presentationml/2006/main">
-  <p:cSld>
-    <p:spTree>
-      <p:nvGrpSpPr>
-        <p:cNvPr id="1" name=""/>
-        <p:cNvGrpSpPr/>
-        <p:nvPr/>
-      </p:nvGrpSpPr>
-      <p:grpSpPr>
-        <a:xfrm>
-          <a:off x="0" y="0"/>
-          <a:ext cx="0" cy="0"/>
-          <a:chOff x="0" y="0"/>
-          <a:chExt cx="0" cy="0"/>
-        </a:xfrm>
-      </p:grpSpPr>
-      <p:pic>
-        <p:nvPicPr>
-          <p:cNvPr id="8194" name="Picture 31" descr="图片1_副本"/>
-          <p:cNvPicPr>
-            <a:picLocks noChangeAspect="1" noChangeArrowheads="1"/>
-          </p:cNvPicPr>
-          <p:nvPr/>
-        </p:nvPicPr>
-        <p:blipFill>
-          <a:blip r:embed="rId2" cstate="print"/>
-          <a:srcRect/>
-          <a:stretch>
-            <a:fillRect/>
-          </a:stretch>
-        </p:blipFill>
-        <p:spPr bwMode="auto">
-          <a:xfrm>
-            <a:off x="0" y="0"/>
-            <a:ext cx="9144000" cy="6858000"/>
-          </a:xfrm>
-          <a:prstGeom prst="rect">
-            <a:avLst/>
-          </a:prstGeom>
-          <a:noFill/>
-          <a:ln w="9525">
-            <a:noFill/>
-            <a:miter lim="800000"/>
-            <a:headEnd/>
-            <a:tailEnd/>
-          </a:ln>
-        </p:spPr>
-      </p:pic>
-      <p:sp>
-        <p:nvSpPr>
-          <p:cNvPr id="8197" name="Rectangle 5"/>
-          <p:cNvSpPr>
-            <a:spLocks noGrp="1" noChangeArrowheads="1"/>
-          </p:cNvSpPr>
-          <p:nvPr>
-            <p:ph type="body" idx="4294967295"/>
-          </p:nvPr>
-        </p:nvSpPr>
-        <p:spPr>
-          <a:xfrm>
-            <a:off x="0" y="166369"/>
-            <a:ext cx="8746288" cy="5974081"/>
-          </a:xfrm>
-        </p:spPr>
-        <p:txBody>
-          <a:bodyPr/>
-          <a:lstStyle/>
-          <a:p>
-            <a:pPr eaLnBrk="1" hangingPunct="1">
-              <a:buFontTx/>
-              <a:buNone/>
-            </a:pPr>
-            <a:endParaRPr lang="zh-CN" altLang="en-US" sz="2800" b="1" dirty="0">
-              <a:solidFill>
-                <a:schemeClr val="tx1"/>
-              </a:solidFill>
-              <a:ea typeface="微软雅黑" pitchFamily="34" charset="-122"/>
-            </a:endParaRPr>
-          </a:p>
-        </p:txBody>
-      </p:sp>
-      <p:sp>
-        <p:nvSpPr>
-          <p:cNvPr id="8216" name="Text Box 24"/>
-          <p:cNvSpPr txBox="1">
-            <a:spLocks noChangeArrowheads="1"/>
-          </p:cNvSpPr>
-          <p:nvPr/>
-        </p:nvSpPr>
-        <p:spPr bwMode="auto">
-          <a:xfrm>
-            <a:off x="697010" y="534119"/>
-            <a:ext cx="2180792" cy="867930"/>
-          </a:xfrm>
-          <a:prstGeom prst="rect">
-            <a:avLst/>
-          </a:prstGeom>
-          <a:noFill/>
-          <a:ln w="9525">
-            <a:noFill/>
-            <a:miter lim="800000"/>
-            <a:headEnd/>
-            <a:tailEnd/>
-          </a:ln>
-        </p:spPr>
-        <p:txBody>
-          <a:bodyPr wrap="square">
-            <a:spAutoFit/>
-          </a:bodyPr>
-          <a:lstStyle/>
-          <a:p>
-            <a:pPr>
-              <a:lnSpc>
-                <a:spcPct val="80000"/>
-              </a:lnSpc>
-              <a:spcBef>
-                <a:spcPct val="50000"/>
-              </a:spcBef>
-            </a:pPr>
-            <a:r>
-              <a:rPr lang="en-US" altLang="zh-CN" dirty="0">
-                <a:solidFill>
-                  <a:schemeClr val="bg1"/>
-                </a:solidFill>
-                <a:latin typeface="微软雅黑" pitchFamily="34" charset="-122"/>
-                <a:ea typeface="微软雅黑" pitchFamily="34" charset="-122"/>
-              </a:rPr>
-              <a:t>Web </a:t>
-            </a:r>
-          </a:p>
-          <a:p>
-            <a:pPr>
-              <a:lnSpc>
-                <a:spcPct val="80000"/>
-              </a:lnSpc>
-              <a:spcBef>
-                <a:spcPct val="50000"/>
-              </a:spcBef>
-            </a:pPr>
-            <a:r>
-              <a:rPr lang="en-US" altLang="zh-CN" dirty="0">
-                <a:solidFill>
-                  <a:schemeClr val="bg1"/>
-                </a:solidFill>
-                <a:latin typeface="微软雅黑" pitchFamily="34" charset="-122"/>
-                <a:ea typeface="微软雅黑" pitchFamily="34" charset="-122"/>
-              </a:rPr>
-              <a:t>Scrapping </a:t>
-            </a:r>
-            <a:endParaRPr lang="zh-CN" altLang="en-US" dirty="0">
-              <a:solidFill>
-                <a:schemeClr val="bg1"/>
-              </a:solidFill>
-              <a:latin typeface="微软雅黑" pitchFamily="34" charset="-122"/>
-              <a:ea typeface="微软雅黑" pitchFamily="34" charset="-122"/>
-            </a:endParaRPr>
-          </a:p>
-        </p:txBody>
-      </p:sp>
-      <p:sp>
-        <p:nvSpPr>
-          <p:cNvPr id="36" name="AutoShape 5"/>
-          <p:cNvSpPr>
-            <a:spLocks noChangeArrowheads="1"/>
-          </p:cNvSpPr>
-          <p:nvPr/>
-        </p:nvSpPr>
-        <p:spPr bwMode="auto">
-          <a:xfrm>
-            <a:off x="0" y="-3372"/>
-            <a:ext cx="9144000" cy="831850"/>
-          </a:xfrm>
-          <a:prstGeom prst="roundRect">
-            <a:avLst>
-              <a:gd name="adj" fmla="val 16667"/>
-            </a:avLst>
-          </a:prstGeom>
-          <a:solidFill>
-            <a:schemeClr val="accent1"/>
-          </a:solidFill>
-          <a:ln w="9525" cmpd="sng">
-            <a:solidFill>
-              <a:schemeClr val="bg1"/>
-            </a:solidFill>
-            <a:round/>
-            <a:headEnd/>
-            <a:tailEnd/>
-          </a:ln>
-        </p:spPr>
-        <p:txBody>
-          <a:bodyPr wrap="none" anchor="ctr"/>
-          <a:lstStyle/>
-          <a:p>
-            <a:pPr eaLnBrk="1" hangingPunct="1">
-              <a:buFontTx/>
-              <a:buNone/>
-            </a:pPr>
-            <a:r>
-              <a:rPr lang="en-US" altLang="zh-CN" sz="2800" dirty="0">
-                <a:ea typeface="微软雅黑" pitchFamily="34" charset="-122"/>
-              </a:rPr>
-              <a:t>      </a:t>
-            </a:r>
-            <a:r>
-              <a:rPr lang="en-US" altLang="zh-CN" sz="2800" dirty="0">
-                <a:solidFill>
-                  <a:schemeClr val="bg1"/>
-                </a:solidFill>
-                <a:ea typeface="微软雅黑" pitchFamily="34" charset="-122"/>
-              </a:rPr>
               <a:t>Skills Requirements vs Education Background</a:t>
             </a:r>
             <a:endParaRPr lang="zh-CN" altLang="en-US" sz="2800" dirty="0">
@@ -5834,7 +5515,7 @@
 </p:sld>
 </file>
 
-<file path=ppt/slides/slide12.xml><?xml version="1.0" encoding="utf-8"?>
+<file path=ppt/slides/slide11.xml><?xml version="1.0" encoding="utf-8"?>
 <p:sld xmlns:a="http://schemas.openxmlformats.org/drawingml/2006/main" xmlns:r="http://schemas.openxmlformats.org/officeDocument/2006/relationships" xmlns:p="http://schemas.openxmlformats.org/presentationml/2006/main">
   <p:cSld>
     <p:spTree>
@@ -6164,7 +5845,7 @@
 </p:sld>
 </file>
 
-<file path=ppt/slides/slide13.xml><?xml version="1.0" encoding="utf-8"?>
+<file path=ppt/slides/slide12.xml><?xml version="1.0" encoding="utf-8"?>
 <p:sld xmlns:a="http://schemas.openxmlformats.org/drawingml/2006/main" xmlns:r="http://schemas.openxmlformats.org/officeDocument/2006/relationships" xmlns:p="http://schemas.openxmlformats.org/presentationml/2006/main">
   <p:cSld>
     <p:spTree>
@@ -6322,7 +6003,7 @@
         </p:nvSpPr>
         <p:spPr bwMode="auto">
           <a:xfrm>
-            <a:off x="1433513" y="4438650"/>
+            <a:off x="1482724" y="4392612"/>
             <a:ext cx="7073900" cy="519113"/>
           </a:xfrm>
           <a:prstGeom prst="rect">
@@ -6348,12 +6029,16 @@
               <a:buChar char="Ø"/>
             </a:pPr>
             <a:r>
-              <a:rPr lang="zh-CN" altLang="en-US" sz="2800">
-                <a:latin typeface="微软雅黑" pitchFamily="34" charset="-122"/>
+              <a:rPr lang="en-US" altLang="zh-CN" sz="2800" dirty="0" smtClean="0">
+                <a:latin typeface="+mn-lt"/>
                 <a:ea typeface="微软雅黑" pitchFamily="34" charset="-122"/>
               </a:rPr>
-              <a:t>毕业生对“大学生留汉工程”关注度较低</a:t>
-            </a:r>
+              <a:t>Generalize to analyze big data </a:t>
+            </a:r>
+            <a:endParaRPr lang="zh-CN" altLang="en-US" sz="2800" dirty="0">
+              <a:latin typeface="+mn-lt"/>
+              <a:ea typeface="微软雅黑" pitchFamily="34" charset="-122"/>
+            </a:endParaRPr>
           </a:p>
         </p:txBody>
       </p:sp>
@@ -6468,7 +6153,7 @@
               <a:buChar char="Ø"/>
             </a:pPr>
             <a:r>
-              <a:rPr lang="zh-CN" altLang="en-US" sz="2800">
+              <a:rPr lang="zh-CN" altLang="en-US" sz="2800" dirty="0">
                 <a:ea typeface="微软雅黑" pitchFamily="34" charset="-122"/>
               </a:rPr>
               <a:t>城市收入水平，建设水平，行业发展前景对毕业生选择就业城市有一定影响</a:t>
@@ -6527,7 +6212,7 @@
         </p:blipFill>
         <p:spPr bwMode="auto">
           <a:xfrm>
-            <a:off x="987425" y="1230313"/>
+            <a:off x="952499" y="1230313"/>
             <a:ext cx="7959725" cy="1111250"/>
           </a:xfrm>
           <a:prstGeom prst="rect">
@@ -6555,7 +6240,7 @@
         </p:nvSpPr>
         <p:spPr bwMode="auto">
           <a:xfrm>
-            <a:off x="1482725" y="1390650"/>
+            <a:off x="1482724" y="1294606"/>
             <a:ext cx="7140575" cy="982663"/>
           </a:xfrm>
           <a:prstGeom prst="rect">
@@ -6580,11 +6265,14 @@
               <a:buChar char="Ø"/>
             </a:pPr>
             <a:r>
-              <a:rPr lang="zh-CN" altLang="en-US" sz="2800">
+              <a:rPr lang="en-US" altLang="zh-CN" sz="2800" dirty="0" smtClean="0">
                 <a:ea typeface="微软雅黑" pitchFamily="34" charset="-122"/>
               </a:rPr>
-              <a:t>毕业生就业更倾向北上广等一线城市</a:t>
-            </a:r>
+              <a:t>Guide the choice of employment place</a:t>
+            </a:r>
+            <a:endParaRPr lang="zh-CN" altLang="en-US" sz="2800" dirty="0">
+              <a:ea typeface="微软雅黑" pitchFamily="34" charset="-122"/>
+            </a:endParaRPr>
           </a:p>
         </p:txBody>
       </p:sp>
@@ -6605,7 +6293,7 @@
         </p:blipFill>
         <p:spPr bwMode="auto">
           <a:xfrm>
-            <a:off x="996950" y="2606675"/>
+            <a:off x="952498" y="2584450"/>
             <a:ext cx="7959725" cy="1111250"/>
           </a:xfrm>
           <a:prstGeom prst="rect">
@@ -6634,7 +6322,7 @@
         <p:spPr bwMode="auto">
           <a:xfrm>
             <a:off x="1457325" y="2813050"/>
-            <a:ext cx="7140575" cy="984250"/>
+            <a:ext cx="7380288" cy="984250"/>
           </a:xfrm>
           <a:prstGeom prst="rect">
             <a:avLst/>
@@ -6658,11 +6346,14 @@
               <a:buChar char="Ø"/>
             </a:pPr>
             <a:r>
-              <a:rPr lang="zh-CN" altLang="en-US" sz="2800">
+              <a:rPr lang="en-US" altLang="zh-CN" sz="2800" dirty="0" smtClean="0">
                 <a:ea typeface="微软雅黑" pitchFamily="34" charset="-122"/>
               </a:rPr>
-              <a:t>专业因素影响毕业生选择就业城市</a:t>
-            </a:r>
+              <a:t>Key factors to improve competitiveness</a:t>
+            </a:r>
+            <a:endParaRPr lang="zh-CN" altLang="en-US" sz="2800" dirty="0">
+              <a:ea typeface="微软雅黑" pitchFamily="34" charset="-122"/>
+            </a:endParaRPr>
           </a:p>
           <a:p>
             <a:pPr eaLnBrk="0" hangingPunct="0">
@@ -6670,7 +6361,7 @@
               <a:buFont typeface="Wingdings" pitchFamily="2" charset="2"/>
               <a:buNone/>
             </a:pPr>
-            <a:endParaRPr lang="en-GB" altLang="en-US" sz="1600">
+            <a:endParaRPr lang="en-GB" altLang="en-US" sz="1600" dirty="0">
               <a:solidFill>
                 <a:srgbClr val="333333"/>
               </a:solidFill>
@@ -7511,7 +7202,7 @@
 </p:sld>
 </file>
 
-<file path=ppt/slides/slide14.xml><?xml version="1.0" encoding="utf-8"?>
+<file path=ppt/slides/slide13.xml><?xml version="1.0" encoding="utf-8"?>
 <p:sld xmlns:a="http://schemas.openxmlformats.org/drawingml/2006/main" xmlns:r="http://schemas.openxmlformats.org/officeDocument/2006/relationships" xmlns:p="http://schemas.openxmlformats.org/presentationml/2006/main">
   <p:cSld>
     <p:spTree>
@@ -11210,9 +10901,117 @@
           </a:p>
         </p:txBody>
       </p:sp>
+      <p:pic>
+        <p:nvPicPr>
+          <p:cNvPr id="1026" name="Picture 2" descr="C:\Users\lenovo\Documents\Python Scripts\project\map.PNG"/>
+          <p:cNvPicPr>
+            <a:picLocks noChangeAspect="1" noChangeArrowheads="1"/>
+          </p:cNvPicPr>
+          <p:nvPr/>
+        </p:nvPicPr>
+        <p:blipFill>
+          <a:blip r:embed="rId4">
+            <a:extLst>
+              <a:ext uri="{28A0092B-C50C-407E-A947-70E740481C1C}">
+                <a14:useLocalDpi xmlns:a14="http://schemas.microsoft.com/office/drawing/2010/main" val="0"/>
+              </a:ext>
+            </a:extLst>
+          </a:blip>
+          <a:srcRect/>
+          <a:stretch>
+            <a:fillRect/>
+          </a:stretch>
+        </p:blipFill>
+        <p:spPr bwMode="auto">
+          <a:xfrm>
+            <a:off x="4408407" y="1559945"/>
+            <a:ext cx="3871402" cy="4961064"/>
+          </a:xfrm>
+          <a:prstGeom prst="rect">
+            <a:avLst/>
+          </a:prstGeom>
+          <a:noFill/>
+          <a:extLst>
+            <a:ext uri="{909E8E84-426E-40DD-AFC4-6F175D3DCCD1}">
+              <a14:hiddenFill xmlns:a14="http://schemas.microsoft.com/office/drawing/2010/main">
+                <a:solidFill>
+                  <a:srgbClr val="FFFFFF"/>
+                </a:solidFill>
+              </a14:hiddenFill>
+            </a:ext>
+          </a:extLst>
+        </p:spPr>
+      </p:pic>
       <p:sp>
         <p:nvSpPr>
-          <p:cNvPr id="8220" name="AutoShape 28"/>
+          <p:cNvPr id="4" name="TextBox 3"/>
+          <p:cNvSpPr txBox="1"/>
+          <p:nvPr/>
+        </p:nvSpPr>
+        <p:spPr>
+          <a:xfrm>
+            <a:off x="457199" y="2590800"/>
+            <a:ext cx="3297811" cy="553998"/>
+          </a:xfrm>
+          <a:prstGeom prst="rect">
+            <a:avLst/>
+          </a:prstGeom>
+          <a:noFill/>
+        </p:spPr>
+        <p:txBody>
+          <a:bodyPr wrap="square" rtlCol="0">
+            <a:spAutoFit/>
+          </a:bodyPr>
+          <a:lstStyle/>
+          <a:p>
+            <a:r>
+              <a:rPr lang="en-US" altLang="zh-CN" dirty="0" smtClean="0"/>
+              <a:t>    </a:t>
+            </a:r>
+            <a:r>
+              <a:rPr lang="en-US" altLang="zh-CN" sz="3000" dirty="0" smtClean="0"/>
+              <a:t>San Francisco </a:t>
+            </a:r>
+            <a:endParaRPr lang="zh-CN" altLang="en-US" sz="3000" dirty="0"/>
+          </a:p>
+        </p:txBody>
+      </p:sp>
+      <p:sp>
+        <p:nvSpPr>
+          <p:cNvPr id="5" name="TextBox 4"/>
+          <p:cNvSpPr txBox="1"/>
+          <p:nvPr/>
+        </p:nvSpPr>
+        <p:spPr>
+          <a:xfrm>
+            <a:off x="457198" y="3547910"/>
+            <a:ext cx="3951207" cy="477054"/>
+          </a:xfrm>
+          <a:prstGeom prst="rect">
+            <a:avLst/>
+          </a:prstGeom>
+          <a:noFill/>
+        </p:spPr>
+        <p:txBody>
+          <a:bodyPr wrap="square" rtlCol="0">
+            <a:spAutoFit/>
+          </a:bodyPr>
+          <a:lstStyle/>
+          <a:p>
+            <a:r>
+              <a:rPr lang="en-US" altLang="zh-CN" dirty="0" smtClean="0"/>
+              <a:t>    </a:t>
+            </a:r>
+            <a:r>
+              <a:rPr lang="en-US" altLang="zh-CN" sz="2500" dirty="0" smtClean="0"/>
+              <a:t>Palo Alto, Sacramento</a:t>
+            </a:r>
+          </a:p>
+        </p:txBody>
+      </p:sp>
+      <p:sp>
+        <p:nvSpPr>
+          <p:cNvPr id="36" name="AutoShape 28"/>
           <p:cNvSpPr>
             <a:spLocks noChangeArrowheads="1"/>
           </p:cNvSpPr>
@@ -11220,7 +11019,7 @@
         </p:nvSpPr>
         <p:spPr bwMode="auto">
           <a:xfrm>
-            <a:off x="631825" y="3290888"/>
+            <a:off x="404661" y="3620543"/>
             <a:ext cx="304800" cy="331787"/>
           </a:xfrm>
           <a:prstGeom prst="diamond">
@@ -11248,7 +11047,7 @@
       </p:sp>
       <p:sp>
         <p:nvSpPr>
-          <p:cNvPr id="8221" name="AutoShape 29"/>
+          <p:cNvPr id="37" name="AutoShape 28"/>
           <p:cNvSpPr>
             <a:spLocks noChangeArrowheads="1"/>
           </p:cNvSpPr>
@@ -11256,79 +11055,7 @@
         </p:nvSpPr>
         <p:spPr bwMode="auto">
           <a:xfrm>
-            <a:off x="679450" y="5099050"/>
-            <a:ext cx="304800" cy="331788"/>
-          </a:xfrm>
-          <a:prstGeom prst="diamond">
-            <a:avLst/>
-          </a:prstGeom>
-          <a:solidFill>
-            <a:schemeClr val="tx1"/>
-          </a:solidFill>
-          <a:ln w="9525" cmpd="sng">
-            <a:solidFill>
-              <a:schemeClr val="tx1"/>
-            </a:solidFill>
-            <a:miter lim="800000"/>
-            <a:headEnd/>
-            <a:tailEnd/>
-          </a:ln>
-        </p:spPr>
-        <p:txBody>
-          <a:bodyPr wrap="none" anchor="ctr"/>
-          <a:lstStyle/>
-          <a:p>
-            <a:endParaRPr lang="zh-CN" altLang="en-US"/>
-          </a:p>
-        </p:txBody>
-      </p:sp>
-      <p:sp>
-        <p:nvSpPr>
-          <p:cNvPr id="8222" name="AutoShape 30"/>
-          <p:cNvSpPr>
-            <a:spLocks noChangeArrowheads="1"/>
-          </p:cNvSpPr>
-          <p:nvPr/>
-        </p:nvSpPr>
-        <p:spPr bwMode="auto">
-          <a:xfrm>
-            <a:off x="615950" y="3905250"/>
-            <a:ext cx="304800" cy="331788"/>
-          </a:xfrm>
-          <a:prstGeom prst="diamond">
-            <a:avLst/>
-          </a:prstGeom>
-          <a:solidFill>
-            <a:schemeClr val="tx1"/>
-          </a:solidFill>
-          <a:ln w="9525" cmpd="sng">
-            <a:solidFill>
-              <a:schemeClr val="tx1"/>
-            </a:solidFill>
-            <a:miter lim="800000"/>
-            <a:headEnd/>
-            <a:tailEnd/>
-          </a:ln>
-        </p:spPr>
-        <p:txBody>
-          <a:bodyPr wrap="none" anchor="ctr"/>
-          <a:lstStyle/>
-          <a:p>
-            <a:endParaRPr lang="zh-CN" altLang="en-US"/>
-          </a:p>
-        </p:txBody>
-      </p:sp>
-      <p:sp>
-        <p:nvSpPr>
-          <p:cNvPr id="8223" name="AutoShape 31"/>
-          <p:cNvSpPr>
-            <a:spLocks noChangeArrowheads="1"/>
-          </p:cNvSpPr>
-          <p:nvPr/>
-        </p:nvSpPr>
-        <p:spPr bwMode="auto">
-          <a:xfrm>
-            <a:off x="635000" y="4522788"/>
+            <a:off x="404661" y="4466647"/>
             <a:ext cx="304800" cy="331787"/>
           </a:xfrm>
           <a:prstGeom prst="diamond">
@@ -11351,6 +11078,80 @@
           <a:lstStyle/>
           <a:p>
             <a:endParaRPr lang="zh-CN" altLang="en-US"/>
+          </a:p>
+        </p:txBody>
+      </p:sp>
+      <p:sp>
+        <p:nvSpPr>
+          <p:cNvPr id="38" name="AutoShape 28"/>
+          <p:cNvSpPr>
+            <a:spLocks noChangeArrowheads="1"/>
+          </p:cNvSpPr>
+          <p:nvPr/>
+        </p:nvSpPr>
+        <p:spPr bwMode="auto">
+          <a:xfrm>
+            <a:off x="404661" y="2655738"/>
+            <a:ext cx="304800" cy="331787"/>
+          </a:xfrm>
+          <a:prstGeom prst="diamond">
+            <a:avLst/>
+          </a:prstGeom>
+          <a:solidFill>
+            <a:schemeClr val="tx1"/>
+          </a:solidFill>
+          <a:ln w="9525" cmpd="sng">
+            <a:solidFill>
+              <a:schemeClr val="tx1"/>
+            </a:solidFill>
+            <a:miter lim="800000"/>
+            <a:headEnd/>
+            <a:tailEnd/>
+          </a:ln>
+        </p:spPr>
+        <p:txBody>
+          <a:bodyPr wrap="none" anchor="ctr"/>
+          <a:lstStyle/>
+          <a:p>
+            <a:endParaRPr lang="zh-CN" altLang="en-US"/>
+          </a:p>
+        </p:txBody>
+      </p:sp>
+      <p:sp>
+        <p:nvSpPr>
+          <p:cNvPr id="6" name="TextBox 5"/>
+          <p:cNvSpPr txBox="1"/>
+          <p:nvPr/>
+        </p:nvSpPr>
+        <p:spPr>
+          <a:xfrm>
+            <a:off x="681901" y="4466647"/>
+            <a:ext cx="3726505" cy="815608"/>
+          </a:xfrm>
+          <a:prstGeom prst="rect">
+            <a:avLst/>
+          </a:prstGeom>
+          <a:noFill/>
+        </p:spPr>
+        <p:txBody>
+          <a:bodyPr wrap="square" rtlCol="0">
+            <a:spAutoFit/>
+          </a:bodyPr>
+          <a:lstStyle/>
+          <a:p>
+            <a:r>
+              <a:rPr lang="en-US" altLang="zh-CN" dirty="0"/>
+              <a:t> </a:t>
+            </a:r>
+            <a:r>
+              <a:rPr lang="en-US" altLang="zh-CN" sz="2300" dirty="0"/>
+              <a:t>Los Angeles, San Diego, </a:t>
+            </a:r>
+            <a:r>
+              <a:rPr lang="en-US" altLang="zh-CN" sz="2300" dirty="0" smtClean="0"/>
+              <a:t>   Oakland </a:t>
+            </a:r>
+            <a:endParaRPr lang="zh-CN" altLang="en-US" sz="2300" dirty="0"/>
           </a:p>
         </p:txBody>
       </p:sp>
@@ -11402,7 +11203,7 @@
                                           </p:stCondLst>
                                         </p:cTn>
                                         <p:tgtEl>
-                                          <p:spTgt spid="8220"/>
+                                          <p:spTgt spid="36"/>
                                         </p:tgtEl>
                                         <p:attrNameLst>
                                           <p:attrName>style.visibility</p:attrName>
@@ -11416,7 +11217,7 @@
                                       <p:cBhvr additive="base">
                                         <p:cTn id="7" dur="500" fill="hold"/>
                                         <p:tgtEl>
-                                          <p:spTgt spid="8220"/>
+                                          <p:spTgt spid="36"/>
                                         </p:tgtEl>
                                         <p:attrNameLst>
                                           <p:attrName>ppt_x</p:attrName>
@@ -11439,7 +11240,7 @@
                                       <p:cBhvr additive="base">
                                         <p:cTn id="8" dur="500" fill="hold"/>
                                         <p:tgtEl>
-                                          <p:spTgt spid="8220"/>
+                                          <p:spTgt spid="36"/>
                                         </p:tgtEl>
                                         <p:attrNameLst>
                                           <p:attrName>ppt_y</p:attrName>
@@ -11484,7 +11285,7 @@
                                           </p:stCondLst>
                                         </p:cTn>
                                         <p:tgtEl>
-                                          <p:spTgt spid="8222"/>
+                                          <p:spTgt spid="37"/>
                                         </p:tgtEl>
                                         <p:attrNameLst>
                                           <p:attrName>style.visibility</p:attrName>
@@ -11498,7 +11299,7 @@
                                       <p:cBhvr additive="base">
                                         <p:cTn id="12" dur="500" fill="hold"/>
                                         <p:tgtEl>
-                                          <p:spTgt spid="8222"/>
+                                          <p:spTgt spid="37"/>
                                         </p:tgtEl>
                                         <p:attrNameLst>
                                           <p:attrName>ppt_x</p:attrName>
@@ -11521,7 +11322,7 @@
                                       <p:cBhvr additive="base">
                                         <p:cTn id="13" dur="500" fill="hold"/>
                                         <p:tgtEl>
-                                          <p:spTgt spid="8222"/>
+                                          <p:spTgt spid="37"/>
                                         </p:tgtEl>
                                         <p:attrNameLst>
                                           <p:attrName>ppt_y</p:attrName>
@@ -11566,7 +11367,7 @@
                                           </p:stCondLst>
                                         </p:cTn>
                                         <p:tgtEl>
-                                          <p:spTgt spid="8223"/>
+                                          <p:spTgt spid="38"/>
                                         </p:tgtEl>
                                         <p:attrNameLst>
                                           <p:attrName>style.visibility</p:attrName>
@@ -11580,7 +11381,7 @@
                                       <p:cBhvr additive="base">
                                         <p:cTn id="17" dur="500" fill="hold"/>
                                         <p:tgtEl>
-                                          <p:spTgt spid="8223"/>
+                                          <p:spTgt spid="38"/>
                                         </p:tgtEl>
                                         <p:attrNameLst>
                                           <p:attrName>ppt_x</p:attrName>
@@ -11603,89 +11404,7 @@
                                       <p:cBhvr additive="base">
                                         <p:cTn id="18" dur="500" fill="hold"/>
                                         <p:tgtEl>
-                                          <p:spTgt spid="8223"/>
-                                        </p:tgtEl>
-                                        <p:attrNameLst>
-                                          <p:attrName>ppt_y</p:attrName>
-                                        </p:attrNameLst>
-                                      </p:cBhvr>
-                                      <p:tavLst>
-                                        <p:tav tm="0">
-                                          <p:val>
-                                            <p:strVal val="1+#ppt_h/2"/>
-                                          </p:val>
-                                        </p:tav>
-                                        <p:tav tm="100000">
-                                          <p:val>
-                                            <p:strVal val="#ppt_y"/>
-                                          </p:val>
-                                        </p:tav>
-                                      </p:tavLst>
-                                    </p:anim>
-                                  </p:childTnLst>
-                                </p:cTn>
-                              </p:par>
-                            </p:childTnLst>
-                          </p:cTn>
-                        </p:par>
-                        <p:par>
-                          <p:cTn id="19" fill="hold">
-                            <p:stCondLst>
-                              <p:cond delay="1500"/>
-                            </p:stCondLst>
-                            <p:childTnLst>
-                              <p:par>
-                                <p:cTn id="20" presetID="2" presetClass="entr" presetSubtype="4" fill="hold" grpId="0" nodeType="afterEffect">
-                                  <p:stCondLst>
-                                    <p:cond delay="0"/>
-                                  </p:stCondLst>
-                                  <p:childTnLst>
-                                    <p:set>
-                                      <p:cBhvr>
-                                        <p:cTn id="21" dur="1" fill="hold">
-                                          <p:stCondLst>
-                                            <p:cond delay="0"/>
-                                          </p:stCondLst>
-                                        </p:cTn>
-                                        <p:tgtEl>
-                                          <p:spTgt spid="8221"/>
-                                        </p:tgtEl>
-                                        <p:attrNameLst>
-                                          <p:attrName>style.visibility</p:attrName>
-                                        </p:attrNameLst>
-                                      </p:cBhvr>
-                                      <p:to>
-                                        <p:strVal val="visible"/>
-                                      </p:to>
-                                    </p:set>
-                                    <p:anim calcmode="lin" valueType="num">
-                                      <p:cBhvr additive="base">
-                                        <p:cTn id="22" dur="500" fill="hold"/>
-                                        <p:tgtEl>
-                                          <p:spTgt spid="8221"/>
-                                        </p:tgtEl>
-                                        <p:attrNameLst>
-                                          <p:attrName>ppt_x</p:attrName>
-                                        </p:attrNameLst>
-                                      </p:cBhvr>
-                                      <p:tavLst>
-                                        <p:tav tm="0">
-                                          <p:val>
-                                            <p:strVal val="#ppt_x"/>
-                                          </p:val>
-                                        </p:tav>
-                                        <p:tav tm="100000">
-                                          <p:val>
-                                            <p:strVal val="#ppt_x"/>
-                                          </p:val>
-                                        </p:tav>
-                                      </p:tavLst>
-                                    </p:anim>
-                                    <p:anim calcmode="lin" valueType="num">
-                                      <p:cBhvr additive="base">
-                                        <p:cTn id="23" dur="500" fill="hold"/>
-                                        <p:tgtEl>
-                                          <p:spTgt spid="8221"/>
+                                          <p:spTgt spid="38"/>
                                         </p:tgtEl>
                                         <p:attrNameLst>
                                           <p:attrName>ppt_y</p:attrName>
@@ -11735,10 +11454,9 @@
       </p:par>
     </p:tnLst>
     <p:bldLst>
-      <p:bldP spid="8220" grpId="0" animBg="1" autoUpdateAnimBg="0"/>
-      <p:bldP spid="8221" grpId="0" animBg="1" autoUpdateAnimBg="0"/>
-      <p:bldP spid="8222" grpId="0" animBg="1" autoUpdateAnimBg="0"/>
-      <p:bldP spid="8223" grpId="0" animBg="1" autoUpdateAnimBg="0"/>
+      <p:bldP spid="36" grpId="0" animBg="1" autoUpdateAnimBg="0"/>
+      <p:bldP spid="37" grpId="0" animBg="1" autoUpdateAnimBg="0"/>
+      <p:bldP spid="38" grpId="0" animBg="1" autoUpdateAnimBg="0"/>
     </p:bldLst>
   </p:timing>
 </p:sld>
@@ -11883,7 +11601,16 @@
                 </a:solidFill>
                 <a:ea typeface="微软雅黑" pitchFamily="34" charset="-122"/>
               </a:rPr>
-              <a:t>Education Background Requirements</a:t>
+              <a:t>Education </a:t>
+            </a:r>
+            <a:r>
+              <a:rPr lang="en-US" altLang="zh-CN" sz="2800" b="1" dirty="0" smtClean="0">
+                <a:solidFill>
+                  <a:schemeClr val="tx1"/>
+                </a:solidFill>
+                <a:ea typeface="微软雅黑" pitchFamily="34" charset="-122"/>
+              </a:rPr>
+              <a:t>Background</a:t>
             </a:r>
             <a:endParaRPr lang="zh-CN" altLang="en-US" sz="2800" b="1" dirty="0">
               <a:solidFill>
@@ -12680,147 +12407,116 @@
           </a:p>
         </p:txBody>
       </p:sp>
+      <p:pic>
+        <p:nvPicPr>
+          <p:cNvPr id="2050" name="Picture 2" descr="C:\Users\lenovo\Documents\Python Scripts\project\pie_degree.PNG"/>
+          <p:cNvPicPr>
+            <a:picLocks noChangeAspect="1" noChangeArrowheads="1"/>
+          </p:cNvPicPr>
+          <p:nvPr/>
+        </p:nvPicPr>
+        <p:blipFill>
+          <a:blip r:embed="rId4">
+            <a:extLst>
+              <a:ext uri="{28A0092B-C50C-407E-A947-70E740481C1C}">
+                <a14:useLocalDpi xmlns:a14="http://schemas.microsoft.com/office/drawing/2010/main" val="0"/>
+              </a:ext>
+            </a:extLst>
+          </a:blip>
+          <a:srcRect/>
+          <a:stretch>
+            <a:fillRect/>
+          </a:stretch>
+        </p:blipFill>
+        <p:spPr bwMode="auto">
+          <a:xfrm>
+            <a:off x="361509" y="2400301"/>
+            <a:ext cx="4260645" cy="3602326"/>
+          </a:xfrm>
+          <a:prstGeom prst="rect">
+            <a:avLst/>
+          </a:prstGeom>
+          <a:noFill/>
+          <a:extLst>
+            <a:ext uri="{909E8E84-426E-40DD-AFC4-6F175D3DCCD1}">
+              <a14:hiddenFill xmlns:a14="http://schemas.microsoft.com/office/drawing/2010/main">
+                <a:solidFill>
+                  <a:srgbClr val="FFFFFF"/>
+                </a:solidFill>
+              </a14:hiddenFill>
+            </a:ext>
+          </a:extLst>
+        </p:spPr>
+      </p:pic>
+      <p:pic>
+        <p:nvPicPr>
+          <p:cNvPr id="2051" name="Picture 3" descr="C:\Users\lenovo\Documents\Python Scripts\project\pie_exp.PNG"/>
+          <p:cNvPicPr>
+            <a:picLocks noChangeAspect="1" noChangeArrowheads="1"/>
+          </p:cNvPicPr>
+          <p:nvPr/>
+        </p:nvPicPr>
+        <p:blipFill>
+          <a:blip r:embed="rId5">
+            <a:extLst>
+              <a:ext uri="{28A0092B-C50C-407E-A947-70E740481C1C}">
+                <a14:useLocalDpi xmlns:a14="http://schemas.microsoft.com/office/drawing/2010/main" val="0"/>
+              </a:ext>
+            </a:extLst>
+          </a:blip>
+          <a:srcRect/>
+          <a:stretch>
+            <a:fillRect/>
+          </a:stretch>
+        </p:blipFill>
+        <p:spPr bwMode="auto">
+          <a:xfrm>
+            <a:off x="4802115" y="2400302"/>
+            <a:ext cx="4038896" cy="3602326"/>
+          </a:xfrm>
+          <a:prstGeom prst="rect">
+            <a:avLst/>
+          </a:prstGeom>
+          <a:noFill/>
+          <a:extLst>
+            <a:ext uri="{909E8E84-426E-40DD-AFC4-6F175D3DCCD1}">
+              <a14:hiddenFill xmlns:a14="http://schemas.microsoft.com/office/drawing/2010/main">
+                <a:solidFill>
+                  <a:srgbClr val="FFFFFF"/>
+                </a:solidFill>
+              </a14:hiddenFill>
+            </a:ext>
+          </a:extLst>
+        </p:spPr>
+      </p:pic>
       <p:sp>
         <p:nvSpPr>
-          <p:cNvPr id="8220" name="AutoShape 28"/>
-          <p:cNvSpPr>
-            <a:spLocks noChangeArrowheads="1"/>
-          </p:cNvSpPr>
+          <p:cNvPr id="2" name="矩形 1"/>
+          <p:cNvSpPr/>
           <p:nvPr/>
         </p:nvSpPr>
-        <p:spPr bwMode="auto">
+        <p:spPr>
           <a:xfrm>
-            <a:off x="631825" y="3290888"/>
-            <a:ext cx="304800" cy="331787"/>
+            <a:off x="4802115" y="1623204"/>
+            <a:ext cx="3686265" cy="523220"/>
           </a:xfrm>
-          <a:prstGeom prst="diamond">
+          <a:prstGeom prst="rect">
             <a:avLst/>
           </a:prstGeom>
-          <a:solidFill>
-            <a:schemeClr val="tx1"/>
-          </a:solidFill>
-          <a:ln w="9525" cmpd="sng">
-            <a:solidFill>
-              <a:schemeClr val="tx1"/>
-            </a:solidFill>
-            <a:miter lim="800000"/>
-            <a:headEnd/>
-            <a:tailEnd/>
-          </a:ln>
         </p:spPr>
         <p:txBody>
-          <a:bodyPr wrap="none" anchor="ctr"/>
+          <a:bodyPr wrap="square">
+            <a:spAutoFit/>
+          </a:bodyPr>
           <a:lstStyle/>
           <a:p>
-            <a:endParaRPr lang="zh-CN" altLang="en-US"/>
-          </a:p>
-        </p:txBody>
-      </p:sp>
-      <p:sp>
-        <p:nvSpPr>
-          <p:cNvPr id="8221" name="AutoShape 29"/>
-          <p:cNvSpPr>
-            <a:spLocks noChangeArrowheads="1"/>
-          </p:cNvSpPr>
-          <p:nvPr/>
-        </p:nvSpPr>
-        <p:spPr bwMode="auto">
-          <a:xfrm>
-            <a:off x="679450" y="5099050"/>
-            <a:ext cx="304800" cy="331788"/>
-          </a:xfrm>
-          <a:prstGeom prst="diamond">
-            <a:avLst/>
-          </a:prstGeom>
-          <a:solidFill>
-            <a:schemeClr val="tx1"/>
-          </a:solidFill>
-          <a:ln w="9525" cmpd="sng">
-            <a:solidFill>
-              <a:schemeClr val="tx1"/>
-            </a:solidFill>
-            <a:miter lim="800000"/>
-            <a:headEnd/>
-            <a:tailEnd/>
-          </a:ln>
-        </p:spPr>
-        <p:txBody>
-          <a:bodyPr wrap="none" anchor="ctr"/>
-          <a:lstStyle/>
-          <a:p>
-            <a:endParaRPr lang="zh-CN" altLang="en-US"/>
-          </a:p>
-        </p:txBody>
-      </p:sp>
-      <p:sp>
-        <p:nvSpPr>
-          <p:cNvPr id="8222" name="AutoShape 30"/>
-          <p:cNvSpPr>
-            <a:spLocks noChangeArrowheads="1"/>
-          </p:cNvSpPr>
-          <p:nvPr/>
-        </p:nvSpPr>
-        <p:spPr bwMode="auto">
-          <a:xfrm>
-            <a:off x="615950" y="3905250"/>
-            <a:ext cx="304800" cy="331788"/>
-          </a:xfrm>
-          <a:prstGeom prst="diamond">
-            <a:avLst/>
-          </a:prstGeom>
-          <a:solidFill>
-            <a:schemeClr val="tx1"/>
-          </a:solidFill>
-          <a:ln w="9525" cmpd="sng">
-            <a:solidFill>
-              <a:schemeClr val="tx1"/>
-            </a:solidFill>
-            <a:miter lim="800000"/>
-            <a:headEnd/>
-            <a:tailEnd/>
-          </a:ln>
-        </p:spPr>
-        <p:txBody>
-          <a:bodyPr wrap="none" anchor="ctr"/>
-          <a:lstStyle/>
-          <a:p>
-            <a:endParaRPr lang="zh-CN" altLang="en-US"/>
-          </a:p>
-        </p:txBody>
-      </p:sp>
-      <p:sp>
-        <p:nvSpPr>
-          <p:cNvPr id="8223" name="AutoShape 31"/>
-          <p:cNvSpPr>
-            <a:spLocks noChangeArrowheads="1"/>
-          </p:cNvSpPr>
-          <p:nvPr/>
-        </p:nvSpPr>
-        <p:spPr bwMode="auto">
-          <a:xfrm>
-            <a:off x="635000" y="4522788"/>
-            <a:ext cx="304800" cy="331787"/>
-          </a:xfrm>
-          <a:prstGeom prst="diamond">
-            <a:avLst/>
-          </a:prstGeom>
-          <a:solidFill>
-            <a:schemeClr val="tx1"/>
-          </a:solidFill>
-          <a:ln w="9525" cmpd="sng">
-            <a:solidFill>
-              <a:schemeClr val="tx1"/>
-            </a:solidFill>
-            <a:miter lim="800000"/>
-            <a:headEnd/>
-            <a:tailEnd/>
-          </a:ln>
-        </p:spPr>
-        <p:txBody>
-          <a:bodyPr wrap="none" anchor="ctr"/>
-          <a:lstStyle/>
-          <a:p>
-            <a:endParaRPr lang="zh-CN" altLang="en-US"/>
+            <a:r>
+              <a:rPr lang="en-US" altLang="zh-CN" sz="2800" dirty="0">
+                <a:ea typeface="微软雅黑" pitchFamily="34" charset="-122"/>
+              </a:rPr>
+              <a:t>Working Experience</a:t>
+            </a:r>
+            <a:endParaRPr lang="zh-CN" altLang="en-US" sz="2800" dirty="0"/>
           </a:p>
         </p:txBody>
       </p:sp>
@@ -12838,1853 +12534,14 @@
   <p:timing>
     <p:tnLst>
       <p:par>
-        <p:cTn id="1" dur="indefinite" restart="never" nodeType="tmRoot">
-          <p:childTnLst>
-            <p:seq concurrent="1" nextAc="seek">
-              <p:cTn id="2" dur="indefinite" nodeType="mainSeq">
-                <p:childTnLst>
-                  <p:par>
-                    <p:cTn id="3" fill="hold">
-                      <p:stCondLst>
-                        <p:cond delay="indefinite"/>
-                        <p:cond evt="onBegin" delay="0">
-                          <p:tn val="2"/>
-                        </p:cond>
-                      </p:stCondLst>
-                      <p:childTnLst>
-                        <p:par>
-                          <p:cTn id="4" fill="hold">
-                            <p:stCondLst>
-                              <p:cond delay="0"/>
-                            </p:stCondLst>
-                            <p:childTnLst>
-                              <p:par>
-                                <p:cTn id="5" presetID="2" presetClass="entr" presetSubtype="4" fill="hold" grpId="0" nodeType="afterEffect">
-                                  <p:stCondLst>
-                                    <p:cond delay="0"/>
-                                  </p:stCondLst>
-                                  <p:childTnLst>
-                                    <p:set>
-                                      <p:cBhvr>
-                                        <p:cTn id="6" dur="1" fill="hold">
-                                          <p:stCondLst>
-                                            <p:cond delay="0"/>
-                                          </p:stCondLst>
-                                        </p:cTn>
-                                        <p:tgtEl>
-                                          <p:spTgt spid="8220"/>
-                                        </p:tgtEl>
-                                        <p:attrNameLst>
-                                          <p:attrName>style.visibility</p:attrName>
-                                        </p:attrNameLst>
-                                      </p:cBhvr>
-                                      <p:to>
-                                        <p:strVal val="visible"/>
-                                      </p:to>
-                                    </p:set>
-                                    <p:anim calcmode="lin" valueType="num">
-                                      <p:cBhvr additive="base">
-                                        <p:cTn id="7" dur="500" fill="hold"/>
-                                        <p:tgtEl>
-                                          <p:spTgt spid="8220"/>
-                                        </p:tgtEl>
-                                        <p:attrNameLst>
-                                          <p:attrName>ppt_x</p:attrName>
-                                        </p:attrNameLst>
-                                      </p:cBhvr>
-                                      <p:tavLst>
-                                        <p:tav tm="0">
-                                          <p:val>
-                                            <p:strVal val="#ppt_x"/>
-                                          </p:val>
-                                        </p:tav>
-                                        <p:tav tm="100000">
-                                          <p:val>
-                                            <p:strVal val="#ppt_x"/>
-                                          </p:val>
-                                        </p:tav>
-                                      </p:tavLst>
-                                    </p:anim>
-                                    <p:anim calcmode="lin" valueType="num">
-                                      <p:cBhvr additive="base">
-                                        <p:cTn id="8" dur="500" fill="hold"/>
-                                        <p:tgtEl>
-                                          <p:spTgt spid="8220"/>
-                                        </p:tgtEl>
-                                        <p:attrNameLst>
-                                          <p:attrName>ppt_y</p:attrName>
-                                        </p:attrNameLst>
-                                      </p:cBhvr>
-                                      <p:tavLst>
-                                        <p:tav tm="0">
-                                          <p:val>
-                                            <p:strVal val="1+#ppt_h/2"/>
-                                          </p:val>
-                                        </p:tav>
-                                        <p:tav tm="100000">
-                                          <p:val>
-                                            <p:strVal val="#ppt_y"/>
-                                          </p:val>
-                                        </p:tav>
-                                      </p:tavLst>
-                                    </p:anim>
-                                  </p:childTnLst>
-                                </p:cTn>
-                              </p:par>
-                            </p:childTnLst>
-                          </p:cTn>
-                        </p:par>
-                        <p:par>
-                          <p:cTn id="9" fill="hold">
-                            <p:stCondLst>
-                              <p:cond delay="500"/>
-                            </p:stCondLst>
-                            <p:childTnLst>
-                              <p:par>
-                                <p:cTn id="10" presetID="2" presetClass="entr" presetSubtype="4" fill="hold" grpId="0" nodeType="afterEffect">
-                                  <p:stCondLst>
-                                    <p:cond delay="0"/>
-                                  </p:stCondLst>
-                                  <p:childTnLst>
-                                    <p:set>
-                                      <p:cBhvr>
-                                        <p:cTn id="11" dur="1" fill="hold">
-                                          <p:stCondLst>
-                                            <p:cond delay="0"/>
-                                          </p:stCondLst>
-                                        </p:cTn>
-                                        <p:tgtEl>
-                                          <p:spTgt spid="8222"/>
-                                        </p:tgtEl>
-                                        <p:attrNameLst>
-                                          <p:attrName>style.visibility</p:attrName>
-                                        </p:attrNameLst>
-                                      </p:cBhvr>
-                                      <p:to>
-                                        <p:strVal val="visible"/>
-                                      </p:to>
-                                    </p:set>
-                                    <p:anim calcmode="lin" valueType="num">
-                                      <p:cBhvr additive="base">
-                                        <p:cTn id="12" dur="500" fill="hold"/>
-                                        <p:tgtEl>
-                                          <p:spTgt spid="8222"/>
-                                        </p:tgtEl>
-                                        <p:attrNameLst>
-                                          <p:attrName>ppt_x</p:attrName>
-                                        </p:attrNameLst>
-                                      </p:cBhvr>
-                                      <p:tavLst>
-                                        <p:tav tm="0">
-                                          <p:val>
-                                            <p:strVal val="#ppt_x"/>
-                                          </p:val>
-                                        </p:tav>
-                                        <p:tav tm="100000">
-                                          <p:val>
-                                            <p:strVal val="#ppt_x"/>
-                                          </p:val>
-                                        </p:tav>
-                                      </p:tavLst>
-                                    </p:anim>
-                                    <p:anim calcmode="lin" valueType="num">
-                                      <p:cBhvr additive="base">
-                                        <p:cTn id="13" dur="500" fill="hold"/>
-                                        <p:tgtEl>
-                                          <p:spTgt spid="8222"/>
-                                        </p:tgtEl>
-                                        <p:attrNameLst>
-                                          <p:attrName>ppt_y</p:attrName>
-                                        </p:attrNameLst>
-                                      </p:cBhvr>
-                                      <p:tavLst>
-                                        <p:tav tm="0">
-                                          <p:val>
-                                            <p:strVal val="1+#ppt_h/2"/>
-                                          </p:val>
-                                        </p:tav>
-                                        <p:tav tm="100000">
-                                          <p:val>
-                                            <p:strVal val="#ppt_y"/>
-                                          </p:val>
-                                        </p:tav>
-                                      </p:tavLst>
-                                    </p:anim>
-                                  </p:childTnLst>
-                                </p:cTn>
-                              </p:par>
-                            </p:childTnLst>
-                          </p:cTn>
-                        </p:par>
-                        <p:par>
-                          <p:cTn id="14" fill="hold">
-                            <p:stCondLst>
-                              <p:cond delay="1000"/>
-                            </p:stCondLst>
-                            <p:childTnLst>
-                              <p:par>
-                                <p:cTn id="15" presetID="2" presetClass="entr" presetSubtype="4" fill="hold" grpId="0" nodeType="afterEffect">
-                                  <p:stCondLst>
-                                    <p:cond delay="0"/>
-                                  </p:stCondLst>
-                                  <p:childTnLst>
-                                    <p:set>
-                                      <p:cBhvr>
-                                        <p:cTn id="16" dur="1" fill="hold">
-                                          <p:stCondLst>
-                                            <p:cond delay="0"/>
-                                          </p:stCondLst>
-                                        </p:cTn>
-                                        <p:tgtEl>
-                                          <p:spTgt spid="8223"/>
-                                        </p:tgtEl>
-                                        <p:attrNameLst>
-                                          <p:attrName>style.visibility</p:attrName>
-                                        </p:attrNameLst>
-                                      </p:cBhvr>
-                                      <p:to>
-                                        <p:strVal val="visible"/>
-                                      </p:to>
-                                    </p:set>
-                                    <p:anim calcmode="lin" valueType="num">
-                                      <p:cBhvr additive="base">
-                                        <p:cTn id="17" dur="500" fill="hold"/>
-                                        <p:tgtEl>
-                                          <p:spTgt spid="8223"/>
-                                        </p:tgtEl>
-                                        <p:attrNameLst>
-                                          <p:attrName>ppt_x</p:attrName>
-                                        </p:attrNameLst>
-                                      </p:cBhvr>
-                                      <p:tavLst>
-                                        <p:tav tm="0">
-                                          <p:val>
-                                            <p:strVal val="#ppt_x"/>
-                                          </p:val>
-                                        </p:tav>
-                                        <p:tav tm="100000">
-                                          <p:val>
-                                            <p:strVal val="#ppt_x"/>
-                                          </p:val>
-                                        </p:tav>
-                                      </p:tavLst>
-                                    </p:anim>
-                                    <p:anim calcmode="lin" valueType="num">
-                                      <p:cBhvr additive="base">
-                                        <p:cTn id="18" dur="500" fill="hold"/>
-                                        <p:tgtEl>
-                                          <p:spTgt spid="8223"/>
-                                        </p:tgtEl>
-                                        <p:attrNameLst>
-                                          <p:attrName>ppt_y</p:attrName>
-                                        </p:attrNameLst>
-                                      </p:cBhvr>
-                                      <p:tavLst>
-                                        <p:tav tm="0">
-                                          <p:val>
-                                            <p:strVal val="1+#ppt_h/2"/>
-                                          </p:val>
-                                        </p:tav>
-                                        <p:tav tm="100000">
-                                          <p:val>
-                                            <p:strVal val="#ppt_y"/>
-                                          </p:val>
-                                        </p:tav>
-                                      </p:tavLst>
-                                    </p:anim>
-                                  </p:childTnLst>
-                                </p:cTn>
-                              </p:par>
-                            </p:childTnLst>
-                          </p:cTn>
-                        </p:par>
-                        <p:par>
-                          <p:cTn id="19" fill="hold">
-                            <p:stCondLst>
-                              <p:cond delay="1500"/>
-                            </p:stCondLst>
-                            <p:childTnLst>
-                              <p:par>
-                                <p:cTn id="20" presetID="2" presetClass="entr" presetSubtype="4" fill="hold" grpId="0" nodeType="afterEffect">
-                                  <p:stCondLst>
-                                    <p:cond delay="0"/>
-                                  </p:stCondLst>
-                                  <p:childTnLst>
-                                    <p:set>
-                                      <p:cBhvr>
-                                        <p:cTn id="21" dur="1" fill="hold">
-                                          <p:stCondLst>
-                                            <p:cond delay="0"/>
-                                          </p:stCondLst>
-                                        </p:cTn>
-                                        <p:tgtEl>
-                                          <p:spTgt spid="8221"/>
-                                        </p:tgtEl>
-                                        <p:attrNameLst>
-                                          <p:attrName>style.visibility</p:attrName>
-                                        </p:attrNameLst>
-                                      </p:cBhvr>
-                                      <p:to>
-                                        <p:strVal val="visible"/>
-                                      </p:to>
-                                    </p:set>
-                                    <p:anim calcmode="lin" valueType="num">
-                                      <p:cBhvr additive="base">
-                                        <p:cTn id="22" dur="500" fill="hold"/>
-                                        <p:tgtEl>
-                                          <p:spTgt spid="8221"/>
-                                        </p:tgtEl>
-                                        <p:attrNameLst>
-                                          <p:attrName>ppt_x</p:attrName>
-                                        </p:attrNameLst>
-                                      </p:cBhvr>
-                                      <p:tavLst>
-                                        <p:tav tm="0">
-                                          <p:val>
-                                            <p:strVal val="#ppt_x"/>
-                                          </p:val>
-                                        </p:tav>
-                                        <p:tav tm="100000">
-                                          <p:val>
-                                            <p:strVal val="#ppt_x"/>
-                                          </p:val>
-                                        </p:tav>
-                                      </p:tavLst>
-                                    </p:anim>
-                                    <p:anim calcmode="lin" valueType="num">
-                                      <p:cBhvr additive="base">
-                                        <p:cTn id="23" dur="500" fill="hold"/>
-                                        <p:tgtEl>
-                                          <p:spTgt spid="8221"/>
-                                        </p:tgtEl>
-                                        <p:attrNameLst>
-                                          <p:attrName>ppt_y</p:attrName>
-                                        </p:attrNameLst>
-                                      </p:cBhvr>
-                                      <p:tavLst>
-                                        <p:tav tm="0">
-                                          <p:val>
-                                            <p:strVal val="1+#ppt_h/2"/>
-                                          </p:val>
-                                        </p:tav>
-                                        <p:tav tm="100000">
-                                          <p:val>
-                                            <p:strVal val="#ppt_y"/>
-                                          </p:val>
-                                        </p:tav>
-                                      </p:tavLst>
-                                    </p:anim>
-                                  </p:childTnLst>
-                                </p:cTn>
-                              </p:par>
-                            </p:childTnLst>
-                          </p:cTn>
-                        </p:par>
-                      </p:childTnLst>
-                    </p:cTn>
-                  </p:par>
-                </p:childTnLst>
-              </p:cTn>
-              <p:prevCondLst>
-                <p:cond evt="onPrev" delay="0">
-                  <p:tgtEl>
-                    <p:sldTgt/>
-                  </p:tgtEl>
-                </p:cond>
-              </p:prevCondLst>
-              <p:nextCondLst>
-                <p:cond evt="onNext" delay="0">
-                  <p:tgtEl>
-                    <p:sldTgt/>
-                  </p:tgtEl>
-                </p:cond>
-              </p:nextCondLst>
-            </p:seq>
-          </p:childTnLst>
-        </p:cTn>
+        <p:cTn id="1" dur="indefinite" restart="never" nodeType="tmRoot"/>
       </p:par>
     </p:tnLst>
-    <p:bldLst>
-      <p:bldP spid="8220" grpId="0" animBg="1" autoUpdateAnimBg="0"/>
-      <p:bldP spid="8221" grpId="0" animBg="1" autoUpdateAnimBg="0"/>
-      <p:bldP spid="8222" grpId="0" animBg="1" autoUpdateAnimBg="0"/>
-      <p:bldP spid="8223" grpId="0" animBg="1" autoUpdateAnimBg="0"/>
-    </p:bldLst>
   </p:timing>
 </p:sld>
 </file>
 
 <file path=ppt/slides/slide7.xml><?xml version="1.0" encoding="utf-8"?>
-<p:sld xmlns:a="http://schemas.openxmlformats.org/drawingml/2006/main" xmlns:r="http://schemas.openxmlformats.org/officeDocument/2006/relationships" xmlns:p="http://schemas.openxmlformats.org/presentationml/2006/main">
-  <p:cSld>
-    <p:spTree>
-      <p:nvGrpSpPr>
-        <p:cNvPr id="1" name=""/>
-        <p:cNvGrpSpPr/>
-        <p:nvPr/>
-      </p:nvGrpSpPr>
-      <p:grpSpPr>
-        <a:xfrm>
-          <a:off x="0" y="0"/>
-          <a:ext cx="0" cy="0"/>
-          <a:chOff x="0" y="0"/>
-          <a:chExt cx="0" cy="0"/>
-        </a:xfrm>
-      </p:grpSpPr>
-      <p:pic>
-        <p:nvPicPr>
-          <p:cNvPr id="8194" name="Picture 31" descr="图片1_副本"/>
-          <p:cNvPicPr>
-            <a:picLocks noChangeAspect="1" noChangeArrowheads="1"/>
-          </p:cNvPicPr>
-          <p:nvPr/>
-        </p:nvPicPr>
-        <p:blipFill>
-          <a:blip r:embed="rId2" cstate="print"/>
-          <a:srcRect/>
-          <a:stretch>
-            <a:fillRect/>
-          </a:stretch>
-        </p:blipFill>
-        <p:spPr bwMode="auto">
-          <a:xfrm>
-            <a:off x="0" y="0"/>
-            <a:ext cx="9144000" cy="6858000"/>
-          </a:xfrm>
-          <a:prstGeom prst="rect">
-            <a:avLst/>
-          </a:prstGeom>
-          <a:noFill/>
-          <a:ln w="9525">
-            <a:noFill/>
-            <a:miter lim="800000"/>
-            <a:headEnd/>
-            <a:tailEnd/>
-          </a:ln>
-        </p:spPr>
-      </p:pic>
-      <p:sp>
-        <p:nvSpPr>
-          <p:cNvPr id="8195" name="Rectangle 3"/>
-          <p:cNvSpPr>
-            <a:spLocks noGrp="1" noChangeArrowheads="1"/>
-          </p:cNvSpPr>
-          <p:nvPr>
-            <p:ph type="title" idx="4294967295"/>
-          </p:nvPr>
-        </p:nvSpPr>
-        <p:spPr>
-          <a:xfrm>
-            <a:off x="471488" y="288925"/>
-            <a:ext cx="8229600" cy="1143000"/>
-          </a:xfrm>
-        </p:spPr>
-        <p:txBody>
-          <a:bodyPr/>
-          <a:lstStyle/>
-          <a:p>
-            <a:pPr eaLnBrk="1" hangingPunct="1"/>
-            <a:endParaRPr lang="zh-CN" altLang="en-US" dirty="0">
-              <a:ea typeface="宋体" pitchFamily="2" charset="-122"/>
-            </a:endParaRPr>
-          </a:p>
-        </p:txBody>
-      </p:sp>
-      <p:pic>
-        <p:nvPicPr>
-          <p:cNvPr id="8196" name="Picture 4" descr="Client-info-Box"/>
-          <p:cNvPicPr>
-            <a:picLocks noChangeAspect="1" noChangeArrowheads="1"/>
-          </p:cNvPicPr>
-          <p:nvPr/>
-        </p:nvPicPr>
-        <p:blipFill>
-          <a:blip r:embed="rId3" cstate="print"/>
-          <a:srcRect/>
-          <a:stretch>
-            <a:fillRect/>
-          </a:stretch>
-        </p:blipFill>
-        <p:spPr bwMode="auto">
-          <a:xfrm>
-            <a:off x="0" y="1449677"/>
-            <a:ext cx="9144000" cy="5181600"/>
-          </a:xfrm>
-          <a:prstGeom prst="rect">
-            <a:avLst/>
-          </a:prstGeom>
-          <a:noFill/>
-          <a:ln w="9525">
-            <a:noFill/>
-            <a:miter lim="800000"/>
-            <a:headEnd/>
-            <a:tailEnd/>
-          </a:ln>
-        </p:spPr>
-      </p:pic>
-      <p:sp>
-        <p:nvSpPr>
-          <p:cNvPr id="8197" name="Rectangle 5"/>
-          <p:cNvSpPr>
-            <a:spLocks noGrp="1" noChangeArrowheads="1"/>
-          </p:cNvSpPr>
-          <p:nvPr>
-            <p:ph type="body" idx="4294967295"/>
-          </p:nvPr>
-        </p:nvSpPr>
-        <p:spPr>
-          <a:xfrm>
-            <a:off x="457200" y="1614488"/>
-            <a:ext cx="8229600" cy="4525962"/>
-          </a:xfrm>
-        </p:spPr>
-        <p:txBody>
-          <a:bodyPr/>
-          <a:lstStyle/>
-          <a:p>
-            <a:pPr eaLnBrk="1" hangingPunct="1">
-              <a:buFontTx/>
-              <a:buNone/>
-            </a:pPr>
-            <a:r>
-              <a:rPr lang="en-US" altLang="zh-CN" sz="2800" b="1" dirty="0">
-                <a:solidFill>
-                  <a:schemeClr val="tx1"/>
-                </a:solidFill>
-                <a:ea typeface="微软雅黑" pitchFamily="34" charset="-122"/>
-              </a:rPr>
-              <a:t>Working Experience Requirements</a:t>
-            </a:r>
-            <a:endParaRPr lang="zh-CN" altLang="en-US" sz="2800" b="1" dirty="0">
-              <a:solidFill>
-                <a:schemeClr val="tx1"/>
-              </a:solidFill>
-              <a:ea typeface="微软雅黑" pitchFamily="34" charset="-122"/>
-            </a:endParaRPr>
-          </a:p>
-        </p:txBody>
-      </p:sp>
-      <p:grpSp>
-        <p:nvGrpSpPr>
-          <p:cNvPr id="8198" name="Group 6"/>
-          <p:cNvGrpSpPr>
-            <a:grpSpLocks/>
-          </p:cNvGrpSpPr>
-          <p:nvPr/>
-        </p:nvGrpSpPr>
-        <p:grpSpPr bwMode="auto">
-          <a:xfrm>
-            <a:off x="457200" y="419100"/>
-            <a:ext cx="8345055" cy="1257300"/>
-            <a:chOff x="0" y="0"/>
-            <a:chExt cx="6895958" cy="1258904"/>
-          </a:xfrm>
-        </p:grpSpPr>
-        <p:grpSp>
-          <p:nvGrpSpPr>
-            <p:cNvPr id="8199" name="Group 7"/>
-            <p:cNvGrpSpPr>
-              <a:grpSpLocks/>
-            </p:cNvGrpSpPr>
-            <p:nvPr/>
-          </p:nvGrpSpPr>
-          <p:grpSpPr bwMode="auto">
-            <a:xfrm>
-              <a:off x="168995" y="0"/>
-              <a:ext cx="6726963" cy="1016316"/>
-              <a:chOff x="-1" y="0"/>
-              <a:chExt cx="6726963" cy="1016316"/>
-            </a:xfrm>
-          </p:grpSpPr>
-          <p:sp>
-            <p:nvSpPr>
-              <p:cNvPr id="8200" name="五边形 29"/>
-              <p:cNvSpPr>
-                <a:spLocks noChangeArrowheads="1"/>
-              </p:cNvSpPr>
-              <p:nvPr/>
-            </p:nvSpPr>
-            <p:spPr bwMode="auto">
-              <a:xfrm>
-                <a:off x="-1" y="0"/>
-                <a:ext cx="1880349" cy="1008112"/>
-              </a:xfrm>
-              <a:prstGeom prst="homePlate">
-                <a:avLst>
-                  <a:gd name="adj" fmla="val 50000"/>
-                </a:avLst>
-              </a:prstGeom>
-              <a:solidFill>
-                <a:schemeClr val="bg2">
-                  <a:lumMod val="60000"/>
-                  <a:lumOff val="40000"/>
-                </a:schemeClr>
-              </a:solidFill>
-              <a:ln w="9525">
-                <a:noFill/>
-                <a:miter lim="800000"/>
-                <a:headEnd/>
-                <a:tailEnd/>
-              </a:ln>
-            </p:spPr>
-            <p:txBody>
-              <a:bodyPr lIns="90170" tIns="46990" rIns="90170" bIns="46990" anchor="ctr"/>
-              <a:lstStyle/>
-              <a:p>
-                <a:pPr algn="ctr"/>
-                <a:endParaRPr lang="zh-CN" altLang="en-US" sz="6000" dirty="0">
-                  <a:solidFill>
-                    <a:srgbClr val="FFFFFF"/>
-                  </a:solidFill>
-                  <a:latin typeface="Broadway" pitchFamily="2" charset="0"/>
-                  <a:sym typeface="Broadway" pitchFamily="2" charset="0"/>
-                </a:endParaRPr>
-              </a:p>
-            </p:txBody>
-          </p:sp>
-          <p:sp>
-            <p:nvSpPr>
-              <p:cNvPr id="8201" name="燕尾形 30"/>
-              <p:cNvSpPr>
-                <a:spLocks noChangeArrowheads="1"/>
-              </p:cNvSpPr>
-              <p:nvPr/>
-            </p:nvSpPr>
-            <p:spPr bwMode="auto">
-              <a:xfrm>
-                <a:off x="1572465" y="8204"/>
-                <a:ext cx="2775659" cy="1008112"/>
-              </a:xfrm>
-              <a:prstGeom prst="chevron">
-                <a:avLst>
-                  <a:gd name="adj" fmla="val 50000"/>
-                </a:avLst>
-              </a:prstGeom>
-              <a:solidFill>
-                <a:schemeClr val="accent1"/>
-              </a:solidFill>
-              <a:ln w="9525">
-                <a:noFill/>
-                <a:miter lim="800000"/>
-                <a:headEnd/>
-                <a:tailEnd/>
-              </a:ln>
-            </p:spPr>
-            <p:txBody>
-              <a:bodyPr lIns="90170" tIns="46990" rIns="90170" bIns="46990" anchor="ctr"/>
-              <a:lstStyle/>
-              <a:p>
-                <a:pPr algn="ctr"/>
-                <a:endParaRPr lang="zh-CN" altLang="en-US" dirty="0">
-                  <a:solidFill>
-                    <a:schemeClr val="bg1"/>
-                  </a:solidFill>
-                  <a:latin typeface="宋体" pitchFamily="2" charset="-122"/>
-                  <a:sym typeface="宋体" pitchFamily="2" charset="-122"/>
-                </a:endParaRPr>
-              </a:p>
-            </p:txBody>
-          </p:sp>
-          <p:sp>
-            <p:nvSpPr>
-              <p:cNvPr id="8202" name="燕尾形 31"/>
-              <p:cNvSpPr>
-                <a:spLocks noChangeArrowheads="1"/>
-              </p:cNvSpPr>
-              <p:nvPr/>
-            </p:nvSpPr>
-            <p:spPr bwMode="auto">
-              <a:xfrm>
-                <a:off x="4078096" y="8204"/>
-                <a:ext cx="2648866" cy="1008112"/>
-              </a:xfrm>
-              <a:prstGeom prst="chevron">
-                <a:avLst>
-                  <a:gd name="adj" fmla="val 50000"/>
-                </a:avLst>
-              </a:prstGeom>
-              <a:solidFill>
-                <a:srgbClr val="C0C0C0"/>
-              </a:solidFill>
-              <a:ln w="9525">
-                <a:noFill/>
-                <a:miter lim="800000"/>
-                <a:headEnd/>
-                <a:tailEnd/>
-              </a:ln>
-            </p:spPr>
-            <p:txBody>
-              <a:bodyPr lIns="90170" tIns="46990" rIns="90170" bIns="46990" anchor="ctr"/>
-              <a:lstStyle/>
-              <a:p>
-                <a:pPr algn="ctr"/>
-                <a:endParaRPr lang="zh-CN" altLang="en-US" dirty="0">
-                  <a:solidFill>
-                    <a:schemeClr val="bg1"/>
-                  </a:solidFill>
-                  <a:latin typeface="宋体" pitchFamily="2" charset="-122"/>
-                  <a:sym typeface="宋体" pitchFamily="2" charset="-122"/>
-                </a:endParaRPr>
-              </a:p>
-            </p:txBody>
-          </p:sp>
-        </p:grpSp>
-        <p:grpSp>
-          <p:nvGrpSpPr>
-            <p:cNvPr id="8204" name="Group 12"/>
-            <p:cNvGrpSpPr>
-              <a:grpSpLocks/>
-            </p:cNvGrpSpPr>
-            <p:nvPr/>
-          </p:nvGrpSpPr>
-          <p:grpSpPr bwMode="auto">
-            <a:xfrm>
-              <a:off x="0" y="0"/>
-              <a:ext cx="1079429" cy="1258904"/>
-              <a:chOff x="0" y="0"/>
-              <a:chExt cx="1079429" cy="1258904"/>
-            </a:xfrm>
-          </p:grpSpPr>
-          <p:sp>
-            <p:nvSpPr>
-              <p:cNvPr id="8205" name="TextBox 27"/>
-              <p:cNvSpPr>
-                <a:spLocks noChangeArrowheads="1"/>
-              </p:cNvSpPr>
-              <p:nvPr/>
-            </p:nvSpPr>
-            <p:spPr bwMode="auto">
-              <a:xfrm>
-                <a:off x="0" y="251145"/>
-                <a:ext cx="1079429" cy="1007759"/>
-              </a:xfrm>
-              <a:prstGeom prst="rect">
-                <a:avLst/>
-              </a:prstGeom>
-              <a:noFill/>
-              <a:ln w="9525">
-                <a:noFill/>
-                <a:miter lim="800000"/>
-                <a:headEnd/>
-                <a:tailEnd/>
-              </a:ln>
-            </p:spPr>
-            <p:txBody>
-              <a:bodyPr>
-                <a:spAutoFit/>
-              </a:bodyPr>
-              <a:lstStyle/>
-              <a:p>
-                <a:endParaRPr lang="zh-CN" altLang="en-US" sz="6000">
-                  <a:solidFill>
-                    <a:schemeClr val="bg1"/>
-                  </a:solidFill>
-                </a:endParaRPr>
-              </a:p>
-            </p:txBody>
-          </p:sp>
-          <p:sp>
-            <p:nvSpPr>
-              <p:cNvPr id="8206" name="矩形 28"/>
-              <p:cNvSpPr>
-                <a:spLocks noChangeArrowheads="1"/>
-              </p:cNvSpPr>
-              <p:nvPr/>
-            </p:nvSpPr>
-            <p:spPr bwMode="auto">
-              <a:xfrm>
-                <a:off x="231717" y="0"/>
-                <a:ext cx="166952" cy="640579"/>
-              </a:xfrm>
-              <a:prstGeom prst="rect">
-                <a:avLst/>
-              </a:prstGeom>
-              <a:noFill/>
-              <a:ln w="9525">
-                <a:noFill/>
-                <a:miter lim="800000"/>
-                <a:headEnd/>
-                <a:tailEnd/>
-              </a:ln>
-            </p:spPr>
-            <p:txBody>
-              <a:bodyPr wrap="none">
-                <a:spAutoFit/>
-              </a:bodyPr>
-              <a:lstStyle/>
-              <a:p>
-                <a:pPr>
-                  <a:lnSpc>
-                    <a:spcPct val="150000"/>
-                  </a:lnSpc>
-                </a:pPr>
-                <a:endParaRPr lang="zh-CN" altLang="en-US">
-                  <a:solidFill>
-                    <a:schemeClr val="bg1"/>
-                  </a:solidFill>
-                </a:endParaRPr>
-              </a:p>
-            </p:txBody>
-          </p:sp>
-        </p:grpSp>
-        <p:grpSp>
-          <p:nvGrpSpPr>
-            <p:cNvPr id="8207" name="Group 15"/>
-            <p:cNvGrpSpPr>
-              <a:grpSpLocks/>
-            </p:cNvGrpSpPr>
-            <p:nvPr/>
-          </p:nvGrpSpPr>
-          <p:grpSpPr bwMode="auto">
-            <a:xfrm>
-              <a:off x="2185220" y="0"/>
-              <a:ext cx="1334617" cy="681546"/>
-              <a:chOff x="0" y="0"/>
-              <a:chExt cx="1334617" cy="681546"/>
-            </a:xfrm>
-          </p:grpSpPr>
-          <p:sp>
-            <p:nvSpPr>
-              <p:cNvPr id="8208" name="TextBox 25"/>
-              <p:cNvSpPr>
-                <a:spLocks noChangeArrowheads="1"/>
-              </p:cNvSpPr>
-              <p:nvPr/>
-            </p:nvSpPr>
-            <p:spPr bwMode="auto">
-              <a:xfrm>
-                <a:off x="0" y="224005"/>
-                <a:ext cx="1079870" cy="457541"/>
-              </a:xfrm>
-              <a:prstGeom prst="rect">
-                <a:avLst/>
-              </a:prstGeom>
-              <a:noFill/>
-              <a:ln w="9525">
-                <a:noFill/>
-                <a:miter lim="800000"/>
-                <a:headEnd/>
-                <a:tailEnd/>
-              </a:ln>
-            </p:spPr>
-            <p:txBody>
-              <a:bodyPr>
-                <a:spAutoFit/>
-              </a:bodyPr>
-              <a:lstStyle/>
-              <a:p>
-                <a:endParaRPr lang="zh-CN" altLang="en-US">
-                  <a:solidFill>
-                    <a:schemeClr val="bg1"/>
-                  </a:solidFill>
-                </a:endParaRPr>
-              </a:p>
-            </p:txBody>
-          </p:sp>
-          <p:sp>
-            <p:nvSpPr>
-              <p:cNvPr id="8209" name="矩形 28"/>
-              <p:cNvSpPr>
-                <a:spLocks noChangeArrowheads="1"/>
-              </p:cNvSpPr>
-              <p:nvPr/>
-            </p:nvSpPr>
-            <p:spPr bwMode="auto">
-              <a:xfrm>
-                <a:off x="132981" y="0"/>
-                <a:ext cx="1201636" cy="640731"/>
-              </a:xfrm>
-              <a:prstGeom prst="rect">
-                <a:avLst/>
-              </a:prstGeom>
-              <a:noFill/>
-              <a:ln w="9525">
-                <a:noFill/>
-                <a:miter lim="800000"/>
-                <a:headEnd/>
-                <a:tailEnd/>
-              </a:ln>
-            </p:spPr>
-            <p:txBody>
-              <a:bodyPr>
-                <a:spAutoFit/>
-              </a:bodyPr>
-              <a:lstStyle/>
-              <a:p>
-                <a:pPr>
-                  <a:lnSpc>
-                    <a:spcPct val="150000"/>
-                  </a:lnSpc>
-                </a:pPr>
-                <a:endParaRPr lang="zh-CN" altLang="en-US">
-                  <a:solidFill>
-                    <a:srgbClr val="3F3F3F"/>
-                  </a:solidFill>
-                  <a:latin typeface="微软雅黑" pitchFamily="34" charset="-122"/>
-                  <a:ea typeface="微软雅黑" pitchFamily="34" charset="-122"/>
-                </a:endParaRPr>
-              </a:p>
-            </p:txBody>
-          </p:sp>
-        </p:grpSp>
-        <p:grpSp>
-          <p:nvGrpSpPr>
-            <p:cNvPr id="8210" name="Group 18"/>
-            <p:cNvGrpSpPr>
-              <a:grpSpLocks/>
-            </p:cNvGrpSpPr>
-            <p:nvPr/>
-          </p:nvGrpSpPr>
-          <p:grpSpPr bwMode="auto">
-            <a:xfrm>
-              <a:off x="3935376" y="0"/>
-              <a:ext cx="1080715" cy="681545"/>
-              <a:chOff x="0" y="0"/>
-              <a:chExt cx="1080715" cy="681545"/>
-            </a:xfrm>
-          </p:grpSpPr>
-          <p:sp>
-            <p:nvSpPr>
-              <p:cNvPr id="8211" name="TextBox 23"/>
-              <p:cNvSpPr>
-                <a:spLocks noChangeArrowheads="1"/>
-              </p:cNvSpPr>
-              <p:nvPr/>
-            </p:nvSpPr>
-            <p:spPr bwMode="auto">
-              <a:xfrm>
-                <a:off x="0" y="224004"/>
-                <a:ext cx="1080715" cy="457541"/>
-              </a:xfrm>
-              <a:prstGeom prst="rect">
-                <a:avLst/>
-              </a:prstGeom>
-              <a:noFill/>
-              <a:ln w="9525">
-                <a:noFill/>
-                <a:miter lim="800000"/>
-                <a:headEnd/>
-                <a:tailEnd/>
-              </a:ln>
-            </p:spPr>
-            <p:txBody>
-              <a:bodyPr>
-                <a:spAutoFit/>
-              </a:bodyPr>
-              <a:lstStyle/>
-              <a:p>
-                <a:endParaRPr lang="zh-CN" altLang="en-US">
-                  <a:solidFill>
-                    <a:schemeClr val="bg1"/>
-                  </a:solidFill>
-                </a:endParaRPr>
-              </a:p>
-            </p:txBody>
-          </p:sp>
-          <p:sp>
-            <p:nvSpPr>
-              <p:cNvPr id="8212" name="矩形 28"/>
-              <p:cNvSpPr>
-                <a:spLocks noChangeArrowheads="1"/>
-              </p:cNvSpPr>
-              <p:nvPr/>
-            </p:nvSpPr>
-            <p:spPr bwMode="auto">
-              <a:xfrm>
-                <a:off x="132391" y="0"/>
-                <a:ext cx="166928" cy="549684"/>
-              </a:xfrm>
-              <a:prstGeom prst="rect">
-                <a:avLst/>
-              </a:prstGeom>
-              <a:noFill/>
-              <a:ln w="9525">
-                <a:noFill/>
-                <a:miter lim="800000"/>
-                <a:headEnd/>
-                <a:tailEnd/>
-              </a:ln>
-            </p:spPr>
-            <p:txBody>
-              <a:bodyPr wrap="none">
-                <a:spAutoFit/>
-              </a:bodyPr>
-              <a:lstStyle/>
-              <a:p>
-                <a:pPr>
-                  <a:lnSpc>
-                    <a:spcPct val="150000"/>
-                  </a:lnSpc>
-                </a:pPr>
-                <a:endParaRPr lang="zh-CN" altLang="en-US" sz="2000">
-                  <a:solidFill>
-                    <a:srgbClr val="3F3F3F"/>
-                  </a:solidFill>
-                  <a:latin typeface="微软雅黑" pitchFamily="34" charset="-122"/>
-                  <a:ea typeface="微软雅黑" pitchFamily="34" charset="-122"/>
-                </a:endParaRPr>
-              </a:p>
-            </p:txBody>
-          </p:sp>
-        </p:grpSp>
-        <p:grpSp>
-          <p:nvGrpSpPr>
-            <p:cNvPr id="8213" name="Group 21"/>
-            <p:cNvGrpSpPr>
-              <a:grpSpLocks/>
-            </p:cNvGrpSpPr>
-            <p:nvPr/>
-          </p:nvGrpSpPr>
-          <p:grpSpPr bwMode="auto">
-            <a:xfrm>
-              <a:off x="5545593" y="0"/>
-              <a:ext cx="1080404" cy="734094"/>
-              <a:chOff x="0" y="0"/>
-              <a:chExt cx="1080404" cy="734094"/>
-            </a:xfrm>
-          </p:grpSpPr>
-          <p:sp>
-            <p:nvSpPr>
-              <p:cNvPr id="8214" name="TextBox 21"/>
-              <p:cNvSpPr>
-                <a:spLocks noChangeArrowheads="1"/>
-              </p:cNvSpPr>
-              <p:nvPr/>
-            </p:nvSpPr>
-            <p:spPr bwMode="auto">
-              <a:xfrm>
-                <a:off x="0" y="225872"/>
-                <a:ext cx="1080404" cy="458108"/>
-              </a:xfrm>
-              <a:prstGeom prst="rect">
-                <a:avLst/>
-              </a:prstGeom>
-              <a:noFill/>
-              <a:ln w="9525">
-                <a:noFill/>
-                <a:miter lim="800000"/>
-                <a:headEnd/>
-                <a:tailEnd/>
-              </a:ln>
-            </p:spPr>
-            <p:txBody>
-              <a:bodyPr>
-                <a:spAutoFit/>
-              </a:bodyPr>
-              <a:lstStyle/>
-              <a:p>
-                <a:endParaRPr lang="zh-CN" altLang="en-US">
-                  <a:solidFill>
-                    <a:schemeClr val="bg1"/>
-                  </a:solidFill>
-                </a:endParaRPr>
-              </a:p>
-            </p:txBody>
-          </p:sp>
-          <p:sp>
-            <p:nvSpPr>
-              <p:cNvPr id="8215" name="矩形 28"/>
-              <p:cNvSpPr>
-                <a:spLocks noChangeArrowheads="1"/>
-              </p:cNvSpPr>
-              <p:nvPr/>
-            </p:nvSpPr>
-            <p:spPr bwMode="auto">
-              <a:xfrm>
-                <a:off x="132530" y="0"/>
-                <a:ext cx="167102" cy="734094"/>
-              </a:xfrm>
-              <a:prstGeom prst="rect">
-                <a:avLst/>
-              </a:prstGeom>
-              <a:noFill/>
-              <a:ln w="9525">
-                <a:noFill/>
-                <a:miter lim="800000"/>
-                <a:headEnd/>
-                <a:tailEnd/>
-              </a:ln>
-            </p:spPr>
-            <p:txBody>
-              <a:bodyPr wrap="none">
-                <a:spAutoFit/>
-              </a:bodyPr>
-              <a:lstStyle/>
-              <a:p>
-                <a:pPr>
-                  <a:lnSpc>
-                    <a:spcPct val="150000"/>
-                  </a:lnSpc>
-                </a:pPr>
-                <a:endParaRPr lang="zh-CN" altLang="en-US" sz="2800">
-                  <a:solidFill>
-                    <a:schemeClr val="bg1"/>
-                  </a:solidFill>
-                </a:endParaRPr>
-              </a:p>
-            </p:txBody>
-          </p:sp>
-        </p:grpSp>
-      </p:grpSp>
-      <p:sp>
-        <p:nvSpPr>
-          <p:cNvPr id="8216" name="Text Box 24"/>
-          <p:cNvSpPr txBox="1">
-            <a:spLocks noChangeArrowheads="1"/>
-          </p:cNvSpPr>
-          <p:nvPr/>
-        </p:nvSpPr>
-        <p:spPr bwMode="auto">
-          <a:xfrm>
-            <a:off x="697010" y="534119"/>
-            <a:ext cx="2180792" cy="867930"/>
-          </a:xfrm>
-          <a:prstGeom prst="rect">
-            <a:avLst/>
-          </a:prstGeom>
-          <a:noFill/>
-          <a:ln w="9525">
-            <a:noFill/>
-            <a:miter lim="800000"/>
-            <a:headEnd/>
-            <a:tailEnd/>
-          </a:ln>
-        </p:spPr>
-        <p:txBody>
-          <a:bodyPr wrap="square">
-            <a:spAutoFit/>
-          </a:bodyPr>
-          <a:lstStyle/>
-          <a:p>
-            <a:pPr>
-              <a:lnSpc>
-                <a:spcPct val="80000"/>
-              </a:lnSpc>
-              <a:spcBef>
-                <a:spcPct val="50000"/>
-              </a:spcBef>
-            </a:pPr>
-            <a:r>
-              <a:rPr lang="en-US" altLang="zh-CN" dirty="0">
-                <a:solidFill>
-                  <a:schemeClr val="bg1"/>
-                </a:solidFill>
-                <a:latin typeface="微软雅黑" pitchFamily="34" charset="-122"/>
-                <a:ea typeface="微软雅黑" pitchFamily="34" charset="-122"/>
-              </a:rPr>
-              <a:t>Web </a:t>
-            </a:r>
-          </a:p>
-          <a:p>
-            <a:pPr>
-              <a:lnSpc>
-                <a:spcPct val="80000"/>
-              </a:lnSpc>
-              <a:spcBef>
-                <a:spcPct val="50000"/>
-              </a:spcBef>
-            </a:pPr>
-            <a:r>
-              <a:rPr lang="en-US" altLang="zh-CN" dirty="0">
-                <a:solidFill>
-                  <a:schemeClr val="bg1"/>
-                </a:solidFill>
-                <a:latin typeface="微软雅黑" pitchFamily="34" charset="-122"/>
-                <a:ea typeface="微软雅黑" pitchFamily="34" charset="-122"/>
-              </a:rPr>
-              <a:t>Scrapping </a:t>
-            </a:r>
-            <a:endParaRPr lang="zh-CN" altLang="en-US" dirty="0">
-              <a:solidFill>
-                <a:schemeClr val="bg1"/>
-              </a:solidFill>
-              <a:latin typeface="微软雅黑" pitchFamily="34" charset="-122"/>
-              <a:ea typeface="微软雅黑" pitchFamily="34" charset="-122"/>
-            </a:endParaRPr>
-          </a:p>
-        </p:txBody>
-      </p:sp>
-      <p:sp>
-        <p:nvSpPr>
-          <p:cNvPr id="8217" name="Text Box 25"/>
-          <p:cNvSpPr txBox="1">
-            <a:spLocks noChangeArrowheads="1"/>
-          </p:cNvSpPr>
-          <p:nvPr/>
-        </p:nvSpPr>
-        <p:spPr bwMode="auto">
-          <a:xfrm>
-            <a:off x="5774104" y="238209"/>
-            <a:ext cx="2910896" cy="1384995"/>
-          </a:xfrm>
-          <a:prstGeom prst="rect">
-            <a:avLst/>
-          </a:prstGeom>
-          <a:noFill/>
-          <a:ln w="9525">
-            <a:noFill/>
-            <a:miter lim="800000"/>
-            <a:headEnd/>
-            <a:tailEnd/>
-          </a:ln>
-        </p:spPr>
-        <p:txBody>
-          <a:bodyPr wrap="square">
-            <a:spAutoFit/>
-          </a:bodyPr>
-          <a:lstStyle/>
-          <a:p>
-            <a:pPr>
-              <a:lnSpc>
-                <a:spcPct val="150000"/>
-              </a:lnSpc>
-              <a:spcBef>
-                <a:spcPct val="50000"/>
-              </a:spcBef>
-            </a:pPr>
-            <a:r>
-              <a:rPr lang="en-US" altLang="zh-CN" dirty="0">
-                <a:solidFill>
-                  <a:schemeClr val="bg1"/>
-                </a:solidFill>
-                <a:latin typeface="微软雅黑" pitchFamily="34" charset="-122"/>
-                <a:ea typeface="微软雅黑" pitchFamily="34" charset="-122"/>
-              </a:rPr>
-              <a:t>   </a:t>
-            </a:r>
-            <a:r>
-              <a:rPr lang="en-US" altLang="zh-CN" sz="2800" dirty="0">
-                <a:solidFill>
-                  <a:schemeClr val="bg1"/>
-                </a:solidFill>
-                <a:latin typeface="微软雅黑" pitchFamily="34" charset="-122"/>
-                <a:ea typeface="微软雅黑" pitchFamily="34" charset="-122"/>
-              </a:rPr>
-              <a:t>Skills    Requirements </a:t>
-            </a:r>
-            <a:endParaRPr lang="zh-CN" altLang="en-US" sz="2800" dirty="0">
-              <a:solidFill>
-                <a:schemeClr val="bg1"/>
-              </a:solidFill>
-              <a:latin typeface="微软雅黑" pitchFamily="34" charset="-122"/>
-              <a:ea typeface="微软雅黑" pitchFamily="34" charset="-122"/>
-            </a:endParaRPr>
-          </a:p>
-        </p:txBody>
-      </p:sp>
-      <p:sp>
-        <p:nvSpPr>
-          <p:cNvPr id="8218" name="Text Box 26"/>
-          <p:cNvSpPr txBox="1">
-            <a:spLocks noChangeArrowheads="1"/>
-          </p:cNvSpPr>
-          <p:nvPr/>
-        </p:nvSpPr>
-        <p:spPr bwMode="auto">
-          <a:xfrm>
-            <a:off x="2873064" y="498688"/>
-            <a:ext cx="3036485" cy="997196"/>
-          </a:xfrm>
-          <a:prstGeom prst="rect">
-            <a:avLst/>
-          </a:prstGeom>
-          <a:noFill/>
-          <a:ln w="9525">
-            <a:noFill/>
-            <a:miter lim="800000"/>
-            <a:headEnd/>
-            <a:tailEnd/>
-          </a:ln>
-        </p:spPr>
-        <p:txBody>
-          <a:bodyPr wrap="square">
-            <a:spAutoFit/>
-          </a:bodyPr>
-          <a:lstStyle/>
-          <a:p>
-            <a:pPr>
-              <a:lnSpc>
-                <a:spcPct val="80000"/>
-              </a:lnSpc>
-              <a:spcBef>
-                <a:spcPct val="50000"/>
-              </a:spcBef>
-            </a:pPr>
-            <a:r>
-              <a:rPr lang="en-US" altLang="zh-CN" sz="2800" dirty="0">
-                <a:solidFill>
-                  <a:schemeClr val="bg1"/>
-                </a:solidFill>
-                <a:latin typeface="微软雅黑" pitchFamily="34" charset="-122"/>
-                <a:ea typeface="微软雅黑" pitchFamily="34" charset="-122"/>
-              </a:rPr>
-              <a:t> Basic</a:t>
-            </a:r>
-          </a:p>
-          <a:p>
-            <a:pPr>
-              <a:lnSpc>
-                <a:spcPct val="80000"/>
-              </a:lnSpc>
-              <a:spcBef>
-                <a:spcPct val="50000"/>
-              </a:spcBef>
-            </a:pPr>
-            <a:r>
-              <a:rPr lang="en-US" altLang="zh-CN" sz="2800" dirty="0">
-                <a:solidFill>
-                  <a:schemeClr val="bg1"/>
-                </a:solidFill>
-                <a:latin typeface="微软雅黑" pitchFamily="34" charset="-122"/>
-                <a:ea typeface="微软雅黑" pitchFamily="34" charset="-122"/>
-              </a:rPr>
-              <a:t>Requirements</a:t>
-            </a:r>
-            <a:endParaRPr lang="zh-CN" altLang="en-US" sz="2800" dirty="0">
-              <a:solidFill>
-                <a:schemeClr val="bg1"/>
-              </a:solidFill>
-              <a:latin typeface="微软雅黑" pitchFamily="34" charset="-122"/>
-              <a:ea typeface="微软雅黑" pitchFamily="34" charset="-122"/>
-            </a:endParaRPr>
-          </a:p>
-        </p:txBody>
-      </p:sp>
-      <p:sp>
-        <p:nvSpPr>
-          <p:cNvPr id="8220" name="AutoShape 28"/>
-          <p:cNvSpPr>
-            <a:spLocks noChangeArrowheads="1"/>
-          </p:cNvSpPr>
-          <p:nvPr/>
-        </p:nvSpPr>
-        <p:spPr bwMode="auto">
-          <a:xfrm>
-            <a:off x="631825" y="3290888"/>
-            <a:ext cx="304800" cy="331787"/>
-          </a:xfrm>
-          <a:prstGeom prst="diamond">
-            <a:avLst/>
-          </a:prstGeom>
-          <a:solidFill>
-            <a:schemeClr val="tx1"/>
-          </a:solidFill>
-          <a:ln w="9525" cmpd="sng">
-            <a:solidFill>
-              <a:schemeClr val="tx1"/>
-            </a:solidFill>
-            <a:miter lim="800000"/>
-            <a:headEnd/>
-            <a:tailEnd/>
-          </a:ln>
-        </p:spPr>
-        <p:txBody>
-          <a:bodyPr wrap="none" anchor="ctr"/>
-          <a:lstStyle/>
-          <a:p>
-            <a:endParaRPr lang="zh-CN" altLang="en-US"/>
-          </a:p>
-        </p:txBody>
-      </p:sp>
-      <p:sp>
-        <p:nvSpPr>
-          <p:cNvPr id="8221" name="AutoShape 29"/>
-          <p:cNvSpPr>
-            <a:spLocks noChangeArrowheads="1"/>
-          </p:cNvSpPr>
-          <p:nvPr/>
-        </p:nvSpPr>
-        <p:spPr bwMode="auto">
-          <a:xfrm>
-            <a:off x="679450" y="5099050"/>
-            <a:ext cx="304800" cy="331788"/>
-          </a:xfrm>
-          <a:prstGeom prst="diamond">
-            <a:avLst/>
-          </a:prstGeom>
-          <a:solidFill>
-            <a:schemeClr val="tx1"/>
-          </a:solidFill>
-          <a:ln w="9525" cmpd="sng">
-            <a:solidFill>
-              <a:schemeClr val="tx1"/>
-            </a:solidFill>
-            <a:miter lim="800000"/>
-            <a:headEnd/>
-            <a:tailEnd/>
-          </a:ln>
-        </p:spPr>
-        <p:txBody>
-          <a:bodyPr wrap="none" anchor="ctr"/>
-          <a:lstStyle/>
-          <a:p>
-            <a:endParaRPr lang="zh-CN" altLang="en-US"/>
-          </a:p>
-        </p:txBody>
-      </p:sp>
-      <p:sp>
-        <p:nvSpPr>
-          <p:cNvPr id="8222" name="AutoShape 30"/>
-          <p:cNvSpPr>
-            <a:spLocks noChangeArrowheads="1"/>
-          </p:cNvSpPr>
-          <p:nvPr/>
-        </p:nvSpPr>
-        <p:spPr bwMode="auto">
-          <a:xfrm>
-            <a:off x="615950" y="3905250"/>
-            <a:ext cx="304800" cy="331788"/>
-          </a:xfrm>
-          <a:prstGeom prst="diamond">
-            <a:avLst/>
-          </a:prstGeom>
-          <a:solidFill>
-            <a:schemeClr val="tx1"/>
-          </a:solidFill>
-          <a:ln w="9525" cmpd="sng">
-            <a:solidFill>
-              <a:schemeClr val="tx1"/>
-            </a:solidFill>
-            <a:miter lim="800000"/>
-            <a:headEnd/>
-            <a:tailEnd/>
-          </a:ln>
-        </p:spPr>
-        <p:txBody>
-          <a:bodyPr wrap="none" anchor="ctr"/>
-          <a:lstStyle/>
-          <a:p>
-            <a:endParaRPr lang="zh-CN" altLang="en-US"/>
-          </a:p>
-        </p:txBody>
-      </p:sp>
-      <p:sp>
-        <p:nvSpPr>
-          <p:cNvPr id="8223" name="AutoShape 31"/>
-          <p:cNvSpPr>
-            <a:spLocks noChangeArrowheads="1"/>
-          </p:cNvSpPr>
-          <p:nvPr/>
-        </p:nvSpPr>
-        <p:spPr bwMode="auto">
-          <a:xfrm>
-            <a:off x="635000" y="4522788"/>
-            <a:ext cx="304800" cy="331787"/>
-          </a:xfrm>
-          <a:prstGeom prst="diamond">
-            <a:avLst/>
-          </a:prstGeom>
-          <a:solidFill>
-            <a:schemeClr val="tx1"/>
-          </a:solidFill>
-          <a:ln w="9525" cmpd="sng">
-            <a:solidFill>
-              <a:schemeClr val="tx1"/>
-            </a:solidFill>
-            <a:miter lim="800000"/>
-            <a:headEnd/>
-            <a:tailEnd/>
-          </a:ln>
-        </p:spPr>
-        <p:txBody>
-          <a:bodyPr wrap="none" anchor="ctr"/>
-          <a:lstStyle/>
-          <a:p>
-            <a:endParaRPr lang="zh-CN" altLang="en-US"/>
-          </a:p>
-        </p:txBody>
-      </p:sp>
-    </p:spTree>
-    <p:extLst>
-      <p:ext uri="{BB962C8B-B14F-4D97-AF65-F5344CB8AC3E}">
-        <p14:creationId xmlns:p14="http://schemas.microsoft.com/office/powerpoint/2010/main" val="4037611483"/>
-      </p:ext>
-    </p:extLst>
-  </p:cSld>
-  <p:clrMapOvr>
-    <a:masterClrMapping/>
-  </p:clrMapOvr>
-  <p:transition/>
-  <p:timing>
-    <p:tnLst>
-      <p:par>
-        <p:cTn id="1" dur="indefinite" restart="never" nodeType="tmRoot">
-          <p:childTnLst>
-            <p:seq concurrent="1" nextAc="seek">
-              <p:cTn id="2" dur="indefinite" nodeType="mainSeq">
-                <p:childTnLst>
-                  <p:par>
-                    <p:cTn id="3" fill="hold">
-                      <p:stCondLst>
-                        <p:cond delay="indefinite"/>
-                        <p:cond evt="onBegin" delay="0">
-                          <p:tn val="2"/>
-                        </p:cond>
-                      </p:stCondLst>
-                      <p:childTnLst>
-                        <p:par>
-                          <p:cTn id="4" fill="hold">
-                            <p:stCondLst>
-                              <p:cond delay="0"/>
-                            </p:stCondLst>
-                            <p:childTnLst>
-                              <p:par>
-                                <p:cTn id="5" presetID="2" presetClass="entr" presetSubtype="4" fill="hold" grpId="0" nodeType="afterEffect">
-                                  <p:stCondLst>
-                                    <p:cond delay="0"/>
-                                  </p:stCondLst>
-                                  <p:childTnLst>
-                                    <p:set>
-                                      <p:cBhvr>
-                                        <p:cTn id="6" dur="1" fill="hold">
-                                          <p:stCondLst>
-                                            <p:cond delay="0"/>
-                                          </p:stCondLst>
-                                        </p:cTn>
-                                        <p:tgtEl>
-                                          <p:spTgt spid="8220"/>
-                                        </p:tgtEl>
-                                        <p:attrNameLst>
-                                          <p:attrName>style.visibility</p:attrName>
-                                        </p:attrNameLst>
-                                      </p:cBhvr>
-                                      <p:to>
-                                        <p:strVal val="visible"/>
-                                      </p:to>
-                                    </p:set>
-                                    <p:anim calcmode="lin" valueType="num">
-                                      <p:cBhvr additive="base">
-                                        <p:cTn id="7" dur="500" fill="hold"/>
-                                        <p:tgtEl>
-                                          <p:spTgt spid="8220"/>
-                                        </p:tgtEl>
-                                        <p:attrNameLst>
-                                          <p:attrName>ppt_x</p:attrName>
-                                        </p:attrNameLst>
-                                      </p:cBhvr>
-                                      <p:tavLst>
-                                        <p:tav tm="0">
-                                          <p:val>
-                                            <p:strVal val="#ppt_x"/>
-                                          </p:val>
-                                        </p:tav>
-                                        <p:tav tm="100000">
-                                          <p:val>
-                                            <p:strVal val="#ppt_x"/>
-                                          </p:val>
-                                        </p:tav>
-                                      </p:tavLst>
-                                    </p:anim>
-                                    <p:anim calcmode="lin" valueType="num">
-                                      <p:cBhvr additive="base">
-                                        <p:cTn id="8" dur="500" fill="hold"/>
-                                        <p:tgtEl>
-                                          <p:spTgt spid="8220"/>
-                                        </p:tgtEl>
-                                        <p:attrNameLst>
-                                          <p:attrName>ppt_y</p:attrName>
-                                        </p:attrNameLst>
-                                      </p:cBhvr>
-                                      <p:tavLst>
-                                        <p:tav tm="0">
-                                          <p:val>
-                                            <p:strVal val="1+#ppt_h/2"/>
-                                          </p:val>
-                                        </p:tav>
-                                        <p:tav tm="100000">
-                                          <p:val>
-                                            <p:strVal val="#ppt_y"/>
-                                          </p:val>
-                                        </p:tav>
-                                      </p:tavLst>
-                                    </p:anim>
-                                  </p:childTnLst>
-                                </p:cTn>
-                              </p:par>
-                            </p:childTnLst>
-                          </p:cTn>
-                        </p:par>
-                        <p:par>
-                          <p:cTn id="9" fill="hold">
-                            <p:stCondLst>
-                              <p:cond delay="500"/>
-                            </p:stCondLst>
-                            <p:childTnLst>
-                              <p:par>
-                                <p:cTn id="10" presetID="2" presetClass="entr" presetSubtype="4" fill="hold" grpId="0" nodeType="afterEffect">
-                                  <p:stCondLst>
-                                    <p:cond delay="0"/>
-                                  </p:stCondLst>
-                                  <p:childTnLst>
-                                    <p:set>
-                                      <p:cBhvr>
-                                        <p:cTn id="11" dur="1" fill="hold">
-                                          <p:stCondLst>
-                                            <p:cond delay="0"/>
-                                          </p:stCondLst>
-                                        </p:cTn>
-                                        <p:tgtEl>
-                                          <p:spTgt spid="8222"/>
-                                        </p:tgtEl>
-                                        <p:attrNameLst>
-                                          <p:attrName>style.visibility</p:attrName>
-                                        </p:attrNameLst>
-                                      </p:cBhvr>
-                                      <p:to>
-                                        <p:strVal val="visible"/>
-                                      </p:to>
-                                    </p:set>
-                                    <p:anim calcmode="lin" valueType="num">
-                                      <p:cBhvr additive="base">
-                                        <p:cTn id="12" dur="500" fill="hold"/>
-                                        <p:tgtEl>
-                                          <p:spTgt spid="8222"/>
-                                        </p:tgtEl>
-                                        <p:attrNameLst>
-                                          <p:attrName>ppt_x</p:attrName>
-                                        </p:attrNameLst>
-                                      </p:cBhvr>
-                                      <p:tavLst>
-                                        <p:tav tm="0">
-                                          <p:val>
-                                            <p:strVal val="#ppt_x"/>
-                                          </p:val>
-                                        </p:tav>
-                                        <p:tav tm="100000">
-                                          <p:val>
-                                            <p:strVal val="#ppt_x"/>
-                                          </p:val>
-                                        </p:tav>
-                                      </p:tavLst>
-                                    </p:anim>
-                                    <p:anim calcmode="lin" valueType="num">
-                                      <p:cBhvr additive="base">
-                                        <p:cTn id="13" dur="500" fill="hold"/>
-                                        <p:tgtEl>
-                                          <p:spTgt spid="8222"/>
-                                        </p:tgtEl>
-                                        <p:attrNameLst>
-                                          <p:attrName>ppt_y</p:attrName>
-                                        </p:attrNameLst>
-                                      </p:cBhvr>
-                                      <p:tavLst>
-                                        <p:tav tm="0">
-                                          <p:val>
-                                            <p:strVal val="1+#ppt_h/2"/>
-                                          </p:val>
-                                        </p:tav>
-                                        <p:tav tm="100000">
-                                          <p:val>
-                                            <p:strVal val="#ppt_y"/>
-                                          </p:val>
-                                        </p:tav>
-                                      </p:tavLst>
-                                    </p:anim>
-                                  </p:childTnLst>
-                                </p:cTn>
-                              </p:par>
-                            </p:childTnLst>
-                          </p:cTn>
-                        </p:par>
-                        <p:par>
-                          <p:cTn id="14" fill="hold">
-                            <p:stCondLst>
-                              <p:cond delay="1000"/>
-                            </p:stCondLst>
-                            <p:childTnLst>
-                              <p:par>
-                                <p:cTn id="15" presetID="2" presetClass="entr" presetSubtype="4" fill="hold" grpId="0" nodeType="afterEffect">
-                                  <p:stCondLst>
-                                    <p:cond delay="0"/>
-                                  </p:stCondLst>
-                                  <p:childTnLst>
-                                    <p:set>
-                                      <p:cBhvr>
-                                        <p:cTn id="16" dur="1" fill="hold">
-                                          <p:stCondLst>
-                                            <p:cond delay="0"/>
-                                          </p:stCondLst>
-                                        </p:cTn>
-                                        <p:tgtEl>
-                                          <p:spTgt spid="8223"/>
-                                        </p:tgtEl>
-                                        <p:attrNameLst>
-                                          <p:attrName>style.visibility</p:attrName>
-                                        </p:attrNameLst>
-                                      </p:cBhvr>
-                                      <p:to>
-                                        <p:strVal val="visible"/>
-                                      </p:to>
-                                    </p:set>
-                                    <p:anim calcmode="lin" valueType="num">
-                                      <p:cBhvr additive="base">
-                                        <p:cTn id="17" dur="500" fill="hold"/>
-                                        <p:tgtEl>
-                                          <p:spTgt spid="8223"/>
-                                        </p:tgtEl>
-                                        <p:attrNameLst>
-                                          <p:attrName>ppt_x</p:attrName>
-                                        </p:attrNameLst>
-                                      </p:cBhvr>
-                                      <p:tavLst>
-                                        <p:tav tm="0">
-                                          <p:val>
-                                            <p:strVal val="#ppt_x"/>
-                                          </p:val>
-                                        </p:tav>
-                                        <p:tav tm="100000">
-                                          <p:val>
-                                            <p:strVal val="#ppt_x"/>
-                                          </p:val>
-                                        </p:tav>
-                                      </p:tavLst>
-                                    </p:anim>
-                                    <p:anim calcmode="lin" valueType="num">
-                                      <p:cBhvr additive="base">
-                                        <p:cTn id="18" dur="500" fill="hold"/>
-                                        <p:tgtEl>
-                                          <p:spTgt spid="8223"/>
-                                        </p:tgtEl>
-                                        <p:attrNameLst>
-                                          <p:attrName>ppt_y</p:attrName>
-                                        </p:attrNameLst>
-                                      </p:cBhvr>
-                                      <p:tavLst>
-                                        <p:tav tm="0">
-                                          <p:val>
-                                            <p:strVal val="1+#ppt_h/2"/>
-                                          </p:val>
-                                        </p:tav>
-                                        <p:tav tm="100000">
-                                          <p:val>
-                                            <p:strVal val="#ppt_y"/>
-                                          </p:val>
-                                        </p:tav>
-                                      </p:tavLst>
-                                    </p:anim>
-                                  </p:childTnLst>
-                                </p:cTn>
-                              </p:par>
-                            </p:childTnLst>
-                          </p:cTn>
-                        </p:par>
-                        <p:par>
-                          <p:cTn id="19" fill="hold">
-                            <p:stCondLst>
-                              <p:cond delay="1500"/>
-                            </p:stCondLst>
-                            <p:childTnLst>
-                              <p:par>
-                                <p:cTn id="20" presetID="2" presetClass="entr" presetSubtype="4" fill="hold" grpId="0" nodeType="afterEffect">
-                                  <p:stCondLst>
-                                    <p:cond delay="0"/>
-                                  </p:stCondLst>
-                                  <p:childTnLst>
-                                    <p:set>
-                                      <p:cBhvr>
-                                        <p:cTn id="21" dur="1" fill="hold">
-                                          <p:stCondLst>
-                                            <p:cond delay="0"/>
-                                          </p:stCondLst>
-                                        </p:cTn>
-                                        <p:tgtEl>
-                                          <p:spTgt spid="8221"/>
-                                        </p:tgtEl>
-                                        <p:attrNameLst>
-                                          <p:attrName>style.visibility</p:attrName>
-                                        </p:attrNameLst>
-                                      </p:cBhvr>
-                                      <p:to>
-                                        <p:strVal val="visible"/>
-                                      </p:to>
-                                    </p:set>
-                                    <p:anim calcmode="lin" valueType="num">
-                                      <p:cBhvr additive="base">
-                                        <p:cTn id="22" dur="500" fill="hold"/>
-                                        <p:tgtEl>
-                                          <p:spTgt spid="8221"/>
-                                        </p:tgtEl>
-                                        <p:attrNameLst>
-                                          <p:attrName>ppt_x</p:attrName>
-                                        </p:attrNameLst>
-                                      </p:cBhvr>
-                                      <p:tavLst>
-                                        <p:tav tm="0">
-                                          <p:val>
-                                            <p:strVal val="#ppt_x"/>
-                                          </p:val>
-                                        </p:tav>
-                                        <p:tav tm="100000">
-                                          <p:val>
-                                            <p:strVal val="#ppt_x"/>
-                                          </p:val>
-                                        </p:tav>
-                                      </p:tavLst>
-                                    </p:anim>
-                                    <p:anim calcmode="lin" valueType="num">
-                                      <p:cBhvr additive="base">
-                                        <p:cTn id="23" dur="500" fill="hold"/>
-                                        <p:tgtEl>
-                                          <p:spTgt spid="8221"/>
-                                        </p:tgtEl>
-                                        <p:attrNameLst>
-                                          <p:attrName>ppt_y</p:attrName>
-                                        </p:attrNameLst>
-                                      </p:cBhvr>
-                                      <p:tavLst>
-                                        <p:tav tm="0">
-                                          <p:val>
-                                            <p:strVal val="1+#ppt_h/2"/>
-                                          </p:val>
-                                        </p:tav>
-                                        <p:tav tm="100000">
-                                          <p:val>
-                                            <p:strVal val="#ppt_y"/>
-                                          </p:val>
-                                        </p:tav>
-                                      </p:tavLst>
-                                    </p:anim>
-                                  </p:childTnLst>
-                                </p:cTn>
-                              </p:par>
-                            </p:childTnLst>
-                          </p:cTn>
-                        </p:par>
-                      </p:childTnLst>
-                    </p:cTn>
-                  </p:par>
-                </p:childTnLst>
-              </p:cTn>
-              <p:prevCondLst>
-                <p:cond evt="onPrev" delay="0">
-                  <p:tgtEl>
-                    <p:sldTgt/>
-                  </p:tgtEl>
-                </p:cond>
-              </p:prevCondLst>
-              <p:nextCondLst>
-                <p:cond evt="onNext" delay="0">
-                  <p:tgtEl>
-                    <p:sldTgt/>
-                  </p:tgtEl>
-                </p:cond>
-              </p:nextCondLst>
-            </p:seq>
-          </p:childTnLst>
-        </p:cTn>
-      </p:par>
-    </p:tnLst>
-    <p:bldLst>
-      <p:bldP spid="8220" grpId="0" animBg="1" autoUpdateAnimBg="0"/>
-      <p:bldP spid="8221" grpId="0" animBg="1" autoUpdateAnimBg="0"/>
-      <p:bldP spid="8222" grpId="0" animBg="1" autoUpdateAnimBg="0"/>
-      <p:bldP spid="8223" grpId="0" animBg="1" autoUpdateAnimBg="0"/>
-    </p:bldLst>
-  </p:timing>
-</p:sld>
-</file>
-
-<file path=ppt/slides/slide8.xml><?xml version="1.0" encoding="utf-8"?>
 <p:sld xmlns:a="http://schemas.openxmlformats.org/drawingml/2006/main" xmlns:r="http://schemas.openxmlformats.org/officeDocument/2006/relationships" xmlns:p="http://schemas.openxmlformats.org/presentationml/2006/main">
   <p:cSld>
     <p:spTree>
@@ -15797,7 +13654,7 @@
 </p:sld>
 </file>
 
-<file path=ppt/slides/slide9.xml><?xml version="1.0" encoding="utf-8"?>
+<file path=ppt/slides/slide8.xml><?xml version="1.0" encoding="utf-8"?>
 <p:sld xmlns:a="http://schemas.openxmlformats.org/drawingml/2006/main" xmlns:r="http://schemas.openxmlformats.org/officeDocument/2006/relationships" xmlns:p="http://schemas.openxmlformats.org/presentationml/2006/main">
   <p:cSld>
     <p:spTree>
@@ -16692,6 +14549,329 @@
     <p:extLst>
       <p:ext uri="{BB962C8B-B14F-4D97-AF65-F5344CB8AC3E}">
         <p14:creationId xmlns:p14="http://schemas.microsoft.com/office/powerpoint/2010/main" val="4000364226"/>
+      </p:ext>
+    </p:extLst>
+  </p:cSld>
+  <p:clrMapOvr>
+    <a:masterClrMapping/>
+  </p:clrMapOvr>
+  <p:transition/>
+</p:sld>
+</file>
+
+<file path=ppt/slides/slide9.xml><?xml version="1.0" encoding="utf-8"?>
+<p:sld xmlns:a="http://schemas.openxmlformats.org/drawingml/2006/main" xmlns:r="http://schemas.openxmlformats.org/officeDocument/2006/relationships" xmlns:p="http://schemas.openxmlformats.org/presentationml/2006/main">
+  <p:cSld>
+    <p:spTree>
+      <p:nvGrpSpPr>
+        <p:cNvPr id="1" name=""/>
+        <p:cNvGrpSpPr/>
+        <p:nvPr/>
+      </p:nvGrpSpPr>
+      <p:grpSpPr>
+        <a:xfrm>
+          <a:off x="0" y="0"/>
+          <a:ext cx="0" cy="0"/>
+          <a:chOff x="0" y="0"/>
+          <a:chExt cx="0" cy="0"/>
+        </a:xfrm>
+      </p:grpSpPr>
+      <p:pic>
+        <p:nvPicPr>
+          <p:cNvPr id="8194" name="Picture 31" descr="图片1_副本"/>
+          <p:cNvPicPr>
+            <a:picLocks noChangeAspect="1" noChangeArrowheads="1"/>
+          </p:cNvPicPr>
+          <p:nvPr/>
+        </p:nvPicPr>
+        <p:blipFill>
+          <a:blip r:embed="rId2" cstate="print"/>
+          <a:srcRect/>
+          <a:stretch>
+            <a:fillRect/>
+          </a:stretch>
+        </p:blipFill>
+        <p:spPr bwMode="auto">
+          <a:xfrm>
+            <a:off x="0" y="0"/>
+            <a:ext cx="9144000" cy="6858000"/>
+          </a:xfrm>
+          <a:prstGeom prst="rect">
+            <a:avLst/>
+          </a:prstGeom>
+          <a:noFill/>
+          <a:ln w="9525">
+            <a:noFill/>
+            <a:miter lim="800000"/>
+            <a:headEnd/>
+            <a:tailEnd/>
+          </a:ln>
+        </p:spPr>
+      </p:pic>
+      <p:sp>
+        <p:nvSpPr>
+          <p:cNvPr id="8197" name="Rectangle 5"/>
+          <p:cNvSpPr>
+            <a:spLocks noGrp="1" noChangeArrowheads="1"/>
+          </p:cNvSpPr>
+          <p:nvPr>
+            <p:ph type="body" idx="4294967295"/>
+          </p:nvPr>
+        </p:nvSpPr>
+        <p:spPr>
+          <a:xfrm>
+            <a:off x="0" y="166369"/>
+            <a:ext cx="8746288" cy="5974081"/>
+          </a:xfrm>
+        </p:spPr>
+        <p:txBody>
+          <a:bodyPr/>
+          <a:lstStyle/>
+          <a:p>
+            <a:pPr eaLnBrk="1" hangingPunct="1">
+              <a:buFontTx/>
+              <a:buNone/>
+            </a:pPr>
+            <a:endParaRPr lang="zh-CN" altLang="en-US" sz="2800" b="1" dirty="0">
+              <a:solidFill>
+                <a:schemeClr val="tx1"/>
+              </a:solidFill>
+              <a:ea typeface="微软雅黑" pitchFamily="34" charset="-122"/>
+            </a:endParaRPr>
+          </a:p>
+        </p:txBody>
+      </p:sp>
+      <p:sp>
+        <p:nvSpPr>
+          <p:cNvPr id="8216" name="Text Box 24"/>
+          <p:cNvSpPr txBox="1">
+            <a:spLocks noChangeArrowheads="1"/>
+          </p:cNvSpPr>
+          <p:nvPr/>
+        </p:nvSpPr>
+        <p:spPr bwMode="auto">
+          <a:xfrm>
+            <a:off x="697010" y="534119"/>
+            <a:ext cx="2180792" cy="867930"/>
+          </a:xfrm>
+          <a:prstGeom prst="rect">
+            <a:avLst/>
+          </a:prstGeom>
+          <a:noFill/>
+          <a:ln w="9525">
+            <a:noFill/>
+            <a:miter lim="800000"/>
+            <a:headEnd/>
+            <a:tailEnd/>
+          </a:ln>
+        </p:spPr>
+        <p:txBody>
+          <a:bodyPr wrap="square">
+            <a:spAutoFit/>
+          </a:bodyPr>
+          <a:lstStyle/>
+          <a:p>
+            <a:pPr>
+              <a:lnSpc>
+                <a:spcPct val="80000"/>
+              </a:lnSpc>
+              <a:spcBef>
+                <a:spcPct val="50000"/>
+              </a:spcBef>
+            </a:pPr>
+            <a:r>
+              <a:rPr lang="en-US" altLang="zh-CN" dirty="0">
+                <a:solidFill>
+                  <a:schemeClr val="bg1"/>
+                </a:solidFill>
+                <a:latin typeface="微软雅黑" pitchFamily="34" charset="-122"/>
+                <a:ea typeface="微软雅黑" pitchFamily="34" charset="-122"/>
+              </a:rPr>
+              <a:t>Web </a:t>
+            </a:r>
+          </a:p>
+          <a:p>
+            <a:pPr>
+              <a:lnSpc>
+                <a:spcPct val="80000"/>
+              </a:lnSpc>
+              <a:spcBef>
+                <a:spcPct val="50000"/>
+              </a:spcBef>
+            </a:pPr>
+            <a:r>
+              <a:rPr lang="en-US" altLang="zh-CN" dirty="0">
+                <a:solidFill>
+                  <a:schemeClr val="bg1"/>
+                </a:solidFill>
+                <a:latin typeface="微软雅黑" pitchFamily="34" charset="-122"/>
+                <a:ea typeface="微软雅黑" pitchFamily="34" charset="-122"/>
+              </a:rPr>
+              <a:t>Scrapping </a:t>
+            </a:r>
+            <a:endParaRPr lang="zh-CN" altLang="en-US" dirty="0">
+              <a:solidFill>
+                <a:schemeClr val="bg1"/>
+              </a:solidFill>
+              <a:latin typeface="微软雅黑" pitchFamily="34" charset="-122"/>
+              <a:ea typeface="微软雅黑" pitchFamily="34" charset="-122"/>
+            </a:endParaRPr>
+          </a:p>
+        </p:txBody>
+      </p:sp>
+      <p:pic>
+        <p:nvPicPr>
+          <p:cNvPr id="3" name="Picture 2"/>
+          <p:cNvPicPr>
+            <a:picLocks noChangeAspect="1"/>
+          </p:cNvPicPr>
+          <p:nvPr/>
+        </p:nvPicPr>
+        <p:blipFill rotWithShape="1">
+          <a:blip r:embed="rId3">
+            <a:extLst>
+              <a:ext uri="{28A0092B-C50C-407E-A947-70E740481C1C}">
+                <a14:useLocalDpi xmlns:a14="http://schemas.microsoft.com/office/drawing/2010/main" val="0"/>
+              </a:ext>
+            </a:extLst>
+          </a:blip>
+          <a:srcRect l="5098" r="7273"/>
+          <a:stretch/>
+        </p:blipFill>
+        <p:spPr>
+          <a:xfrm>
+            <a:off x="166255" y="2023525"/>
+            <a:ext cx="3851016" cy="3083923"/>
+          </a:xfrm>
+          <a:prstGeom prst="rect">
+            <a:avLst/>
+          </a:prstGeom>
+        </p:spPr>
+      </p:pic>
+      <p:sp>
+        <p:nvSpPr>
+          <p:cNvPr id="36" name="AutoShape 5"/>
+          <p:cNvSpPr>
+            <a:spLocks noChangeArrowheads="1"/>
+          </p:cNvSpPr>
+          <p:nvPr/>
+        </p:nvSpPr>
+        <p:spPr bwMode="auto">
+          <a:xfrm>
+            <a:off x="0" y="-3372"/>
+            <a:ext cx="9144000" cy="831850"/>
+          </a:xfrm>
+          <a:prstGeom prst="roundRect">
+            <a:avLst>
+              <a:gd name="adj" fmla="val 16667"/>
+            </a:avLst>
+          </a:prstGeom>
+          <a:solidFill>
+            <a:schemeClr val="accent1"/>
+          </a:solidFill>
+          <a:ln w="9525" cmpd="sng">
+            <a:solidFill>
+              <a:schemeClr val="bg1"/>
+            </a:solidFill>
+            <a:round/>
+            <a:headEnd/>
+            <a:tailEnd/>
+          </a:ln>
+        </p:spPr>
+        <p:txBody>
+          <a:bodyPr wrap="none" anchor="ctr"/>
+          <a:lstStyle/>
+          <a:p>
+            <a:pPr eaLnBrk="1" hangingPunct="1">
+              <a:buFontTx/>
+              <a:buNone/>
+            </a:pPr>
+            <a:r>
+              <a:rPr lang="en-US" altLang="zh-CN" sz="2800" dirty="0">
+                <a:ea typeface="微软雅黑" pitchFamily="34" charset="-122"/>
+              </a:rPr>
+              <a:t>      </a:t>
+            </a:r>
+            <a:r>
+              <a:rPr lang="en-US" altLang="zh-CN" sz="2800" dirty="0">
+                <a:solidFill>
+                  <a:schemeClr val="bg1"/>
+                </a:solidFill>
+                <a:ea typeface="微软雅黑" pitchFamily="34" charset="-122"/>
+              </a:rPr>
+              <a:t>Skills Requirements vs Working Experience</a:t>
+            </a:r>
+            <a:endParaRPr lang="zh-CN" altLang="en-US" sz="2800" dirty="0">
+              <a:solidFill>
+                <a:schemeClr val="bg1"/>
+              </a:solidFill>
+              <a:ea typeface="微软雅黑" pitchFamily="34" charset="-122"/>
+            </a:endParaRPr>
+          </a:p>
+        </p:txBody>
+      </p:sp>
+      <p:pic>
+        <p:nvPicPr>
+          <p:cNvPr id="4" name="Picture 3"/>
+          <p:cNvPicPr>
+            <a:picLocks noChangeAspect="1"/>
+          </p:cNvPicPr>
+          <p:nvPr/>
+        </p:nvPicPr>
+        <p:blipFill rotWithShape="1">
+          <a:blip r:embed="rId4">
+            <a:extLst>
+              <a:ext uri="{28A0092B-C50C-407E-A947-70E740481C1C}">
+                <a14:useLocalDpi xmlns:a14="http://schemas.microsoft.com/office/drawing/2010/main" val="0"/>
+              </a:ext>
+            </a:extLst>
+          </a:blip>
+          <a:srcRect l="4829" r="7503" b="4101"/>
+          <a:stretch/>
+        </p:blipFill>
+        <p:spPr>
+          <a:xfrm>
+            <a:off x="4427952" y="828479"/>
+            <a:ext cx="4025381" cy="2921486"/>
+          </a:xfrm>
+          <a:prstGeom prst="rect">
+            <a:avLst/>
+          </a:prstGeom>
+        </p:spPr>
+      </p:pic>
+      <p:pic>
+        <p:nvPicPr>
+          <p:cNvPr id="5" name="Picture 4"/>
+          <p:cNvPicPr>
+            <a:picLocks noChangeAspect="1"/>
+          </p:cNvPicPr>
+          <p:nvPr/>
+        </p:nvPicPr>
+        <p:blipFill rotWithShape="1">
+          <a:blip r:embed="rId5">
+            <a:extLst>
+              <a:ext uri="{28A0092B-C50C-407E-A947-70E740481C1C}">
+                <a14:useLocalDpi xmlns:a14="http://schemas.microsoft.com/office/drawing/2010/main" val="0"/>
+              </a:ext>
+            </a:extLst>
+          </a:blip>
+          <a:srcRect l="4925" t="29" r="2485" b="-1"/>
+          <a:stretch/>
+        </p:blipFill>
+        <p:spPr>
+          <a:xfrm>
+            <a:off x="4427952" y="3877013"/>
+            <a:ext cx="4177329" cy="2980987"/>
+          </a:xfrm>
+          <a:prstGeom prst="rect">
+            <a:avLst/>
+          </a:prstGeom>
+        </p:spPr>
+      </p:pic>
+    </p:spTree>
+    <p:extLst>
+      <p:ext uri="{BB962C8B-B14F-4D97-AF65-F5344CB8AC3E}">
+        <p14:creationId xmlns:p14="http://schemas.microsoft.com/office/powerpoint/2010/main" val="627396308"/>
       </p:ext>
     </p:extLst>
   </p:cSld>

--- a/141B presentation.pptx
+++ b/141B presentation.pptx
@@ -156,7 +156,7 @@
   </p:defaultTextStyle>
   <p:extLst>
     <p:ext uri="{EFAFB233-063F-42B5-8137-9DF3F51BA10A}">
-      <p15:sldGuideLst xmlns="" xmlns:p15="http://schemas.microsoft.com/office/powerpoint/2012/main">
+      <p15:sldGuideLst xmlns:p15="http://schemas.microsoft.com/office/powerpoint/2012/main" xmlns="">
         <p15:guide id="1" orient="horz" pos="2180">
           <p15:clr>
             <a:srgbClr val="A4A3A4"/>
@@ -14719,35 +14719,6 @@
           </a:p>
         </p:txBody>
       </p:sp>
-      <p:pic>
-        <p:nvPicPr>
-          <p:cNvPr id="3" name="Picture 2"/>
-          <p:cNvPicPr>
-            <a:picLocks noChangeAspect="1"/>
-          </p:cNvPicPr>
-          <p:nvPr/>
-        </p:nvPicPr>
-        <p:blipFill rotWithShape="1">
-          <a:blip r:embed="rId3">
-            <a:extLst>
-              <a:ext uri="{28A0092B-C50C-407E-A947-70E740481C1C}">
-                <a14:useLocalDpi xmlns:a14="http://schemas.microsoft.com/office/drawing/2010/main" val="0"/>
-              </a:ext>
-            </a:extLst>
-          </a:blip>
-          <a:srcRect l="5098" r="7273"/>
-          <a:stretch/>
-        </p:blipFill>
-        <p:spPr>
-          <a:xfrm>
-            <a:off x="166255" y="2023525"/>
-            <a:ext cx="3851016" cy="3083923"/>
-          </a:xfrm>
-          <a:prstGeom prst="rect">
-            <a:avLst/>
-          </a:prstGeom>
-        </p:spPr>
-      </p:pic>
       <p:sp>
         <p:nvSpPr>
           <p:cNvPr id="36" name="AutoShape 5"/>
@@ -14812,13 +14783,54 @@
       </p:sp>
       <p:pic>
         <p:nvPicPr>
-          <p:cNvPr id="4" name="Picture 3"/>
+          <p:cNvPr id="1026" name="Picture 2" descr="C:\Users\lenovo\Desktop\bar_2.PNG"/>
           <p:cNvPicPr>
-            <a:picLocks noChangeAspect="1"/>
+            <a:picLocks noChangeAspect="1" noChangeArrowheads="1"/>
           </p:cNvPicPr>
           <p:nvPr/>
         </p:nvPicPr>
-        <p:blipFill rotWithShape="1">
+        <p:blipFill>
+          <a:blip r:embed="rId3">
+            <a:extLst>
+              <a:ext uri="{28A0092B-C50C-407E-A947-70E740481C1C}">
+                <a14:useLocalDpi xmlns:a14="http://schemas.microsoft.com/office/drawing/2010/main" val="0"/>
+              </a:ext>
+            </a:extLst>
+          </a:blip>
+          <a:srcRect/>
+          <a:stretch>
+            <a:fillRect/>
+          </a:stretch>
+        </p:blipFill>
+        <p:spPr bwMode="auto">
+          <a:xfrm>
+            <a:off x="0" y="2200322"/>
+            <a:ext cx="4306681" cy="2868566"/>
+          </a:xfrm>
+          <a:prstGeom prst="rect">
+            <a:avLst/>
+          </a:prstGeom>
+          <a:noFill/>
+          <a:extLst>
+            <a:ext uri="{909E8E84-426E-40DD-AFC4-6F175D3DCCD1}">
+              <a14:hiddenFill xmlns:a14="http://schemas.microsoft.com/office/drawing/2010/main">
+                <a:solidFill>
+                  <a:srgbClr val="FFFFFF"/>
+                </a:solidFill>
+              </a14:hiddenFill>
+            </a:ext>
+          </a:extLst>
+        </p:spPr>
+      </p:pic>
+      <p:pic>
+        <p:nvPicPr>
+          <p:cNvPr id="1027" name="Picture 3" descr="C:\Users\lenovo\Desktop\bar3_5.PNG"/>
+          <p:cNvPicPr>
+            <a:picLocks noChangeAspect="1" noChangeArrowheads="1"/>
+          </p:cNvPicPr>
+          <p:nvPr/>
+        </p:nvPicPr>
+        <p:blipFill>
           <a:blip r:embed="rId4">
             <a:extLst>
               <a:ext uri="{28A0092B-C50C-407E-A947-70E740481C1C}">
@@ -14826,28 +14838,40 @@
               </a:ext>
             </a:extLst>
           </a:blip>
-          <a:srcRect l="4829" r="7503" b="4101"/>
-          <a:stretch/>
+          <a:srcRect/>
+          <a:stretch>
+            <a:fillRect/>
+          </a:stretch>
         </p:blipFill>
-        <p:spPr>
+        <p:spPr bwMode="auto">
           <a:xfrm>
-            <a:off x="4427952" y="828479"/>
-            <a:ext cx="4025381" cy="2921486"/>
+            <a:off x="4482791" y="968084"/>
+            <a:ext cx="4299954" cy="2862271"/>
           </a:xfrm>
           <a:prstGeom prst="rect">
             <a:avLst/>
           </a:prstGeom>
+          <a:noFill/>
+          <a:extLst>
+            <a:ext uri="{909E8E84-426E-40DD-AFC4-6F175D3DCCD1}">
+              <a14:hiddenFill xmlns:a14="http://schemas.microsoft.com/office/drawing/2010/main">
+                <a:solidFill>
+                  <a:srgbClr val="FFFFFF"/>
+                </a:solidFill>
+              </a14:hiddenFill>
+            </a:ext>
+          </a:extLst>
         </p:spPr>
       </p:pic>
       <p:pic>
         <p:nvPicPr>
-          <p:cNvPr id="5" name="Picture 4"/>
+          <p:cNvPr id="1028" name="Picture 4" descr="C:\Users\lenovo\Desktop\bar_5.PNG"/>
           <p:cNvPicPr>
-            <a:picLocks noChangeAspect="1"/>
+            <a:picLocks noChangeAspect="1" noChangeArrowheads="1"/>
           </p:cNvPicPr>
           <p:nvPr/>
         </p:nvPicPr>
-        <p:blipFill rotWithShape="1">
+        <p:blipFill>
           <a:blip r:embed="rId5">
             <a:extLst>
               <a:ext uri="{28A0092B-C50C-407E-A947-70E740481C1C}">
@@ -14855,17 +14879,29 @@
               </a:ext>
             </a:extLst>
           </a:blip>
-          <a:srcRect l="4925" t="29" r="2485" b="-1"/>
-          <a:stretch/>
+          <a:srcRect/>
+          <a:stretch>
+            <a:fillRect/>
+          </a:stretch>
         </p:blipFill>
-        <p:spPr>
+        <p:spPr bwMode="auto">
           <a:xfrm>
-            <a:off x="4427952" y="3877013"/>
-            <a:ext cx="4177329" cy="2980987"/>
+            <a:off x="4482791" y="3869358"/>
+            <a:ext cx="4245114" cy="2879146"/>
           </a:xfrm>
           <a:prstGeom prst="rect">
             <a:avLst/>
           </a:prstGeom>
+          <a:noFill/>
+          <a:extLst>
+            <a:ext uri="{909E8E84-426E-40DD-AFC4-6F175D3DCCD1}">
+              <a14:hiddenFill xmlns:a14="http://schemas.microsoft.com/office/drawing/2010/main">
+                <a:solidFill>
+                  <a:srgbClr val="FFFFFF"/>
+                </a:solidFill>
+              </a14:hiddenFill>
+            </a:ext>
+          </a:extLst>
         </p:spPr>
       </p:pic>
     </p:spTree>

--- a/141B presentation.pptx
+++ b/141B presentation.pptx
@@ -156,7 +156,7 @@
   </p:defaultTextStyle>
   <p:extLst>
     <p:ext uri="{EFAFB233-063F-42B5-8137-9DF3F51BA10A}">
-      <p15:sldGuideLst xmlns:p15="http://schemas.microsoft.com/office/powerpoint/2012/main" xmlns="">
+      <p15:sldGuideLst xmlns:p15="http://schemas.microsoft.com/office/powerpoint/2012/main">
         <p15:guide id="1" orient="horz" pos="2180">
           <p15:clr>
             <a:srgbClr val="A4A3A4"/>
@@ -6029,7 +6029,7 @@
               <a:buChar char="Ø"/>
             </a:pPr>
             <a:r>
-              <a:rPr lang="en-US" altLang="zh-CN" sz="2800" dirty="0" smtClean="0">
+              <a:rPr lang="en-US" altLang="zh-CN" sz="2800" dirty="0">
                 <a:latin typeface="+mn-lt"/>
                 <a:ea typeface="微软雅黑" pitchFamily="34" charset="-122"/>
               </a:rPr>
@@ -6265,7 +6265,7 @@
               <a:buChar char="Ø"/>
             </a:pPr>
             <a:r>
-              <a:rPr lang="en-US" altLang="zh-CN" sz="2800" dirty="0" smtClean="0">
+              <a:rPr lang="en-US" altLang="zh-CN" sz="2800" dirty="0">
                 <a:ea typeface="微软雅黑" pitchFamily="34" charset="-122"/>
               </a:rPr>
               <a:t>Guide the choice of employment place</a:t>
@@ -6346,7 +6346,7 @@
               <a:buChar char="Ø"/>
             </a:pPr>
             <a:r>
-              <a:rPr lang="en-US" altLang="zh-CN" sz="2800" dirty="0" smtClean="0">
+              <a:rPr lang="en-US" altLang="zh-CN" sz="2800" dirty="0">
                 <a:ea typeface="微软雅黑" pitchFamily="34" charset="-122"/>
               </a:rPr>
               <a:t>Key factors to improve competitiveness</a:t>
@@ -10044,80 +10044,6 @@
           </a:p>
         </p:txBody>
       </p:sp>
-      <p:pic>
-        <p:nvPicPr>
-          <p:cNvPr id="8196" name="Picture 4" descr="Client-info-Box"/>
-          <p:cNvPicPr>
-            <a:picLocks noChangeAspect="1" noChangeArrowheads="1"/>
-          </p:cNvPicPr>
-          <p:nvPr/>
-        </p:nvPicPr>
-        <p:blipFill>
-          <a:blip r:embed="rId3" cstate="print"/>
-          <a:srcRect/>
-          <a:stretch>
-            <a:fillRect/>
-          </a:stretch>
-        </p:blipFill>
-        <p:spPr bwMode="auto">
-          <a:xfrm>
-            <a:off x="0" y="1449677"/>
-            <a:ext cx="9144000" cy="5181600"/>
-          </a:xfrm>
-          <a:prstGeom prst="rect">
-            <a:avLst/>
-          </a:prstGeom>
-          <a:noFill/>
-          <a:ln w="9525">
-            <a:noFill/>
-            <a:miter lim="800000"/>
-            <a:headEnd/>
-            <a:tailEnd/>
-          </a:ln>
-        </p:spPr>
-      </p:pic>
-      <p:sp>
-        <p:nvSpPr>
-          <p:cNvPr id="8197" name="Rectangle 5"/>
-          <p:cNvSpPr>
-            <a:spLocks noGrp="1" noChangeArrowheads="1"/>
-          </p:cNvSpPr>
-          <p:nvPr>
-            <p:ph type="body" idx="4294967295"/>
-          </p:nvPr>
-        </p:nvSpPr>
-        <p:spPr>
-          <a:xfrm>
-            <a:off x="457200" y="1614488"/>
-            <a:ext cx="8229600" cy="4525962"/>
-          </a:xfrm>
-        </p:spPr>
-        <p:txBody>
-          <a:bodyPr/>
-          <a:lstStyle/>
-          <a:p>
-            <a:pPr eaLnBrk="1" hangingPunct="1">
-              <a:buFontTx/>
-              <a:buNone/>
-            </a:pPr>
-            <a:r>
-              <a:rPr lang="en-US" altLang="zh-CN" sz="4000" b="1" dirty="0">
-                <a:solidFill>
-                  <a:schemeClr val="tx1"/>
-                </a:solidFill>
-                <a:ea typeface="微软雅黑" pitchFamily="34" charset="-122"/>
-              </a:rPr>
-              <a:t>Map</a:t>
-            </a:r>
-            <a:endParaRPr lang="zh-CN" altLang="en-US" sz="4000" b="1" dirty="0">
-              <a:solidFill>
-                <a:schemeClr val="tx1"/>
-              </a:solidFill>
-              <a:ea typeface="微软雅黑" pitchFamily="34" charset="-122"/>
-            </a:endParaRPr>
-          </a:p>
-        </p:txBody>
-      </p:sp>
       <p:grpSp>
         <p:nvGrpSpPr>
           <p:cNvPr id="8198" name="Group 6"/>
@@ -10910,7 +10836,7 @@
           <p:nvPr/>
         </p:nvPicPr>
         <p:blipFill>
-          <a:blip r:embed="rId4">
+          <a:blip r:embed="rId3">
             <a:extLst>
               <a:ext uri="{28A0092B-C50C-407E-A947-70E740481C1C}">
                 <a14:useLocalDpi xmlns:a14="http://schemas.microsoft.com/office/drawing/2010/main" val="0"/>
@@ -10924,8 +10850,8 @@
         </p:blipFill>
         <p:spPr bwMode="auto">
           <a:xfrm>
-            <a:off x="4408407" y="1559945"/>
-            <a:ext cx="3871402" cy="4961064"/>
+            <a:off x="2115127" y="1502818"/>
+            <a:ext cx="4482789" cy="5286311"/>
           </a:xfrm>
           <a:prstGeom prst="rect">
             <a:avLst/>
@@ -10944,14 +10870,14 @@
       </p:pic>
       <p:sp>
         <p:nvSpPr>
-          <p:cNvPr id="4" name="TextBox 3"/>
+          <p:cNvPr id="2" name="TextBox 1"/>
           <p:cNvSpPr txBox="1"/>
           <p:nvPr/>
         </p:nvSpPr>
         <p:spPr>
           <a:xfrm>
-            <a:off x="457199" y="2590800"/>
-            <a:ext cx="3297811" cy="553998"/>
+            <a:off x="2390918" y="3775630"/>
+            <a:ext cx="630538" cy="369332"/>
           </a:xfrm>
           <a:prstGeom prst="rect">
             <a:avLst/>
@@ -10965,27 +10891,22 @@
           <a:lstStyle/>
           <a:p>
             <a:r>
-              <a:rPr lang="en-US" altLang="zh-CN" dirty="0" smtClean="0"/>
-              <a:t>    </a:t>
-            </a:r>
-            <a:r>
-              <a:rPr lang="en-US" altLang="zh-CN" sz="3000" dirty="0" smtClean="0"/>
-              <a:t>San Francisco </a:t>
-            </a:r>
-            <a:endParaRPr lang="zh-CN" altLang="en-US" sz="3000" dirty="0"/>
+              <a:rPr lang="en-US" sz="1800" dirty="0"/>
+              <a:t>SF</a:t>
+            </a:r>
           </a:p>
         </p:txBody>
       </p:sp>
       <p:sp>
         <p:nvSpPr>
-          <p:cNvPr id="5" name="TextBox 4"/>
+          <p:cNvPr id="34" name="TextBox 33"/>
           <p:cNvSpPr txBox="1"/>
           <p:nvPr/>
         </p:nvSpPr>
         <p:spPr>
           <a:xfrm>
-            <a:off x="457198" y="3547910"/>
-            <a:ext cx="3951207" cy="477054"/>
+            <a:off x="3373125" y="3424915"/>
+            <a:ext cx="727819" cy="369332"/>
           </a:xfrm>
           <a:prstGeom prst="rect">
             <a:avLst/>
@@ -10999,134 +10920,22 @@
           <a:lstStyle/>
           <a:p>
             <a:r>
-              <a:rPr lang="en-US" altLang="zh-CN" dirty="0" smtClean="0"/>
-              <a:t>    </a:t>
-            </a:r>
-            <a:r>
-              <a:rPr lang="en-US" altLang="zh-CN" sz="2500" dirty="0" smtClean="0"/>
-              <a:t>Palo Alto, Sacramento</a:t>
+              <a:rPr lang="en-US" sz="1800" dirty="0"/>
+              <a:t>SAC</a:t>
             </a:r>
           </a:p>
         </p:txBody>
       </p:sp>
       <p:sp>
         <p:nvSpPr>
-          <p:cNvPr id="36" name="AutoShape 28"/>
-          <p:cNvSpPr>
-            <a:spLocks noChangeArrowheads="1"/>
-          </p:cNvSpPr>
-          <p:nvPr/>
-        </p:nvSpPr>
-        <p:spPr bwMode="auto">
-          <a:xfrm>
-            <a:off x="404661" y="3620543"/>
-            <a:ext cx="304800" cy="331787"/>
-          </a:xfrm>
-          <a:prstGeom prst="diamond">
-            <a:avLst/>
-          </a:prstGeom>
-          <a:solidFill>
-            <a:schemeClr val="tx1"/>
-          </a:solidFill>
-          <a:ln w="9525" cmpd="sng">
-            <a:solidFill>
-              <a:schemeClr val="tx1"/>
-            </a:solidFill>
-            <a:miter lim="800000"/>
-            <a:headEnd/>
-            <a:tailEnd/>
-          </a:ln>
-        </p:spPr>
-        <p:txBody>
-          <a:bodyPr wrap="none" anchor="ctr"/>
-          <a:lstStyle/>
-          <a:p>
-            <a:endParaRPr lang="zh-CN" altLang="en-US"/>
-          </a:p>
-        </p:txBody>
-      </p:sp>
-      <p:sp>
-        <p:nvSpPr>
-          <p:cNvPr id="37" name="AutoShape 28"/>
-          <p:cNvSpPr>
-            <a:spLocks noChangeArrowheads="1"/>
-          </p:cNvSpPr>
-          <p:nvPr/>
-        </p:nvSpPr>
-        <p:spPr bwMode="auto">
-          <a:xfrm>
-            <a:off x="404661" y="4466647"/>
-            <a:ext cx="304800" cy="331787"/>
-          </a:xfrm>
-          <a:prstGeom prst="diamond">
-            <a:avLst/>
-          </a:prstGeom>
-          <a:solidFill>
-            <a:schemeClr val="tx1"/>
-          </a:solidFill>
-          <a:ln w="9525" cmpd="sng">
-            <a:solidFill>
-              <a:schemeClr val="tx1"/>
-            </a:solidFill>
-            <a:miter lim="800000"/>
-            <a:headEnd/>
-            <a:tailEnd/>
-          </a:ln>
-        </p:spPr>
-        <p:txBody>
-          <a:bodyPr wrap="none" anchor="ctr"/>
-          <a:lstStyle/>
-          <a:p>
-            <a:endParaRPr lang="zh-CN" altLang="en-US"/>
-          </a:p>
-        </p:txBody>
-      </p:sp>
-      <p:sp>
-        <p:nvSpPr>
-          <p:cNvPr id="38" name="AutoShape 28"/>
-          <p:cNvSpPr>
-            <a:spLocks noChangeArrowheads="1"/>
-          </p:cNvSpPr>
-          <p:nvPr/>
-        </p:nvSpPr>
-        <p:spPr bwMode="auto">
-          <a:xfrm>
-            <a:off x="404661" y="2655738"/>
-            <a:ext cx="304800" cy="331787"/>
-          </a:xfrm>
-          <a:prstGeom prst="diamond">
-            <a:avLst/>
-          </a:prstGeom>
-          <a:solidFill>
-            <a:schemeClr val="tx1"/>
-          </a:solidFill>
-          <a:ln w="9525" cmpd="sng">
-            <a:solidFill>
-              <a:schemeClr val="tx1"/>
-            </a:solidFill>
-            <a:miter lim="800000"/>
-            <a:headEnd/>
-            <a:tailEnd/>
-          </a:ln>
-        </p:spPr>
-        <p:txBody>
-          <a:bodyPr wrap="none" anchor="ctr"/>
-          <a:lstStyle/>
-          <a:p>
-            <a:endParaRPr lang="zh-CN" altLang="en-US"/>
-          </a:p>
-        </p:txBody>
-      </p:sp>
-      <p:sp>
-        <p:nvSpPr>
-          <p:cNvPr id="6" name="TextBox 5"/>
+          <p:cNvPr id="35" name="TextBox 34"/>
           <p:cNvSpPr txBox="1"/>
           <p:nvPr/>
         </p:nvSpPr>
         <p:spPr>
           <a:xfrm>
-            <a:off x="681901" y="4466647"/>
-            <a:ext cx="3726505" cy="815608"/>
+            <a:off x="5015846" y="5562261"/>
+            <a:ext cx="727819" cy="369332"/>
           </a:xfrm>
           <a:prstGeom prst="rect">
             <a:avLst/>
@@ -11140,18 +10949,67 @@
           <a:lstStyle/>
           <a:p>
             <a:r>
-              <a:rPr lang="en-US" altLang="zh-CN" dirty="0"/>
-              <a:t> </a:t>
-            </a:r>
-            <a:r>
-              <a:rPr lang="en-US" altLang="zh-CN" sz="2300" dirty="0"/>
-              <a:t>Los Angeles, San Diego, </a:t>
-            </a:r>
-            <a:r>
-              <a:rPr lang="en-US" altLang="zh-CN" sz="2300" dirty="0" smtClean="0"/>
-              <a:t>   Oakland </a:t>
-            </a:r>
-            <a:endParaRPr lang="zh-CN" altLang="en-US" sz="2300" dirty="0"/>
+              <a:rPr lang="en-US" sz="1800" dirty="0"/>
+              <a:t>LA</a:t>
+            </a:r>
+          </a:p>
+        </p:txBody>
+      </p:sp>
+      <p:sp>
+        <p:nvSpPr>
+          <p:cNvPr id="39" name="TextBox 38"/>
+          <p:cNvSpPr txBox="1"/>
+          <p:nvPr/>
+        </p:nvSpPr>
+        <p:spPr>
+          <a:xfrm>
+            <a:off x="5480759" y="6369849"/>
+            <a:ext cx="727819" cy="369332"/>
+          </a:xfrm>
+          <a:prstGeom prst="rect">
+            <a:avLst/>
+          </a:prstGeom>
+          <a:noFill/>
+        </p:spPr>
+        <p:txBody>
+          <a:bodyPr wrap="square" rtlCol="0">
+            <a:spAutoFit/>
+          </a:bodyPr>
+          <a:lstStyle/>
+          <a:p>
+            <a:r>
+              <a:rPr lang="en-US" sz="1800" dirty="0"/>
+              <a:t>SD</a:t>
+            </a:r>
+          </a:p>
+        </p:txBody>
+      </p:sp>
+      <p:sp>
+        <p:nvSpPr>
+          <p:cNvPr id="40" name="TextBox 39"/>
+          <p:cNvSpPr txBox="1"/>
+          <p:nvPr/>
+        </p:nvSpPr>
+        <p:spPr>
+          <a:xfrm>
+            <a:off x="2645306" y="4028993"/>
+            <a:ext cx="727819" cy="369332"/>
+          </a:xfrm>
+          <a:prstGeom prst="rect">
+            <a:avLst/>
+          </a:prstGeom>
+          <a:noFill/>
+        </p:spPr>
+        <p:txBody>
+          <a:bodyPr wrap="square" rtlCol="0">
+            <a:spAutoFit/>
+          </a:bodyPr>
+          <a:lstStyle/>
+          <a:p>
+            <a:r>
+              <a:rPr lang="en-US" sz="1800" dirty="0"/>
+              <a:t>PA</a:t>
+            </a:r>
           </a:p>
         </p:txBody>
       </p:sp>
@@ -11166,299 +11024,6 @@
     <a:masterClrMapping/>
   </p:clrMapOvr>
   <p:transition/>
-  <p:timing>
-    <p:tnLst>
-      <p:par>
-        <p:cTn id="1" dur="indefinite" restart="never" nodeType="tmRoot">
-          <p:childTnLst>
-            <p:seq concurrent="1" nextAc="seek">
-              <p:cTn id="2" dur="indefinite" nodeType="mainSeq">
-                <p:childTnLst>
-                  <p:par>
-                    <p:cTn id="3" fill="hold">
-                      <p:stCondLst>
-                        <p:cond delay="indefinite"/>
-                        <p:cond evt="onBegin" delay="0">
-                          <p:tn val="2"/>
-                        </p:cond>
-                      </p:stCondLst>
-                      <p:childTnLst>
-                        <p:par>
-                          <p:cTn id="4" fill="hold">
-                            <p:stCondLst>
-                              <p:cond delay="0"/>
-                            </p:stCondLst>
-                            <p:childTnLst>
-                              <p:par>
-                                <p:cTn id="5" presetID="2" presetClass="entr" presetSubtype="4" fill="hold" grpId="0" nodeType="afterEffect">
-                                  <p:stCondLst>
-                                    <p:cond delay="0"/>
-                                  </p:stCondLst>
-                                  <p:childTnLst>
-                                    <p:set>
-                                      <p:cBhvr>
-                                        <p:cTn id="6" dur="1" fill="hold">
-                                          <p:stCondLst>
-                                            <p:cond delay="0"/>
-                                          </p:stCondLst>
-                                        </p:cTn>
-                                        <p:tgtEl>
-                                          <p:spTgt spid="36"/>
-                                        </p:tgtEl>
-                                        <p:attrNameLst>
-                                          <p:attrName>style.visibility</p:attrName>
-                                        </p:attrNameLst>
-                                      </p:cBhvr>
-                                      <p:to>
-                                        <p:strVal val="visible"/>
-                                      </p:to>
-                                    </p:set>
-                                    <p:anim calcmode="lin" valueType="num">
-                                      <p:cBhvr additive="base">
-                                        <p:cTn id="7" dur="500" fill="hold"/>
-                                        <p:tgtEl>
-                                          <p:spTgt spid="36"/>
-                                        </p:tgtEl>
-                                        <p:attrNameLst>
-                                          <p:attrName>ppt_x</p:attrName>
-                                        </p:attrNameLst>
-                                      </p:cBhvr>
-                                      <p:tavLst>
-                                        <p:tav tm="0">
-                                          <p:val>
-                                            <p:strVal val="#ppt_x"/>
-                                          </p:val>
-                                        </p:tav>
-                                        <p:tav tm="100000">
-                                          <p:val>
-                                            <p:strVal val="#ppt_x"/>
-                                          </p:val>
-                                        </p:tav>
-                                      </p:tavLst>
-                                    </p:anim>
-                                    <p:anim calcmode="lin" valueType="num">
-                                      <p:cBhvr additive="base">
-                                        <p:cTn id="8" dur="500" fill="hold"/>
-                                        <p:tgtEl>
-                                          <p:spTgt spid="36"/>
-                                        </p:tgtEl>
-                                        <p:attrNameLst>
-                                          <p:attrName>ppt_y</p:attrName>
-                                        </p:attrNameLst>
-                                      </p:cBhvr>
-                                      <p:tavLst>
-                                        <p:tav tm="0">
-                                          <p:val>
-                                            <p:strVal val="1+#ppt_h/2"/>
-                                          </p:val>
-                                        </p:tav>
-                                        <p:tav tm="100000">
-                                          <p:val>
-                                            <p:strVal val="#ppt_y"/>
-                                          </p:val>
-                                        </p:tav>
-                                      </p:tavLst>
-                                    </p:anim>
-                                  </p:childTnLst>
-                                </p:cTn>
-                              </p:par>
-                            </p:childTnLst>
-                          </p:cTn>
-                        </p:par>
-                        <p:par>
-                          <p:cTn id="9" fill="hold">
-                            <p:stCondLst>
-                              <p:cond delay="500"/>
-                            </p:stCondLst>
-                            <p:childTnLst>
-                              <p:par>
-                                <p:cTn id="10" presetID="2" presetClass="entr" presetSubtype="4" fill="hold" grpId="0" nodeType="afterEffect">
-                                  <p:stCondLst>
-                                    <p:cond delay="0"/>
-                                  </p:stCondLst>
-                                  <p:childTnLst>
-                                    <p:set>
-                                      <p:cBhvr>
-                                        <p:cTn id="11" dur="1" fill="hold">
-                                          <p:stCondLst>
-                                            <p:cond delay="0"/>
-                                          </p:stCondLst>
-                                        </p:cTn>
-                                        <p:tgtEl>
-                                          <p:spTgt spid="37"/>
-                                        </p:tgtEl>
-                                        <p:attrNameLst>
-                                          <p:attrName>style.visibility</p:attrName>
-                                        </p:attrNameLst>
-                                      </p:cBhvr>
-                                      <p:to>
-                                        <p:strVal val="visible"/>
-                                      </p:to>
-                                    </p:set>
-                                    <p:anim calcmode="lin" valueType="num">
-                                      <p:cBhvr additive="base">
-                                        <p:cTn id="12" dur="500" fill="hold"/>
-                                        <p:tgtEl>
-                                          <p:spTgt spid="37"/>
-                                        </p:tgtEl>
-                                        <p:attrNameLst>
-                                          <p:attrName>ppt_x</p:attrName>
-                                        </p:attrNameLst>
-                                      </p:cBhvr>
-                                      <p:tavLst>
-                                        <p:tav tm="0">
-                                          <p:val>
-                                            <p:strVal val="#ppt_x"/>
-                                          </p:val>
-                                        </p:tav>
-                                        <p:tav tm="100000">
-                                          <p:val>
-                                            <p:strVal val="#ppt_x"/>
-                                          </p:val>
-                                        </p:tav>
-                                      </p:tavLst>
-                                    </p:anim>
-                                    <p:anim calcmode="lin" valueType="num">
-                                      <p:cBhvr additive="base">
-                                        <p:cTn id="13" dur="500" fill="hold"/>
-                                        <p:tgtEl>
-                                          <p:spTgt spid="37"/>
-                                        </p:tgtEl>
-                                        <p:attrNameLst>
-                                          <p:attrName>ppt_y</p:attrName>
-                                        </p:attrNameLst>
-                                      </p:cBhvr>
-                                      <p:tavLst>
-                                        <p:tav tm="0">
-                                          <p:val>
-                                            <p:strVal val="1+#ppt_h/2"/>
-                                          </p:val>
-                                        </p:tav>
-                                        <p:tav tm="100000">
-                                          <p:val>
-                                            <p:strVal val="#ppt_y"/>
-                                          </p:val>
-                                        </p:tav>
-                                      </p:tavLst>
-                                    </p:anim>
-                                  </p:childTnLst>
-                                </p:cTn>
-                              </p:par>
-                            </p:childTnLst>
-                          </p:cTn>
-                        </p:par>
-                        <p:par>
-                          <p:cTn id="14" fill="hold">
-                            <p:stCondLst>
-                              <p:cond delay="1000"/>
-                            </p:stCondLst>
-                            <p:childTnLst>
-                              <p:par>
-                                <p:cTn id="15" presetID="2" presetClass="entr" presetSubtype="4" fill="hold" grpId="0" nodeType="afterEffect">
-                                  <p:stCondLst>
-                                    <p:cond delay="0"/>
-                                  </p:stCondLst>
-                                  <p:childTnLst>
-                                    <p:set>
-                                      <p:cBhvr>
-                                        <p:cTn id="16" dur="1" fill="hold">
-                                          <p:stCondLst>
-                                            <p:cond delay="0"/>
-                                          </p:stCondLst>
-                                        </p:cTn>
-                                        <p:tgtEl>
-                                          <p:spTgt spid="38"/>
-                                        </p:tgtEl>
-                                        <p:attrNameLst>
-                                          <p:attrName>style.visibility</p:attrName>
-                                        </p:attrNameLst>
-                                      </p:cBhvr>
-                                      <p:to>
-                                        <p:strVal val="visible"/>
-                                      </p:to>
-                                    </p:set>
-                                    <p:anim calcmode="lin" valueType="num">
-                                      <p:cBhvr additive="base">
-                                        <p:cTn id="17" dur="500" fill="hold"/>
-                                        <p:tgtEl>
-                                          <p:spTgt spid="38"/>
-                                        </p:tgtEl>
-                                        <p:attrNameLst>
-                                          <p:attrName>ppt_x</p:attrName>
-                                        </p:attrNameLst>
-                                      </p:cBhvr>
-                                      <p:tavLst>
-                                        <p:tav tm="0">
-                                          <p:val>
-                                            <p:strVal val="#ppt_x"/>
-                                          </p:val>
-                                        </p:tav>
-                                        <p:tav tm="100000">
-                                          <p:val>
-                                            <p:strVal val="#ppt_x"/>
-                                          </p:val>
-                                        </p:tav>
-                                      </p:tavLst>
-                                    </p:anim>
-                                    <p:anim calcmode="lin" valueType="num">
-                                      <p:cBhvr additive="base">
-                                        <p:cTn id="18" dur="500" fill="hold"/>
-                                        <p:tgtEl>
-                                          <p:spTgt spid="38"/>
-                                        </p:tgtEl>
-                                        <p:attrNameLst>
-                                          <p:attrName>ppt_y</p:attrName>
-                                        </p:attrNameLst>
-                                      </p:cBhvr>
-                                      <p:tavLst>
-                                        <p:tav tm="0">
-                                          <p:val>
-                                            <p:strVal val="1+#ppt_h/2"/>
-                                          </p:val>
-                                        </p:tav>
-                                        <p:tav tm="100000">
-                                          <p:val>
-                                            <p:strVal val="#ppt_y"/>
-                                          </p:val>
-                                        </p:tav>
-                                      </p:tavLst>
-                                    </p:anim>
-                                  </p:childTnLst>
-                                </p:cTn>
-                              </p:par>
-                            </p:childTnLst>
-                          </p:cTn>
-                        </p:par>
-                      </p:childTnLst>
-                    </p:cTn>
-                  </p:par>
-                </p:childTnLst>
-              </p:cTn>
-              <p:prevCondLst>
-                <p:cond evt="onPrev" delay="0">
-                  <p:tgtEl>
-                    <p:sldTgt/>
-                  </p:tgtEl>
-                </p:cond>
-              </p:prevCondLst>
-              <p:nextCondLst>
-                <p:cond evt="onNext" delay="0">
-                  <p:tgtEl>
-                    <p:sldTgt/>
-                  </p:tgtEl>
-                </p:cond>
-              </p:nextCondLst>
-            </p:seq>
-          </p:childTnLst>
-        </p:cTn>
-      </p:par>
-    </p:tnLst>
-    <p:bldLst>
-      <p:bldP spid="36" grpId="0" animBg="1" autoUpdateAnimBg="0"/>
-      <p:bldP spid="37" grpId="0" animBg="1" autoUpdateAnimBg="0"/>
-      <p:bldP spid="38" grpId="0" animBg="1" autoUpdateAnimBg="0"/>
-    </p:bldLst>
-  </p:timing>
 </p:sld>
 </file>
 
@@ -11582,7 +11147,7 @@
         </p:nvSpPr>
         <p:spPr>
           <a:xfrm>
-            <a:off x="457200" y="1614488"/>
+            <a:off x="457200" y="1679573"/>
             <a:ext cx="8229600" cy="4525962"/>
           </a:xfrm>
         </p:spPr>
@@ -11594,25 +11159,40 @@
               <a:buFontTx/>
               <a:buNone/>
             </a:pPr>
-            <a:r>
-              <a:rPr lang="en-US" altLang="zh-CN" sz="2800" b="1" dirty="0">
+            <a:endParaRPr lang="en-US" altLang="zh-CN" sz="1800" b="1" dirty="0">
+              <a:solidFill>
+                <a:schemeClr val="tx1"/>
+              </a:solidFill>
+              <a:ea typeface="微软雅黑" pitchFamily="34" charset="-122"/>
+            </a:endParaRPr>
+          </a:p>
+          <a:p>
+            <a:pPr eaLnBrk="1" hangingPunct="1">
+              <a:buFontTx/>
+              <a:buNone/>
+            </a:pPr>
+            <a:endParaRPr lang="en-US" altLang="zh-CN" sz="1800" b="1" dirty="0">
+              <a:solidFill>
+                <a:schemeClr val="tx1"/>
+              </a:solidFill>
+              <a:ea typeface="微软雅黑" pitchFamily="34" charset="-122"/>
+            </a:endParaRPr>
+          </a:p>
+          <a:p>
+            <a:pPr eaLnBrk="1" hangingPunct="1">
+              <a:buFontTx/>
+              <a:buNone/>
+            </a:pPr>
+            <a:r>
+              <a:rPr lang="en-US" altLang="zh-CN" sz="1800" b="1" dirty="0">
                 <a:solidFill>
                   <a:schemeClr val="tx1"/>
                 </a:solidFill>
                 <a:ea typeface="微软雅黑" pitchFamily="34" charset="-122"/>
               </a:rPr>
-              <a:t>Education </a:t>
-            </a:r>
-            <a:r>
-              <a:rPr lang="en-US" altLang="zh-CN" sz="2800" b="1" dirty="0" smtClean="0">
-                <a:solidFill>
-                  <a:schemeClr val="tx1"/>
-                </a:solidFill>
-                <a:ea typeface="微软雅黑" pitchFamily="34" charset="-122"/>
-              </a:rPr>
-              <a:t>Background</a:t>
-            </a:r>
-            <a:endParaRPr lang="zh-CN" altLang="en-US" sz="2800" b="1" dirty="0">
+              <a:t>Pie Chart of Education Background</a:t>
+            </a:r>
+            <a:endParaRPr lang="zh-CN" altLang="en-US" sz="1800" b="1" dirty="0">
               <a:solidFill>
                 <a:schemeClr val="tx1"/>
               </a:solidFill>
@@ -12415,7 +11995,7 @@
           </p:cNvPicPr>
           <p:nvPr/>
         </p:nvPicPr>
-        <p:blipFill>
+        <p:blipFill rotWithShape="1">
           <a:blip r:embed="rId4">
             <a:extLst>
               <a:ext uri="{28A0092B-C50C-407E-A947-70E740481C1C}">
@@ -12423,15 +12003,13 @@
               </a:ext>
             </a:extLst>
           </a:blip>
-          <a:srcRect/>
-          <a:stretch>
-            <a:fillRect/>
-          </a:stretch>
+          <a:srcRect t="12531"/>
+          <a:stretch/>
         </p:blipFill>
         <p:spPr bwMode="auto">
           <a:xfrm>
-            <a:off x="361509" y="2400301"/>
-            <a:ext cx="4260645" cy="3602326"/>
+            <a:off x="361509" y="2851725"/>
+            <a:ext cx="4260645" cy="3150901"/>
           </a:xfrm>
           <a:prstGeom prst="rect">
             <a:avLst/>
@@ -12456,7 +12034,7 @@
           </p:cNvPicPr>
           <p:nvPr/>
         </p:nvPicPr>
-        <p:blipFill>
+        <p:blipFill rotWithShape="1">
           <a:blip r:embed="rId5">
             <a:extLst>
               <a:ext uri="{28A0092B-C50C-407E-A947-70E740481C1C}">
@@ -12464,15 +12042,13 @@
               </a:ext>
             </a:extLst>
           </a:blip>
-          <a:srcRect/>
-          <a:stretch>
-            <a:fillRect/>
-          </a:stretch>
+          <a:srcRect t="13361"/>
+          <a:stretch/>
         </p:blipFill>
         <p:spPr bwMode="auto">
           <a:xfrm>
-            <a:off x="4802115" y="2400302"/>
-            <a:ext cx="4038896" cy="3602326"/>
+            <a:off x="4802115" y="2881602"/>
+            <a:ext cx="4038896" cy="3121026"/>
           </a:xfrm>
           <a:prstGeom prst="rect">
             <a:avLst/>
@@ -12497,8 +12073,8 @@
         </p:nvSpPr>
         <p:spPr>
           <a:xfrm>
-            <a:off x="4802115" y="1623204"/>
-            <a:ext cx="3686265" cy="523220"/>
+            <a:off x="4802115" y="2347036"/>
+            <a:ext cx="4166394" cy="369332"/>
           </a:xfrm>
           <a:prstGeom prst="rect">
             <a:avLst/>
@@ -12511,12 +12087,12 @@
           <a:lstStyle/>
           <a:p>
             <a:r>
-              <a:rPr lang="en-US" altLang="zh-CN" sz="2800" dirty="0">
+              <a:rPr lang="en-US" altLang="zh-CN" sz="1800" dirty="0">
                 <a:ea typeface="微软雅黑" pitchFamily="34" charset="-122"/>
               </a:rPr>
-              <a:t>Working Experience</a:t>
-            </a:r>
-            <a:endParaRPr lang="zh-CN" altLang="en-US" sz="2800" dirty="0"/>
+              <a:t>Pie Chart of Working Experience</a:t>
+            </a:r>
+            <a:endParaRPr lang="zh-CN" altLang="en-US" sz="1800" dirty="0"/>
           </a:p>
         </p:txBody>
       </p:sp>
@@ -12531,13 +12107,6 @@
     <a:masterClrMapping/>
   </p:clrMapOvr>
   <p:transition/>
-  <p:timing>
-    <p:tnLst>
-      <p:par>
-        <p:cTn id="1" dur="indefinite" restart="never" nodeType="tmRoot"/>
-      </p:par>
-    </p:tnLst>
-  </p:timing>
 </p:sld>
 </file>
 

--- a/141B presentation.pptx
+++ b/141B presentation.pptx
@@ -5,7 +5,7 @@
     <p:sldMasterId id="2147483648" r:id="rId1"/>
   </p:sldMasterIdLst>
   <p:notesMasterIdLst>
-    <p:notesMasterId r:id="rId15"/>
+    <p:notesMasterId r:id="rId16"/>
   </p:notesMasterIdLst>
   <p:sldIdLst>
     <p:sldId id="279" r:id="rId2"/>
@@ -15,12 +15,13 @@
     <p:sldId id="529" r:id="rId6"/>
     <p:sldId id="535" r:id="rId7"/>
     <p:sldId id="537" r:id="rId8"/>
-    <p:sldId id="539" r:id="rId9"/>
-    <p:sldId id="538" r:id="rId10"/>
-    <p:sldId id="540" r:id="rId11"/>
-    <p:sldId id="453" r:id="rId12"/>
-    <p:sldId id="455" r:id="rId13"/>
-    <p:sldId id="460" r:id="rId14"/>
+    <p:sldId id="541" r:id="rId9"/>
+    <p:sldId id="539" r:id="rId10"/>
+    <p:sldId id="538" r:id="rId11"/>
+    <p:sldId id="540" r:id="rId12"/>
+    <p:sldId id="453" r:id="rId13"/>
+    <p:sldId id="455" r:id="rId14"/>
+    <p:sldId id="460" r:id="rId15"/>
   </p:sldIdLst>
   <p:sldSz cx="9144000" cy="6858000" type="screen4x3"/>
   <p:notesSz cx="6858000" cy="9144000"/>
@@ -5490,6 +5491,365 @@
                 </a:solidFill>
                 <a:ea typeface="微软雅黑" pitchFamily="34" charset="-122"/>
               </a:rPr>
+              <a:t>Skills Requirements vs Working Experience</a:t>
+            </a:r>
+            <a:endParaRPr lang="zh-CN" altLang="en-US" sz="2800" dirty="0">
+              <a:solidFill>
+                <a:schemeClr val="bg1"/>
+              </a:solidFill>
+              <a:ea typeface="微软雅黑" pitchFamily="34" charset="-122"/>
+            </a:endParaRPr>
+          </a:p>
+        </p:txBody>
+      </p:sp>
+      <p:pic>
+        <p:nvPicPr>
+          <p:cNvPr id="1026" name="Picture 2" descr="C:\Users\lenovo\Desktop\bar_2.PNG"/>
+          <p:cNvPicPr>
+            <a:picLocks noChangeAspect="1" noChangeArrowheads="1"/>
+          </p:cNvPicPr>
+          <p:nvPr/>
+        </p:nvPicPr>
+        <p:blipFill>
+          <a:blip r:embed="rId3">
+            <a:extLst>
+              <a:ext uri="{28A0092B-C50C-407E-A947-70E740481C1C}">
+                <a14:useLocalDpi xmlns:a14="http://schemas.microsoft.com/office/drawing/2010/main" val="0"/>
+              </a:ext>
+            </a:extLst>
+          </a:blip>
+          <a:srcRect/>
+          <a:stretch>
+            <a:fillRect/>
+          </a:stretch>
+        </p:blipFill>
+        <p:spPr bwMode="auto">
+          <a:xfrm>
+            <a:off x="0" y="2200322"/>
+            <a:ext cx="4306681" cy="2868566"/>
+          </a:xfrm>
+          <a:prstGeom prst="rect">
+            <a:avLst/>
+          </a:prstGeom>
+          <a:noFill/>
+          <a:extLst>
+            <a:ext uri="{909E8E84-426E-40DD-AFC4-6F175D3DCCD1}">
+              <a14:hiddenFill xmlns:a14="http://schemas.microsoft.com/office/drawing/2010/main">
+                <a:solidFill>
+                  <a:srgbClr val="FFFFFF"/>
+                </a:solidFill>
+              </a14:hiddenFill>
+            </a:ext>
+          </a:extLst>
+        </p:spPr>
+      </p:pic>
+      <p:pic>
+        <p:nvPicPr>
+          <p:cNvPr id="1027" name="Picture 3" descr="C:\Users\lenovo\Desktop\bar3_5.PNG"/>
+          <p:cNvPicPr>
+            <a:picLocks noChangeAspect="1" noChangeArrowheads="1"/>
+          </p:cNvPicPr>
+          <p:nvPr/>
+        </p:nvPicPr>
+        <p:blipFill>
+          <a:blip r:embed="rId4">
+            <a:extLst>
+              <a:ext uri="{28A0092B-C50C-407E-A947-70E740481C1C}">
+                <a14:useLocalDpi xmlns:a14="http://schemas.microsoft.com/office/drawing/2010/main" val="0"/>
+              </a:ext>
+            </a:extLst>
+          </a:blip>
+          <a:srcRect/>
+          <a:stretch>
+            <a:fillRect/>
+          </a:stretch>
+        </p:blipFill>
+        <p:spPr bwMode="auto">
+          <a:xfrm>
+            <a:off x="4482791" y="968084"/>
+            <a:ext cx="4299954" cy="2862271"/>
+          </a:xfrm>
+          <a:prstGeom prst="rect">
+            <a:avLst/>
+          </a:prstGeom>
+          <a:noFill/>
+          <a:extLst>
+            <a:ext uri="{909E8E84-426E-40DD-AFC4-6F175D3DCCD1}">
+              <a14:hiddenFill xmlns:a14="http://schemas.microsoft.com/office/drawing/2010/main">
+                <a:solidFill>
+                  <a:srgbClr val="FFFFFF"/>
+                </a:solidFill>
+              </a14:hiddenFill>
+            </a:ext>
+          </a:extLst>
+        </p:spPr>
+      </p:pic>
+      <p:pic>
+        <p:nvPicPr>
+          <p:cNvPr id="1028" name="Picture 4" descr="C:\Users\lenovo\Desktop\bar_5.PNG"/>
+          <p:cNvPicPr>
+            <a:picLocks noChangeAspect="1" noChangeArrowheads="1"/>
+          </p:cNvPicPr>
+          <p:nvPr/>
+        </p:nvPicPr>
+        <p:blipFill>
+          <a:blip r:embed="rId5">
+            <a:extLst>
+              <a:ext uri="{28A0092B-C50C-407E-A947-70E740481C1C}">
+                <a14:useLocalDpi xmlns:a14="http://schemas.microsoft.com/office/drawing/2010/main" val="0"/>
+              </a:ext>
+            </a:extLst>
+          </a:blip>
+          <a:srcRect/>
+          <a:stretch>
+            <a:fillRect/>
+          </a:stretch>
+        </p:blipFill>
+        <p:spPr bwMode="auto">
+          <a:xfrm>
+            <a:off x="4482791" y="3869358"/>
+            <a:ext cx="4245114" cy="2879146"/>
+          </a:xfrm>
+          <a:prstGeom prst="rect">
+            <a:avLst/>
+          </a:prstGeom>
+          <a:noFill/>
+          <a:extLst>
+            <a:ext uri="{909E8E84-426E-40DD-AFC4-6F175D3DCCD1}">
+              <a14:hiddenFill xmlns:a14="http://schemas.microsoft.com/office/drawing/2010/main">
+                <a:solidFill>
+                  <a:srgbClr val="FFFFFF"/>
+                </a:solidFill>
+              </a14:hiddenFill>
+            </a:ext>
+          </a:extLst>
+        </p:spPr>
+      </p:pic>
+    </p:spTree>
+    <p:extLst>
+      <p:ext uri="{BB962C8B-B14F-4D97-AF65-F5344CB8AC3E}">
+        <p14:creationId xmlns:p14="http://schemas.microsoft.com/office/powerpoint/2010/main" val="627396308"/>
+      </p:ext>
+    </p:extLst>
+  </p:cSld>
+  <p:clrMapOvr>
+    <a:masterClrMapping/>
+  </p:clrMapOvr>
+  <p:transition/>
+</p:sld>
+</file>
+
+<file path=ppt/slides/slide11.xml><?xml version="1.0" encoding="utf-8"?>
+<p:sld xmlns:a="http://schemas.openxmlformats.org/drawingml/2006/main" xmlns:r="http://schemas.openxmlformats.org/officeDocument/2006/relationships" xmlns:p="http://schemas.openxmlformats.org/presentationml/2006/main">
+  <p:cSld>
+    <p:spTree>
+      <p:nvGrpSpPr>
+        <p:cNvPr id="1" name=""/>
+        <p:cNvGrpSpPr/>
+        <p:nvPr/>
+      </p:nvGrpSpPr>
+      <p:grpSpPr>
+        <a:xfrm>
+          <a:off x="0" y="0"/>
+          <a:ext cx="0" cy="0"/>
+          <a:chOff x="0" y="0"/>
+          <a:chExt cx="0" cy="0"/>
+        </a:xfrm>
+      </p:grpSpPr>
+      <p:pic>
+        <p:nvPicPr>
+          <p:cNvPr id="8194" name="Picture 31" descr="图片1_副本"/>
+          <p:cNvPicPr>
+            <a:picLocks noChangeAspect="1" noChangeArrowheads="1"/>
+          </p:cNvPicPr>
+          <p:nvPr/>
+        </p:nvPicPr>
+        <p:blipFill>
+          <a:blip r:embed="rId2" cstate="print"/>
+          <a:srcRect/>
+          <a:stretch>
+            <a:fillRect/>
+          </a:stretch>
+        </p:blipFill>
+        <p:spPr bwMode="auto">
+          <a:xfrm>
+            <a:off x="0" y="0"/>
+            <a:ext cx="9144000" cy="6858000"/>
+          </a:xfrm>
+          <a:prstGeom prst="rect">
+            <a:avLst/>
+          </a:prstGeom>
+          <a:noFill/>
+          <a:ln w="9525">
+            <a:noFill/>
+            <a:miter lim="800000"/>
+            <a:headEnd/>
+            <a:tailEnd/>
+          </a:ln>
+        </p:spPr>
+      </p:pic>
+      <p:sp>
+        <p:nvSpPr>
+          <p:cNvPr id="8197" name="Rectangle 5"/>
+          <p:cNvSpPr>
+            <a:spLocks noGrp="1" noChangeArrowheads="1"/>
+          </p:cNvSpPr>
+          <p:nvPr>
+            <p:ph type="body" idx="4294967295"/>
+          </p:nvPr>
+        </p:nvSpPr>
+        <p:spPr>
+          <a:xfrm>
+            <a:off x="0" y="166369"/>
+            <a:ext cx="8746288" cy="5974081"/>
+          </a:xfrm>
+        </p:spPr>
+        <p:txBody>
+          <a:bodyPr/>
+          <a:lstStyle/>
+          <a:p>
+            <a:pPr eaLnBrk="1" hangingPunct="1">
+              <a:buFontTx/>
+              <a:buNone/>
+            </a:pPr>
+            <a:endParaRPr lang="zh-CN" altLang="en-US" sz="2800" b="1" dirty="0">
+              <a:solidFill>
+                <a:schemeClr val="tx1"/>
+              </a:solidFill>
+              <a:ea typeface="微软雅黑" pitchFamily="34" charset="-122"/>
+            </a:endParaRPr>
+          </a:p>
+        </p:txBody>
+      </p:sp>
+      <p:sp>
+        <p:nvSpPr>
+          <p:cNvPr id="8216" name="Text Box 24"/>
+          <p:cNvSpPr txBox="1">
+            <a:spLocks noChangeArrowheads="1"/>
+          </p:cNvSpPr>
+          <p:nvPr/>
+        </p:nvSpPr>
+        <p:spPr bwMode="auto">
+          <a:xfrm>
+            <a:off x="697010" y="534119"/>
+            <a:ext cx="2180792" cy="867930"/>
+          </a:xfrm>
+          <a:prstGeom prst="rect">
+            <a:avLst/>
+          </a:prstGeom>
+          <a:noFill/>
+          <a:ln w="9525">
+            <a:noFill/>
+            <a:miter lim="800000"/>
+            <a:headEnd/>
+            <a:tailEnd/>
+          </a:ln>
+        </p:spPr>
+        <p:txBody>
+          <a:bodyPr wrap="square">
+            <a:spAutoFit/>
+          </a:bodyPr>
+          <a:lstStyle/>
+          <a:p>
+            <a:pPr>
+              <a:lnSpc>
+                <a:spcPct val="80000"/>
+              </a:lnSpc>
+              <a:spcBef>
+                <a:spcPct val="50000"/>
+              </a:spcBef>
+            </a:pPr>
+            <a:r>
+              <a:rPr lang="en-US" altLang="zh-CN" dirty="0">
+                <a:solidFill>
+                  <a:schemeClr val="bg1"/>
+                </a:solidFill>
+                <a:latin typeface="微软雅黑" pitchFamily="34" charset="-122"/>
+                <a:ea typeface="微软雅黑" pitchFamily="34" charset="-122"/>
+              </a:rPr>
+              <a:t>Web </a:t>
+            </a:r>
+          </a:p>
+          <a:p>
+            <a:pPr>
+              <a:lnSpc>
+                <a:spcPct val="80000"/>
+              </a:lnSpc>
+              <a:spcBef>
+                <a:spcPct val="50000"/>
+              </a:spcBef>
+            </a:pPr>
+            <a:r>
+              <a:rPr lang="en-US" altLang="zh-CN" dirty="0">
+                <a:solidFill>
+                  <a:schemeClr val="bg1"/>
+                </a:solidFill>
+                <a:latin typeface="微软雅黑" pitchFamily="34" charset="-122"/>
+                <a:ea typeface="微软雅黑" pitchFamily="34" charset="-122"/>
+              </a:rPr>
+              <a:t>Scrapping </a:t>
+            </a:r>
+            <a:endParaRPr lang="zh-CN" altLang="en-US" dirty="0">
+              <a:solidFill>
+                <a:schemeClr val="bg1"/>
+              </a:solidFill>
+              <a:latin typeface="微软雅黑" pitchFamily="34" charset="-122"/>
+              <a:ea typeface="微软雅黑" pitchFamily="34" charset="-122"/>
+            </a:endParaRPr>
+          </a:p>
+        </p:txBody>
+      </p:sp>
+      <p:sp>
+        <p:nvSpPr>
+          <p:cNvPr id="36" name="AutoShape 5"/>
+          <p:cNvSpPr>
+            <a:spLocks noChangeArrowheads="1"/>
+          </p:cNvSpPr>
+          <p:nvPr/>
+        </p:nvSpPr>
+        <p:spPr bwMode="auto">
+          <a:xfrm>
+            <a:off x="0" y="-3372"/>
+            <a:ext cx="9144000" cy="831850"/>
+          </a:xfrm>
+          <a:prstGeom prst="roundRect">
+            <a:avLst>
+              <a:gd name="adj" fmla="val 16667"/>
+            </a:avLst>
+          </a:prstGeom>
+          <a:solidFill>
+            <a:schemeClr val="accent1"/>
+          </a:solidFill>
+          <a:ln w="9525" cmpd="sng">
+            <a:solidFill>
+              <a:schemeClr val="bg1"/>
+            </a:solidFill>
+            <a:round/>
+            <a:headEnd/>
+            <a:tailEnd/>
+          </a:ln>
+        </p:spPr>
+        <p:txBody>
+          <a:bodyPr wrap="none" anchor="ctr"/>
+          <a:lstStyle/>
+          <a:p>
+            <a:pPr eaLnBrk="1" hangingPunct="1">
+              <a:buFontTx/>
+              <a:buNone/>
+            </a:pPr>
+            <a:r>
+              <a:rPr lang="en-US" altLang="zh-CN" sz="2800" dirty="0">
+                <a:ea typeface="微软雅黑" pitchFamily="34" charset="-122"/>
+              </a:rPr>
+              <a:t>      </a:t>
+            </a:r>
+            <a:r>
+              <a:rPr lang="en-US" altLang="zh-CN" sz="2800" dirty="0">
+                <a:solidFill>
+                  <a:schemeClr val="bg1"/>
+                </a:solidFill>
+                <a:ea typeface="微软雅黑" pitchFamily="34" charset="-122"/>
+              </a:rPr>
               <a:t>Skills Requirements vs Education Background</a:t>
             </a:r>
             <a:endParaRPr lang="zh-CN" altLang="en-US" sz="2800" dirty="0">
@@ -5501,6 +5861,89 @@
           </a:p>
         </p:txBody>
       </p:sp>
+      <p:pic>
+        <p:nvPicPr>
+          <p:cNvPr id="6" name="图片 9"/>
+          <p:cNvPicPr>
+            <a:picLocks noChangeAspect="1"/>
+          </p:cNvPicPr>
+          <p:nvPr/>
+        </p:nvPicPr>
+        <p:blipFill rotWithShape="1">
+          <a:blip r:embed="rId3">
+            <a:extLst>
+              <a:ext uri="{28A0092B-C50C-407E-A947-70E740481C1C}">
+                <a14:useLocalDpi xmlns:a14="http://schemas.microsoft.com/office/drawing/2010/main" val="0"/>
+              </a:ext>
+            </a:extLst>
+          </a:blip>
+          <a:srcRect r="3573"/>
+          <a:stretch/>
+        </p:blipFill>
+        <p:spPr>
+          <a:xfrm>
+            <a:off x="0" y="2478031"/>
+            <a:ext cx="4246038" cy="2973069"/>
+          </a:xfrm>
+          <a:prstGeom prst="rect">
+            <a:avLst/>
+          </a:prstGeom>
+        </p:spPr>
+      </p:pic>
+      <p:pic>
+        <p:nvPicPr>
+          <p:cNvPr id="7" name="图片 3"/>
+          <p:cNvPicPr/>
+          <p:nvPr/>
+        </p:nvPicPr>
+        <p:blipFill rotWithShape="1">
+          <a:blip r:embed="rId4">
+            <a:extLst>
+              <a:ext uri="{28A0092B-C50C-407E-A947-70E740481C1C}">
+                <a14:useLocalDpi xmlns:a14="http://schemas.microsoft.com/office/drawing/2010/main" val="0"/>
+              </a:ext>
+            </a:extLst>
+          </a:blip>
+          <a:srcRect l="-1" r="2171" b="1890"/>
+          <a:stretch/>
+        </p:blipFill>
+        <p:spPr>
+          <a:xfrm>
+            <a:off x="4507345" y="856700"/>
+            <a:ext cx="4091710" cy="2994864"/>
+          </a:xfrm>
+          <a:prstGeom prst="rect">
+            <a:avLst/>
+          </a:prstGeom>
+        </p:spPr>
+      </p:pic>
+      <p:pic>
+        <p:nvPicPr>
+          <p:cNvPr id="8" name="图片 4"/>
+          <p:cNvPicPr/>
+          <p:nvPr/>
+        </p:nvPicPr>
+        <p:blipFill rotWithShape="1">
+          <a:blip r:embed="rId5">
+            <a:extLst>
+              <a:ext uri="{28A0092B-C50C-407E-A947-70E740481C1C}">
+                <a14:useLocalDpi xmlns:a14="http://schemas.microsoft.com/office/drawing/2010/main" val="0"/>
+              </a:ext>
+            </a:extLst>
+          </a:blip>
+          <a:srcRect r="3910"/>
+          <a:stretch/>
+        </p:blipFill>
+        <p:spPr>
+          <a:xfrm>
+            <a:off x="4507345" y="3964565"/>
+            <a:ext cx="4163008" cy="2855555"/>
+          </a:xfrm>
+          <a:prstGeom prst="rect">
+            <a:avLst/>
+          </a:prstGeom>
+        </p:spPr>
+      </p:pic>
     </p:spTree>
     <p:extLst>
       <p:ext uri="{BB962C8B-B14F-4D97-AF65-F5344CB8AC3E}">
@@ -5515,7 +5958,7 @@
 </p:sld>
 </file>
 
-<file path=ppt/slides/slide11.xml><?xml version="1.0" encoding="utf-8"?>
+<file path=ppt/slides/slide12.xml><?xml version="1.0" encoding="utf-8"?>
 <p:sld xmlns:a="http://schemas.openxmlformats.org/drawingml/2006/main" xmlns:r="http://schemas.openxmlformats.org/officeDocument/2006/relationships" xmlns:p="http://schemas.openxmlformats.org/presentationml/2006/main">
   <p:cSld>
     <p:spTree>
@@ -5845,7 +6288,7 @@
 </p:sld>
 </file>
 
-<file path=ppt/slides/slide12.xml><?xml version="1.0" encoding="utf-8"?>
+<file path=ppt/slides/slide13.xml><?xml version="1.0" encoding="utf-8"?>
 <p:sld xmlns:a="http://schemas.openxmlformats.org/drawingml/2006/main" xmlns:r="http://schemas.openxmlformats.org/officeDocument/2006/relationships" xmlns:p="http://schemas.openxmlformats.org/presentationml/2006/main">
   <p:cSld>
     <p:spTree>
@@ -7202,7 +7645,7 @@
 </p:sld>
 </file>
 
-<file path=ppt/slides/slide13.xml><?xml version="1.0" encoding="utf-8"?>
+<file path=ppt/slides/slide14.xml><?xml version="1.0" encoding="utf-8"?>
 <p:sld xmlns:a="http://schemas.openxmlformats.org/drawingml/2006/main" xmlns:r="http://schemas.openxmlformats.org/officeDocument/2006/relationships" xmlns:p="http://schemas.openxmlformats.org/presentationml/2006/main">
   <p:cSld>
     <p:spTree>
@@ -14085,16 +14528,3137 @@
           </a:p>
         </p:txBody>
       </p:sp>
+      <p:graphicFrame>
+        <p:nvGraphicFramePr>
+          <p:cNvPr id="5" name="Table 4"/>
+          <p:cNvGraphicFramePr>
+            <a:graphicFrameLocks noGrp="1"/>
+          </p:cNvGraphicFramePr>
+          <p:nvPr>
+            <p:extLst>
+              <p:ext uri="{D42A27DB-BD31-4B8C-83A1-F6EECF244321}">
+                <p14:modId xmlns:p14="http://schemas.microsoft.com/office/powerpoint/2010/main" val="2907785595"/>
+              </p:ext>
+            </p:extLst>
+          </p:nvPr>
+        </p:nvGraphicFramePr>
+        <p:xfrm>
+          <a:off x="804038" y="2222501"/>
+          <a:ext cx="7535924" cy="4354715"/>
+        </p:xfrm>
+        <a:graphic>
+          <a:graphicData uri="http://schemas.openxmlformats.org/drawingml/2006/table">
+            <a:tbl>
+              <a:tblPr/>
+              <a:tblGrid>
+                <a:gridCol w="1883981">
+                  <a:extLst>
+                    <a:ext uri="{9D8B030D-6E8A-4147-A177-3AD203B41FA5}">
+                      <a16:colId xmlns:a16="http://schemas.microsoft.com/office/drawing/2014/main" val="1858275429"/>
+                    </a:ext>
+                  </a:extLst>
+                </a:gridCol>
+                <a:gridCol w="1883981">
+                  <a:extLst>
+                    <a:ext uri="{9D8B030D-6E8A-4147-A177-3AD203B41FA5}">
+                      <a16:colId xmlns:a16="http://schemas.microsoft.com/office/drawing/2014/main" val="947475530"/>
+                    </a:ext>
+                  </a:extLst>
+                </a:gridCol>
+                <a:gridCol w="1883981">
+                  <a:extLst>
+                    <a:ext uri="{9D8B030D-6E8A-4147-A177-3AD203B41FA5}">
+                      <a16:colId xmlns:a16="http://schemas.microsoft.com/office/drawing/2014/main" val="1294555838"/>
+                    </a:ext>
+                  </a:extLst>
+                </a:gridCol>
+                <a:gridCol w="1883981">
+                  <a:extLst>
+                    <a:ext uri="{9D8B030D-6E8A-4147-A177-3AD203B41FA5}">
+                      <a16:colId xmlns:a16="http://schemas.microsoft.com/office/drawing/2014/main" val="2560685005"/>
+                    </a:ext>
+                  </a:extLst>
+                </a:gridCol>
+              </a:tblGrid>
+              <a:tr h="499065">
+                <a:tc>
+                  <a:txBody>
+                    <a:bodyPr/>
+                    <a:lstStyle/>
+                    <a:p>
+                      <a:pPr algn="ctr" fontAlgn="b"/>
+                      <a:r>
+                        <a:rPr lang="en-US" sz="2000" b="1" i="0" u="none" strike="noStrike" dirty="0">
+                          <a:solidFill>
+                            <a:schemeClr val="tx1"/>
+                          </a:solidFill>
+                          <a:effectLst/>
+                          <a:latin typeface="+mn-lt"/>
+                        </a:rPr>
+                        <a:t>skills</a:t>
+                      </a:r>
+                    </a:p>
+                  </a:txBody>
+                  <a:tcPr marL="6350" marR="6350" marT="6350" marB="0" anchor="ctr">
+                    <a:lnL w="12700" cap="flat" cmpd="sng" algn="ctr">
+                      <a:solidFill>
+                        <a:schemeClr val="tx1"/>
+                      </a:solidFill>
+                      <a:prstDash val="solid"/>
+                      <a:round/>
+                      <a:headEnd type="none" w="med" len="med"/>
+                      <a:tailEnd type="none" w="med" len="med"/>
+                    </a:lnL>
+                    <a:lnR w="12700" cap="flat" cmpd="sng" algn="ctr">
+                      <a:solidFill>
+                        <a:schemeClr val="tx1"/>
+                      </a:solidFill>
+                      <a:prstDash val="solid"/>
+                      <a:round/>
+                      <a:headEnd type="none" w="med" len="med"/>
+                      <a:tailEnd type="none" w="med" len="med"/>
+                    </a:lnR>
+                    <a:lnT w="12700" cap="flat" cmpd="sng" algn="ctr">
+                      <a:solidFill>
+                        <a:schemeClr val="tx1"/>
+                      </a:solidFill>
+                      <a:prstDash val="solid"/>
+                      <a:round/>
+                      <a:headEnd type="none" w="med" len="med"/>
+                      <a:tailEnd type="none" w="med" len="med"/>
+                    </a:lnT>
+                    <a:lnB w="12700" cap="flat" cmpd="sng" algn="ctr">
+                      <a:solidFill>
+                        <a:schemeClr val="tx1"/>
+                      </a:solidFill>
+                      <a:prstDash val="solid"/>
+                      <a:round/>
+                      <a:headEnd type="none" w="med" len="med"/>
+                      <a:tailEnd type="none" w="med" len="med"/>
+                    </a:lnB>
+                    <a:lnTlToBr w="12700" cmpd="sng">
+                      <a:noFill/>
+                      <a:prstDash val="solid"/>
+                    </a:lnTlToBr>
+                    <a:lnBlToTr w="12700" cmpd="sng">
+                      <a:noFill/>
+                      <a:prstDash val="solid"/>
+                    </a:lnBlToTr>
+                    <a:solidFill>
+                      <a:srgbClr val="5B9BD5"/>
+                    </a:solidFill>
+                  </a:tcPr>
+                </a:tc>
+                <a:tc>
+                  <a:txBody>
+                    <a:bodyPr/>
+                    <a:lstStyle/>
+                    <a:p>
+                      <a:pPr algn="ctr" fontAlgn="b"/>
+                      <a:r>
+                        <a:rPr lang="en-US" sz="2000" b="1" i="0" u="none" strike="noStrike" dirty="0" err="1">
+                          <a:solidFill>
+                            <a:schemeClr val="tx1"/>
+                          </a:solidFill>
+                          <a:effectLst/>
+                          <a:latin typeface="+mn-lt"/>
+                        </a:rPr>
+                        <a:t>idf</a:t>
+                      </a:r>
+                      <a:endParaRPr lang="en-US" sz="2000" b="1" i="0" u="none" strike="noStrike" dirty="0">
+                        <a:solidFill>
+                          <a:schemeClr val="tx1"/>
+                        </a:solidFill>
+                        <a:effectLst/>
+                        <a:latin typeface="+mn-lt"/>
+                      </a:endParaRPr>
+                    </a:p>
+                  </a:txBody>
+                  <a:tcPr marL="6350" marR="6350" marT="6350" marB="0" anchor="ctr">
+                    <a:lnL w="12700" cap="flat" cmpd="sng" algn="ctr">
+                      <a:solidFill>
+                        <a:schemeClr val="tx1"/>
+                      </a:solidFill>
+                      <a:prstDash val="solid"/>
+                      <a:round/>
+                      <a:headEnd type="none" w="med" len="med"/>
+                      <a:tailEnd type="none" w="med" len="med"/>
+                    </a:lnL>
+                    <a:lnR w="12700" cap="flat" cmpd="sng" algn="ctr">
+                      <a:solidFill>
+                        <a:schemeClr val="tx1"/>
+                      </a:solidFill>
+                      <a:prstDash val="solid"/>
+                      <a:round/>
+                      <a:headEnd type="none" w="med" len="med"/>
+                      <a:tailEnd type="none" w="med" len="med"/>
+                    </a:lnR>
+                    <a:lnT w="12700" cap="flat" cmpd="sng" algn="ctr">
+                      <a:solidFill>
+                        <a:schemeClr val="tx1"/>
+                      </a:solidFill>
+                      <a:prstDash val="solid"/>
+                      <a:round/>
+                      <a:headEnd type="none" w="med" len="med"/>
+                      <a:tailEnd type="none" w="med" len="med"/>
+                    </a:lnT>
+                    <a:lnB w="12700" cap="flat" cmpd="sng" algn="ctr">
+                      <a:solidFill>
+                        <a:schemeClr val="tx1"/>
+                      </a:solidFill>
+                      <a:prstDash val="solid"/>
+                      <a:round/>
+                      <a:headEnd type="none" w="med" len="med"/>
+                      <a:tailEnd type="none" w="med" len="med"/>
+                    </a:lnB>
+                    <a:lnTlToBr w="12700" cmpd="sng">
+                      <a:noFill/>
+                      <a:prstDash val="solid"/>
+                    </a:lnTlToBr>
+                    <a:lnBlToTr w="12700" cmpd="sng">
+                      <a:noFill/>
+                      <a:prstDash val="solid"/>
+                    </a:lnBlToTr>
+                    <a:solidFill>
+                      <a:srgbClr val="5B9BD5"/>
+                    </a:solidFill>
+                  </a:tcPr>
+                </a:tc>
+                <a:tc>
+                  <a:txBody>
+                    <a:bodyPr/>
+                    <a:lstStyle/>
+                    <a:p>
+                      <a:pPr algn="ctr" fontAlgn="b"/>
+                      <a:r>
+                        <a:rPr lang="en-US" sz="2000" b="1" i="0" u="none" strike="noStrike" dirty="0">
+                          <a:solidFill>
+                            <a:schemeClr val="tx1"/>
+                          </a:solidFill>
+                          <a:effectLst/>
+                          <a:latin typeface="+mn-lt"/>
+                        </a:rPr>
+                        <a:t>skills</a:t>
+                      </a:r>
+                    </a:p>
+                  </a:txBody>
+                  <a:tcPr marL="6350" marR="6350" marT="6350" marB="0" anchor="ctr">
+                    <a:lnL w="12700" cap="flat" cmpd="sng" algn="ctr">
+                      <a:solidFill>
+                        <a:schemeClr val="tx1"/>
+                      </a:solidFill>
+                      <a:prstDash val="solid"/>
+                      <a:round/>
+                      <a:headEnd type="none" w="med" len="med"/>
+                      <a:tailEnd type="none" w="med" len="med"/>
+                    </a:lnL>
+                    <a:lnR w="12700" cap="flat" cmpd="sng" algn="ctr">
+                      <a:solidFill>
+                        <a:schemeClr val="tx1"/>
+                      </a:solidFill>
+                      <a:prstDash val="solid"/>
+                      <a:round/>
+                      <a:headEnd type="none" w="med" len="med"/>
+                      <a:tailEnd type="none" w="med" len="med"/>
+                    </a:lnR>
+                    <a:lnT w="12700" cap="flat" cmpd="sng" algn="ctr">
+                      <a:solidFill>
+                        <a:schemeClr val="tx1"/>
+                      </a:solidFill>
+                      <a:prstDash val="solid"/>
+                      <a:round/>
+                      <a:headEnd type="none" w="med" len="med"/>
+                      <a:tailEnd type="none" w="med" len="med"/>
+                    </a:lnT>
+                    <a:lnB w="12700" cap="flat" cmpd="sng" algn="ctr">
+                      <a:solidFill>
+                        <a:schemeClr val="tx1"/>
+                      </a:solidFill>
+                      <a:prstDash val="solid"/>
+                      <a:round/>
+                      <a:headEnd type="none" w="med" len="med"/>
+                      <a:tailEnd type="none" w="med" len="med"/>
+                    </a:lnB>
+                    <a:lnTlToBr w="12700" cmpd="sng">
+                      <a:noFill/>
+                      <a:prstDash val="solid"/>
+                    </a:lnTlToBr>
+                    <a:lnBlToTr w="12700" cmpd="sng">
+                      <a:noFill/>
+                      <a:prstDash val="solid"/>
+                    </a:lnBlToTr>
+                    <a:solidFill>
+                      <a:srgbClr val="5B9BD5"/>
+                    </a:solidFill>
+                  </a:tcPr>
+                </a:tc>
+                <a:tc>
+                  <a:txBody>
+                    <a:bodyPr/>
+                    <a:lstStyle/>
+                    <a:p>
+                      <a:pPr algn="ctr" fontAlgn="b"/>
+                      <a:r>
+                        <a:rPr lang="en-US" sz="2000" b="1" i="0" u="none" strike="noStrike" dirty="0" err="1">
+                          <a:solidFill>
+                            <a:schemeClr val="tx1"/>
+                          </a:solidFill>
+                          <a:effectLst/>
+                          <a:latin typeface="+mn-lt"/>
+                        </a:rPr>
+                        <a:t>idf</a:t>
+                      </a:r>
+                      <a:endParaRPr lang="en-US" sz="2000" b="1" i="0" u="none" strike="noStrike" dirty="0">
+                        <a:solidFill>
+                          <a:schemeClr val="tx1"/>
+                        </a:solidFill>
+                        <a:effectLst/>
+                        <a:latin typeface="+mn-lt"/>
+                      </a:endParaRPr>
+                    </a:p>
+                  </a:txBody>
+                  <a:tcPr marL="6350" marR="6350" marT="6350" marB="0" anchor="ctr">
+                    <a:lnL w="12700" cap="flat" cmpd="sng" algn="ctr">
+                      <a:solidFill>
+                        <a:schemeClr val="tx1"/>
+                      </a:solidFill>
+                      <a:prstDash val="solid"/>
+                      <a:round/>
+                      <a:headEnd type="none" w="med" len="med"/>
+                      <a:tailEnd type="none" w="med" len="med"/>
+                    </a:lnL>
+                    <a:lnR w="12700" cap="flat" cmpd="sng" algn="ctr">
+                      <a:solidFill>
+                        <a:schemeClr val="tx1"/>
+                      </a:solidFill>
+                      <a:prstDash val="solid"/>
+                      <a:round/>
+                      <a:headEnd type="none" w="med" len="med"/>
+                      <a:tailEnd type="none" w="med" len="med"/>
+                    </a:lnR>
+                    <a:lnT w="12700" cap="flat" cmpd="sng" algn="ctr">
+                      <a:solidFill>
+                        <a:schemeClr val="tx1"/>
+                      </a:solidFill>
+                      <a:prstDash val="solid"/>
+                      <a:round/>
+                      <a:headEnd type="none" w="med" len="med"/>
+                      <a:tailEnd type="none" w="med" len="med"/>
+                    </a:lnT>
+                    <a:lnB w="12700" cap="flat" cmpd="sng" algn="ctr">
+                      <a:solidFill>
+                        <a:schemeClr val="tx1"/>
+                      </a:solidFill>
+                      <a:prstDash val="solid"/>
+                      <a:round/>
+                      <a:headEnd type="none" w="med" len="med"/>
+                      <a:tailEnd type="none" w="med" len="med"/>
+                    </a:lnB>
+                    <a:lnTlToBr w="12700" cmpd="sng">
+                      <a:noFill/>
+                      <a:prstDash val="solid"/>
+                    </a:lnTlToBr>
+                    <a:lnBlToTr w="12700" cmpd="sng">
+                      <a:noFill/>
+                      <a:prstDash val="solid"/>
+                    </a:lnBlToTr>
+                    <a:solidFill>
+                      <a:srgbClr val="5B9BD5"/>
+                    </a:solidFill>
+                  </a:tcPr>
+                </a:tc>
+                <a:extLst>
+                  <a:ext uri="{0D108BD9-81ED-4DB2-BD59-A6C34878D82A}">
+                    <a16:rowId xmlns:a16="http://schemas.microsoft.com/office/drawing/2014/main" val="3990770405"/>
+                  </a:ext>
+                </a:extLst>
+              </a:tr>
+              <a:tr h="385565">
+                <a:tc>
+                  <a:txBody>
+                    <a:bodyPr/>
+                    <a:lstStyle/>
+                    <a:p>
+                      <a:pPr algn="ctr" fontAlgn="b"/>
+                      <a:r>
+                        <a:rPr lang="en-US" sz="2000" b="0" i="0" u="none" strike="noStrike" dirty="0">
+                          <a:solidFill>
+                            <a:schemeClr val="tx1"/>
+                          </a:solidFill>
+                          <a:effectLst/>
+                          <a:latin typeface="+mn-lt"/>
+                        </a:rPr>
+                        <a:t>r</a:t>
+                      </a:r>
+                    </a:p>
+                  </a:txBody>
+                  <a:tcPr marL="6350" marR="6350" marT="6350" marB="0" anchor="ctr">
+                    <a:lnL w="12700" cap="flat" cmpd="sng" algn="ctr">
+                      <a:solidFill>
+                        <a:schemeClr val="tx1"/>
+                      </a:solidFill>
+                      <a:prstDash val="solid"/>
+                      <a:round/>
+                      <a:headEnd type="none" w="med" len="med"/>
+                      <a:tailEnd type="none" w="med" len="med"/>
+                    </a:lnL>
+                    <a:lnR w="12700" cap="flat" cmpd="sng" algn="ctr">
+                      <a:solidFill>
+                        <a:schemeClr val="tx1"/>
+                      </a:solidFill>
+                      <a:prstDash val="solid"/>
+                      <a:round/>
+                      <a:headEnd type="none" w="med" len="med"/>
+                      <a:tailEnd type="none" w="med" len="med"/>
+                    </a:lnR>
+                    <a:lnT w="12700" cap="flat" cmpd="sng" algn="ctr">
+                      <a:solidFill>
+                        <a:schemeClr val="tx1"/>
+                      </a:solidFill>
+                      <a:prstDash val="solid"/>
+                      <a:round/>
+                      <a:headEnd type="none" w="med" len="med"/>
+                      <a:tailEnd type="none" w="med" len="med"/>
+                    </a:lnT>
+                    <a:lnB w="12700" cap="flat" cmpd="sng" algn="ctr">
+                      <a:solidFill>
+                        <a:schemeClr val="tx1"/>
+                      </a:solidFill>
+                      <a:prstDash val="solid"/>
+                      <a:round/>
+                      <a:headEnd type="none" w="med" len="med"/>
+                      <a:tailEnd type="none" w="med" len="med"/>
+                    </a:lnB>
+                    <a:lnTlToBr w="12700" cmpd="sng">
+                      <a:noFill/>
+                      <a:prstDash val="solid"/>
+                    </a:lnTlToBr>
+                    <a:lnBlToTr w="12700" cmpd="sng">
+                      <a:noFill/>
+                      <a:prstDash val="solid"/>
+                    </a:lnBlToTr>
+                    <a:solidFill>
+                      <a:srgbClr val="DDEBF7"/>
+                    </a:solidFill>
+                  </a:tcPr>
+                </a:tc>
+                <a:tc>
+                  <a:txBody>
+                    <a:bodyPr/>
+                    <a:lstStyle/>
+                    <a:p>
+                      <a:pPr algn="ctr" fontAlgn="b"/>
+                      <a:r>
+                        <a:rPr lang="en-US" sz="2000" b="0" i="0" u="none" strike="noStrike" dirty="0">
+                          <a:solidFill>
+                            <a:schemeClr val="tx1"/>
+                          </a:solidFill>
+                          <a:effectLst/>
+                          <a:latin typeface="+mn-lt"/>
+                        </a:rPr>
+                        <a:t>1.54</a:t>
+                      </a:r>
+                    </a:p>
+                  </a:txBody>
+                  <a:tcPr marL="6350" marR="6350" marT="6350" marB="0" anchor="ctr">
+                    <a:lnL w="12700" cap="flat" cmpd="sng" algn="ctr">
+                      <a:solidFill>
+                        <a:schemeClr val="tx1"/>
+                      </a:solidFill>
+                      <a:prstDash val="solid"/>
+                      <a:round/>
+                      <a:headEnd type="none" w="med" len="med"/>
+                      <a:tailEnd type="none" w="med" len="med"/>
+                    </a:lnL>
+                    <a:lnR w="12700" cap="flat" cmpd="sng" algn="ctr">
+                      <a:solidFill>
+                        <a:schemeClr val="tx1"/>
+                      </a:solidFill>
+                      <a:prstDash val="solid"/>
+                      <a:round/>
+                      <a:headEnd type="none" w="med" len="med"/>
+                      <a:tailEnd type="none" w="med" len="med"/>
+                    </a:lnR>
+                    <a:lnT w="12700" cap="flat" cmpd="sng" algn="ctr">
+                      <a:solidFill>
+                        <a:schemeClr val="tx1"/>
+                      </a:solidFill>
+                      <a:prstDash val="solid"/>
+                      <a:round/>
+                      <a:headEnd type="none" w="med" len="med"/>
+                      <a:tailEnd type="none" w="med" len="med"/>
+                    </a:lnT>
+                    <a:lnB w="12700" cap="flat" cmpd="sng" algn="ctr">
+                      <a:solidFill>
+                        <a:schemeClr val="tx1"/>
+                      </a:solidFill>
+                      <a:prstDash val="solid"/>
+                      <a:round/>
+                      <a:headEnd type="none" w="med" len="med"/>
+                      <a:tailEnd type="none" w="med" len="med"/>
+                    </a:lnB>
+                    <a:lnTlToBr w="12700" cmpd="sng">
+                      <a:noFill/>
+                      <a:prstDash val="solid"/>
+                    </a:lnTlToBr>
+                    <a:lnBlToTr w="12700" cmpd="sng">
+                      <a:noFill/>
+                      <a:prstDash val="solid"/>
+                    </a:lnBlToTr>
+                    <a:solidFill>
+                      <a:srgbClr val="DDEBF7"/>
+                    </a:solidFill>
+                  </a:tcPr>
+                </a:tc>
+                <a:tc>
+                  <a:txBody>
+                    <a:bodyPr/>
+                    <a:lstStyle/>
+                    <a:p>
+                      <a:pPr algn="ctr" fontAlgn="b"/>
+                      <a:r>
+                        <a:rPr lang="en-US" sz="2000" b="0" i="0" u="none" strike="noStrike">
+                          <a:solidFill>
+                            <a:schemeClr val="tx1"/>
+                          </a:solidFill>
+                          <a:effectLst/>
+                          <a:latin typeface="+mn-lt"/>
+                        </a:rPr>
+                        <a:t>spark</a:t>
+                      </a:r>
+                    </a:p>
+                  </a:txBody>
+                  <a:tcPr marL="6350" marR="6350" marT="6350" marB="0" anchor="ctr">
+                    <a:lnL w="12700" cap="flat" cmpd="sng" algn="ctr">
+                      <a:solidFill>
+                        <a:schemeClr val="tx1"/>
+                      </a:solidFill>
+                      <a:prstDash val="solid"/>
+                      <a:round/>
+                      <a:headEnd type="none" w="med" len="med"/>
+                      <a:tailEnd type="none" w="med" len="med"/>
+                    </a:lnL>
+                    <a:lnR w="12700" cap="flat" cmpd="sng" algn="ctr">
+                      <a:solidFill>
+                        <a:schemeClr val="tx1"/>
+                      </a:solidFill>
+                      <a:prstDash val="solid"/>
+                      <a:round/>
+                      <a:headEnd type="none" w="med" len="med"/>
+                      <a:tailEnd type="none" w="med" len="med"/>
+                    </a:lnR>
+                    <a:lnT w="12700" cap="flat" cmpd="sng" algn="ctr">
+                      <a:solidFill>
+                        <a:schemeClr val="tx1"/>
+                      </a:solidFill>
+                      <a:prstDash val="solid"/>
+                      <a:round/>
+                      <a:headEnd type="none" w="med" len="med"/>
+                      <a:tailEnd type="none" w="med" len="med"/>
+                    </a:lnT>
+                    <a:lnB w="12700" cap="flat" cmpd="sng" algn="ctr">
+                      <a:solidFill>
+                        <a:schemeClr val="tx1"/>
+                      </a:solidFill>
+                      <a:prstDash val="solid"/>
+                      <a:round/>
+                      <a:headEnd type="none" w="med" len="med"/>
+                      <a:tailEnd type="none" w="med" len="med"/>
+                    </a:lnB>
+                    <a:lnTlToBr w="12700" cmpd="sng">
+                      <a:noFill/>
+                      <a:prstDash val="solid"/>
+                    </a:lnTlToBr>
+                    <a:lnBlToTr w="12700" cmpd="sng">
+                      <a:noFill/>
+                      <a:prstDash val="solid"/>
+                    </a:lnBlToTr>
+                    <a:solidFill>
+                      <a:srgbClr val="DDEBF7"/>
+                    </a:solidFill>
+                  </a:tcPr>
+                </a:tc>
+                <a:tc>
+                  <a:txBody>
+                    <a:bodyPr/>
+                    <a:lstStyle/>
+                    <a:p>
+                      <a:pPr algn="ctr" fontAlgn="b"/>
+                      <a:r>
+                        <a:rPr lang="en-US" sz="2000" b="0" i="0" u="none" strike="noStrike">
+                          <a:solidFill>
+                            <a:schemeClr val="tx1"/>
+                          </a:solidFill>
+                          <a:effectLst/>
+                          <a:latin typeface="+mn-lt"/>
+                        </a:rPr>
+                        <a:t>4.34</a:t>
+                      </a:r>
+                    </a:p>
+                  </a:txBody>
+                  <a:tcPr marL="6350" marR="6350" marT="6350" marB="0" anchor="ctr">
+                    <a:lnL w="12700" cap="flat" cmpd="sng" algn="ctr">
+                      <a:solidFill>
+                        <a:schemeClr val="tx1"/>
+                      </a:solidFill>
+                      <a:prstDash val="solid"/>
+                      <a:round/>
+                      <a:headEnd type="none" w="med" len="med"/>
+                      <a:tailEnd type="none" w="med" len="med"/>
+                    </a:lnL>
+                    <a:lnR w="12700" cap="flat" cmpd="sng" algn="ctr">
+                      <a:solidFill>
+                        <a:schemeClr val="tx1"/>
+                      </a:solidFill>
+                      <a:prstDash val="solid"/>
+                      <a:round/>
+                      <a:headEnd type="none" w="med" len="med"/>
+                      <a:tailEnd type="none" w="med" len="med"/>
+                    </a:lnR>
+                    <a:lnT w="12700" cap="flat" cmpd="sng" algn="ctr">
+                      <a:solidFill>
+                        <a:schemeClr val="tx1"/>
+                      </a:solidFill>
+                      <a:prstDash val="solid"/>
+                      <a:round/>
+                      <a:headEnd type="none" w="med" len="med"/>
+                      <a:tailEnd type="none" w="med" len="med"/>
+                    </a:lnT>
+                    <a:lnB w="12700" cap="flat" cmpd="sng" algn="ctr">
+                      <a:solidFill>
+                        <a:schemeClr val="tx1"/>
+                      </a:solidFill>
+                      <a:prstDash val="solid"/>
+                      <a:round/>
+                      <a:headEnd type="none" w="med" len="med"/>
+                      <a:tailEnd type="none" w="med" len="med"/>
+                    </a:lnB>
+                    <a:lnTlToBr w="12700" cmpd="sng">
+                      <a:noFill/>
+                      <a:prstDash val="solid"/>
+                    </a:lnTlToBr>
+                    <a:lnBlToTr w="12700" cmpd="sng">
+                      <a:noFill/>
+                      <a:prstDash val="solid"/>
+                    </a:lnBlToTr>
+                    <a:solidFill>
+                      <a:srgbClr val="DDEBF7"/>
+                    </a:solidFill>
+                  </a:tcPr>
+                </a:tc>
+                <a:extLst>
+                  <a:ext uri="{0D108BD9-81ED-4DB2-BD59-A6C34878D82A}">
+                    <a16:rowId xmlns:a16="http://schemas.microsoft.com/office/drawing/2014/main" val="3970602715"/>
+                  </a:ext>
+                </a:extLst>
+              </a:tr>
+              <a:tr h="385565">
+                <a:tc>
+                  <a:txBody>
+                    <a:bodyPr/>
+                    <a:lstStyle/>
+                    <a:p>
+                      <a:pPr algn="ctr" fontAlgn="b"/>
+                      <a:r>
+                        <a:rPr lang="en-US" sz="2000" b="0" i="0" u="none" strike="noStrike" dirty="0" err="1">
+                          <a:solidFill>
+                            <a:schemeClr val="tx1"/>
+                          </a:solidFill>
+                          <a:effectLst/>
+                          <a:latin typeface="+mn-lt"/>
+                        </a:rPr>
+                        <a:t>sql</a:t>
+                      </a:r>
+                      <a:endParaRPr lang="en-US" sz="2000" b="0" i="0" u="none" strike="noStrike" dirty="0">
+                        <a:solidFill>
+                          <a:schemeClr val="tx1"/>
+                        </a:solidFill>
+                        <a:effectLst/>
+                        <a:latin typeface="+mn-lt"/>
+                      </a:endParaRPr>
+                    </a:p>
+                  </a:txBody>
+                  <a:tcPr marL="6350" marR="6350" marT="6350" marB="0" anchor="ctr">
+                    <a:lnL w="12700" cap="flat" cmpd="sng" algn="ctr">
+                      <a:solidFill>
+                        <a:schemeClr val="tx1"/>
+                      </a:solidFill>
+                      <a:prstDash val="solid"/>
+                      <a:round/>
+                      <a:headEnd type="none" w="med" len="med"/>
+                      <a:tailEnd type="none" w="med" len="med"/>
+                    </a:lnL>
+                    <a:lnR w="12700" cap="flat" cmpd="sng" algn="ctr">
+                      <a:solidFill>
+                        <a:schemeClr val="tx1"/>
+                      </a:solidFill>
+                      <a:prstDash val="solid"/>
+                      <a:round/>
+                      <a:headEnd type="none" w="med" len="med"/>
+                      <a:tailEnd type="none" w="med" len="med"/>
+                    </a:lnR>
+                    <a:lnT w="12700" cap="flat" cmpd="sng" algn="ctr">
+                      <a:solidFill>
+                        <a:schemeClr val="tx1"/>
+                      </a:solidFill>
+                      <a:prstDash val="solid"/>
+                      <a:round/>
+                      <a:headEnd type="none" w="med" len="med"/>
+                      <a:tailEnd type="none" w="med" len="med"/>
+                    </a:lnT>
+                    <a:lnB w="12700" cap="flat" cmpd="sng" algn="ctr">
+                      <a:solidFill>
+                        <a:schemeClr val="tx1"/>
+                      </a:solidFill>
+                      <a:prstDash val="solid"/>
+                      <a:round/>
+                      <a:headEnd type="none" w="med" len="med"/>
+                      <a:tailEnd type="none" w="med" len="med"/>
+                    </a:lnB>
+                    <a:lnTlToBr w="12700" cmpd="sng">
+                      <a:noFill/>
+                      <a:prstDash val="solid"/>
+                    </a:lnTlToBr>
+                    <a:lnBlToTr w="12700" cmpd="sng">
+                      <a:noFill/>
+                      <a:prstDash val="solid"/>
+                    </a:lnBlToTr>
+                  </a:tcPr>
+                </a:tc>
+                <a:tc>
+                  <a:txBody>
+                    <a:bodyPr/>
+                    <a:lstStyle/>
+                    <a:p>
+                      <a:pPr algn="ctr" fontAlgn="b"/>
+                      <a:r>
+                        <a:rPr lang="en-US" sz="2000" b="0" i="0" u="none" strike="noStrike" dirty="0">
+                          <a:solidFill>
+                            <a:schemeClr val="tx1"/>
+                          </a:solidFill>
+                          <a:effectLst/>
+                          <a:latin typeface="+mn-lt"/>
+                        </a:rPr>
+                        <a:t>1.86</a:t>
+                      </a:r>
+                    </a:p>
+                  </a:txBody>
+                  <a:tcPr marL="6350" marR="6350" marT="6350" marB="0" anchor="ctr">
+                    <a:lnL w="12700" cap="flat" cmpd="sng" algn="ctr">
+                      <a:solidFill>
+                        <a:schemeClr val="tx1"/>
+                      </a:solidFill>
+                      <a:prstDash val="solid"/>
+                      <a:round/>
+                      <a:headEnd type="none" w="med" len="med"/>
+                      <a:tailEnd type="none" w="med" len="med"/>
+                    </a:lnL>
+                    <a:lnR w="12700" cap="flat" cmpd="sng" algn="ctr">
+                      <a:solidFill>
+                        <a:schemeClr val="tx1"/>
+                      </a:solidFill>
+                      <a:prstDash val="solid"/>
+                      <a:round/>
+                      <a:headEnd type="none" w="med" len="med"/>
+                      <a:tailEnd type="none" w="med" len="med"/>
+                    </a:lnR>
+                    <a:lnT w="12700" cap="flat" cmpd="sng" algn="ctr">
+                      <a:solidFill>
+                        <a:schemeClr val="tx1"/>
+                      </a:solidFill>
+                      <a:prstDash val="solid"/>
+                      <a:round/>
+                      <a:headEnd type="none" w="med" len="med"/>
+                      <a:tailEnd type="none" w="med" len="med"/>
+                    </a:lnT>
+                    <a:lnB w="12700" cap="flat" cmpd="sng" algn="ctr">
+                      <a:solidFill>
+                        <a:schemeClr val="tx1"/>
+                      </a:solidFill>
+                      <a:prstDash val="solid"/>
+                      <a:round/>
+                      <a:headEnd type="none" w="med" len="med"/>
+                      <a:tailEnd type="none" w="med" len="med"/>
+                    </a:lnB>
+                    <a:lnTlToBr w="12700" cmpd="sng">
+                      <a:noFill/>
+                      <a:prstDash val="solid"/>
+                    </a:lnTlToBr>
+                    <a:lnBlToTr w="12700" cmpd="sng">
+                      <a:noFill/>
+                      <a:prstDash val="solid"/>
+                    </a:lnBlToTr>
+                  </a:tcPr>
+                </a:tc>
+                <a:tc>
+                  <a:txBody>
+                    <a:bodyPr/>
+                    <a:lstStyle/>
+                    <a:p>
+                      <a:pPr algn="ctr" fontAlgn="b"/>
+                      <a:r>
+                        <a:rPr lang="en-US" sz="2000" b="0" i="0" u="none" strike="noStrike" dirty="0" err="1">
+                          <a:solidFill>
+                            <a:schemeClr val="tx1"/>
+                          </a:solidFill>
+                          <a:effectLst/>
+                          <a:latin typeface="+mn-lt"/>
+                        </a:rPr>
+                        <a:t>mysql</a:t>
+                      </a:r>
+                      <a:endParaRPr lang="en-US" sz="2000" b="0" i="0" u="none" strike="noStrike" dirty="0">
+                        <a:solidFill>
+                          <a:schemeClr val="tx1"/>
+                        </a:solidFill>
+                        <a:effectLst/>
+                        <a:latin typeface="+mn-lt"/>
+                      </a:endParaRPr>
+                    </a:p>
+                  </a:txBody>
+                  <a:tcPr marL="6350" marR="6350" marT="6350" marB="0" anchor="ctr">
+                    <a:lnL w="12700" cap="flat" cmpd="sng" algn="ctr">
+                      <a:solidFill>
+                        <a:schemeClr val="tx1"/>
+                      </a:solidFill>
+                      <a:prstDash val="solid"/>
+                      <a:round/>
+                      <a:headEnd type="none" w="med" len="med"/>
+                      <a:tailEnd type="none" w="med" len="med"/>
+                    </a:lnL>
+                    <a:lnR w="12700" cap="flat" cmpd="sng" algn="ctr">
+                      <a:solidFill>
+                        <a:schemeClr val="tx1"/>
+                      </a:solidFill>
+                      <a:prstDash val="solid"/>
+                      <a:round/>
+                      <a:headEnd type="none" w="med" len="med"/>
+                      <a:tailEnd type="none" w="med" len="med"/>
+                    </a:lnR>
+                    <a:lnT w="12700" cap="flat" cmpd="sng" algn="ctr">
+                      <a:solidFill>
+                        <a:schemeClr val="tx1"/>
+                      </a:solidFill>
+                      <a:prstDash val="solid"/>
+                      <a:round/>
+                      <a:headEnd type="none" w="med" len="med"/>
+                      <a:tailEnd type="none" w="med" len="med"/>
+                    </a:lnT>
+                    <a:lnB w="12700" cap="flat" cmpd="sng" algn="ctr">
+                      <a:solidFill>
+                        <a:schemeClr val="tx1"/>
+                      </a:solidFill>
+                      <a:prstDash val="solid"/>
+                      <a:round/>
+                      <a:headEnd type="none" w="med" len="med"/>
+                      <a:tailEnd type="none" w="med" len="med"/>
+                    </a:lnB>
+                    <a:lnTlToBr w="12700" cmpd="sng">
+                      <a:noFill/>
+                      <a:prstDash val="solid"/>
+                    </a:lnTlToBr>
+                    <a:lnBlToTr w="12700" cmpd="sng">
+                      <a:noFill/>
+                      <a:prstDash val="solid"/>
+                    </a:lnBlToTr>
+                  </a:tcPr>
+                </a:tc>
+                <a:tc>
+                  <a:txBody>
+                    <a:bodyPr/>
+                    <a:lstStyle/>
+                    <a:p>
+                      <a:pPr algn="ctr" fontAlgn="b"/>
+                      <a:r>
+                        <a:rPr lang="en-US" sz="2000" b="0" i="0" u="none" strike="noStrike">
+                          <a:solidFill>
+                            <a:schemeClr val="tx1"/>
+                          </a:solidFill>
+                          <a:effectLst/>
+                          <a:latin typeface="+mn-lt"/>
+                        </a:rPr>
+                        <a:t>5.4</a:t>
+                      </a:r>
+                    </a:p>
+                  </a:txBody>
+                  <a:tcPr marL="6350" marR="6350" marT="6350" marB="0" anchor="ctr">
+                    <a:lnL w="12700" cap="flat" cmpd="sng" algn="ctr">
+                      <a:solidFill>
+                        <a:schemeClr val="tx1"/>
+                      </a:solidFill>
+                      <a:prstDash val="solid"/>
+                      <a:round/>
+                      <a:headEnd type="none" w="med" len="med"/>
+                      <a:tailEnd type="none" w="med" len="med"/>
+                    </a:lnL>
+                    <a:lnR w="12700" cap="flat" cmpd="sng" algn="ctr">
+                      <a:solidFill>
+                        <a:schemeClr val="tx1"/>
+                      </a:solidFill>
+                      <a:prstDash val="solid"/>
+                      <a:round/>
+                      <a:headEnd type="none" w="med" len="med"/>
+                      <a:tailEnd type="none" w="med" len="med"/>
+                    </a:lnR>
+                    <a:lnT w="12700" cap="flat" cmpd="sng" algn="ctr">
+                      <a:solidFill>
+                        <a:schemeClr val="tx1"/>
+                      </a:solidFill>
+                      <a:prstDash val="solid"/>
+                      <a:round/>
+                      <a:headEnd type="none" w="med" len="med"/>
+                      <a:tailEnd type="none" w="med" len="med"/>
+                    </a:lnT>
+                    <a:lnB w="12700" cap="flat" cmpd="sng" algn="ctr">
+                      <a:solidFill>
+                        <a:schemeClr val="tx1"/>
+                      </a:solidFill>
+                      <a:prstDash val="solid"/>
+                      <a:round/>
+                      <a:headEnd type="none" w="med" len="med"/>
+                      <a:tailEnd type="none" w="med" len="med"/>
+                    </a:lnB>
+                    <a:lnTlToBr w="12700" cmpd="sng">
+                      <a:noFill/>
+                      <a:prstDash val="solid"/>
+                    </a:lnTlToBr>
+                    <a:lnBlToTr w="12700" cmpd="sng">
+                      <a:noFill/>
+                      <a:prstDash val="solid"/>
+                    </a:lnBlToTr>
+                  </a:tcPr>
+                </a:tc>
+                <a:extLst>
+                  <a:ext uri="{0D108BD9-81ED-4DB2-BD59-A6C34878D82A}">
+                    <a16:rowId xmlns:a16="http://schemas.microsoft.com/office/drawing/2014/main" val="2719594484"/>
+                  </a:ext>
+                </a:extLst>
+              </a:tr>
+              <a:tr h="385565">
+                <a:tc>
+                  <a:txBody>
+                    <a:bodyPr/>
+                    <a:lstStyle/>
+                    <a:p>
+                      <a:pPr algn="ctr" fontAlgn="b"/>
+                      <a:r>
+                        <a:rPr lang="en-US" sz="2000" b="0" i="0" u="none" strike="noStrike">
+                          <a:solidFill>
+                            <a:schemeClr val="tx1"/>
+                          </a:solidFill>
+                          <a:effectLst/>
+                          <a:latin typeface="+mn-lt"/>
+                        </a:rPr>
+                        <a:t>excel</a:t>
+                      </a:r>
+                    </a:p>
+                  </a:txBody>
+                  <a:tcPr marL="6350" marR="6350" marT="6350" marB="0" anchor="ctr">
+                    <a:lnL w="12700" cap="flat" cmpd="sng" algn="ctr">
+                      <a:solidFill>
+                        <a:schemeClr val="tx1"/>
+                      </a:solidFill>
+                      <a:prstDash val="solid"/>
+                      <a:round/>
+                      <a:headEnd type="none" w="med" len="med"/>
+                      <a:tailEnd type="none" w="med" len="med"/>
+                    </a:lnL>
+                    <a:lnR w="12700" cap="flat" cmpd="sng" algn="ctr">
+                      <a:solidFill>
+                        <a:schemeClr val="tx1"/>
+                      </a:solidFill>
+                      <a:prstDash val="solid"/>
+                      <a:round/>
+                      <a:headEnd type="none" w="med" len="med"/>
+                      <a:tailEnd type="none" w="med" len="med"/>
+                    </a:lnR>
+                    <a:lnT w="12700" cap="flat" cmpd="sng" algn="ctr">
+                      <a:solidFill>
+                        <a:schemeClr val="tx1"/>
+                      </a:solidFill>
+                      <a:prstDash val="solid"/>
+                      <a:round/>
+                      <a:headEnd type="none" w="med" len="med"/>
+                      <a:tailEnd type="none" w="med" len="med"/>
+                    </a:lnT>
+                    <a:lnB w="12700" cap="flat" cmpd="sng" algn="ctr">
+                      <a:solidFill>
+                        <a:schemeClr val="tx1"/>
+                      </a:solidFill>
+                      <a:prstDash val="solid"/>
+                      <a:round/>
+                      <a:headEnd type="none" w="med" len="med"/>
+                      <a:tailEnd type="none" w="med" len="med"/>
+                    </a:lnB>
+                    <a:lnTlToBr w="12700" cmpd="sng">
+                      <a:noFill/>
+                      <a:prstDash val="solid"/>
+                    </a:lnTlToBr>
+                    <a:lnBlToTr w="12700" cmpd="sng">
+                      <a:noFill/>
+                      <a:prstDash val="solid"/>
+                    </a:lnBlToTr>
+                    <a:solidFill>
+                      <a:srgbClr val="DDEBF7"/>
+                    </a:solidFill>
+                  </a:tcPr>
+                </a:tc>
+                <a:tc>
+                  <a:txBody>
+                    <a:bodyPr/>
+                    <a:lstStyle/>
+                    <a:p>
+                      <a:pPr algn="ctr" fontAlgn="b"/>
+                      <a:r>
+                        <a:rPr lang="en-US" sz="2000" b="0" i="0" u="none" strike="noStrike" dirty="0">
+                          <a:solidFill>
+                            <a:schemeClr val="tx1"/>
+                          </a:solidFill>
+                          <a:effectLst/>
+                          <a:latin typeface="+mn-lt"/>
+                        </a:rPr>
+                        <a:t>2.12</a:t>
+                      </a:r>
+                    </a:p>
+                  </a:txBody>
+                  <a:tcPr marL="6350" marR="6350" marT="6350" marB="0" anchor="ctr">
+                    <a:lnL w="12700" cap="flat" cmpd="sng" algn="ctr">
+                      <a:solidFill>
+                        <a:schemeClr val="tx1"/>
+                      </a:solidFill>
+                      <a:prstDash val="solid"/>
+                      <a:round/>
+                      <a:headEnd type="none" w="med" len="med"/>
+                      <a:tailEnd type="none" w="med" len="med"/>
+                    </a:lnL>
+                    <a:lnR w="12700" cap="flat" cmpd="sng" algn="ctr">
+                      <a:solidFill>
+                        <a:schemeClr val="tx1"/>
+                      </a:solidFill>
+                      <a:prstDash val="solid"/>
+                      <a:round/>
+                      <a:headEnd type="none" w="med" len="med"/>
+                      <a:tailEnd type="none" w="med" len="med"/>
+                    </a:lnR>
+                    <a:lnT w="12700" cap="flat" cmpd="sng" algn="ctr">
+                      <a:solidFill>
+                        <a:schemeClr val="tx1"/>
+                      </a:solidFill>
+                      <a:prstDash val="solid"/>
+                      <a:round/>
+                      <a:headEnd type="none" w="med" len="med"/>
+                      <a:tailEnd type="none" w="med" len="med"/>
+                    </a:lnT>
+                    <a:lnB w="12700" cap="flat" cmpd="sng" algn="ctr">
+                      <a:solidFill>
+                        <a:schemeClr val="tx1"/>
+                      </a:solidFill>
+                      <a:prstDash val="solid"/>
+                      <a:round/>
+                      <a:headEnd type="none" w="med" len="med"/>
+                      <a:tailEnd type="none" w="med" len="med"/>
+                    </a:lnB>
+                    <a:lnTlToBr w="12700" cmpd="sng">
+                      <a:noFill/>
+                      <a:prstDash val="solid"/>
+                    </a:lnTlToBr>
+                    <a:lnBlToTr w="12700" cmpd="sng">
+                      <a:noFill/>
+                      <a:prstDash val="solid"/>
+                    </a:lnBlToTr>
+                    <a:solidFill>
+                      <a:srgbClr val="DDEBF7"/>
+                    </a:solidFill>
+                  </a:tcPr>
+                </a:tc>
+                <a:tc>
+                  <a:txBody>
+                    <a:bodyPr/>
+                    <a:lstStyle/>
+                    <a:p>
+                      <a:pPr algn="ctr" fontAlgn="b"/>
+                      <a:r>
+                        <a:rPr lang="en-US" sz="2000" b="0" i="0" u="none" strike="noStrike" dirty="0">
+                          <a:solidFill>
+                            <a:schemeClr val="tx1"/>
+                          </a:solidFill>
+                          <a:effectLst/>
+                          <a:latin typeface="+mn-lt"/>
+                        </a:rPr>
+                        <a:t>java</a:t>
+                      </a:r>
+                    </a:p>
+                  </a:txBody>
+                  <a:tcPr marL="6350" marR="6350" marT="6350" marB="0" anchor="ctr">
+                    <a:lnL w="12700" cap="flat" cmpd="sng" algn="ctr">
+                      <a:solidFill>
+                        <a:schemeClr val="tx1"/>
+                      </a:solidFill>
+                      <a:prstDash val="solid"/>
+                      <a:round/>
+                      <a:headEnd type="none" w="med" len="med"/>
+                      <a:tailEnd type="none" w="med" len="med"/>
+                    </a:lnL>
+                    <a:lnR w="12700" cap="flat" cmpd="sng" algn="ctr">
+                      <a:solidFill>
+                        <a:schemeClr val="tx1"/>
+                      </a:solidFill>
+                      <a:prstDash val="solid"/>
+                      <a:round/>
+                      <a:headEnd type="none" w="med" len="med"/>
+                      <a:tailEnd type="none" w="med" len="med"/>
+                    </a:lnR>
+                    <a:lnT w="12700" cap="flat" cmpd="sng" algn="ctr">
+                      <a:solidFill>
+                        <a:schemeClr val="tx1"/>
+                      </a:solidFill>
+                      <a:prstDash val="solid"/>
+                      <a:round/>
+                      <a:headEnd type="none" w="med" len="med"/>
+                      <a:tailEnd type="none" w="med" len="med"/>
+                    </a:lnT>
+                    <a:lnB w="12700" cap="flat" cmpd="sng" algn="ctr">
+                      <a:solidFill>
+                        <a:schemeClr val="tx1"/>
+                      </a:solidFill>
+                      <a:prstDash val="solid"/>
+                      <a:round/>
+                      <a:headEnd type="none" w="med" len="med"/>
+                      <a:tailEnd type="none" w="med" len="med"/>
+                    </a:lnB>
+                    <a:lnTlToBr w="12700" cmpd="sng">
+                      <a:noFill/>
+                      <a:prstDash val="solid"/>
+                    </a:lnTlToBr>
+                    <a:lnBlToTr w="12700" cmpd="sng">
+                      <a:noFill/>
+                      <a:prstDash val="solid"/>
+                    </a:lnBlToTr>
+                    <a:solidFill>
+                      <a:srgbClr val="DDEBF7"/>
+                    </a:solidFill>
+                  </a:tcPr>
+                </a:tc>
+                <a:tc>
+                  <a:txBody>
+                    <a:bodyPr/>
+                    <a:lstStyle/>
+                    <a:p>
+                      <a:pPr algn="ctr" fontAlgn="b"/>
+                      <a:r>
+                        <a:rPr lang="en-US" sz="2000" b="0" i="0" u="none" strike="noStrike">
+                          <a:solidFill>
+                            <a:schemeClr val="tx1"/>
+                          </a:solidFill>
+                          <a:effectLst/>
+                          <a:latin typeface="+mn-lt"/>
+                        </a:rPr>
+                        <a:t>5.42</a:t>
+                      </a:r>
+                    </a:p>
+                  </a:txBody>
+                  <a:tcPr marL="6350" marR="6350" marT="6350" marB="0" anchor="ctr">
+                    <a:lnL w="12700" cap="flat" cmpd="sng" algn="ctr">
+                      <a:solidFill>
+                        <a:schemeClr val="tx1"/>
+                      </a:solidFill>
+                      <a:prstDash val="solid"/>
+                      <a:round/>
+                      <a:headEnd type="none" w="med" len="med"/>
+                      <a:tailEnd type="none" w="med" len="med"/>
+                    </a:lnL>
+                    <a:lnR w="12700" cap="flat" cmpd="sng" algn="ctr">
+                      <a:solidFill>
+                        <a:schemeClr val="tx1"/>
+                      </a:solidFill>
+                      <a:prstDash val="solid"/>
+                      <a:round/>
+                      <a:headEnd type="none" w="med" len="med"/>
+                      <a:tailEnd type="none" w="med" len="med"/>
+                    </a:lnR>
+                    <a:lnT w="12700" cap="flat" cmpd="sng" algn="ctr">
+                      <a:solidFill>
+                        <a:schemeClr val="tx1"/>
+                      </a:solidFill>
+                      <a:prstDash val="solid"/>
+                      <a:round/>
+                      <a:headEnd type="none" w="med" len="med"/>
+                      <a:tailEnd type="none" w="med" len="med"/>
+                    </a:lnT>
+                    <a:lnB w="12700" cap="flat" cmpd="sng" algn="ctr">
+                      <a:solidFill>
+                        <a:schemeClr val="tx1"/>
+                      </a:solidFill>
+                      <a:prstDash val="solid"/>
+                      <a:round/>
+                      <a:headEnd type="none" w="med" len="med"/>
+                      <a:tailEnd type="none" w="med" len="med"/>
+                    </a:lnB>
+                    <a:lnTlToBr w="12700" cmpd="sng">
+                      <a:noFill/>
+                      <a:prstDash val="solid"/>
+                    </a:lnTlToBr>
+                    <a:lnBlToTr w="12700" cmpd="sng">
+                      <a:noFill/>
+                      <a:prstDash val="solid"/>
+                    </a:lnBlToTr>
+                    <a:solidFill>
+                      <a:srgbClr val="DDEBF7"/>
+                    </a:solidFill>
+                  </a:tcPr>
+                </a:tc>
+                <a:extLst>
+                  <a:ext uri="{0D108BD9-81ED-4DB2-BD59-A6C34878D82A}">
+                    <a16:rowId xmlns:a16="http://schemas.microsoft.com/office/drawing/2014/main" val="810167522"/>
+                  </a:ext>
+                </a:extLst>
+              </a:tr>
+              <a:tr h="385565">
+                <a:tc>
+                  <a:txBody>
+                    <a:bodyPr/>
+                    <a:lstStyle/>
+                    <a:p>
+                      <a:pPr algn="ctr" fontAlgn="b"/>
+                      <a:r>
+                        <a:rPr lang="en-US" sz="2000" b="0" i="0" u="none" strike="noStrike">
+                          <a:solidFill>
+                            <a:schemeClr val="tx1"/>
+                          </a:solidFill>
+                          <a:effectLst/>
+                          <a:latin typeface="+mn-lt"/>
+                        </a:rPr>
+                        <a:t>microsoft</a:t>
+                      </a:r>
+                    </a:p>
+                  </a:txBody>
+                  <a:tcPr marL="6350" marR="6350" marT="6350" marB="0" anchor="ctr">
+                    <a:lnL w="12700" cap="flat" cmpd="sng" algn="ctr">
+                      <a:solidFill>
+                        <a:schemeClr val="tx1"/>
+                      </a:solidFill>
+                      <a:prstDash val="solid"/>
+                      <a:round/>
+                      <a:headEnd type="none" w="med" len="med"/>
+                      <a:tailEnd type="none" w="med" len="med"/>
+                    </a:lnL>
+                    <a:lnR w="12700" cap="flat" cmpd="sng" algn="ctr">
+                      <a:solidFill>
+                        <a:schemeClr val="tx1"/>
+                      </a:solidFill>
+                      <a:prstDash val="solid"/>
+                      <a:round/>
+                      <a:headEnd type="none" w="med" len="med"/>
+                      <a:tailEnd type="none" w="med" len="med"/>
+                    </a:lnR>
+                    <a:lnT w="12700" cap="flat" cmpd="sng" algn="ctr">
+                      <a:solidFill>
+                        <a:schemeClr val="tx1"/>
+                      </a:solidFill>
+                      <a:prstDash val="solid"/>
+                      <a:round/>
+                      <a:headEnd type="none" w="med" len="med"/>
+                      <a:tailEnd type="none" w="med" len="med"/>
+                    </a:lnT>
+                    <a:lnB w="12700" cap="flat" cmpd="sng" algn="ctr">
+                      <a:solidFill>
+                        <a:schemeClr val="tx1"/>
+                      </a:solidFill>
+                      <a:prstDash val="solid"/>
+                      <a:round/>
+                      <a:headEnd type="none" w="med" len="med"/>
+                      <a:tailEnd type="none" w="med" len="med"/>
+                    </a:lnB>
+                    <a:lnTlToBr w="12700" cmpd="sng">
+                      <a:noFill/>
+                      <a:prstDash val="solid"/>
+                    </a:lnTlToBr>
+                    <a:lnBlToTr w="12700" cmpd="sng">
+                      <a:noFill/>
+                      <a:prstDash val="solid"/>
+                    </a:lnBlToTr>
+                  </a:tcPr>
+                </a:tc>
+                <a:tc>
+                  <a:txBody>
+                    <a:bodyPr/>
+                    <a:lstStyle/>
+                    <a:p>
+                      <a:pPr algn="ctr" fontAlgn="b"/>
+                      <a:r>
+                        <a:rPr lang="en-US" sz="2000" b="0" i="0" u="none" strike="noStrike" dirty="0">
+                          <a:solidFill>
+                            <a:schemeClr val="tx1"/>
+                          </a:solidFill>
+                          <a:effectLst/>
+                          <a:latin typeface="+mn-lt"/>
+                        </a:rPr>
+                        <a:t>2.61</a:t>
+                      </a:r>
+                    </a:p>
+                  </a:txBody>
+                  <a:tcPr marL="6350" marR="6350" marT="6350" marB="0" anchor="ctr">
+                    <a:lnL w="12700" cap="flat" cmpd="sng" algn="ctr">
+                      <a:solidFill>
+                        <a:schemeClr val="tx1"/>
+                      </a:solidFill>
+                      <a:prstDash val="solid"/>
+                      <a:round/>
+                      <a:headEnd type="none" w="med" len="med"/>
+                      <a:tailEnd type="none" w="med" len="med"/>
+                    </a:lnL>
+                    <a:lnR w="12700" cap="flat" cmpd="sng" algn="ctr">
+                      <a:solidFill>
+                        <a:schemeClr val="tx1"/>
+                      </a:solidFill>
+                      <a:prstDash val="solid"/>
+                      <a:round/>
+                      <a:headEnd type="none" w="med" len="med"/>
+                      <a:tailEnd type="none" w="med" len="med"/>
+                    </a:lnR>
+                    <a:lnT w="12700" cap="flat" cmpd="sng" algn="ctr">
+                      <a:solidFill>
+                        <a:schemeClr val="tx1"/>
+                      </a:solidFill>
+                      <a:prstDash val="solid"/>
+                      <a:round/>
+                      <a:headEnd type="none" w="med" len="med"/>
+                      <a:tailEnd type="none" w="med" len="med"/>
+                    </a:lnT>
+                    <a:lnB w="12700" cap="flat" cmpd="sng" algn="ctr">
+                      <a:solidFill>
+                        <a:schemeClr val="tx1"/>
+                      </a:solidFill>
+                      <a:prstDash val="solid"/>
+                      <a:round/>
+                      <a:headEnd type="none" w="med" len="med"/>
+                      <a:tailEnd type="none" w="med" len="med"/>
+                    </a:lnB>
+                    <a:lnTlToBr w="12700" cmpd="sng">
+                      <a:noFill/>
+                      <a:prstDash val="solid"/>
+                    </a:lnTlToBr>
+                    <a:lnBlToTr w="12700" cmpd="sng">
+                      <a:noFill/>
+                      <a:prstDash val="solid"/>
+                    </a:lnBlToTr>
+                  </a:tcPr>
+                </a:tc>
+                <a:tc>
+                  <a:txBody>
+                    <a:bodyPr/>
+                    <a:lstStyle/>
+                    <a:p>
+                      <a:pPr algn="ctr" fontAlgn="b"/>
+                      <a:r>
+                        <a:rPr lang="en-US" sz="2000" b="0" i="0" u="none" strike="noStrike" dirty="0" err="1">
+                          <a:solidFill>
+                            <a:schemeClr val="tx1"/>
+                          </a:solidFill>
+                          <a:effectLst/>
+                          <a:latin typeface="+mn-lt"/>
+                        </a:rPr>
+                        <a:t>spss</a:t>
+                      </a:r>
+                      <a:endParaRPr lang="en-US" sz="2000" b="0" i="0" u="none" strike="noStrike" dirty="0">
+                        <a:solidFill>
+                          <a:schemeClr val="tx1"/>
+                        </a:solidFill>
+                        <a:effectLst/>
+                        <a:latin typeface="+mn-lt"/>
+                      </a:endParaRPr>
+                    </a:p>
+                  </a:txBody>
+                  <a:tcPr marL="6350" marR="6350" marT="6350" marB="0" anchor="ctr">
+                    <a:lnL w="12700" cap="flat" cmpd="sng" algn="ctr">
+                      <a:solidFill>
+                        <a:schemeClr val="tx1"/>
+                      </a:solidFill>
+                      <a:prstDash val="solid"/>
+                      <a:round/>
+                      <a:headEnd type="none" w="med" len="med"/>
+                      <a:tailEnd type="none" w="med" len="med"/>
+                    </a:lnL>
+                    <a:lnR w="12700" cap="flat" cmpd="sng" algn="ctr">
+                      <a:solidFill>
+                        <a:schemeClr val="tx1"/>
+                      </a:solidFill>
+                      <a:prstDash val="solid"/>
+                      <a:round/>
+                      <a:headEnd type="none" w="med" len="med"/>
+                      <a:tailEnd type="none" w="med" len="med"/>
+                    </a:lnR>
+                    <a:lnT w="12700" cap="flat" cmpd="sng" algn="ctr">
+                      <a:solidFill>
+                        <a:schemeClr val="tx1"/>
+                      </a:solidFill>
+                      <a:prstDash val="solid"/>
+                      <a:round/>
+                      <a:headEnd type="none" w="med" len="med"/>
+                      <a:tailEnd type="none" w="med" len="med"/>
+                    </a:lnT>
+                    <a:lnB w="12700" cap="flat" cmpd="sng" algn="ctr">
+                      <a:solidFill>
+                        <a:schemeClr val="tx1"/>
+                      </a:solidFill>
+                      <a:prstDash val="solid"/>
+                      <a:round/>
+                      <a:headEnd type="none" w="med" len="med"/>
+                      <a:tailEnd type="none" w="med" len="med"/>
+                    </a:lnB>
+                    <a:lnTlToBr w="12700" cmpd="sng">
+                      <a:noFill/>
+                      <a:prstDash val="solid"/>
+                    </a:lnTlToBr>
+                    <a:lnBlToTr w="12700" cmpd="sng">
+                      <a:noFill/>
+                      <a:prstDash val="solid"/>
+                    </a:lnBlToTr>
+                  </a:tcPr>
+                </a:tc>
+                <a:tc>
+                  <a:txBody>
+                    <a:bodyPr/>
+                    <a:lstStyle/>
+                    <a:p>
+                      <a:pPr algn="ctr" fontAlgn="b"/>
+                      <a:r>
+                        <a:rPr lang="en-US" sz="2000" b="0" i="0" u="none" strike="noStrike" dirty="0">
+                          <a:solidFill>
+                            <a:schemeClr val="tx1"/>
+                          </a:solidFill>
+                          <a:effectLst/>
+                          <a:latin typeface="+mn-lt"/>
+                        </a:rPr>
+                        <a:t>5.79</a:t>
+                      </a:r>
+                    </a:p>
+                  </a:txBody>
+                  <a:tcPr marL="6350" marR="6350" marT="6350" marB="0" anchor="ctr">
+                    <a:lnL w="12700" cap="flat" cmpd="sng" algn="ctr">
+                      <a:solidFill>
+                        <a:schemeClr val="tx1"/>
+                      </a:solidFill>
+                      <a:prstDash val="solid"/>
+                      <a:round/>
+                      <a:headEnd type="none" w="med" len="med"/>
+                      <a:tailEnd type="none" w="med" len="med"/>
+                    </a:lnL>
+                    <a:lnR w="12700" cap="flat" cmpd="sng" algn="ctr">
+                      <a:solidFill>
+                        <a:schemeClr val="tx1"/>
+                      </a:solidFill>
+                      <a:prstDash val="solid"/>
+                      <a:round/>
+                      <a:headEnd type="none" w="med" len="med"/>
+                      <a:tailEnd type="none" w="med" len="med"/>
+                    </a:lnR>
+                    <a:lnT w="12700" cap="flat" cmpd="sng" algn="ctr">
+                      <a:solidFill>
+                        <a:schemeClr val="tx1"/>
+                      </a:solidFill>
+                      <a:prstDash val="solid"/>
+                      <a:round/>
+                      <a:headEnd type="none" w="med" len="med"/>
+                      <a:tailEnd type="none" w="med" len="med"/>
+                    </a:lnT>
+                    <a:lnB w="12700" cap="flat" cmpd="sng" algn="ctr">
+                      <a:solidFill>
+                        <a:schemeClr val="tx1"/>
+                      </a:solidFill>
+                      <a:prstDash val="solid"/>
+                      <a:round/>
+                      <a:headEnd type="none" w="med" len="med"/>
+                      <a:tailEnd type="none" w="med" len="med"/>
+                    </a:lnB>
+                    <a:lnTlToBr w="12700" cmpd="sng">
+                      <a:noFill/>
+                      <a:prstDash val="solid"/>
+                    </a:lnTlToBr>
+                    <a:lnBlToTr w="12700" cmpd="sng">
+                      <a:noFill/>
+                      <a:prstDash val="solid"/>
+                    </a:lnBlToTr>
+                  </a:tcPr>
+                </a:tc>
+                <a:extLst>
+                  <a:ext uri="{0D108BD9-81ED-4DB2-BD59-A6C34878D82A}">
+                    <a16:rowId xmlns:a16="http://schemas.microsoft.com/office/drawing/2014/main" val="3251041889"/>
+                  </a:ext>
+                </a:extLst>
+              </a:tr>
+              <a:tr h="385565">
+                <a:tc>
+                  <a:txBody>
+                    <a:bodyPr/>
+                    <a:lstStyle/>
+                    <a:p>
+                      <a:pPr algn="ctr" fontAlgn="b"/>
+                      <a:r>
+                        <a:rPr lang="en-US" sz="2000" b="0" i="0" u="none" strike="noStrike">
+                          <a:solidFill>
+                            <a:schemeClr val="tx1"/>
+                          </a:solidFill>
+                          <a:effectLst/>
+                          <a:latin typeface="+mn-lt"/>
+                        </a:rPr>
+                        <a:t>tableau</a:t>
+                      </a:r>
+                    </a:p>
+                  </a:txBody>
+                  <a:tcPr marL="6350" marR="6350" marT="6350" marB="0" anchor="ctr">
+                    <a:lnL w="12700" cap="flat" cmpd="sng" algn="ctr">
+                      <a:solidFill>
+                        <a:schemeClr val="tx1"/>
+                      </a:solidFill>
+                      <a:prstDash val="solid"/>
+                      <a:round/>
+                      <a:headEnd type="none" w="med" len="med"/>
+                      <a:tailEnd type="none" w="med" len="med"/>
+                    </a:lnL>
+                    <a:lnR w="12700" cap="flat" cmpd="sng" algn="ctr">
+                      <a:solidFill>
+                        <a:schemeClr val="tx1"/>
+                      </a:solidFill>
+                      <a:prstDash val="solid"/>
+                      <a:round/>
+                      <a:headEnd type="none" w="med" len="med"/>
+                      <a:tailEnd type="none" w="med" len="med"/>
+                    </a:lnR>
+                    <a:lnT w="12700" cap="flat" cmpd="sng" algn="ctr">
+                      <a:solidFill>
+                        <a:schemeClr val="tx1"/>
+                      </a:solidFill>
+                      <a:prstDash val="solid"/>
+                      <a:round/>
+                      <a:headEnd type="none" w="med" len="med"/>
+                      <a:tailEnd type="none" w="med" len="med"/>
+                    </a:lnT>
+                    <a:lnB w="12700" cap="flat" cmpd="sng" algn="ctr">
+                      <a:solidFill>
+                        <a:schemeClr val="tx1"/>
+                      </a:solidFill>
+                      <a:prstDash val="solid"/>
+                      <a:round/>
+                      <a:headEnd type="none" w="med" len="med"/>
+                      <a:tailEnd type="none" w="med" len="med"/>
+                    </a:lnB>
+                    <a:lnTlToBr w="12700" cmpd="sng">
+                      <a:noFill/>
+                      <a:prstDash val="solid"/>
+                    </a:lnTlToBr>
+                    <a:lnBlToTr w="12700" cmpd="sng">
+                      <a:noFill/>
+                      <a:prstDash val="solid"/>
+                    </a:lnBlToTr>
+                    <a:solidFill>
+                      <a:srgbClr val="DDEBF7"/>
+                    </a:solidFill>
+                  </a:tcPr>
+                </a:tc>
+                <a:tc>
+                  <a:txBody>
+                    <a:bodyPr/>
+                    <a:lstStyle/>
+                    <a:p>
+                      <a:pPr algn="ctr" fontAlgn="b"/>
+                      <a:r>
+                        <a:rPr lang="en-US" sz="2000" b="0" i="0" u="none" strike="noStrike">
+                          <a:solidFill>
+                            <a:schemeClr val="tx1"/>
+                          </a:solidFill>
+                          <a:effectLst/>
+                          <a:latin typeface="+mn-lt"/>
+                        </a:rPr>
+                        <a:t>2.61</a:t>
+                      </a:r>
+                    </a:p>
+                  </a:txBody>
+                  <a:tcPr marL="6350" marR="6350" marT="6350" marB="0" anchor="ctr">
+                    <a:lnL w="12700" cap="flat" cmpd="sng" algn="ctr">
+                      <a:solidFill>
+                        <a:schemeClr val="tx1"/>
+                      </a:solidFill>
+                      <a:prstDash val="solid"/>
+                      <a:round/>
+                      <a:headEnd type="none" w="med" len="med"/>
+                      <a:tailEnd type="none" w="med" len="med"/>
+                    </a:lnL>
+                    <a:lnR w="12700" cap="flat" cmpd="sng" algn="ctr">
+                      <a:solidFill>
+                        <a:schemeClr val="tx1"/>
+                      </a:solidFill>
+                      <a:prstDash val="solid"/>
+                      <a:round/>
+                      <a:headEnd type="none" w="med" len="med"/>
+                      <a:tailEnd type="none" w="med" len="med"/>
+                    </a:lnR>
+                    <a:lnT w="12700" cap="flat" cmpd="sng" algn="ctr">
+                      <a:solidFill>
+                        <a:schemeClr val="tx1"/>
+                      </a:solidFill>
+                      <a:prstDash val="solid"/>
+                      <a:round/>
+                      <a:headEnd type="none" w="med" len="med"/>
+                      <a:tailEnd type="none" w="med" len="med"/>
+                    </a:lnT>
+                    <a:lnB w="12700" cap="flat" cmpd="sng" algn="ctr">
+                      <a:solidFill>
+                        <a:schemeClr val="tx1"/>
+                      </a:solidFill>
+                      <a:prstDash val="solid"/>
+                      <a:round/>
+                      <a:headEnd type="none" w="med" len="med"/>
+                      <a:tailEnd type="none" w="med" len="med"/>
+                    </a:lnB>
+                    <a:lnTlToBr w="12700" cmpd="sng">
+                      <a:noFill/>
+                      <a:prstDash val="solid"/>
+                    </a:lnTlToBr>
+                    <a:lnBlToTr w="12700" cmpd="sng">
+                      <a:noFill/>
+                      <a:prstDash val="solid"/>
+                    </a:lnBlToTr>
+                    <a:solidFill>
+                      <a:srgbClr val="DDEBF7"/>
+                    </a:solidFill>
+                  </a:tcPr>
+                </a:tc>
+                <a:tc>
+                  <a:txBody>
+                    <a:bodyPr/>
+                    <a:lstStyle/>
+                    <a:p>
+                      <a:pPr algn="ctr" fontAlgn="b"/>
+                      <a:r>
+                        <a:rPr lang="en-US" sz="2000" b="0" i="0" u="none" strike="noStrike" dirty="0">
+                          <a:solidFill>
+                            <a:schemeClr val="tx1"/>
+                          </a:solidFill>
+                          <a:effectLst/>
+                          <a:latin typeface="+mn-lt"/>
+                        </a:rPr>
+                        <a:t>hive</a:t>
+                      </a:r>
+                    </a:p>
+                  </a:txBody>
+                  <a:tcPr marL="6350" marR="6350" marT="6350" marB="0" anchor="ctr">
+                    <a:lnL w="12700" cap="flat" cmpd="sng" algn="ctr">
+                      <a:solidFill>
+                        <a:schemeClr val="tx1"/>
+                      </a:solidFill>
+                      <a:prstDash val="solid"/>
+                      <a:round/>
+                      <a:headEnd type="none" w="med" len="med"/>
+                      <a:tailEnd type="none" w="med" len="med"/>
+                    </a:lnL>
+                    <a:lnR w="12700" cap="flat" cmpd="sng" algn="ctr">
+                      <a:solidFill>
+                        <a:schemeClr val="tx1"/>
+                      </a:solidFill>
+                      <a:prstDash val="solid"/>
+                      <a:round/>
+                      <a:headEnd type="none" w="med" len="med"/>
+                      <a:tailEnd type="none" w="med" len="med"/>
+                    </a:lnR>
+                    <a:lnT w="12700" cap="flat" cmpd="sng" algn="ctr">
+                      <a:solidFill>
+                        <a:schemeClr val="tx1"/>
+                      </a:solidFill>
+                      <a:prstDash val="solid"/>
+                      <a:round/>
+                      <a:headEnd type="none" w="med" len="med"/>
+                      <a:tailEnd type="none" w="med" len="med"/>
+                    </a:lnT>
+                    <a:lnB w="12700" cap="flat" cmpd="sng" algn="ctr">
+                      <a:solidFill>
+                        <a:schemeClr val="tx1"/>
+                      </a:solidFill>
+                      <a:prstDash val="solid"/>
+                      <a:round/>
+                      <a:headEnd type="none" w="med" len="med"/>
+                      <a:tailEnd type="none" w="med" len="med"/>
+                    </a:lnB>
+                    <a:lnTlToBr w="12700" cmpd="sng">
+                      <a:noFill/>
+                      <a:prstDash val="solid"/>
+                    </a:lnTlToBr>
+                    <a:lnBlToTr w="12700" cmpd="sng">
+                      <a:noFill/>
+                      <a:prstDash val="solid"/>
+                    </a:lnBlToTr>
+                    <a:solidFill>
+                      <a:srgbClr val="DDEBF7"/>
+                    </a:solidFill>
+                  </a:tcPr>
+                </a:tc>
+                <a:tc>
+                  <a:txBody>
+                    <a:bodyPr/>
+                    <a:lstStyle/>
+                    <a:p>
+                      <a:pPr algn="ctr" fontAlgn="b"/>
+                      <a:r>
+                        <a:rPr lang="en-US" sz="2000" b="0" i="0" u="none" strike="noStrike" dirty="0">
+                          <a:solidFill>
+                            <a:schemeClr val="tx1"/>
+                          </a:solidFill>
+                          <a:effectLst/>
+                          <a:latin typeface="+mn-lt"/>
+                        </a:rPr>
+                        <a:t>5.87</a:t>
+                      </a:r>
+                    </a:p>
+                  </a:txBody>
+                  <a:tcPr marL="6350" marR="6350" marT="6350" marB="0" anchor="ctr">
+                    <a:lnL w="12700" cap="flat" cmpd="sng" algn="ctr">
+                      <a:solidFill>
+                        <a:schemeClr val="tx1"/>
+                      </a:solidFill>
+                      <a:prstDash val="solid"/>
+                      <a:round/>
+                      <a:headEnd type="none" w="med" len="med"/>
+                      <a:tailEnd type="none" w="med" len="med"/>
+                    </a:lnL>
+                    <a:lnR w="12700" cap="flat" cmpd="sng" algn="ctr">
+                      <a:solidFill>
+                        <a:schemeClr val="tx1"/>
+                      </a:solidFill>
+                      <a:prstDash val="solid"/>
+                      <a:round/>
+                      <a:headEnd type="none" w="med" len="med"/>
+                      <a:tailEnd type="none" w="med" len="med"/>
+                    </a:lnR>
+                    <a:lnT w="12700" cap="flat" cmpd="sng" algn="ctr">
+                      <a:solidFill>
+                        <a:schemeClr val="tx1"/>
+                      </a:solidFill>
+                      <a:prstDash val="solid"/>
+                      <a:round/>
+                      <a:headEnd type="none" w="med" len="med"/>
+                      <a:tailEnd type="none" w="med" len="med"/>
+                    </a:lnT>
+                    <a:lnB w="12700" cap="flat" cmpd="sng" algn="ctr">
+                      <a:solidFill>
+                        <a:schemeClr val="tx1"/>
+                      </a:solidFill>
+                      <a:prstDash val="solid"/>
+                      <a:round/>
+                      <a:headEnd type="none" w="med" len="med"/>
+                      <a:tailEnd type="none" w="med" len="med"/>
+                    </a:lnB>
+                    <a:lnTlToBr w="12700" cmpd="sng">
+                      <a:noFill/>
+                      <a:prstDash val="solid"/>
+                    </a:lnTlToBr>
+                    <a:lnBlToTr w="12700" cmpd="sng">
+                      <a:noFill/>
+                      <a:prstDash val="solid"/>
+                    </a:lnBlToTr>
+                    <a:solidFill>
+                      <a:srgbClr val="DDEBF7"/>
+                    </a:solidFill>
+                  </a:tcPr>
+                </a:tc>
+                <a:extLst>
+                  <a:ext uri="{0D108BD9-81ED-4DB2-BD59-A6C34878D82A}">
+                    <a16:rowId xmlns:a16="http://schemas.microsoft.com/office/drawing/2014/main" val="3077802652"/>
+                  </a:ext>
+                </a:extLst>
+              </a:tr>
+              <a:tr h="385565">
+                <a:tc>
+                  <a:txBody>
+                    <a:bodyPr/>
+                    <a:lstStyle/>
+                    <a:p>
+                      <a:pPr algn="ctr" fontAlgn="b"/>
+                      <a:r>
+                        <a:rPr lang="en-US" sz="2000" b="0" i="0" u="none" strike="noStrike">
+                          <a:solidFill>
+                            <a:schemeClr val="tx1"/>
+                          </a:solidFill>
+                          <a:effectLst/>
+                          <a:latin typeface="+mn-lt"/>
+                        </a:rPr>
+                        <a:t>python</a:t>
+                      </a:r>
+                    </a:p>
+                  </a:txBody>
+                  <a:tcPr marL="6350" marR="6350" marT="6350" marB="0" anchor="ctr">
+                    <a:lnL w="12700" cap="flat" cmpd="sng" algn="ctr">
+                      <a:solidFill>
+                        <a:schemeClr val="tx1"/>
+                      </a:solidFill>
+                      <a:prstDash val="solid"/>
+                      <a:round/>
+                      <a:headEnd type="none" w="med" len="med"/>
+                      <a:tailEnd type="none" w="med" len="med"/>
+                    </a:lnL>
+                    <a:lnR w="12700" cap="flat" cmpd="sng" algn="ctr">
+                      <a:solidFill>
+                        <a:schemeClr val="tx1"/>
+                      </a:solidFill>
+                      <a:prstDash val="solid"/>
+                      <a:round/>
+                      <a:headEnd type="none" w="med" len="med"/>
+                      <a:tailEnd type="none" w="med" len="med"/>
+                    </a:lnR>
+                    <a:lnT w="12700" cap="flat" cmpd="sng" algn="ctr">
+                      <a:solidFill>
+                        <a:schemeClr val="tx1"/>
+                      </a:solidFill>
+                      <a:prstDash val="solid"/>
+                      <a:round/>
+                      <a:headEnd type="none" w="med" len="med"/>
+                      <a:tailEnd type="none" w="med" len="med"/>
+                    </a:lnT>
+                    <a:lnB w="12700" cap="flat" cmpd="sng" algn="ctr">
+                      <a:solidFill>
+                        <a:schemeClr val="tx1"/>
+                      </a:solidFill>
+                      <a:prstDash val="solid"/>
+                      <a:round/>
+                      <a:headEnd type="none" w="med" len="med"/>
+                      <a:tailEnd type="none" w="med" len="med"/>
+                    </a:lnB>
+                    <a:lnTlToBr w="12700" cmpd="sng">
+                      <a:noFill/>
+                      <a:prstDash val="solid"/>
+                    </a:lnTlToBr>
+                    <a:lnBlToTr w="12700" cmpd="sng">
+                      <a:noFill/>
+                      <a:prstDash val="solid"/>
+                    </a:lnBlToTr>
+                  </a:tcPr>
+                </a:tc>
+                <a:tc>
+                  <a:txBody>
+                    <a:bodyPr/>
+                    <a:lstStyle/>
+                    <a:p>
+                      <a:pPr algn="ctr" fontAlgn="b"/>
+                      <a:r>
+                        <a:rPr lang="en-US" sz="2000" b="0" i="0" u="none" strike="noStrike">
+                          <a:solidFill>
+                            <a:schemeClr val="tx1"/>
+                          </a:solidFill>
+                          <a:effectLst/>
+                          <a:latin typeface="+mn-lt"/>
+                        </a:rPr>
+                        <a:t>2.67</a:t>
+                      </a:r>
+                    </a:p>
+                  </a:txBody>
+                  <a:tcPr marL="6350" marR="6350" marT="6350" marB="0" anchor="ctr">
+                    <a:lnL w="12700" cap="flat" cmpd="sng" algn="ctr">
+                      <a:solidFill>
+                        <a:schemeClr val="tx1"/>
+                      </a:solidFill>
+                      <a:prstDash val="solid"/>
+                      <a:round/>
+                      <a:headEnd type="none" w="med" len="med"/>
+                      <a:tailEnd type="none" w="med" len="med"/>
+                    </a:lnL>
+                    <a:lnR w="12700" cap="flat" cmpd="sng" algn="ctr">
+                      <a:solidFill>
+                        <a:schemeClr val="tx1"/>
+                      </a:solidFill>
+                      <a:prstDash val="solid"/>
+                      <a:round/>
+                      <a:headEnd type="none" w="med" len="med"/>
+                      <a:tailEnd type="none" w="med" len="med"/>
+                    </a:lnR>
+                    <a:lnT w="12700" cap="flat" cmpd="sng" algn="ctr">
+                      <a:solidFill>
+                        <a:schemeClr val="tx1"/>
+                      </a:solidFill>
+                      <a:prstDash val="solid"/>
+                      <a:round/>
+                      <a:headEnd type="none" w="med" len="med"/>
+                      <a:tailEnd type="none" w="med" len="med"/>
+                    </a:lnT>
+                    <a:lnB w="12700" cap="flat" cmpd="sng" algn="ctr">
+                      <a:solidFill>
+                        <a:schemeClr val="tx1"/>
+                      </a:solidFill>
+                      <a:prstDash val="solid"/>
+                      <a:round/>
+                      <a:headEnd type="none" w="med" len="med"/>
+                      <a:tailEnd type="none" w="med" len="med"/>
+                    </a:lnB>
+                    <a:lnTlToBr w="12700" cmpd="sng">
+                      <a:noFill/>
+                      <a:prstDash val="solid"/>
+                    </a:lnTlToBr>
+                    <a:lnBlToTr w="12700" cmpd="sng">
+                      <a:noFill/>
+                      <a:prstDash val="solid"/>
+                    </a:lnBlToTr>
+                  </a:tcPr>
+                </a:tc>
+                <a:tc>
+                  <a:txBody>
+                    <a:bodyPr/>
+                    <a:lstStyle/>
+                    <a:p>
+                      <a:pPr algn="ctr" fontAlgn="b"/>
+                      <a:r>
+                        <a:rPr lang="en-US" sz="2000" b="0" i="0" u="none" strike="noStrike" dirty="0" err="1">
+                          <a:solidFill>
+                            <a:schemeClr val="tx1"/>
+                          </a:solidFill>
+                          <a:effectLst/>
+                          <a:latin typeface="+mn-lt"/>
+                        </a:rPr>
+                        <a:t>sas</a:t>
+                      </a:r>
+                      <a:endParaRPr lang="en-US" sz="2000" b="0" i="0" u="none" strike="noStrike" dirty="0">
+                        <a:solidFill>
+                          <a:schemeClr val="tx1"/>
+                        </a:solidFill>
+                        <a:effectLst/>
+                        <a:latin typeface="+mn-lt"/>
+                      </a:endParaRPr>
+                    </a:p>
+                  </a:txBody>
+                  <a:tcPr marL="6350" marR="6350" marT="6350" marB="0" anchor="ctr">
+                    <a:lnL w="12700" cap="flat" cmpd="sng" algn="ctr">
+                      <a:solidFill>
+                        <a:schemeClr val="tx1"/>
+                      </a:solidFill>
+                      <a:prstDash val="solid"/>
+                      <a:round/>
+                      <a:headEnd type="none" w="med" len="med"/>
+                      <a:tailEnd type="none" w="med" len="med"/>
+                    </a:lnL>
+                    <a:lnR w="12700" cap="flat" cmpd="sng" algn="ctr">
+                      <a:solidFill>
+                        <a:schemeClr val="tx1"/>
+                      </a:solidFill>
+                      <a:prstDash val="solid"/>
+                      <a:round/>
+                      <a:headEnd type="none" w="med" len="med"/>
+                      <a:tailEnd type="none" w="med" len="med"/>
+                    </a:lnR>
+                    <a:lnT w="12700" cap="flat" cmpd="sng" algn="ctr">
+                      <a:solidFill>
+                        <a:schemeClr val="tx1"/>
+                      </a:solidFill>
+                      <a:prstDash val="solid"/>
+                      <a:round/>
+                      <a:headEnd type="none" w="med" len="med"/>
+                      <a:tailEnd type="none" w="med" len="med"/>
+                    </a:lnT>
+                    <a:lnB w="12700" cap="flat" cmpd="sng" algn="ctr">
+                      <a:solidFill>
+                        <a:schemeClr val="tx1"/>
+                      </a:solidFill>
+                      <a:prstDash val="solid"/>
+                      <a:round/>
+                      <a:headEnd type="none" w="med" len="med"/>
+                      <a:tailEnd type="none" w="med" len="med"/>
+                    </a:lnB>
+                    <a:lnTlToBr w="12700" cmpd="sng">
+                      <a:noFill/>
+                      <a:prstDash val="solid"/>
+                    </a:lnTlToBr>
+                    <a:lnBlToTr w="12700" cmpd="sng">
+                      <a:noFill/>
+                      <a:prstDash val="solid"/>
+                    </a:lnBlToTr>
+                  </a:tcPr>
+                </a:tc>
+                <a:tc>
+                  <a:txBody>
+                    <a:bodyPr/>
+                    <a:lstStyle/>
+                    <a:p>
+                      <a:pPr algn="ctr" fontAlgn="b"/>
+                      <a:r>
+                        <a:rPr lang="en-US" sz="2000" b="0" i="0" u="none" strike="noStrike" dirty="0">
+                          <a:solidFill>
+                            <a:schemeClr val="tx1"/>
+                          </a:solidFill>
+                          <a:effectLst/>
+                          <a:latin typeface="+mn-lt"/>
+                        </a:rPr>
+                        <a:t>6.01</a:t>
+                      </a:r>
+                    </a:p>
+                  </a:txBody>
+                  <a:tcPr marL="6350" marR="6350" marT="6350" marB="0" anchor="ctr">
+                    <a:lnL w="12700" cap="flat" cmpd="sng" algn="ctr">
+                      <a:solidFill>
+                        <a:schemeClr val="tx1"/>
+                      </a:solidFill>
+                      <a:prstDash val="solid"/>
+                      <a:round/>
+                      <a:headEnd type="none" w="med" len="med"/>
+                      <a:tailEnd type="none" w="med" len="med"/>
+                    </a:lnL>
+                    <a:lnR w="12700" cap="flat" cmpd="sng" algn="ctr">
+                      <a:solidFill>
+                        <a:schemeClr val="tx1"/>
+                      </a:solidFill>
+                      <a:prstDash val="solid"/>
+                      <a:round/>
+                      <a:headEnd type="none" w="med" len="med"/>
+                      <a:tailEnd type="none" w="med" len="med"/>
+                    </a:lnR>
+                    <a:lnT w="12700" cap="flat" cmpd="sng" algn="ctr">
+                      <a:solidFill>
+                        <a:schemeClr val="tx1"/>
+                      </a:solidFill>
+                      <a:prstDash val="solid"/>
+                      <a:round/>
+                      <a:headEnd type="none" w="med" len="med"/>
+                      <a:tailEnd type="none" w="med" len="med"/>
+                    </a:lnT>
+                    <a:lnB w="12700" cap="flat" cmpd="sng" algn="ctr">
+                      <a:solidFill>
+                        <a:schemeClr val="tx1"/>
+                      </a:solidFill>
+                      <a:prstDash val="solid"/>
+                      <a:round/>
+                      <a:headEnd type="none" w="med" len="med"/>
+                      <a:tailEnd type="none" w="med" len="med"/>
+                    </a:lnB>
+                    <a:lnTlToBr w="12700" cmpd="sng">
+                      <a:noFill/>
+                      <a:prstDash val="solid"/>
+                    </a:lnTlToBr>
+                    <a:lnBlToTr w="12700" cmpd="sng">
+                      <a:noFill/>
+                      <a:prstDash val="solid"/>
+                    </a:lnBlToTr>
+                  </a:tcPr>
+                </a:tc>
+                <a:extLst>
+                  <a:ext uri="{0D108BD9-81ED-4DB2-BD59-A6C34878D82A}">
+                    <a16:rowId xmlns:a16="http://schemas.microsoft.com/office/drawing/2014/main" val="1105513803"/>
+                  </a:ext>
+                </a:extLst>
+              </a:tr>
+              <a:tr h="385565">
+                <a:tc>
+                  <a:txBody>
+                    <a:bodyPr/>
+                    <a:lstStyle/>
+                    <a:p>
+                      <a:pPr algn="ctr" fontAlgn="b"/>
+                      <a:r>
+                        <a:rPr lang="en-US" sz="2000" b="0" i="0" u="none" strike="noStrike">
+                          <a:solidFill>
+                            <a:schemeClr val="tx1"/>
+                          </a:solidFill>
+                          <a:effectLst/>
+                          <a:latin typeface="+mn-lt"/>
+                        </a:rPr>
+                        <a:t>access</a:t>
+                      </a:r>
+                    </a:p>
+                  </a:txBody>
+                  <a:tcPr marL="6350" marR="6350" marT="6350" marB="0" anchor="ctr">
+                    <a:lnL w="12700" cap="flat" cmpd="sng" algn="ctr">
+                      <a:solidFill>
+                        <a:schemeClr val="tx1"/>
+                      </a:solidFill>
+                      <a:prstDash val="solid"/>
+                      <a:round/>
+                      <a:headEnd type="none" w="med" len="med"/>
+                      <a:tailEnd type="none" w="med" len="med"/>
+                    </a:lnL>
+                    <a:lnR w="12700" cap="flat" cmpd="sng" algn="ctr">
+                      <a:solidFill>
+                        <a:schemeClr val="tx1"/>
+                      </a:solidFill>
+                      <a:prstDash val="solid"/>
+                      <a:round/>
+                      <a:headEnd type="none" w="med" len="med"/>
+                      <a:tailEnd type="none" w="med" len="med"/>
+                    </a:lnR>
+                    <a:lnT w="12700" cap="flat" cmpd="sng" algn="ctr">
+                      <a:solidFill>
+                        <a:schemeClr val="tx1"/>
+                      </a:solidFill>
+                      <a:prstDash val="solid"/>
+                      <a:round/>
+                      <a:headEnd type="none" w="med" len="med"/>
+                      <a:tailEnd type="none" w="med" len="med"/>
+                    </a:lnT>
+                    <a:lnB w="12700" cap="flat" cmpd="sng" algn="ctr">
+                      <a:solidFill>
+                        <a:schemeClr val="tx1"/>
+                      </a:solidFill>
+                      <a:prstDash val="solid"/>
+                      <a:round/>
+                      <a:headEnd type="none" w="med" len="med"/>
+                      <a:tailEnd type="none" w="med" len="med"/>
+                    </a:lnB>
+                    <a:lnTlToBr w="12700" cmpd="sng">
+                      <a:noFill/>
+                      <a:prstDash val="solid"/>
+                    </a:lnTlToBr>
+                    <a:lnBlToTr w="12700" cmpd="sng">
+                      <a:noFill/>
+                      <a:prstDash val="solid"/>
+                    </a:lnBlToTr>
+                    <a:solidFill>
+                      <a:srgbClr val="DDEBF7"/>
+                    </a:solidFill>
+                  </a:tcPr>
+                </a:tc>
+                <a:tc>
+                  <a:txBody>
+                    <a:bodyPr/>
+                    <a:lstStyle/>
+                    <a:p>
+                      <a:pPr algn="ctr" fontAlgn="b"/>
+                      <a:r>
+                        <a:rPr lang="en-US" sz="2000" b="0" i="0" u="none" strike="noStrike">
+                          <a:solidFill>
+                            <a:schemeClr val="tx1"/>
+                          </a:solidFill>
+                          <a:effectLst/>
+                          <a:latin typeface="+mn-lt"/>
+                        </a:rPr>
+                        <a:t>2.68</a:t>
+                      </a:r>
+                    </a:p>
+                  </a:txBody>
+                  <a:tcPr marL="6350" marR="6350" marT="6350" marB="0" anchor="ctr">
+                    <a:lnL w="12700" cap="flat" cmpd="sng" algn="ctr">
+                      <a:solidFill>
+                        <a:schemeClr val="tx1"/>
+                      </a:solidFill>
+                      <a:prstDash val="solid"/>
+                      <a:round/>
+                      <a:headEnd type="none" w="med" len="med"/>
+                      <a:tailEnd type="none" w="med" len="med"/>
+                    </a:lnL>
+                    <a:lnR w="12700" cap="flat" cmpd="sng" algn="ctr">
+                      <a:solidFill>
+                        <a:schemeClr val="tx1"/>
+                      </a:solidFill>
+                      <a:prstDash val="solid"/>
+                      <a:round/>
+                      <a:headEnd type="none" w="med" len="med"/>
+                      <a:tailEnd type="none" w="med" len="med"/>
+                    </a:lnR>
+                    <a:lnT w="12700" cap="flat" cmpd="sng" algn="ctr">
+                      <a:solidFill>
+                        <a:schemeClr val="tx1"/>
+                      </a:solidFill>
+                      <a:prstDash val="solid"/>
+                      <a:round/>
+                      <a:headEnd type="none" w="med" len="med"/>
+                      <a:tailEnd type="none" w="med" len="med"/>
+                    </a:lnT>
+                    <a:lnB w="12700" cap="flat" cmpd="sng" algn="ctr">
+                      <a:solidFill>
+                        <a:schemeClr val="tx1"/>
+                      </a:solidFill>
+                      <a:prstDash val="solid"/>
+                      <a:round/>
+                      <a:headEnd type="none" w="med" len="med"/>
+                      <a:tailEnd type="none" w="med" len="med"/>
+                    </a:lnB>
+                    <a:lnTlToBr w="12700" cmpd="sng">
+                      <a:noFill/>
+                      <a:prstDash val="solid"/>
+                    </a:lnTlToBr>
+                    <a:lnBlToTr w="12700" cmpd="sng">
+                      <a:noFill/>
+                      <a:prstDash val="solid"/>
+                    </a:lnBlToTr>
+                    <a:solidFill>
+                      <a:srgbClr val="DDEBF7"/>
+                    </a:solidFill>
+                  </a:tcPr>
+                </a:tc>
+                <a:tc>
+                  <a:txBody>
+                    <a:bodyPr/>
+                    <a:lstStyle/>
+                    <a:p>
+                      <a:pPr algn="ctr" fontAlgn="b"/>
+                      <a:r>
+                        <a:rPr lang="en-US" sz="2000" b="0" i="0" u="none" strike="noStrike" dirty="0" err="1">
+                          <a:solidFill>
+                            <a:schemeClr val="tx1"/>
+                          </a:solidFill>
+                          <a:effectLst/>
+                          <a:latin typeface="+mn-lt"/>
+                        </a:rPr>
+                        <a:t>matlab</a:t>
+                      </a:r>
+                      <a:endParaRPr lang="en-US" sz="2000" b="0" i="0" u="none" strike="noStrike" dirty="0">
+                        <a:solidFill>
+                          <a:schemeClr val="tx1"/>
+                        </a:solidFill>
+                        <a:effectLst/>
+                        <a:latin typeface="+mn-lt"/>
+                      </a:endParaRPr>
+                    </a:p>
+                  </a:txBody>
+                  <a:tcPr marL="6350" marR="6350" marT="6350" marB="0" anchor="ctr">
+                    <a:lnL w="12700" cap="flat" cmpd="sng" algn="ctr">
+                      <a:solidFill>
+                        <a:schemeClr val="tx1"/>
+                      </a:solidFill>
+                      <a:prstDash val="solid"/>
+                      <a:round/>
+                      <a:headEnd type="none" w="med" len="med"/>
+                      <a:tailEnd type="none" w="med" len="med"/>
+                    </a:lnL>
+                    <a:lnR w="12700" cap="flat" cmpd="sng" algn="ctr">
+                      <a:solidFill>
+                        <a:schemeClr val="tx1"/>
+                      </a:solidFill>
+                      <a:prstDash val="solid"/>
+                      <a:round/>
+                      <a:headEnd type="none" w="med" len="med"/>
+                      <a:tailEnd type="none" w="med" len="med"/>
+                    </a:lnR>
+                    <a:lnT w="12700" cap="flat" cmpd="sng" algn="ctr">
+                      <a:solidFill>
+                        <a:schemeClr val="tx1"/>
+                      </a:solidFill>
+                      <a:prstDash val="solid"/>
+                      <a:round/>
+                      <a:headEnd type="none" w="med" len="med"/>
+                      <a:tailEnd type="none" w="med" len="med"/>
+                    </a:lnT>
+                    <a:lnB w="12700" cap="flat" cmpd="sng" algn="ctr">
+                      <a:solidFill>
+                        <a:schemeClr val="tx1"/>
+                      </a:solidFill>
+                      <a:prstDash val="solid"/>
+                      <a:round/>
+                      <a:headEnd type="none" w="med" len="med"/>
+                      <a:tailEnd type="none" w="med" len="med"/>
+                    </a:lnB>
+                    <a:lnTlToBr w="12700" cmpd="sng">
+                      <a:noFill/>
+                      <a:prstDash val="solid"/>
+                    </a:lnTlToBr>
+                    <a:lnBlToTr w="12700" cmpd="sng">
+                      <a:noFill/>
+                      <a:prstDash val="solid"/>
+                    </a:lnBlToTr>
+                    <a:solidFill>
+                      <a:srgbClr val="DDEBF7"/>
+                    </a:solidFill>
+                  </a:tcPr>
+                </a:tc>
+                <a:tc>
+                  <a:txBody>
+                    <a:bodyPr/>
+                    <a:lstStyle/>
+                    <a:p>
+                      <a:pPr algn="ctr" fontAlgn="b"/>
+                      <a:r>
+                        <a:rPr lang="en-US" sz="2000" b="0" i="0" u="none" strike="noStrike" dirty="0">
+                          <a:solidFill>
+                            <a:schemeClr val="tx1"/>
+                          </a:solidFill>
+                          <a:effectLst/>
+                          <a:latin typeface="+mn-lt"/>
+                        </a:rPr>
+                        <a:t>6.12</a:t>
+                      </a:r>
+                    </a:p>
+                  </a:txBody>
+                  <a:tcPr marL="6350" marR="6350" marT="6350" marB="0" anchor="ctr">
+                    <a:lnL w="12700" cap="flat" cmpd="sng" algn="ctr">
+                      <a:solidFill>
+                        <a:schemeClr val="tx1"/>
+                      </a:solidFill>
+                      <a:prstDash val="solid"/>
+                      <a:round/>
+                      <a:headEnd type="none" w="med" len="med"/>
+                      <a:tailEnd type="none" w="med" len="med"/>
+                    </a:lnL>
+                    <a:lnR w="12700" cap="flat" cmpd="sng" algn="ctr">
+                      <a:solidFill>
+                        <a:schemeClr val="tx1"/>
+                      </a:solidFill>
+                      <a:prstDash val="solid"/>
+                      <a:round/>
+                      <a:headEnd type="none" w="med" len="med"/>
+                      <a:tailEnd type="none" w="med" len="med"/>
+                    </a:lnR>
+                    <a:lnT w="12700" cap="flat" cmpd="sng" algn="ctr">
+                      <a:solidFill>
+                        <a:schemeClr val="tx1"/>
+                      </a:solidFill>
+                      <a:prstDash val="solid"/>
+                      <a:round/>
+                      <a:headEnd type="none" w="med" len="med"/>
+                      <a:tailEnd type="none" w="med" len="med"/>
+                    </a:lnT>
+                    <a:lnB w="12700" cap="flat" cmpd="sng" algn="ctr">
+                      <a:solidFill>
+                        <a:schemeClr val="tx1"/>
+                      </a:solidFill>
+                      <a:prstDash val="solid"/>
+                      <a:round/>
+                      <a:headEnd type="none" w="med" len="med"/>
+                      <a:tailEnd type="none" w="med" len="med"/>
+                    </a:lnB>
+                    <a:lnTlToBr w="12700" cmpd="sng">
+                      <a:noFill/>
+                      <a:prstDash val="solid"/>
+                    </a:lnTlToBr>
+                    <a:lnBlToTr w="12700" cmpd="sng">
+                      <a:noFill/>
+                      <a:prstDash val="solid"/>
+                    </a:lnBlToTr>
+                    <a:solidFill>
+                      <a:srgbClr val="DDEBF7"/>
+                    </a:solidFill>
+                  </a:tcPr>
+                </a:tc>
+                <a:extLst>
+                  <a:ext uri="{0D108BD9-81ED-4DB2-BD59-A6C34878D82A}">
+                    <a16:rowId xmlns:a16="http://schemas.microsoft.com/office/drawing/2014/main" val="3278486193"/>
+                  </a:ext>
+                </a:extLst>
+              </a:tr>
+              <a:tr h="385565">
+                <a:tc>
+                  <a:txBody>
+                    <a:bodyPr/>
+                    <a:lstStyle/>
+                    <a:p>
+                      <a:pPr algn="ctr" fontAlgn="b"/>
+                      <a:r>
+                        <a:rPr lang="en-US" sz="2000" b="0" i="0" u="none" strike="noStrike">
+                          <a:solidFill>
+                            <a:schemeClr val="tx1"/>
+                          </a:solidFill>
+                          <a:effectLst/>
+                          <a:latin typeface="+mn-lt"/>
+                        </a:rPr>
+                        <a:t>stata</a:t>
+                      </a:r>
+                    </a:p>
+                  </a:txBody>
+                  <a:tcPr marL="6350" marR="6350" marT="6350" marB="0" anchor="ctr">
+                    <a:lnL w="12700" cap="flat" cmpd="sng" algn="ctr">
+                      <a:solidFill>
+                        <a:schemeClr val="tx1"/>
+                      </a:solidFill>
+                      <a:prstDash val="solid"/>
+                      <a:round/>
+                      <a:headEnd type="none" w="med" len="med"/>
+                      <a:tailEnd type="none" w="med" len="med"/>
+                    </a:lnL>
+                    <a:lnR w="12700" cap="flat" cmpd="sng" algn="ctr">
+                      <a:solidFill>
+                        <a:schemeClr val="tx1"/>
+                      </a:solidFill>
+                      <a:prstDash val="solid"/>
+                      <a:round/>
+                      <a:headEnd type="none" w="med" len="med"/>
+                      <a:tailEnd type="none" w="med" len="med"/>
+                    </a:lnR>
+                    <a:lnT w="12700" cap="flat" cmpd="sng" algn="ctr">
+                      <a:solidFill>
+                        <a:schemeClr val="tx1"/>
+                      </a:solidFill>
+                      <a:prstDash val="solid"/>
+                      <a:round/>
+                      <a:headEnd type="none" w="med" len="med"/>
+                      <a:tailEnd type="none" w="med" len="med"/>
+                    </a:lnT>
+                    <a:lnB w="12700" cap="flat" cmpd="sng" algn="ctr">
+                      <a:solidFill>
+                        <a:schemeClr val="tx1"/>
+                      </a:solidFill>
+                      <a:prstDash val="solid"/>
+                      <a:round/>
+                      <a:headEnd type="none" w="med" len="med"/>
+                      <a:tailEnd type="none" w="med" len="med"/>
+                    </a:lnB>
+                    <a:lnTlToBr w="12700" cmpd="sng">
+                      <a:noFill/>
+                      <a:prstDash val="solid"/>
+                    </a:lnTlToBr>
+                    <a:lnBlToTr w="12700" cmpd="sng">
+                      <a:noFill/>
+                      <a:prstDash val="solid"/>
+                    </a:lnBlToTr>
+                  </a:tcPr>
+                </a:tc>
+                <a:tc>
+                  <a:txBody>
+                    <a:bodyPr/>
+                    <a:lstStyle/>
+                    <a:p>
+                      <a:pPr algn="ctr" fontAlgn="b"/>
+                      <a:r>
+                        <a:rPr lang="en-US" sz="2000" b="0" i="0" u="none" strike="noStrike">
+                          <a:solidFill>
+                            <a:schemeClr val="tx1"/>
+                          </a:solidFill>
+                          <a:effectLst/>
+                          <a:latin typeface="+mn-lt"/>
+                        </a:rPr>
+                        <a:t>3.64</a:t>
+                      </a:r>
+                    </a:p>
+                  </a:txBody>
+                  <a:tcPr marL="6350" marR="6350" marT="6350" marB="0" anchor="ctr">
+                    <a:lnL w="12700" cap="flat" cmpd="sng" algn="ctr">
+                      <a:solidFill>
+                        <a:schemeClr val="tx1"/>
+                      </a:solidFill>
+                      <a:prstDash val="solid"/>
+                      <a:round/>
+                      <a:headEnd type="none" w="med" len="med"/>
+                      <a:tailEnd type="none" w="med" len="med"/>
+                    </a:lnL>
+                    <a:lnR w="12700" cap="flat" cmpd="sng" algn="ctr">
+                      <a:solidFill>
+                        <a:schemeClr val="tx1"/>
+                      </a:solidFill>
+                      <a:prstDash val="solid"/>
+                      <a:round/>
+                      <a:headEnd type="none" w="med" len="med"/>
+                      <a:tailEnd type="none" w="med" len="med"/>
+                    </a:lnR>
+                    <a:lnT w="12700" cap="flat" cmpd="sng" algn="ctr">
+                      <a:solidFill>
+                        <a:schemeClr val="tx1"/>
+                      </a:solidFill>
+                      <a:prstDash val="solid"/>
+                      <a:round/>
+                      <a:headEnd type="none" w="med" len="med"/>
+                      <a:tailEnd type="none" w="med" len="med"/>
+                    </a:lnT>
+                    <a:lnB w="12700" cap="flat" cmpd="sng" algn="ctr">
+                      <a:solidFill>
+                        <a:schemeClr val="tx1"/>
+                      </a:solidFill>
+                      <a:prstDash val="solid"/>
+                      <a:round/>
+                      <a:headEnd type="none" w="med" len="med"/>
+                      <a:tailEnd type="none" w="med" len="med"/>
+                    </a:lnB>
+                    <a:lnTlToBr w="12700" cmpd="sng">
+                      <a:noFill/>
+                      <a:prstDash val="solid"/>
+                    </a:lnTlToBr>
+                    <a:lnBlToTr w="12700" cmpd="sng">
+                      <a:noFill/>
+                      <a:prstDash val="solid"/>
+                    </a:lnBlToTr>
+                  </a:tcPr>
+                </a:tc>
+                <a:tc>
+                  <a:txBody>
+                    <a:bodyPr/>
+                    <a:lstStyle/>
+                    <a:p>
+                      <a:pPr algn="ctr" fontAlgn="b"/>
+                      <a:r>
+                        <a:rPr lang="en-US" sz="2000" b="0" i="0" u="none" strike="noStrike" dirty="0" err="1">
+                          <a:solidFill>
+                            <a:schemeClr val="tx1"/>
+                          </a:solidFill>
+                          <a:effectLst/>
+                          <a:latin typeface="+mn-lt"/>
+                        </a:rPr>
+                        <a:t>vba</a:t>
+                      </a:r>
+                      <a:endParaRPr lang="en-US" sz="2000" b="0" i="0" u="none" strike="noStrike" dirty="0">
+                        <a:solidFill>
+                          <a:schemeClr val="tx1"/>
+                        </a:solidFill>
+                        <a:effectLst/>
+                        <a:latin typeface="+mn-lt"/>
+                      </a:endParaRPr>
+                    </a:p>
+                  </a:txBody>
+                  <a:tcPr marL="6350" marR="6350" marT="6350" marB="0" anchor="ctr">
+                    <a:lnL w="12700" cap="flat" cmpd="sng" algn="ctr">
+                      <a:solidFill>
+                        <a:schemeClr val="tx1"/>
+                      </a:solidFill>
+                      <a:prstDash val="solid"/>
+                      <a:round/>
+                      <a:headEnd type="none" w="med" len="med"/>
+                      <a:tailEnd type="none" w="med" len="med"/>
+                    </a:lnL>
+                    <a:lnR w="12700" cap="flat" cmpd="sng" algn="ctr">
+                      <a:solidFill>
+                        <a:schemeClr val="tx1"/>
+                      </a:solidFill>
+                      <a:prstDash val="solid"/>
+                      <a:round/>
+                      <a:headEnd type="none" w="med" len="med"/>
+                      <a:tailEnd type="none" w="med" len="med"/>
+                    </a:lnR>
+                    <a:lnT w="12700" cap="flat" cmpd="sng" algn="ctr">
+                      <a:solidFill>
+                        <a:schemeClr val="tx1"/>
+                      </a:solidFill>
+                      <a:prstDash val="solid"/>
+                      <a:round/>
+                      <a:headEnd type="none" w="med" len="med"/>
+                      <a:tailEnd type="none" w="med" len="med"/>
+                    </a:lnT>
+                    <a:lnB w="12700" cap="flat" cmpd="sng" algn="ctr">
+                      <a:solidFill>
+                        <a:schemeClr val="tx1"/>
+                      </a:solidFill>
+                      <a:prstDash val="solid"/>
+                      <a:round/>
+                      <a:headEnd type="none" w="med" len="med"/>
+                      <a:tailEnd type="none" w="med" len="med"/>
+                    </a:lnB>
+                    <a:lnTlToBr w="12700" cmpd="sng">
+                      <a:noFill/>
+                      <a:prstDash val="solid"/>
+                    </a:lnTlToBr>
+                    <a:lnBlToTr w="12700" cmpd="sng">
+                      <a:noFill/>
+                      <a:prstDash val="solid"/>
+                    </a:lnBlToTr>
+                  </a:tcPr>
+                </a:tc>
+                <a:tc>
+                  <a:txBody>
+                    <a:bodyPr/>
+                    <a:lstStyle/>
+                    <a:p>
+                      <a:pPr algn="ctr" fontAlgn="b"/>
+                      <a:r>
+                        <a:rPr lang="en-US" sz="2000" b="0" i="0" u="none" strike="noStrike" dirty="0">
+                          <a:solidFill>
+                            <a:schemeClr val="tx1"/>
+                          </a:solidFill>
+                          <a:effectLst/>
+                          <a:latin typeface="+mn-lt"/>
+                        </a:rPr>
+                        <a:t>6.3</a:t>
+                      </a:r>
+                    </a:p>
+                  </a:txBody>
+                  <a:tcPr marL="6350" marR="6350" marT="6350" marB="0" anchor="ctr">
+                    <a:lnL w="12700" cap="flat" cmpd="sng" algn="ctr">
+                      <a:solidFill>
+                        <a:schemeClr val="tx1"/>
+                      </a:solidFill>
+                      <a:prstDash val="solid"/>
+                      <a:round/>
+                      <a:headEnd type="none" w="med" len="med"/>
+                      <a:tailEnd type="none" w="med" len="med"/>
+                    </a:lnL>
+                    <a:lnR w="12700" cap="flat" cmpd="sng" algn="ctr">
+                      <a:solidFill>
+                        <a:schemeClr val="tx1"/>
+                      </a:solidFill>
+                      <a:prstDash val="solid"/>
+                      <a:round/>
+                      <a:headEnd type="none" w="med" len="med"/>
+                      <a:tailEnd type="none" w="med" len="med"/>
+                    </a:lnR>
+                    <a:lnT w="12700" cap="flat" cmpd="sng" algn="ctr">
+                      <a:solidFill>
+                        <a:schemeClr val="tx1"/>
+                      </a:solidFill>
+                      <a:prstDash val="solid"/>
+                      <a:round/>
+                      <a:headEnd type="none" w="med" len="med"/>
+                      <a:tailEnd type="none" w="med" len="med"/>
+                    </a:lnT>
+                    <a:lnB w="12700" cap="flat" cmpd="sng" algn="ctr">
+                      <a:solidFill>
+                        <a:schemeClr val="tx1"/>
+                      </a:solidFill>
+                      <a:prstDash val="solid"/>
+                      <a:round/>
+                      <a:headEnd type="none" w="med" len="med"/>
+                      <a:tailEnd type="none" w="med" len="med"/>
+                    </a:lnB>
+                    <a:lnTlToBr w="12700" cmpd="sng">
+                      <a:noFill/>
+                      <a:prstDash val="solid"/>
+                    </a:lnTlToBr>
+                    <a:lnBlToTr w="12700" cmpd="sng">
+                      <a:noFill/>
+                      <a:prstDash val="solid"/>
+                    </a:lnBlToTr>
+                  </a:tcPr>
+                </a:tc>
+                <a:extLst>
+                  <a:ext uri="{0D108BD9-81ED-4DB2-BD59-A6C34878D82A}">
+                    <a16:rowId xmlns:a16="http://schemas.microsoft.com/office/drawing/2014/main" val="2850072605"/>
+                  </a:ext>
+                </a:extLst>
+              </a:tr>
+              <a:tr h="385565">
+                <a:tc>
+                  <a:txBody>
+                    <a:bodyPr/>
+                    <a:lstStyle/>
+                    <a:p>
+                      <a:pPr algn="ctr" fontAlgn="b"/>
+                      <a:r>
+                        <a:rPr lang="en-US" sz="2000" b="0" i="0" u="none" strike="noStrike">
+                          <a:solidFill>
+                            <a:schemeClr val="tx1"/>
+                          </a:solidFill>
+                          <a:effectLst/>
+                          <a:latin typeface="+mn-lt"/>
+                        </a:rPr>
+                        <a:t>oracl</a:t>
+                      </a:r>
+                    </a:p>
+                  </a:txBody>
+                  <a:tcPr marL="6350" marR="6350" marT="6350" marB="0" anchor="ctr">
+                    <a:lnL w="12700" cap="flat" cmpd="sng" algn="ctr">
+                      <a:solidFill>
+                        <a:schemeClr val="tx1"/>
+                      </a:solidFill>
+                      <a:prstDash val="solid"/>
+                      <a:round/>
+                      <a:headEnd type="none" w="med" len="med"/>
+                      <a:tailEnd type="none" w="med" len="med"/>
+                    </a:lnL>
+                    <a:lnR w="12700" cap="flat" cmpd="sng" algn="ctr">
+                      <a:solidFill>
+                        <a:schemeClr val="tx1"/>
+                      </a:solidFill>
+                      <a:prstDash val="solid"/>
+                      <a:round/>
+                      <a:headEnd type="none" w="med" len="med"/>
+                      <a:tailEnd type="none" w="med" len="med"/>
+                    </a:lnR>
+                    <a:lnT w="12700" cap="flat" cmpd="sng" algn="ctr">
+                      <a:solidFill>
+                        <a:schemeClr val="tx1"/>
+                      </a:solidFill>
+                      <a:prstDash val="solid"/>
+                      <a:round/>
+                      <a:headEnd type="none" w="med" len="med"/>
+                      <a:tailEnd type="none" w="med" len="med"/>
+                    </a:lnT>
+                    <a:lnB w="12700" cap="flat" cmpd="sng" algn="ctr">
+                      <a:solidFill>
+                        <a:schemeClr val="tx1"/>
+                      </a:solidFill>
+                      <a:prstDash val="solid"/>
+                      <a:round/>
+                      <a:headEnd type="none" w="med" len="med"/>
+                      <a:tailEnd type="none" w="med" len="med"/>
+                    </a:lnB>
+                    <a:lnTlToBr w="12700" cmpd="sng">
+                      <a:noFill/>
+                      <a:prstDash val="solid"/>
+                    </a:lnTlToBr>
+                    <a:lnBlToTr w="12700" cmpd="sng">
+                      <a:noFill/>
+                      <a:prstDash val="solid"/>
+                    </a:lnBlToTr>
+                    <a:solidFill>
+                      <a:srgbClr val="DDEBF7"/>
+                    </a:solidFill>
+                  </a:tcPr>
+                </a:tc>
+                <a:tc>
+                  <a:txBody>
+                    <a:bodyPr/>
+                    <a:lstStyle/>
+                    <a:p>
+                      <a:pPr algn="ctr" fontAlgn="b"/>
+                      <a:r>
+                        <a:rPr lang="en-US" sz="2000" b="0" i="0" u="none" strike="noStrike">
+                          <a:solidFill>
+                            <a:schemeClr val="tx1"/>
+                          </a:solidFill>
+                          <a:effectLst/>
+                          <a:latin typeface="+mn-lt"/>
+                        </a:rPr>
+                        <a:t>3.64</a:t>
+                      </a:r>
+                    </a:p>
+                  </a:txBody>
+                  <a:tcPr marL="6350" marR="6350" marT="6350" marB="0" anchor="ctr">
+                    <a:lnL w="12700" cap="flat" cmpd="sng" algn="ctr">
+                      <a:solidFill>
+                        <a:schemeClr val="tx1"/>
+                      </a:solidFill>
+                      <a:prstDash val="solid"/>
+                      <a:round/>
+                      <a:headEnd type="none" w="med" len="med"/>
+                      <a:tailEnd type="none" w="med" len="med"/>
+                    </a:lnL>
+                    <a:lnR w="12700" cap="flat" cmpd="sng" algn="ctr">
+                      <a:solidFill>
+                        <a:schemeClr val="tx1"/>
+                      </a:solidFill>
+                      <a:prstDash val="solid"/>
+                      <a:round/>
+                      <a:headEnd type="none" w="med" len="med"/>
+                      <a:tailEnd type="none" w="med" len="med"/>
+                    </a:lnR>
+                    <a:lnT w="12700" cap="flat" cmpd="sng" algn="ctr">
+                      <a:solidFill>
+                        <a:schemeClr val="tx1"/>
+                      </a:solidFill>
+                      <a:prstDash val="solid"/>
+                      <a:round/>
+                      <a:headEnd type="none" w="med" len="med"/>
+                      <a:tailEnd type="none" w="med" len="med"/>
+                    </a:lnT>
+                    <a:lnB w="12700" cap="flat" cmpd="sng" algn="ctr">
+                      <a:solidFill>
+                        <a:schemeClr val="tx1"/>
+                      </a:solidFill>
+                      <a:prstDash val="solid"/>
+                      <a:round/>
+                      <a:headEnd type="none" w="med" len="med"/>
+                      <a:tailEnd type="none" w="med" len="med"/>
+                    </a:lnB>
+                    <a:lnTlToBr w="12700" cmpd="sng">
+                      <a:noFill/>
+                      <a:prstDash val="solid"/>
+                    </a:lnTlToBr>
+                    <a:lnBlToTr w="12700" cmpd="sng">
+                      <a:noFill/>
+                      <a:prstDash val="solid"/>
+                    </a:lnBlToTr>
+                    <a:solidFill>
+                      <a:srgbClr val="DDEBF7"/>
+                    </a:solidFill>
+                  </a:tcPr>
+                </a:tc>
+                <a:tc>
+                  <a:txBody>
+                    <a:bodyPr/>
+                    <a:lstStyle/>
+                    <a:p>
+                      <a:pPr algn="ctr" fontAlgn="b"/>
+                      <a:r>
+                        <a:rPr lang="en-US" sz="2000" b="0" i="0" u="none" strike="noStrike">
+                          <a:solidFill>
+                            <a:schemeClr val="tx1"/>
+                          </a:solidFill>
+                          <a:effectLst/>
+                          <a:latin typeface="+mn-lt"/>
+                        </a:rPr>
+                        <a:t>pig</a:t>
+                      </a:r>
+                    </a:p>
+                  </a:txBody>
+                  <a:tcPr marL="6350" marR="6350" marT="6350" marB="0" anchor="ctr">
+                    <a:lnL w="12700" cap="flat" cmpd="sng" algn="ctr">
+                      <a:solidFill>
+                        <a:schemeClr val="tx1"/>
+                      </a:solidFill>
+                      <a:prstDash val="solid"/>
+                      <a:round/>
+                      <a:headEnd type="none" w="med" len="med"/>
+                      <a:tailEnd type="none" w="med" len="med"/>
+                    </a:lnL>
+                    <a:lnR w="12700" cap="flat" cmpd="sng" algn="ctr">
+                      <a:solidFill>
+                        <a:schemeClr val="tx1"/>
+                      </a:solidFill>
+                      <a:prstDash val="solid"/>
+                      <a:round/>
+                      <a:headEnd type="none" w="med" len="med"/>
+                      <a:tailEnd type="none" w="med" len="med"/>
+                    </a:lnR>
+                    <a:lnT w="12700" cap="flat" cmpd="sng" algn="ctr">
+                      <a:solidFill>
+                        <a:schemeClr val="tx1"/>
+                      </a:solidFill>
+                      <a:prstDash val="solid"/>
+                      <a:round/>
+                      <a:headEnd type="none" w="med" len="med"/>
+                      <a:tailEnd type="none" w="med" len="med"/>
+                    </a:lnT>
+                    <a:lnB w="12700" cap="flat" cmpd="sng" algn="ctr">
+                      <a:solidFill>
+                        <a:schemeClr val="tx1"/>
+                      </a:solidFill>
+                      <a:prstDash val="solid"/>
+                      <a:round/>
+                      <a:headEnd type="none" w="med" len="med"/>
+                      <a:tailEnd type="none" w="med" len="med"/>
+                    </a:lnB>
+                    <a:lnTlToBr w="12700" cmpd="sng">
+                      <a:noFill/>
+                      <a:prstDash val="solid"/>
+                    </a:lnTlToBr>
+                    <a:lnBlToTr w="12700" cmpd="sng">
+                      <a:noFill/>
+                      <a:prstDash val="solid"/>
+                    </a:lnBlToTr>
+                    <a:solidFill>
+                      <a:srgbClr val="DDEBF7"/>
+                    </a:solidFill>
+                  </a:tcPr>
+                </a:tc>
+                <a:tc>
+                  <a:txBody>
+                    <a:bodyPr/>
+                    <a:lstStyle/>
+                    <a:p>
+                      <a:pPr algn="ctr" fontAlgn="b"/>
+                      <a:r>
+                        <a:rPr lang="en-US" sz="2000" b="0" i="0" u="none" strike="noStrike" dirty="0">
+                          <a:solidFill>
+                            <a:schemeClr val="tx1"/>
+                          </a:solidFill>
+                          <a:effectLst/>
+                          <a:latin typeface="+mn-lt"/>
+                        </a:rPr>
+                        <a:t>6.37</a:t>
+                      </a:r>
+                    </a:p>
+                  </a:txBody>
+                  <a:tcPr marL="6350" marR="6350" marT="6350" marB="0" anchor="ctr">
+                    <a:lnL w="12700" cap="flat" cmpd="sng" algn="ctr">
+                      <a:solidFill>
+                        <a:schemeClr val="tx1"/>
+                      </a:solidFill>
+                      <a:prstDash val="solid"/>
+                      <a:round/>
+                      <a:headEnd type="none" w="med" len="med"/>
+                      <a:tailEnd type="none" w="med" len="med"/>
+                    </a:lnL>
+                    <a:lnR w="12700" cap="flat" cmpd="sng" algn="ctr">
+                      <a:solidFill>
+                        <a:schemeClr val="tx1"/>
+                      </a:solidFill>
+                      <a:prstDash val="solid"/>
+                      <a:round/>
+                      <a:headEnd type="none" w="med" len="med"/>
+                      <a:tailEnd type="none" w="med" len="med"/>
+                    </a:lnR>
+                    <a:lnT w="12700" cap="flat" cmpd="sng" algn="ctr">
+                      <a:solidFill>
+                        <a:schemeClr val="tx1"/>
+                      </a:solidFill>
+                      <a:prstDash val="solid"/>
+                      <a:round/>
+                      <a:headEnd type="none" w="med" len="med"/>
+                      <a:tailEnd type="none" w="med" len="med"/>
+                    </a:lnT>
+                    <a:lnB w="12700" cap="flat" cmpd="sng" algn="ctr">
+                      <a:solidFill>
+                        <a:schemeClr val="tx1"/>
+                      </a:solidFill>
+                      <a:prstDash val="solid"/>
+                      <a:round/>
+                      <a:headEnd type="none" w="med" len="med"/>
+                      <a:tailEnd type="none" w="med" len="med"/>
+                    </a:lnB>
+                    <a:lnTlToBr w="12700" cmpd="sng">
+                      <a:noFill/>
+                      <a:prstDash val="solid"/>
+                    </a:lnTlToBr>
+                    <a:lnBlToTr w="12700" cmpd="sng">
+                      <a:noFill/>
+                      <a:prstDash val="solid"/>
+                    </a:lnBlToTr>
+                    <a:solidFill>
+                      <a:srgbClr val="DDEBF7"/>
+                    </a:solidFill>
+                  </a:tcPr>
+                </a:tc>
+                <a:extLst>
+                  <a:ext uri="{0D108BD9-81ED-4DB2-BD59-A6C34878D82A}">
+                    <a16:rowId xmlns:a16="http://schemas.microsoft.com/office/drawing/2014/main" val="861537370"/>
+                  </a:ext>
+                </a:extLst>
+              </a:tr>
+              <a:tr h="385565">
+                <a:tc>
+                  <a:txBody>
+                    <a:bodyPr/>
+                    <a:lstStyle/>
+                    <a:p>
+                      <a:pPr algn="ctr" fontAlgn="b"/>
+                      <a:r>
+                        <a:rPr lang="en-US" sz="2000" b="0" i="0" u="none" strike="noStrike">
+                          <a:solidFill>
+                            <a:schemeClr val="tx1"/>
+                          </a:solidFill>
+                          <a:effectLst/>
+                          <a:latin typeface="+mn-lt"/>
+                        </a:rPr>
+                        <a:t>hadoop</a:t>
+                      </a:r>
+                    </a:p>
+                  </a:txBody>
+                  <a:tcPr marL="6350" marR="6350" marT="6350" marB="0" anchor="ctr">
+                    <a:lnL w="12700" cap="flat" cmpd="sng" algn="ctr">
+                      <a:solidFill>
+                        <a:schemeClr val="tx1"/>
+                      </a:solidFill>
+                      <a:prstDash val="solid"/>
+                      <a:round/>
+                      <a:headEnd type="none" w="med" len="med"/>
+                      <a:tailEnd type="none" w="med" len="med"/>
+                    </a:lnL>
+                    <a:lnR w="12700" cap="flat" cmpd="sng" algn="ctr">
+                      <a:solidFill>
+                        <a:schemeClr val="tx1"/>
+                      </a:solidFill>
+                      <a:prstDash val="solid"/>
+                      <a:round/>
+                      <a:headEnd type="none" w="med" len="med"/>
+                      <a:tailEnd type="none" w="med" len="med"/>
+                    </a:lnR>
+                    <a:lnT w="12700" cap="flat" cmpd="sng" algn="ctr">
+                      <a:solidFill>
+                        <a:schemeClr val="tx1"/>
+                      </a:solidFill>
+                      <a:prstDash val="solid"/>
+                      <a:round/>
+                      <a:headEnd type="none" w="med" len="med"/>
+                      <a:tailEnd type="none" w="med" len="med"/>
+                    </a:lnT>
+                    <a:lnB w="12700" cap="flat" cmpd="sng" algn="ctr">
+                      <a:solidFill>
+                        <a:schemeClr val="tx1"/>
+                      </a:solidFill>
+                      <a:prstDash val="solid"/>
+                      <a:round/>
+                      <a:headEnd type="none" w="med" len="med"/>
+                      <a:tailEnd type="none" w="med" len="med"/>
+                    </a:lnB>
+                    <a:lnTlToBr w="12700" cmpd="sng">
+                      <a:noFill/>
+                      <a:prstDash val="solid"/>
+                    </a:lnTlToBr>
+                    <a:lnBlToTr w="12700" cmpd="sng">
+                      <a:noFill/>
+                      <a:prstDash val="solid"/>
+                    </a:lnBlToTr>
+                  </a:tcPr>
+                </a:tc>
+                <a:tc>
+                  <a:txBody>
+                    <a:bodyPr/>
+                    <a:lstStyle/>
+                    <a:p>
+                      <a:pPr algn="ctr" fontAlgn="b"/>
+                      <a:r>
+                        <a:rPr lang="en-US" sz="2000" b="0" i="0" u="none" strike="noStrike">
+                          <a:solidFill>
+                            <a:schemeClr val="tx1"/>
+                          </a:solidFill>
+                          <a:effectLst/>
+                          <a:latin typeface="+mn-lt"/>
+                        </a:rPr>
+                        <a:t>4.15</a:t>
+                      </a:r>
+                    </a:p>
+                  </a:txBody>
+                  <a:tcPr marL="6350" marR="6350" marT="6350" marB="0" anchor="ctr">
+                    <a:lnL w="12700" cap="flat" cmpd="sng" algn="ctr">
+                      <a:solidFill>
+                        <a:schemeClr val="tx1"/>
+                      </a:solidFill>
+                      <a:prstDash val="solid"/>
+                      <a:round/>
+                      <a:headEnd type="none" w="med" len="med"/>
+                      <a:tailEnd type="none" w="med" len="med"/>
+                    </a:lnL>
+                    <a:lnR w="12700" cap="flat" cmpd="sng" algn="ctr">
+                      <a:solidFill>
+                        <a:schemeClr val="tx1"/>
+                      </a:solidFill>
+                      <a:prstDash val="solid"/>
+                      <a:round/>
+                      <a:headEnd type="none" w="med" len="med"/>
+                      <a:tailEnd type="none" w="med" len="med"/>
+                    </a:lnR>
+                    <a:lnT w="12700" cap="flat" cmpd="sng" algn="ctr">
+                      <a:solidFill>
+                        <a:schemeClr val="tx1"/>
+                      </a:solidFill>
+                      <a:prstDash val="solid"/>
+                      <a:round/>
+                      <a:headEnd type="none" w="med" len="med"/>
+                      <a:tailEnd type="none" w="med" len="med"/>
+                    </a:lnT>
+                    <a:lnB w="12700" cap="flat" cmpd="sng" algn="ctr">
+                      <a:solidFill>
+                        <a:schemeClr val="tx1"/>
+                      </a:solidFill>
+                      <a:prstDash val="solid"/>
+                      <a:round/>
+                      <a:headEnd type="none" w="med" len="med"/>
+                      <a:tailEnd type="none" w="med" len="med"/>
+                    </a:lnB>
+                    <a:lnTlToBr w="12700" cmpd="sng">
+                      <a:noFill/>
+                      <a:prstDash val="solid"/>
+                    </a:lnTlToBr>
+                    <a:lnBlToTr w="12700" cmpd="sng">
+                      <a:noFill/>
+                      <a:prstDash val="solid"/>
+                    </a:lnBlToTr>
+                  </a:tcPr>
+                </a:tc>
+                <a:tc>
+                  <a:txBody>
+                    <a:bodyPr/>
+                    <a:lstStyle/>
+                    <a:p>
+                      <a:pPr algn="ctr" fontAlgn="b"/>
+                      <a:r>
+                        <a:rPr lang="en-US" sz="2000" b="0" i="0" u="none" strike="noStrike">
+                          <a:solidFill>
+                            <a:schemeClr val="tx1"/>
+                          </a:solidFill>
+                          <a:effectLst/>
+                          <a:latin typeface="+mn-lt"/>
+                        </a:rPr>
+                        <a:t>sqlserver</a:t>
+                      </a:r>
+                    </a:p>
+                  </a:txBody>
+                  <a:tcPr marL="6350" marR="6350" marT="6350" marB="0" anchor="ctr">
+                    <a:lnL w="12700" cap="flat" cmpd="sng" algn="ctr">
+                      <a:solidFill>
+                        <a:schemeClr val="tx1"/>
+                      </a:solidFill>
+                      <a:prstDash val="solid"/>
+                      <a:round/>
+                      <a:headEnd type="none" w="med" len="med"/>
+                      <a:tailEnd type="none" w="med" len="med"/>
+                    </a:lnL>
+                    <a:lnR w="12700" cap="flat" cmpd="sng" algn="ctr">
+                      <a:solidFill>
+                        <a:schemeClr val="tx1"/>
+                      </a:solidFill>
+                      <a:prstDash val="solid"/>
+                      <a:round/>
+                      <a:headEnd type="none" w="med" len="med"/>
+                      <a:tailEnd type="none" w="med" len="med"/>
+                    </a:lnR>
+                    <a:lnT w="12700" cap="flat" cmpd="sng" algn="ctr">
+                      <a:solidFill>
+                        <a:schemeClr val="tx1"/>
+                      </a:solidFill>
+                      <a:prstDash val="solid"/>
+                      <a:round/>
+                      <a:headEnd type="none" w="med" len="med"/>
+                      <a:tailEnd type="none" w="med" len="med"/>
+                    </a:lnT>
+                    <a:lnB w="12700" cap="flat" cmpd="sng" algn="ctr">
+                      <a:solidFill>
+                        <a:schemeClr val="tx1"/>
+                      </a:solidFill>
+                      <a:prstDash val="solid"/>
+                      <a:round/>
+                      <a:headEnd type="none" w="med" len="med"/>
+                      <a:tailEnd type="none" w="med" len="med"/>
+                    </a:lnB>
+                    <a:lnTlToBr w="12700" cmpd="sng">
+                      <a:noFill/>
+                      <a:prstDash val="solid"/>
+                    </a:lnTlToBr>
+                    <a:lnBlToTr w="12700" cmpd="sng">
+                      <a:noFill/>
+                      <a:prstDash val="solid"/>
+                    </a:lnBlToTr>
+                  </a:tcPr>
+                </a:tc>
+                <a:tc>
+                  <a:txBody>
+                    <a:bodyPr/>
+                    <a:lstStyle/>
+                    <a:p>
+                      <a:pPr algn="ctr" fontAlgn="b"/>
+                      <a:r>
+                        <a:rPr lang="en-US" sz="2000" b="0" i="0" u="none" strike="noStrike" dirty="0">
+                          <a:solidFill>
+                            <a:schemeClr val="tx1"/>
+                          </a:solidFill>
+                          <a:effectLst/>
+                          <a:latin typeface="+mn-lt"/>
+                        </a:rPr>
+                        <a:t>8.31</a:t>
+                      </a:r>
+                    </a:p>
+                  </a:txBody>
+                  <a:tcPr marL="6350" marR="6350" marT="6350" marB="0" anchor="ctr">
+                    <a:lnL w="12700" cap="flat" cmpd="sng" algn="ctr">
+                      <a:solidFill>
+                        <a:schemeClr val="tx1"/>
+                      </a:solidFill>
+                      <a:prstDash val="solid"/>
+                      <a:round/>
+                      <a:headEnd type="none" w="med" len="med"/>
+                      <a:tailEnd type="none" w="med" len="med"/>
+                    </a:lnL>
+                    <a:lnR w="12700" cap="flat" cmpd="sng" algn="ctr">
+                      <a:solidFill>
+                        <a:schemeClr val="tx1"/>
+                      </a:solidFill>
+                      <a:prstDash val="solid"/>
+                      <a:round/>
+                      <a:headEnd type="none" w="med" len="med"/>
+                      <a:tailEnd type="none" w="med" len="med"/>
+                    </a:lnR>
+                    <a:lnT w="12700" cap="flat" cmpd="sng" algn="ctr">
+                      <a:solidFill>
+                        <a:schemeClr val="tx1"/>
+                      </a:solidFill>
+                      <a:prstDash val="solid"/>
+                      <a:round/>
+                      <a:headEnd type="none" w="med" len="med"/>
+                      <a:tailEnd type="none" w="med" len="med"/>
+                    </a:lnT>
+                    <a:lnB w="12700" cap="flat" cmpd="sng" algn="ctr">
+                      <a:solidFill>
+                        <a:schemeClr val="tx1"/>
+                      </a:solidFill>
+                      <a:prstDash val="solid"/>
+                      <a:round/>
+                      <a:headEnd type="none" w="med" len="med"/>
+                      <a:tailEnd type="none" w="med" len="med"/>
+                    </a:lnB>
+                    <a:lnTlToBr w="12700" cmpd="sng">
+                      <a:noFill/>
+                      <a:prstDash val="solid"/>
+                    </a:lnTlToBr>
+                    <a:lnBlToTr w="12700" cmpd="sng">
+                      <a:noFill/>
+                      <a:prstDash val="solid"/>
+                    </a:lnBlToTr>
+                  </a:tcPr>
+                </a:tc>
+                <a:extLst>
+                  <a:ext uri="{0D108BD9-81ED-4DB2-BD59-A6C34878D82A}">
+                    <a16:rowId xmlns:a16="http://schemas.microsoft.com/office/drawing/2014/main" val="854490632"/>
+                  </a:ext>
+                </a:extLst>
+              </a:tr>
+            </a:tbl>
+          </a:graphicData>
+        </a:graphic>
+      </p:graphicFrame>
       <p:sp>
         <p:nvSpPr>
-          <p:cNvPr id="3" name="TextBox 2"/>
+          <p:cNvPr id="6" name="TextBox 5"/>
           <p:cNvSpPr txBox="1"/>
           <p:nvPr/>
         </p:nvSpPr>
         <p:spPr>
           <a:xfrm>
-            <a:off x="824189" y="1995055"/>
-            <a:ext cx="7535921" cy="461665"/>
+            <a:off x="2733964" y="1608856"/>
+            <a:ext cx="4082472" cy="461665"/>
           </a:xfrm>
           <a:prstGeom prst="rect">
             <a:avLst/>
@@ -14109,7 +17673,7 @@
           <a:p>
             <a:r>
               <a:rPr lang="en-US" dirty="0"/>
-              <a:t>Word cloud</a:t>
+              <a:t>IDF of Required Skills</a:t>
             </a:r>
           </a:p>
         </p:txBody>
@@ -14117,7 +17681,7 @@
     </p:spTree>
     <p:extLst>
       <p:ext uri="{BB962C8B-B14F-4D97-AF65-F5344CB8AC3E}">
-        <p14:creationId xmlns:p14="http://schemas.microsoft.com/office/powerpoint/2010/main" val="4000364226"/>
+        <p14:creationId xmlns:p14="http://schemas.microsoft.com/office/powerpoint/2010/main" val="3062627114"/>
       </p:ext>
     </p:extLst>
   </p:cSld>
@@ -14179,37 +17743,593 @@
       </p:pic>
       <p:sp>
         <p:nvSpPr>
-          <p:cNvPr id="8197" name="Rectangle 5"/>
+          <p:cNvPr id="8195" name="Rectangle 3"/>
           <p:cNvSpPr>
             <a:spLocks noGrp="1" noChangeArrowheads="1"/>
           </p:cNvSpPr>
           <p:nvPr>
-            <p:ph type="body" idx="4294967295"/>
+            <p:ph type="title" idx="4294967295"/>
           </p:nvPr>
         </p:nvSpPr>
         <p:spPr>
           <a:xfrm>
-            <a:off x="0" y="166369"/>
-            <a:ext cx="8746288" cy="5974081"/>
+            <a:off x="471488" y="288925"/>
+            <a:ext cx="8229600" cy="1143000"/>
           </a:xfrm>
         </p:spPr>
         <p:txBody>
           <a:bodyPr/>
           <a:lstStyle/>
           <a:p>
-            <a:pPr eaLnBrk="1" hangingPunct="1">
-              <a:buFontTx/>
-              <a:buNone/>
-            </a:pPr>
-            <a:endParaRPr lang="zh-CN" altLang="en-US" sz="2800" b="1" dirty="0">
-              <a:solidFill>
-                <a:schemeClr val="tx1"/>
-              </a:solidFill>
-              <a:ea typeface="微软雅黑" pitchFamily="34" charset="-122"/>
+            <a:pPr eaLnBrk="1" hangingPunct="1"/>
+            <a:endParaRPr lang="zh-CN" altLang="en-US" dirty="0">
+              <a:ea typeface="宋体" pitchFamily="2" charset="-122"/>
             </a:endParaRPr>
           </a:p>
         </p:txBody>
       </p:sp>
+      <p:grpSp>
+        <p:nvGrpSpPr>
+          <p:cNvPr id="8198" name="Group 6"/>
+          <p:cNvGrpSpPr>
+            <a:grpSpLocks/>
+          </p:cNvGrpSpPr>
+          <p:nvPr/>
+        </p:nvGrpSpPr>
+        <p:grpSpPr bwMode="auto">
+          <a:xfrm>
+            <a:off x="341745" y="355454"/>
+            <a:ext cx="8404543" cy="1259034"/>
+            <a:chOff x="0" y="-1736"/>
+            <a:chExt cx="6945116" cy="1260640"/>
+          </a:xfrm>
+        </p:grpSpPr>
+        <p:grpSp>
+          <p:nvGrpSpPr>
+            <p:cNvPr id="8199" name="Group 7"/>
+            <p:cNvGrpSpPr>
+              <a:grpSpLocks/>
+            </p:cNvGrpSpPr>
+            <p:nvPr/>
+          </p:nvGrpSpPr>
+          <p:grpSpPr bwMode="auto">
+            <a:xfrm>
+              <a:off x="168995" y="-1736"/>
+              <a:ext cx="6776121" cy="1016999"/>
+              <a:chOff x="-1" y="-1736"/>
+              <a:chExt cx="6776121" cy="1016999"/>
+            </a:xfrm>
+          </p:grpSpPr>
+          <p:sp>
+            <p:nvSpPr>
+              <p:cNvPr id="8200" name="五边形 29"/>
+              <p:cNvSpPr>
+                <a:spLocks noChangeArrowheads="1"/>
+              </p:cNvSpPr>
+              <p:nvPr/>
+            </p:nvSpPr>
+            <p:spPr bwMode="auto">
+              <a:xfrm>
+                <a:off x="-1" y="0"/>
+                <a:ext cx="1880349" cy="1008112"/>
+              </a:xfrm>
+              <a:prstGeom prst="homePlate">
+                <a:avLst>
+                  <a:gd name="adj" fmla="val 50000"/>
+                </a:avLst>
+              </a:prstGeom>
+              <a:solidFill>
+                <a:schemeClr val="bg2">
+                  <a:lumMod val="60000"/>
+                  <a:lumOff val="40000"/>
+                </a:schemeClr>
+              </a:solidFill>
+              <a:ln w="9525">
+                <a:noFill/>
+                <a:miter lim="800000"/>
+                <a:headEnd/>
+                <a:tailEnd/>
+              </a:ln>
+            </p:spPr>
+            <p:txBody>
+              <a:bodyPr lIns="90170" tIns="46990" rIns="90170" bIns="46990" anchor="ctr"/>
+              <a:lstStyle/>
+              <a:p>
+                <a:pPr algn="ctr"/>
+                <a:endParaRPr lang="zh-CN" altLang="en-US" sz="6000" dirty="0">
+                  <a:solidFill>
+                    <a:srgbClr val="FFFFFF"/>
+                  </a:solidFill>
+                  <a:latin typeface="Broadway" pitchFamily="2" charset="0"/>
+                  <a:sym typeface="Broadway" pitchFamily="2" charset="0"/>
+                </a:endParaRPr>
+              </a:p>
+            </p:txBody>
+          </p:sp>
+          <p:sp>
+            <p:nvSpPr>
+              <p:cNvPr id="8201" name="燕尾形 30"/>
+              <p:cNvSpPr>
+                <a:spLocks noChangeArrowheads="1"/>
+              </p:cNvSpPr>
+              <p:nvPr/>
+            </p:nvSpPr>
+            <p:spPr bwMode="auto">
+              <a:xfrm>
+                <a:off x="4000461" y="7151"/>
+                <a:ext cx="2775659" cy="1008112"/>
+              </a:xfrm>
+              <a:prstGeom prst="chevron">
+                <a:avLst>
+                  <a:gd name="adj" fmla="val 50000"/>
+                </a:avLst>
+              </a:prstGeom>
+              <a:solidFill>
+                <a:schemeClr val="accent1"/>
+              </a:solidFill>
+              <a:ln w="9525">
+                <a:noFill/>
+                <a:miter lim="800000"/>
+                <a:headEnd/>
+                <a:tailEnd/>
+              </a:ln>
+            </p:spPr>
+            <p:txBody>
+              <a:bodyPr lIns="90170" tIns="46990" rIns="90170" bIns="46990" anchor="ctr"/>
+              <a:lstStyle/>
+              <a:p>
+                <a:pPr algn="ctr"/>
+                <a:endParaRPr lang="zh-CN" altLang="en-US" dirty="0">
+                  <a:solidFill>
+                    <a:schemeClr val="bg1"/>
+                  </a:solidFill>
+                  <a:latin typeface="宋体" pitchFamily="2" charset="-122"/>
+                  <a:sym typeface="宋体" pitchFamily="2" charset="-122"/>
+                </a:endParaRPr>
+              </a:p>
+            </p:txBody>
+          </p:sp>
+          <p:sp>
+            <p:nvSpPr>
+              <p:cNvPr id="8202" name="燕尾形 31"/>
+              <p:cNvSpPr>
+                <a:spLocks noChangeArrowheads="1"/>
+              </p:cNvSpPr>
+              <p:nvPr/>
+            </p:nvSpPr>
+            <p:spPr bwMode="auto">
+              <a:xfrm>
+                <a:off x="1637525" y="-1736"/>
+                <a:ext cx="2648866" cy="1008112"/>
+              </a:xfrm>
+              <a:prstGeom prst="chevron">
+                <a:avLst>
+                  <a:gd name="adj" fmla="val 50000"/>
+                </a:avLst>
+              </a:prstGeom>
+              <a:solidFill>
+                <a:srgbClr val="C0C0C0"/>
+              </a:solidFill>
+              <a:ln w="9525">
+                <a:noFill/>
+                <a:miter lim="800000"/>
+                <a:headEnd/>
+                <a:tailEnd/>
+              </a:ln>
+            </p:spPr>
+            <p:txBody>
+              <a:bodyPr lIns="90170" tIns="46990" rIns="90170" bIns="46990" anchor="ctr"/>
+              <a:lstStyle/>
+              <a:p>
+                <a:pPr algn="ctr"/>
+                <a:endParaRPr lang="zh-CN" altLang="en-US" dirty="0">
+                  <a:solidFill>
+                    <a:schemeClr val="bg1"/>
+                  </a:solidFill>
+                  <a:latin typeface="宋体" pitchFamily="2" charset="-122"/>
+                  <a:sym typeface="宋体" pitchFamily="2" charset="-122"/>
+                </a:endParaRPr>
+              </a:p>
+            </p:txBody>
+          </p:sp>
+        </p:grpSp>
+        <p:grpSp>
+          <p:nvGrpSpPr>
+            <p:cNvPr id="8204" name="Group 12"/>
+            <p:cNvGrpSpPr>
+              <a:grpSpLocks/>
+            </p:cNvGrpSpPr>
+            <p:nvPr/>
+          </p:nvGrpSpPr>
+          <p:grpSpPr bwMode="auto">
+            <a:xfrm>
+              <a:off x="0" y="0"/>
+              <a:ext cx="1079429" cy="1258904"/>
+              <a:chOff x="0" y="0"/>
+              <a:chExt cx="1079429" cy="1258904"/>
+            </a:xfrm>
+          </p:grpSpPr>
+          <p:sp>
+            <p:nvSpPr>
+              <p:cNvPr id="8205" name="TextBox 27"/>
+              <p:cNvSpPr>
+                <a:spLocks noChangeArrowheads="1"/>
+              </p:cNvSpPr>
+              <p:nvPr/>
+            </p:nvSpPr>
+            <p:spPr bwMode="auto">
+              <a:xfrm>
+                <a:off x="0" y="251145"/>
+                <a:ext cx="1079429" cy="1007759"/>
+              </a:xfrm>
+              <a:prstGeom prst="rect">
+                <a:avLst/>
+              </a:prstGeom>
+              <a:noFill/>
+              <a:ln w="9525">
+                <a:noFill/>
+                <a:miter lim="800000"/>
+                <a:headEnd/>
+                <a:tailEnd/>
+              </a:ln>
+            </p:spPr>
+            <p:txBody>
+              <a:bodyPr>
+                <a:spAutoFit/>
+              </a:bodyPr>
+              <a:lstStyle/>
+              <a:p>
+                <a:endParaRPr lang="zh-CN" altLang="en-US" sz="6000">
+                  <a:solidFill>
+                    <a:schemeClr val="bg1"/>
+                  </a:solidFill>
+                </a:endParaRPr>
+              </a:p>
+            </p:txBody>
+          </p:sp>
+          <p:sp>
+            <p:nvSpPr>
+              <p:cNvPr id="8206" name="矩形 28"/>
+              <p:cNvSpPr>
+                <a:spLocks noChangeArrowheads="1"/>
+              </p:cNvSpPr>
+              <p:nvPr/>
+            </p:nvSpPr>
+            <p:spPr bwMode="auto">
+              <a:xfrm>
+                <a:off x="231717" y="0"/>
+                <a:ext cx="166952" cy="640579"/>
+              </a:xfrm>
+              <a:prstGeom prst="rect">
+                <a:avLst/>
+              </a:prstGeom>
+              <a:noFill/>
+              <a:ln w="9525">
+                <a:noFill/>
+                <a:miter lim="800000"/>
+                <a:headEnd/>
+                <a:tailEnd/>
+              </a:ln>
+            </p:spPr>
+            <p:txBody>
+              <a:bodyPr wrap="none">
+                <a:spAutoFit/>
+              </a:bodyPr>
+              <a:lstStyle/>
+              <a:p>
+                <a:pPr>
+                  <a:lnSpc>
+                    <a:spcPct val="150000"/>
+                  </a:lnSpc>
+                </a:pPr>
+                <a:endParaRPr lang="zh-CN" altLang="en-US">
+                  <a:solidFill>
+                    <a:schemeClr val="bg1"/>
+                  </a:solidFill>
+                </a:endParaRPr>
+              </a:p>
+            </p:txBody>
+          </p:sp>
+        </p:grpSp>
+        <p:grpSp>
+          <p:nvGrpSpPr>
+            <p:cNvPr id="8207" name="Group 15"/>
+            <p:cNvGrpSpPr>
+              <a:grpSpLocks/>
+            </p:cNvGrpSpPr>
+            <p:nvPr/>
+          </p:nvGrpSpPr>
+          <p:grpSpPr bwMode="auto">
+            <a:xfrm>
+              <a:off x="2185220" y="0"/>
+              <a:ext cx="1334617" cy="681546"/>
+              <a:chOff x="0" y="0"/>
+              <a:chExt cx="1334617" cy="681546"/>
+            </a:xfrm>
+          </p:grpSpPr>
+          <p:sp>
+            <p:nvSpPr>
+              <p:cNvPr id="8208" name="TextBox 25"/>
+              <p:cNvSpPr>
+                <a:spLocks noChangeArrowheads="1"/>
+              </p:cNvSpPr>
+              <p:nvPr/>
+            </p:nvSpPr>
+            <p:spPr bwMode="auto">
+              <a:xfrm>
+                <a:off x="0" y="224005"/>
+                <a:ext cx="1079870" cy="457541"/>
+              </a:xfrm>
+              <a:prstGeom prst="rect">
+                <a:avLst/>
+              </a:prstGeom>
+              <a:noFill/>
+              <a:ln w="9525">
+                <a:noFill/>
+                <a:miter lim="800000"/>
+                <a:headEnd/>
+                <a:tailEnd/>
+              </a:ln>
+            </p:spPr>
+            <p:txBody>
+              <a:bodyPr>
+                <a:spAutoFit/>
+              </a:bodyPr>
+              <a:lstStyle/>
+              <a:p>
+                <a:endParaRPr lang="zh-CN" altLang="en-US">
+                  <a:solidFill>
+                    <a:schemeClr val="bg1"/>
+                  </a:solidFill>
+                </a:endParaRPr>
+              </a:p>
+            </p:txBody>
+          </p:sp>
+          <p:sp>
+            <p:nvSpPr>
+              <p:cNvPr id="8209" name="矩形 28"/>
+              <p:cNvSpPr>
+                <a:spLocks noChangeArrowheads="1"/>
+              </p:cNvSpPr>
+              <p:nvPr/>
+            </p:nvSpPr>
+            <p:spPr bwMode="auto">
+              <a:xfrm>
+                <a:off x="132981" y="0"/>
+                <a:ext cx="1201636" cy="640731"/>
+              </a:xfrm>
+              <a:prstGeom prst="rect">
+                <a:avLst/>
+              </a:prstGeom>
+              <a:noFill/>
+              <a:ln w="9525">
+                <a:noFill/>
+                <a:miter lim="800000"/>
+                <a:headEnd/>
+                <a:tailEnd/>
+              </a:ln>
+            </p:spPr>
+            <p:txBody>
+              <a:bodyPr>
+                <a:spAutoFit/>
+              </a:bodyPr>
+              <a:lstStyle/>
+              <a:p>
+                <a:pPr>
+                  <a:lnSpc>
+                    <a:spcPct val="150000"/>
+                  </a:lnSpc>
+                </a:pPr>
+                <a:endParaRPr lang="zh-CN" altLang="en-US">
+                  <a:solidFill>
+                    <a:srgbClr val="3F3F3F"/>
+                  </a:solidFill>
+                  <a:latin typeface="微软雅黑" pitchFamily="34" charset="-122"/>
+                  <a:ea typeface="微软雅黑" pitchFamily="34" charset="-122"/>
+                </a:endParaRPr>
+              </a:p>
+            </p:txBody>
+          </p:sp>
+        </p:grpSp>
+        <p:grpSp>
+          <p:nvGrpSpPr>
+            <p:cNvPr id="8210" name="Group 18"/>
+            <p:cNvGrpSpPr>
+              <a:grpSpLocks/>
+            </p:cNvGrpSpPr>
+            <p:nvPr/>
+          </p:nvGrpSpPr>
+          <p:grpSpPr bwMode="auto">
+            <a:xfrm>
+              <a:off x="3935376" y="0"/>
+              <a:ext cx="1080715" cy="681545"/>
+              <a:chOff x="0" y="0"/>
+              <a:chExt cx="1080715" cy="681545"/>
+            </a:xfrm>
+          </p:grpSpPr>
+          <p:sp>
+            <p:nvSpPr>
+              <p:cNvPr id="8211" name="TextBox 23"/>
+              <p:cNvSpPr>
+                <a:spLocks noChangeArrowheads="1"/>
+              </p:cNvSpPr>
+              <p:nvPr/>
+            </p:nvSpPr>
+            <p:spPr bwMode="auto">
+              <a:xfrm>
+                <a:off x="0" y="224004"/>
+                <a:ext cx="1080715" cy="457541"/>
+              </a:xfrm>
+              <a:prstGeom prst="rect">
+                <a:avLst/>
+              </a:prstGeom>
+              <a:noFill/>
+              <a:ln w="9525">
+                <a:noFill/>
+                <a:miter lim="800000"/>
+                <a:headEnd/>
+                <a:tailEnd/>
+              </a:ln>
+            </p:spPr>
+            <p:txBody>
+              <a:bodyPr>
+                <a:spAutoFit/>
+              </a:bodyPr>
+              <a:lstStyle/>
+              <a:p>
+                <a:endParaRPr lang="zh-CN" altLang="en-US">
+                  <a:solidFill>
+                    <a:schemeClr val="bg1"/>
+                  </a:solidFill>
+                </a:endParaRPr>
+              </a:p>
+            </p:txBody>
+          </p:sp>
+          <p:sp>
+            <p:nvSpPr>
+              <p:cNvPr id="8212" name="矩形 28"/>
+              <p:cNvSpPr>
+                <a:spLocks noChangeArrowheads="1"/>
+              </p:cNvSpPr>
+              <p:nvPr/>
+            </p:nvSpPr>
+            <p:spPr bwMode="auto">
+              <a:xfrm>
+                <a:off x="132391" y="0"/>
+                <a:ext cx="166928" cy="549684"/>
+              </a:xfrm>
+              <a:prstGeom prst="rect">
+                <a:avLst/>
+              </a:prstGeom>
+              <a:noFill/>
+              <a:ln w="9525">
+                <a:noFill/>
+                <a:miter lim="800000"/>
+                <a:headEnd/>
+                <a:tailEnd/>
+              </a:ln>
+            </p:spPr>
+            <p:txBody>
+              <a:bodyPr wrap="none">
+                <a:spAutoFit/>
+              </a:bodyPr>
+              <a:lstStyle/>
+              <a:p>
+                <a:pPr>
+                  <a:lnSpc>
+                    <a:spcPct val="150000"/>
+                  </a:lnSpc>
+                </a:pPr>
+                <a:endParaRPr lang="zh-CN" altLang="en-US" sz="2000">
+                  <a:solidFill>
+                    <a:srgbClr val="3F3F3F"/>
+                  </a:solidFill>
+                  <a:latin typeface="微软雅黑" pitchFamily="34" charset="-122"/>
+                  <a:ea typeface="微软雅黑" pitchFamily="34" charset="-122"/>
+                </a:endParaRPr>
+              </a:p>
+            </p:txBody>
+          </p:sp>
+        </p:grpSp>
+        <p:grpSp>
+          <p:nvGrpSpPr>
+            <p:cNvPr id="8213" name="Group 21"/>
+            <p:cNvGrpSpPr>
+              <a:grpSpLocks/>
+            </p:cNvGrpSpPr>
+            <p:nvPr/>
+          </p:nvGrpSpPr>
+          <p:grpSpPr bwMode="auto">
+            <a:xfrm>
+              <a:off x="5545593" y="0"/>
+              <a:ext cx="1080404" cy="734094"/>
+              <a:chOff x="0" y="0"/>
+              <a:chExt cx="1080404" cy="734094"/>
+            </a:xfrm>
+          </p:grpSpPr>
+          <p:sp>
+            <p:nvSpPr>
+              <p:cNvPr id="8214" name="TextBox 21"/>
+              <p:cNvSpPr>
+                <a:spLocks noChangeArrowheads="1"/>
+              </p:cNvSpPr>
+              <p:nvPr/>
+            </p:nvSpPr>
+            <p:spPr bwMode="auto">
+              <a:xfrm>
+                <a:off x="0" y="225872"/>
+                <a:ext cx="1080404" cy="458108"/>
+              </a:xfrm>
+              <a:prstGeom prst="rect">
+                <a:avLst/>
+              </a:prstGeom>
+              <a:noFill/>
+              <a:ln w="9525">
+                <a:noFill/>
+                <a:miter lim="800000"/>
+                <a:headEnd/>
+                <a:tailEnd/>
+              </a:ln>
+            </p:spPr>
+            <p:txBody>
+              <a:bodyPr>
+                <a:spAutoFit/>
+              </a:bodyPr>
+              <a:lstStyle/>
+              <a:p>
+                <a:endParaRPr lang="zh-CN" altLang="en-US">
+                  <a:solidFill>
+                    <a:schemeClr val="bg1"/>
+                  </a:solidFill>
+                </a:endParaRPr>
+              </a:p>
+            </p:txBody>
+          </p:sp>
+          <p:sp>
+            <p:nvSpPr>
+              <p:cNvPr id="8215" name="矩形 28"/>
+              <p:cNvSpPr>
+                <a:spLocks noChangeArrowheads="1"/>
+              </p:cNvSpPr>
+              <p:nvPr/>
+            </p:nvSpPr>
+            <p:spPr bwMode="auto">
+              <a:xfrm>
+                <a:off x="132530" y="0"/>
+                <a:ext cx="167102" cy="734094"/>
+              </a:xfrm>
+              <a:prstGeom prst="rect">
+                <a:avLst/>
+              </a:prstGeom>
+              <a:noFill/>
+              <a:ln w="9525">
+                <a:noFill/>
+                <a:miter lim="800000"/>
+                <a:headEnd/>
+                <a:tailEnd/>
+              </a:ln>
+            </p:spPr>
+            <p:txBody>
+              <a:bodyPr wrap="none">
+                <a:spAutoFit/>
+              </a:bodyPr>
+              <a:lstStyle/>
+              <a:p>
+                <a:pPr>
+                  <a:lnSpc>
+                    <a:spcPct val="150000"/>
+                  </a:lnSpc>
+                </a:pPr>
+                <a:endParaRPr lang="zh-CN" altLang="en-US" sz="2800">
+                  <a:solidFill>
+                    <a:schemeClr val="bg1"/>
+                  </a:solidFill>
+                </a:endParaRPr>
+              </a:p>
+            </p:txBody>
+          </p:sp>
+        </p:grpSp>
+      </p:grpSp>
       <p:sp>
         <p:nvSpPr>
           <p:cNvPr id="8216" name="Text Box 24"/>
@@ -14290,61 +18410,145 @@
       </p:sp>
       <p:sp>
         <p:nvSpPr>
-          <p:cNvPr id="36" name="AutoShape 5"/>
-          <p:cNvSpPr>
+          <p:cNvPr id="8217" name="Text Box 25"/>
+          <p:cNvSpPr txBox="1">
             <a:spLocks noChangeArrowheads="1"/>
           </p:cNvSpPr>
           <p:nvPr/>
         </p:nvSpPr>
         <p:spPr bwMode="auto">
           <a:xfrm>
-            <a:off x="0" y="-3372"/>
-            <a:ext cx="9144000" cy="831850"/>
+            <a:off x="5626518" y="166369"/>
+            <a:ext cx="2910896" cy="1384995"/>
           </a:xfrm>
-          <a:prstGeom prst="roundRect">
-            <a:avLst>
-              <a:gd name="adj" fmla="val 16667"/>
-            </a:avLst>
+          <a:prstGeom prst="rect">
+            <a:avLst/>
           </a:prstGeom>
-          <a:solidFill>
-            <a:schemeClr val="accent1"/>
-          </a:solidFill>
-          <a:ln w="9525" cmpd="sng">
-            <a:solidFill>
-              <a:schemeClr val="bg1"/>
-            </a:solidFill>
-            <a:round/>
+          <a:noFill/>
+          <a:ln w="9525">
+            <a:noFill/>
+            <a:miter lim="800000"/>
             <a:headEnd/>
             <a:tailEnd/>
           </a:ln>
         </p:spPr>
         <p:txBody>
-          <a:bodyPr wrap="none" anchor="ctr"/>
+          <a:bodyPr wrap="square">
+            <a:spAutoFit/>
+          </a:bodyPr>
           <a:lstStyle/>
           <a:p>
-            <a:pPr eaLnBrk="1" hangingPunct="1">
-              <a:buFontTx/>
-              <a:buNone/>
+            <a:pPr>
+              <a:lnSpc>
+                <a:spcPct val="150000"/>
+              </a:lnSpc>
+              <a:spcBef>
+                <a:spcPct val="50000"/>
+              </a:spcBef>
             </a:pPr>
             <a:r>
-              <a:rPr lang="en-US" altLang="zh-CN" sz="2800" dirty="0">
+              <a:rPr lang="en-US" altLang="zh-CN" dirty="0">
+                <a:solidFill>
+                  <a:schemeClr val="bg1"/>
+                </a:solidFill>
+                <a:latin typeface="微软雅黑" pitchFamily="34" charset="-122"/>
                 <a:ea typeface="微软雅黑" pitchFamily="34" charset="-122"/>
               </a:rPr>
-              <a:t>      </a:t>
+              <a:t>   </a:t>
             </a:r>
             <a:r>
               <a:rPr lang="en-US" altLang="zh-CN" sz="2800" dirty="0">
                 <a:solidFill>
                   <a:schemeClr val="bg1"/>
                 </a:solidFill>
+                <a:latin typeface="微软雅黑" pitchFamily="34" charset="-122"/>
                 <a:ea typeface="微软雅黑" pitchFamily="34" charset="-122"/>
               </a:rPr>
-              <a:t>Skills Requirements vs Working Experience</a:t>
+              <a:t>Skills    Requirements </a:t>
             </a:r>
             <a:endParaRPr lang="zh-CN" altLang="en-US" sz="2800" dirty="0">
               <a:solidFill>
                 <a:schemeClr val="bg1"/>
               </a:solidFill>
+              <a:latin typeface="微软雅黑" pitchFamily="34" charset="-122"/>
+              <a:ea typeface="微软雅黑" pitchFamily="34" charset="-122"/>
+            </a:endParaRPr>
+          </a:p>
+        </p:txBody>
+      </p:sp>
+      <p:sp>
+        <p:nvSpPr>
+          <p:cNvPr id="8218" name="Text Box 26"/>
+          <p:cNvSpPr txBox="1">
+            <a:spLocks noChangeArrowheads="1"/>
+          </p:cNvSpPr>
+          <p:nvPr/>
+        </p:nvSpPr>
+        <p:spPr bwMode="auto">
+          <a:xfrm>
+            <a:off x="2826632" y="415857"/>
+            <a:ext cx="3036485" cy="997196"/>
+          </a:xfrm>
+          <a:prstGeom prst="rect">
+            <a:avLst/>
+          </a:prstGeom>
+          <a:noFill/>
+          <a:ln w="9525">
+            <a:noFill/>
+            <a:miter lim="800000"/>
+            <a:headEnd/>
+            <a:tailEnd/>
+          </a:ln>
+        </p:spPr>
+        <p:txBody>
+          <a:bodyPr wrap="square">
+            <a:spAutoFit/>
+          </a:bodyPr>
+          <a:lstStyle/>
+          <a:p>
+            <a:pPr>
+              <a:lnSpc>
+                <a:spcPct val="80000"/>
+              </a:lnSpc>
+              <a:spcBef>
+                <a:spcPct val="50000"/>
+              </a:spcBef>
+            </a:pPr>
+            <a:r>
+              <a:rPr lang="en-US" altLang="zh-CN" sz="2800" dirty="0">
+                <a:solidFill>
+                  <a:schemeClr val="bg1"/>
+                </a:solidFill>
+                <a:latin typeface="微软雅黑" pitchFamily="34" charset="-122"/>
+                <a:ea typeface="微软雅黑" pitchFamily="34" charset="-122"/>
+              </a:rPr>
+              <a:t> Basic</a:t>
+            </a:r>
+          </a:p>
+          <a:p>
+            <a:pPr>
+              <a:lnSpc>
+                <a:spcPct val="80000"/>
+              </a:lnSpc>
+              <a:spcBef>
+                <a:spcPct val="50000"/>
+              </a:spcBef>
+            </a:pPr>
+            <a:r>
+              <a:rPr lang="en-US" altLang="zh-CN" sz="2800" dirty="0">
+                <a:solidFill>
+                  <a:schemeClr val="bg1"/>
+                </a:solidFill>
+                <a:latin typeface="微软雅黑" pitchFamily="34" charset="-122"/>
+                <a:ea typeface="微软雅黑" pitchFamily="34" charset="-122"/>
+              </a:rPr>
+              <a:t>Requirements</a:t>
+            </a:r>
+            <a:endParaRPr lang="zh-CN" altLang="en-US" sz="2800" dirty="0">
+              <a:solidFill>
+                <a:schemeClr val="bg1"/>
+              </a:solidFill>
+              <a:latin typeface="微软雅黑" pitchFamily="34" charset="-122"/>
               <a:ea typeface="微软雅黑" pitchFamily="34" charset="-122"/>
             </a:endParaRPr>
           </a:p>
@@ -14352,20 +18556,14 @@
       </p:sp>
       <p:pic>
         <p:nvPicPr>
-          <p:cNvPr id="1026" name="Picture 2" descr="C:\Users\lenovo\Desktop\bar_2.PNG"/>
+          <p:cNvPr id="27" name="Picture 4" descr="Client-info-Box"/>
           <p:cNvPicPr>
             <a:picLocks noChangeAspect="1" noChangeArrowheads="1"/>
           </p:cNvPicPr>
           <p:nvPr/>
         </p:nvPicPr>
         <p:blipFill>
-          <a:blip r:embed="rId3">
-            <a:extLst>
-              <a:ext uri="{28A0092B-C50C-407E-A947-70E740481C1C}">
-                <a14:useLocalDpi xmlns:a14="http://schemas.microsoft.com/office/drawing/2010/main" val="0"/>
-              </a:ext>
-            </a:extLst>
-          </a:blip>
+          <a:blip r:embed="rId3" cstate="print"/>
           <a:srcRect/>
           <a:stretch>
             <a:fillRect/>
@@ -14373,30 +18571,25 @@
         </p:blipFill>
         <p:spPr bwMode="auto">
           <a:xfrm>
-            <a:off x="0" y="2200322"/>
-            <a:ext cx="4306681" cy="2868566"/>
+            <a:off x="-178483" y="1536207"/>
+            <a:ext cx="9336771" cy="5290837"/>
           </a:xfrm>
           <a:prstGeom prst="rect">
             <a:avLst/>
           </a:prstGeom>
           <a:noFill/>
-          <a:extLst>
-            <a:ext uri="{909E8E84-426E-40DD-AFC4-6F175D3DCCD1}">
-              <a14:hiddenFill xmlns:a14="http://schemas.microsoft.com/office/drawing/2010/main">
-                <a:solidFill>
-                  <a:srgbClr val="FFFFFF"/>
-                </a:solidFill>
-              </a14:hiddenFill>
-            </a:ext>
-          </a:extLst>
+          <a:ln w="9525">
+            <a:noFill/>
+            <a:miter lim="800000"/>
+            <a:headEnd/>
+            <a:tailEnd/>
+          </a:ln>
         </p:spPr>
       </p:pic>
       <p:pic>
         <p:nvPicPr>
-          <p:cNvPr id="1027" name="Picture 3" descr="C:\Users\lenovo\Desktop\bar3_5.PNG"/>
-          <p:cNvPicPr>
-            <a:picLocks noChangeAspect="1" noChangeArrowheads="1"/>
-          </p:cNvPicPr>
+          <p:cNvPr id="25" name="图片 7"/>
+          <p:cNvPicPr/>
           <p:nvPr/>
         </p:nvPicPr>
         <p:blipFill>
@@ -14407,76 +18600,54 @@
               </a:ext>
             </a:extLst>
           </a:blip>
-          <a:srcRect/>
           <a:stretch>
             <a:fillRect/>
           </a:stretch>
         </p:blipFill>
-        <p:spPr bwMode="auto">
+        <p:spPr>
           <a:xfrm>
-            <a:off x="4482791" y="968084"/>
-            <a:ext cx="4299954" cy="2862271"/>
+            <a:off x="1809297" y="2360119"/>
+            <a:ext cx="5403755" cy="4189769"/>
+          </a:xfrm>
+          <a:prstGeom prst="rect">
+            <a:avLst/>
+          </a:prstGeom>
+        </p:spPr>
+      </p:pic>
+      <p:sp>
+        <p:nvSpPr>
+          <p:cNvPr id="2" name="TextBox 1"/>
+          <p:cNvSpPr txBox="1"/>
+          <p:nvPr/>
+        </p:nvSpPr>
+        <p:spPr>
+          <a:xfrm>
+            <a:off x="1911092" y="1876286"/>
+            <a:ext cx="4867564" cy="461665"/>
           </a:xfrm>
           <a:prstGeom prst="rect">
             <a:avLst/>
           </a:prstGeom>
           <a:noFill/>
-          <a:extLst>
-            <a:ext uri="{909E8E84-426E-40DD-AFC4-6F175D3DCCD1}">
-              <a14:hiddenFill xmlns:a14="http://schemas.microsoft.com/office/drawing/2010/main">
-                <a:solidFill>
-                  <a:srgbClr val="FFFFFF"/>
-                </a:solidFill>
-              </a14:hiddenFill>
-            </a:ext>
-          </a:extLst>
         </p:spPr>
-      </p:pic>
-      <p:pic>
-        <p:nvPicPr>
-          <p:cNvPr id="1028" name="Picture 4" descr="C:\Users\lenovo\Desktop\bar_5.PNG"/>
-          <p:cNvPicPr>
-            <a:picLocks noChangeAspect="1" noChangeArrowheads="1"/>
-          </p:cNvPicPr>
-          <p:nvPr/>
-        </p:nvPicPr>
-        <p:blipFill>
-          <a:blip r:embed="rId5">
-            <a:extLst>
-              <a:ext uri="{28A0092B-C50C-407E-A947-70E740481C1C}">
-                <a14:useLocalDpi xmlns:a14="http://schemas.microsoft.com/office/drawing/2010/main" val="0"/>
-              </a:ext>
-            </a:extLst>
-          </a:blip>
-          <a:srcRect/>
-          <a:stretch>
-            <a:fillRect/>
-          </a:stretch>
-        </p:blipFill>
-        <p:spPr bwMode="auto">
-          <a:xfrm>
-            <a:off x="4482791" y="3869358"/>
-            <a:ext cx="4245114" cy="2879146"/>
-          </a:xfrm>
-          <a:prstGeom prst="rect">
-            <a:avLst/>
-          </a:prstGeom>
-          <a:noFill/>
-          <a:extLst>
-            <a:ext uri="{909E8E84-426E-40DD-AFC4-6F175D3DCCD1}">
-              <a14:hiddenFill xmlns:a14="http://schemas.microsoft.com/office/drawing/2010/main">
-                <a:solidFill>
-                  <a:srgbClr val="FFFFFF"/>
-                </a:solidFill>
-              </a14:hiddenFill>
-            </a:ext>
-          </a:extLst>
-        </p:spPr>
-      </p:pic>
+        <p:txBody>
+          <a:bodyPr wrap="square" rtlCol="0">
+            <a:spAutoFit/>
+          </a:bodyPr>
+          <a:lstStyle/>
+          <a:p>
+            <a:r>
+              <a:rPr lang="en-US" altLang="zh-CN" dirty="0"/>
+              <a:t>Word Cloud for Required Skills</a:t>
+            </a:r>
+            <a:endParaRPr lang="en-US" dirty="0"/>
+          </a:p>
+        </p:txBody>
+      </p:sp>
     </p:spTree>
     <p:extLst>
       <p:ext uri="{BB962C8B-B14F-4D97-AF65-F5344CB8AC3E}">
-        <p14:creationId xmlns:p14="http://schemas.microsoft.com/office/powerpoint/2010/main" val="627396308"/>
+        <p14:creationId xmlns:p14="http://schemas.microsoft.com/office/powerpoint/2010/main" val="4000364226"/>
       </p:ext>
     </p:extLst>
   </p:cSld>

--- a/141B presentation.pptx
+++ b/141B presentation.pptx
@@ -6419,8 +6419,8 @@
         </p:blipFill>
         <p:spPr bwMode="auto">
           <a:xfrm>
-            <a:off x="1031875" y="4119563"/>
-            <a:ext cx="7896225" cy="1065212"/>
+            <a:off x="733351" y="4592999"/>
+            <a:ext cx="8096827" cy="1488713"/>
           </a:xfrm>
           <a:prstGeom prst="rect">
             <a:avLst/>
@@ -6446,8 +6446,8 @@
         </p:nvSpPr>
         <p:spPr bwMode="auto">
           <a:xfrm>
-            <a:off x="1482724" y="4392612"/>
-            <a:ext cx="7073900" cy="519113"/>
+            <a:off x="1244814" y="4830400"/>
+            <a:ext cx="7073900" cy="954107"/>
           </a:xfrm>
           <a:prstGeom prst="rect">
             <a:avLst/>
@@ -6476,7 +6476,7 @@
                 <a:latin typeface="+mn-lt"/>
                 <a:ea typeface="微软雅黑" pitchFamily="34" charset="-122"/>
               </a:rPr>
-              <a:t>Generalize to analyze big data </a:t>
+              <a:t>Job requirements for data analyst in different industries </a:t>
             </a:r>
             <a:endParaRPr lang="zh-CN" altLang="en-US" sz="2800" dirty="0">
               <a:latin typeface="+mn-lt"/>
@@ -6526,84 +6526,6 @@
           </a:p>
         </p:txBody>
       </p:sp>
-      <p:pic>
-        <p:nvPicPr>
-          <p:cNvPr id="46087" name="Picture 9" descr="Client-info-Box"/>
-          <p:cNvPicPr>
-            <a:picLocks noChangeAspect="1" noChangeArrowheads="1"/>
-          </p:cNvPicPr>
-          <p:nvPr/>
-        </p:nvPicPr>
-        <p:blipFill>
-          <a:blip r:embed="rId3" cstate="print"/>
-          <a:srcRect/>
-          <a:stretch>
-            <a:fillRect/>
-          </a:stretch>
-        </p:blipFill>
-        <p:spPr bwMode="auto">
-          <a:xfrm>
-            <a:off x="1058863" y="5638800"/>
-            <a:ext cx="7778750" cy="1204913"/>
-          </a:xfrm>
-          <a:prstGeom prst="rect">
-            <a:avLst/>
-          </a:prstGeom>
-          <a:noFill/>
-          <a:ln w="9525" cmpd="sng">
-            <a:solidFill>
-              <a:schemeClr val="bg1"/>
-            </a:solidFill>
-            <a:miter lim="800000"/>
-            <a:headEnd/>
-            <a:tailEnd/>
-          </a:ln>
-        </p:spPr>
-      </p:pic>
-      <p:sp>
-        <p:nvSpPr>
-          <p:cNvPr id="46088" name="Text Box 10"/>
-          <p:cNvSpPr txBox="1">
-            <a:spLocks noChangeArrowheads="1"/>
-          </p:cNvSpPr>
-          <p:nvPr/>
-        </p:nvSpPr>
-        <p:spPr bwMode="auto">
-          <a:xfrm>
-            <a:off x="1400175" y="5727700"/>
-            <a:ext cx="7112000" cy="944563"/>
-          </a:xfrm>
-          <a:prstGeom prst="rect">
-            <a:avLst/>
-          </a:prstGeom>
-          <a:noFill/>
-          <a:ln w="9525">
-            <a:noFill/>
-            <a:miter lim="800000"/>
-            <a:headEnd/>
-            <a:tailEnd/>
-          </a:ln>
-        </p:spPr>
-        <p:txBody>
-          <a:bodyPr>
-            <a:spAutoFit/>
-          </a:bodyPr>
-          <a:lstStyle/>
-          <a:p>
-            <a:pPr eaLnBrk="0" hangingPunct="0">
-              <a:buSzPct val="100000"/>
-              <a:buFont typeface="Wingdings" pitchFamily="2" charset="2"/>
-              <a:buChar char="Ø"/>
-            </a:pPr>
-            <a:r>
-              <a:rPr lang="zh-CN" altLang="en-US" sz="2800" dirty="0">
-                <a:ea typeface="微软雅黑" pitchFamily="34" charset="-122"/>
-              </a:rPr>
-              <a:t>城市收入水平，建设水平，行业发展前景对毕业生选择就业城市有一定影响</a:t>
-            </a:r>
-          </a:p>
-        </p:txBody>
-      </p:sp>
       <p:sp>
         <p:nvSpPr>
           <p:cNvPr id="46089" name="Text Box 13"/>
@@ -6655,8 +6577,8 @@
         </p:blipFill>
         <p:spPr bwMode="auto">
           <a:xfrm>
-            <a:off x="952499" y="1230313"/>
-            <a:ext cx="7959725" cy="1111250"/>
+            <a:off x="666822" y="1391013"/>
+            <a:ext cx="8348519" cy="1111250"/>
           </a:xfrm>
           <a:prstGeom prst="rect">
             <a:avLst/>
@@ -6683,8 +6605,8 @@
         </p:nvSpPr>
         <p:spPr bwMode="auto">
           <a:xfrm>
-            <a:off x="1482724" y="1294606"/>
-            <a:ext cx="7140575" cy="982663"/>
+            <a:off x="1058863" y="1451157"/>
+            <a:ext cx="7564436" cy="982663"/>
           </a:xfrm>
           <a:prstGeom prst="rect">
             <a:avLst/>
@@ -6711,7 +6633,7 @@
               <a:rPr lang="en-US" altLang="zh-CN" sz="2800" dirty="0">
                 <a:ea typeface="微软雅黑" pitchFamily="34" charset="-122"/>
               </a:rPr>
-              <a:t>Guide the choice of employment place</a:t>
+              <a:t>Job requirements for other occupations </a:t>
             </a:r>
             <a:endParaRPr lang="zh-CN" altLang="en-US" sz="2800" dirty="0">
               <a:ea typeface="微软雅黑" pitchFamily="34" charset="-122"/>
@@ -6736,8 +6658,8 @@
         </p:blipFill>
         <p:spPr bwMode="auto">
           <a:xfrm>
-            <a:off x="952498" y="2584450"/>
-            <a:ext cx="7959725" cy="1111250"/>
+            <a:off x="663358" y="2751138"/>
+            <a:ext cx="8236815" cy="1516062"/>
           </a:xfrm>
           <a:prstGeom prst="rect">
             <a:avLst/>
@@ -6764,7 +6686,7 @@
         </p:nvSpPr>
         <p:spPr bwMode="auto">
           <a:xfrm>
-            <a:off x="1457325" y="2813050"/>
+            <a:off x="1037431" y="3076938"/>
             <a:ext cx="7380288" cy="984250"/>
           </a:xfrm>
           <a:prstGeom prst="rect">
@@ -6792,7 +6714,7 @@
               <a:rPr lang="en-US" altLang="zh-CN" sz="2800" dirty="0">
                 <a:ea typeface="微软雅黑" pitchFamily="34" charset="-122"/>
               </a:rPr>
-              <a:t>Key factors to improve competitiveness</a:t>
+              <a:t>Job requirements for data analyst in different locations</a:t>
             </a:r>
             <a:endParaRPr lang="zh-CN" altLang="en-US" sz="2800" dirty="0">
               <a:ea typeface="微软雅黑" pitchFamily="34" charset="-122"/>
@@ -7438,179 +7360,6 @@
                       </p:childTnLst>
                     </p:cTn>
                   </p:par>
-                  <p:par>
-                    <p:cTn id="42" fill="hold">
-                      <p:stCondLst>
-                        <p:cond delay="indefinite"/>
-                      </p:stCondLst>
-                      <p:childTnLst>
-                        <p:par>
-                          <p:cTn id="43" fill="hold">
-                            <p:stCondLst>
-                              <p:cond delay="0"/>
-                            </p:stCondLst>
-                            <p:childTnLst>
-                              <p:par>
-                                <p:cTn id="44" presetID="2" presetClass="entr" presetSubtype="8" fill="hold" nodeType="clickEffect">
-                                  <p:stCondLst>
-                                    <p:cond delay="0"/>
-                                  </p:stCondLst>
-                                  <p:childTnLst>
-                                    <p:set>
-                                      <p:cBhvr>
-                                        <p:cTn id="45" dur="1" fill="hold">
-                                          <p:stCondLst>
-                                            <p:cond delay="0"/>
-                                          </p:stCondLst>
-                                        </p:cTn>
-                                        <p:tgtEl>
-                                          <p:spTgt spid="46087"/>
-                                        </p:tgtEl>
-                                        <p:attrNameLst>
-                                          <p:attrName>style.visibility</p:attrName>
-                                        </p:attrNameLst>
-                                      </p:cBhvr>
-                                      <p:to>
-                                        <p:strVal val="visible"/>
-                                      </p:to>
-                                    </p:set>
-                                    <p:anim calcmode="lin" valueType="num">
-                                      <p:cBhvr additive="base">
-                                        <p:cTn id="46" dur="500" fill="hold"/>
-                                        <p:tgtEl>
-                                          <p:spTgt spid="46087"/>
-                                        </p:tgtEl>
-                                        <p:attrNameLst>
-                                          <p:attrName>ppt_x</p:attrName>
-                                        </p:attrNameLst>
-                                      </p:cBhvr>
-                                      <p:tavLst>
-                                        <p:tav tm="0">
-                                          <p:val>
-                                            <p:strVal val="0-#ppt_w/2"/>
-                                          </p:val>
-                                        </p:tav>
-                                        <p:tav tm="100000">
-                                          <p:val>
-                                            <p:strVal val="#ppt_x"/>
-                                          </p:val>
-                                        </p:tav>
-                                      </p:tavLst>
-                                    </p:anim>
-                                    <p:anim calcmode="lin" valueType="num">
-                                      <p:cBhvr additive="base">
-                                        <p:cTn id="47" dur="500" fill="hold"/>
-                                        <p:tgtEl>
-                                          <p:spTgt spid="46087"/>
-                                        </p:tgtEl>
-                                        <p:attrNameLst>
-                                          <p:attrName>ppt_y</p:attrName>
-                                        </p:attrNameLst>
-                                      </p:cBhvr>
-                                      <p:tavLst>
-                                        <p:tav tm="0">
-                                          <p:val>
-                                            <p:strVal val="#ppt_y"/>
-                                          </p:val>
-                                        </p:tav>
-                                        <p:tav tm="100000">
-                                          <p:val>
-                                            <p:strVal val="#ppt_y"/>
-                                          </p:val>
-                                        </p:tav>
-                                      </p:tavLst>
-                                    </p:anim>
-                                  </p:childTnLst>
-                                </p:cTn>
-                              </p:par>
-                            </p:childTnLst>
-                          </p:cTn>
-                        </p:par>
-                        <p:par>
-                          <p:cTn id="48" fill="hold">
-                            <p:stCondLst>
-                              <p:cond delay="500"/>
-                            </p:stCondLst>
-                            <p:childTnLst>
-                              <p:par>
-                                <p:cTn id="49" presetID="2" presetClass="entr" presetSubtype="8" fill="hold" grpId="1" nodeType="afterEffect">
-                                  <p:stCondLst>
-                                    <p:cond delay="0"/>
-                                  </p:stCondLst>
-                                  <p:childTnLst>
-                                    <p:set>
-                                      <p:cBhvr>
-                                        <p:cTn id="50" dur="1" fill="hold">
-                                          <p:stCondLst>
-                                            <p:cond delay="0"/>
-                                          </p:stCondLst>
-                                        </p:cTn>
-                                        <p:tgtEl>
-                                          <p:spTgt spid="46088"/>
-                                        </p:tgtEl>
-                                        <p:attrNameLst>
-                                          <p:attrName>style.visibility</p:attrName>
-                                        </p:attrNameLst>
-                                      </p:cBhvr>
-                                      <p:to>
-                                        <p:strVal val="visible"/>
-                                      </p:to>
-                                    </p:set>
-                                    <p:anim calcmode="lin" valueType="num">
-                                      <p:cBhvr additive="base">
-                                        <p:cTn id="51" dur="500" fill="hold"/>
-                                        <p:tgtEl>
-                                          <p:spTgt spid="46088"/>
-                                        </p:tgtEl>
-                                        <p:attrNameLst>
-                                          <p:attrName>ppt_x</p:attrName>
-                                        </p:attrNameLst>
-                                      </p:cBhvr>
-                                      <p:tavLst>
-                                        <p:tav tm="0">
-                                          <p:val>
-                                            <p:strVal val="0-#ppt_w/2"/>
-                                          </p:val>
-                                        </p:tav>
-                                        <p:tav tm="100000">
-                                          <p:val>
-                                            <p:strVal val="#ppt_x"/>
-                                          </p:val>
-                                        </p:tav>
-                                      </p:tavLst>
-                                    </p:anim>
-                                    <p:anim calcmode="lin" valueType="num">
-                                      <p:cBhvr additive="base">
-                                        <p:cTn id="52" dur="500" fill="hold"/>
-                                        <p:tgtEl>
-                                          <p:spTgt spid="46088"/>
-                                        </p:tgtEl>
-                                        <p:attrNameLst>
-                                          <p:attrName>ppt_y</p:attrName>
-                                        </p:attrNameLst>
-                                      </p:cBhvr>
-                                      <p:tavLst>
-                                        <p:tav tm="0">
-                                          <p:val>
-                                            <p:strVal val="#ppt_y"/>
-                                          </p:val>
-                                        </p:tav>
-                                        <p:tav tm="100000">
-                                          <p:val>
-                                            <p:strVal val="#ppt_y"/>
-                                          </p:val>
-                                        </p:tav>
-                                      </p:tavLst>
-                                    </p:anim>
-                                  </p:childTnLst>
-                                </p:cTn>
-                              </p:par>
-                            </p:childTnLst>
-                          </p:cTn>
-                        </p:par>
-                      </p:childTnLst>
-                    </p:cTn>
-                  </p:par>
                 </p:childTnLst>
               </p:cTn>
               <p:prevCondLst>
@@ -7636,8 +7385,6 @@
       <p:bldP spid="46085" grpId="0" bldLvl="0" autoUpdateAnimBg="0"/>
       <p:bldP spid="46085" grpId="1" bldLvl="0" autoUpdateAnimBg="0"/>
       <p:bldP spid="46086" grpId="0" bldLvl="0" autoUpdateAnimBg="0"/>
-      <p:bldP spid="46088" grpId="0" bldLvl="0" autoUpdateAnimBg="0"/>
-      <p:bldP spid="46088" grpId="1" bldLvl="0" autoUpdateAnimBg="0"/>
       <p:bldP spid="46091" grpId="0" autoUpdateAnimBg="0"/>
       <p:bldP spid="46093" grpId="0" autoUpdateAnimBg="0"/>
     </p:bldLst>

--- a/141B presentation.pptx
+++ b/141B presentation.pptx
@@ -5,23 +5,22 @@
     <p:sldMasterId id="2147483648" r:id="rId1"/>
   </p:sldMasterIdLst>
   <p:notesMasterIdLst>
-    <p:notesMasterId r:id="rId16"/>
+    <p:notesMasterId r:id="rId15"/>
   </p:notesMasterIdLst>
   <p:sldIdLst>
     <p:sldId id="279" r:id="rId2"/>
-    <p:sldId id="381" r:id="rId3"/>
+    <p:sldId id="541" r:id="rId3"/>
     <p:sldId id="382" r:id="rId4"/>
     <p:sldId id="534" r:id="rId5"/>
     <p:sldId id="529" r:id="rId6"/>
     <p:sldId id="535" r:id="rId7"/>
     <p:sldId id="537" r:id="rId8"/>
-    <p:sldId id="541" r:id="rId9"/>
-    <p:sldId id="539" r:id="rId10"/>
-    <p:sldId id="538" r:id="rId11"/>
-    <p:sldId id="540" r:id="rId12"/>
-    <p:sldId id="453" r:id="rId13"/>
-    <p:sldId id="455" r:id="rId14"/>
-    <p:sldId id="460" r:id="rId15"/>
+    <p:sldId id="539" r:id="rId9"/>
+    <p:sldId id="538" r:id="rId10"/>
+    <p:sldId id="540" r:id="rId11"/>
+    <p:sldId id="453" r:id="rId12"/>
+    <p:sldId id="455" r:id="rId13"/>
+    <p:sldId id="460" r:id="rId14"/>
   </p:sldIdLst>
   <p:sldSz cx="9144000" cy="6858000" type="screen4x3"/>
   <p:notesSz cx="6858000" cy="9144000"/>
@@ -157,7 +156,7 @@
   </p:defaultTextStyle>
   <p:extLst>
     <p:ext uri="{EFAFB233-063F-42B5-8137-9DF3F51BA10A}">
-      <p15:sldGuideLst xmlns:p15="http://schemas.microsoft.com/office/powerpoint/2012/main">
+      <p15:sldGuideLst xmlns:p15="http://schemas.microsoft.com/office/powerpoint/2012/main" xmlns="">
         <p15:guide id="1" orient="horz" pos="2180">
           <p15:clr>
             <a:srgbClr val="A4A3A4"/>
@@ -829,7 +828,7 @@
   <p:clrMapOvr>
     <a:masterClrMapping/>
   </p:clrMapOvr>
-  <p:transition/>
+  <p:transition xmlns:p14="http://schemas.microsoft.com/office/powerpoint/2010/main"/>
 </p:sldLayout>
 </file>
 
@@ -1002,7 +1001,7 @@
   <p:clrMapOvr>
     <a:masterClrMapping/>
   </p:clrMapOvr>
-  <p:transition/>
+  <p:transition xmlns:p14="http://schemas.microsoft.com/office/powerpoint/2010/main"/>
 </p:sldLayout>
 </file>
 
@@ -1185,7 +1184,7 @@
   <p:clrMapOvr>
     <a:masterClrMapping/>
   </p:clrMapOvr>
-  <p:transition/>
+  <p:transition xmlns:p14="http://schemas.microsoft.com/office/powerpoint/2010/main"/>
 </p:sldLayout>
 </file>
 
@@ -1358,7 +1357,7 @@
   <p:clrMapOvr>
     <a:masterClrMapping/>
   </p:clrMapOvr>
-  <p:transition/>
+  <p:transition xmlns:p14="http://schemas.microsoft.com/office/powerpoint/2010/main"/>
 </p:sldLayout>
 </file>
 
@@ -1554,7 +1553,7 @@
   <p:clrMapOvr>
     <a:masterClrMapping/>
   </p:clrMapOvr>
-  <p:transition/>
+  <p:transition xmlns:p14="http://schemas.microsoft.com/office/powerpoint/2010/main"/>
 </p:sldLayout>
 </file>
 
@@ -1844,7 +1843,7 @@
   <p:clrMapOvr>
     <a:masterClrMapping/>
   </p:clrMapOvr>
-  <p:transition/>
+  <p:transition xmlns:p14="http://schemas.microsoft.com/office/powerpoint/2010/main"/>
 </p:sldLayout>
 </file>
 
@@ -2268,7 +2267,7 @@
   <p:clrMapOvr>
     <a:masterClrMapping/>
   </p:clrMapOvr>
-  <p:transition/>
+  <p:transition xmlns:p14="http://schemas.microsoft.com/office/powerpoint/2010/main"/>
 </p:sldLayout>
 </file>
 
@@ -2390,7 +2389,7 @@
   <p:clrMapOvr>
     <a:masterClrMapping/>
   </p:clrMapOvr>
-  <p:transition/>
+  <p:transition xmlns:p14="http://schemas.microsoft.com/office/powerpoint/2010/main"/>
 </p:sldLayout>
 </file>
 
@@ -2490,7 +2489,7 @@
   <p:clrMapOvr>
     <a:masterClrMapping/>
   </p:clrMapOvr>
-  <p:transition/>
+  <p:transition xmlns:p14="http://schemas.microsoft.com/office/powerpoint/2010/main"/>
 </p:sldLayout>
 </file>
 
@@ -2770,7 +2769,7 @@
   <p:clrMapOvr>
     <a:masterClrMapping/>
   </p:clrMapOvr>
-  <p:transition/>
+  <p:transition xmlns:p14="http://schemas.microsoft.com/office/powerpoint/2010/main"/>
 </p:sldLayout>
 </file>
 
@@ -3027,7 +3026,7 @@
   <p:clrMapOvr>
     <a:masterClrMapping/>
   </p:clrMapOvr>
-  <p:transition/>
+  <p:transition xmlns:p14="http://schemas.microsoft.com/office/powerpoint/2010/main"/>
 </p:sldLayout>
 </file>
 
@@ -3327,7 +3326,7 @@
     <p:sldLayoutId id="2147483658" r:id="rId10"/>
     <p:sldLayoutId id="2147483659" r:id="rId11"/>
   </p:sldLayoutIdLst>
-  <p:transition/>
+  <p:transition xmlns:p14="http://schemas.microsoft.com/office/powerpoint/2010/main"/>
   <p:txStyles>
     <p:titleStyle>
       <a:lvl1pPr algn="ctr" rtl="0" eaLnBrk="0" fontAlgn="base" hangingPunct="0">
@@ -4533,11 +4532,11 @@
   <p:clrMapOvr>
     <a:masterClrMapping/>
   </p:clrMapOvr>
-  <p:transition/>
+  <p:transition xmlns:p14="http://schemas.microsoft.com/office/powerpoint/2010/main"/>
   <p:timing>
     <p:tnLst>
       <p:par>
-        <p:cTn id="1" dur="indefinite" restart="never" nodeType="tmRoot">
+        <p:cTn xmlns:p14="http://schemas.microsoft.com/office/powerpoint/2010/main" id="1" dur="indefinite" restart="never" nodeType="tmRoot">
           <p:childTnLst>
             <p:seq concurrent="1" nextAc="seek">
               <p:cTn id="2" dur="indefinite" nodeType="mainSeq">
@@ -5491,7 +5490,7 @@
                 </a:solidFill>
                 <a:ea typeface="微软雅黑" pitchFamily="34" charset="-122"/>
               </a:rPr>
-              <a:t>Skills Requirements vs Working Experience</a:t>
+              <a:t>Skills Requirements vs Education Background</a:t>
             </a:r>
             <a:endParaRPr lang="zh-CN" altLang="en-US" sz="2800" dirty="0">
               <a:solidFill>
@@ -5502,448 +5501,6 @@
           </a:p>
         </p:txBody>
       </p:sp>
-      <p:pic>
-        <p:nvPicPr>
-          <p:cNvPr id="1026" name="Picture 2" descr="C:\Users\lenovo\Desktop\bar_2.PNG"/>
-          <p:cNvPicPr>
-            <a:picLocks noChangeAspect="1" noChangeArrowheads="1"/>
-          </p:cNvPicPr>
-          <p:nvPr/>
-        </p:nvPicPr>
-        <p:blipFill>
-          <a:blip r:embed="rId3">
-            <a:extLst>
-              <a:ext uri="{28A0092B-C50C-407E-A947-70E740481C1C}">
-                <a14:useLocalDpi xmlns:a14="http://schemas.microsoft.com/office/drawing/2010/main" val="0"/>
-              </a:ext>
-            </a:extLst>
-          </a:blip>
-          <a:srcRect/>
-          <a:stretch>
-            <a:fillRect/>
-          </a:stretch>
-        </p:blipFill>
-        <p:spPr bwMode="auto">
-          <a:xfrm>
-            <a:off x="0" y="2200322"/>
-            <a:ext cx="4306681" cy="2868566"/>
-          </a:xfrm>
-          <a:prstGeom prst="rect">
-            <a:avLst/>
-          </a:prstGeom>
-          <a:noFill/>
-          <a:extLst>
-            <a:ext uri="{909E8E84-426E-40DD-AFC4-6F175D3DCCD1}">
-              <a14:hiddenFill xmlns:a14="http://schemas.microsoft.com/office/drawing/2010/main">
-                <a:solidFill>
-                  <a:srgbClr val="FFFFFF"/>
-                </a:solidFill>
-              </a14:hiddenFill>
-            </a:ext>
-          </a:extLst>
-        </p:spPr>
-      </p:pic>
-      <p:pic>
-        <p:nvPicPr>
-          <p:cNvPr id="1027" name="Picture 3" descr="C:\Users\lenovo\Desktop\bar3_5.PNG"/>
-          <p:cNvPicPr>
-            <a:picLocks noChangeAspect="1" noChangeArrowheads="1"/>
-          </p:cNvPicPr>
-          <p:nvPr/>
-        </p:nvPicPr>
-        <p:blipFill>
-          <a:blip r:embed="rId4">
-            <a:extLst>
-              <a:ext uri="{28A0092B-C50C-407E-A947-70E740481C1C}">
-                <a14:useLocalDpi xmlns:a14="http://schemas.microsoft.com/office/drawing/2010/main" val="0"/>
-              </a:ext>
-            </a:extLst>
-          </a:blip>
-          <a:srcRect/>
-          <a:stretch>
-            <a:fillRect/>
-          </a:stretch>
-        </p:blipFill>
-        <p:spPr bwMode="auto">
-          <a:xfrm>
-            <a:off x="4482791" y="968084"/>
-            <a:ext cx="4299954" cy="2862271"/>
-          </a:xfrm>
-          <a:prstGeom prst="rect">
-            <a:avLst/>
-          </a:prstGeom>
-          <a:noFill/>
-          <a:extLst>
-            <a:ext uri="{909E8E84-426E-40DD-AFC4-6F175D3DCCD1}">
-              <a14:hiddenFill xmlns:a14="http://schemas.microsoft.com/office/drawing/2010/main">
-                <a:solidFill>
-                  <a:srgbClr val="FFFFFF"/>
-                </a:solidFill>
-              </a14:hiddenFill>
-            </a:ext>
-          </a:extLst>
-        </p:spPr>
-      </p:pic>
-      <p:pic>
-        <p:nvPicPr>
-          <p:cNvPr id="1028" name="Picture 4" descr="C:\Users\lenovo\Desktop\bar_5.PNG"/>
-          <p:cNvPicPr>
-            <a:picLocks noChangeAspect="1" noChangeArrowheads="1"/>
-          </p:cNvPicPr>
-          <p:nvPr/>
-        </p:nvPicPr>
-        <p:blipFill>
-          <a:blip r:embed="rId5">
-            <a:extLst>
-              <a:ext uri="{28A0092B-C50C-407E-A947-70E740481C1C}">
-                <a14:useLocalDpi xmlns:a14="http://schemas.microsoft.com/office/drawing/2010/main" val="0"/>
-              </a:ext>
-            </a:extLst>
-          </a:blip>
-          <a:srcRect/>
-          <a:stretch>
-            <a:fillRect/>
-          </a:stretch>
-        </p:blipFill>
-        <p:spPr bwMode="auto">
-          <a:xfrm>
-            <a:off x="4482791" y="3869358"/>
-            <a:ext cx="4245114" cy="2879146"/>
-          </a:xfrm>
-          <a:prstGeom prst="rect">
-            <a:avLst/>
-          </a:prstGeom>
-          <a:noFill/>
-          <a:extLst>
-            <a:ext uri="{909E8E84-426E-40DD-AFC4-6F175D3DCCD1}">
-              <a14:hiddenFill xmlns:a14="http://schemas.microsoft.com/office/drawing/2010/main">
-                <a:solidFill>
-                  <a:srgbClr val="FFFFFF"/>
-                </a:solidFill>
-              </a14:hiddenFill>
-            </a:ext>
-          </a:extLst>
-        </p:spPr>
-      </p:pic>
-    </p:spTree>
-    <p:extLst>
-      <p:ext uri="{BB962C8B-B14F-4D97-AF65-F5344CB8AC3E}">
-        <p14:creationId xmlns:p14="http://schemas.microsoft.com/office/powerpoint/2010/main" val="627396308"/>
-      </p:ext>
-    </p:extLst>
-  </p:cSld>
-  <p:clrMapOvr>
-    <a:masterClrMapping/>
-  </p:clrMapOvr>
-  <p:transition/>
-</p:sld>
-</file>
-
-<file path=ppt/slides/slide11.xml><?xml version="1.0" encoding="utf-8"?>
-<p:sld xmlns:a="http://schemas.openxmlformats.org/drawingml/2006/main" xmlns:r="http://schemas.openxmlformats.org/officeDocument/2006/relationships" xmlns:p="http://schemas.openxmlformats.org/presentationml/2006/main">
-  <p:cSld>
-    <p:spTree>
-      <p:nvGrpSpPr>
-        <p:cNvPr id="1" name=""/>
-        <p:cNvGrpSpPr/>
-        <p:nvPr/>
-      </p:nvGrpSpPr>
-      <p:grpSpPr>
-        <a:xfrm>
-          <a:off x="0" y="0"/>
-          <a:ext cx="0" cy="0"/>
-          <a:chOff x="0" y="0"/>
-          <a:chExt cx="0" cy="0"/>
-        </a:xfrm>
-      </p:grpSpPr>
-      <p:pic>
-        <p:nvPicPr>
-          <p:cNvPr id="8194" name="Picture 31" descr="图片1_副本"/>
-          <p:cNvPicPr>
-            <a:picLocks noChangeAspect="1" noChangeArrowheads="1"/>
-          </p:cNvPicPr>
-          <p:nvPr/>
-        </p:nvPicPr>
-        <p:blipFill>
-          <a:blip r:embed="rId2" cstate="print"/>
-          <a:srcRect/>
-          <a:stretch>
-            <a:fillRect/>
-          </a:stretch>
-        </p:blipFill>
-        <p:spPr bwMode="auto">
-          <a:xfrm>
-            <a:off x="0" y="0"/>
-            <a:ext cx="9144000" cy="6858000"/>
-          </a:xfrm>
-          <a:prstGeom prst="rect">
-            <a:avLst/>
-          </a:prstGeom>
-          <a:noFill/>
-          <a:ln w="9525">
-            <a:noFill/>
-            <a:miter lim="800000"/>
-            <a:headEnd/>
-            <a:tailEnd/>
-          </a:ln>
-        </p:spPr>
-      </p:pic>
-      <p:sp>
-        <p:nvSpPr>
-          <p:cNvPr id="8197" name="Rectangle 5"/>
-          <p:cNvSpPr>
-            <a:spLocks noGrp="1" noChangeArrowheads="1"/>
-          </p:cNvSpPr>
-          <p:nvPr>
-            <p:ph type="body" idx="4294967295"/>
-          </p:nvPr>
-        </p:nvSpPr>
-        <p:spPr>
-          <a:xfrm>
-            <a:off x="0" y="166369"/>
-            <a:ext cx="8746288" cy="5974081"/>
-          </a:xfrm>
-        </p:spPr>
-        <p:txBody>
-          <a:bodyPr/>
-          <a:lstStyle/>
-          <a:p>
-            <a:pPr eaLnBrk="1" hangingPunct="1">
-              <a:buFontTx/>
-              <a:buNone/>
-            </a:pPr>
-            <a:endParaRPr lang="zh-CN" altLang="en-US" sz="2800" b="1" dirty="0">
-              <a:solidFill>
-                <a:schemeClr val="tx1"/>
-              </a:solidFill>
-              <a:ea typeface="微软雅黑" pitchFamily="34" charset="-122"/>
-            </a:endParaRPr>
-          </a:p>
-        </p:txBody>
-      </p:sp>
-      <p:sp>
-        <p:nvSpPr>
-          <p:cNvPr id="8216" name="Text Box 24"/>
-          <p:cNvSpPr txBox="1">
-            <a:spLocks noChangeArrowheads="1"/>
-          </p:cNvSpPr>
-          <p:nvPr/>
-        </p:nvSpPr>
-        <p:spPr bwMode="auto">
-          <a:xfrm>
-            <a:off x="697010" y="534119"/>
-            <a:ext cx="2180792" cy="867930"/>
-          </a:xfrm>
-          <a:prstGeom prst="rect">
-            <a:avLst/>
-          </a:prstGeom>
-          <a:noFill/>
-          <a:ln w="9525">
-            <a:noFill/>
-            <a:miter lim="800000"/>
-            <a:headEnd/>
-            <a:tailEnd/>
-          </a:ln>
-        </p:spPr>
-        <p:txBody>
-          <a:bodyPr wrap="square">
-            <a:spAutoFit/>
-          </a:bodyPr>
-          <a:lstStyle/>
-          <a:p>
-            <a:pPr>
-              <a:lnSpc>
-                <a:spcPct val="80000"/>
-              </a:lnSpc>
-              <a:spcBef>
-                <a:spcPct val="50000"/>
-              </a:spcBef>
-            </a:pPr>
-            <a:r>
-              <a:rPr lang="en-US" altLang="zh-CN" dirty="0">
-                <a:solidFill>
-                  <a:schemeClr val="bg1"/>
-                </a:solidFill>
-                <a:latin typeface="微软雅黑" pitchFamily="34" charset="-122"/>
-                <a:ea typeface="微软雅黑" pitchFamily="34" charset="-122"/>
-              </a:rPr>
-              <a:t>Web </a:t>
-            </a:r>
-          </a:p>
-          <a:p>
-            <a:pPr>
-              <a:lnSpc>
-                <a:spcPct val="80000"/>
-              </a:lnSpc>
-              <a:spcBef>
-                <a:spcPct val="50000"/>
-              </a:spcBef>
-            </a:pPr>
-            <a:r>
-              <a:rPr lang="en-US" altLang="zh-CN" dirty="0">
-                <a:solidFill>
-                  <a:schemeClr val="bg1"/>
-                </a:solidFill>
-                <a:latin typeface="微软雅黑" pitchFamily="34" charset="-122"/>
-                <a:ea typeface="微软雅黑" pitchFamily="34" charset="-122"/>
-              </a:rPr>
-              <a:t>Scrapping </a:t>
-            </a:r>
-            <a:endParaRPr lang="zh-CN" altLang="en-US" dirty="0">
-              <a:solidFill>
-                <a:schemeClr val="bg1"/>
-              </a:solidFill>
-              <a:latin typeface="微软雅黑" pitchFamily="34" charset="-122"/>
-              <a:ea typeface="微软雅黑" pitchFamily="34" charset="-122"/>
-            </a:endParaRPr>
-          </a:p>
-        </p:txBody>
-      </p:sp>
-      <p:sp>
-        <p:nvSpPr>
-          <p:cNvPr id="36" name="AutoShape 5"/>
-          <p:cNvSpPr>
-            <a:spLocks noChangeArrowheads="1"/>
-          </p:cNvSpPr>
-          <p:nvPr/>
-        </p:nvSpPr>
-        <p:spPr bwMode="auto">
-          <a:xfrm>
-            <a:off x="0" y="-3372"/>
-            <a:ext cx="9144000" cy="831850"/>
-          </a:xfrm>
-          <a:prstGeom prst="roundRect">
-            <a:avLst>
-              <a:gd name="adj" fmla="val 16667"/>
-            </a:avLst>
-          </a:prstGeom>
-          <a:solidFill>
-            <a:schemeClr val="accent1"/>
-          </a:solidFill>
-          <a:ln w="9525" cmpd="sng">
-            <a:solidFill>
-              <a:schemeClr val="bg1"/>
-            </a:solidFill>
-            <a:round/>
-            <a:headEnd/>
-            <a:tailEnd/>
-          </a:ln>
-        </p:spPr>
-        <p:txBody>
-          <a:bodyPr wrap="none" anchor="ctr"/>
-          <a:lstStyle/>
-          <a:p>
-            <a:pPr eaLnBrk="1" hangingPunct="1">
-              <a:buFontTx/>
-              <a:buNone/>
-            </a:pPr>
-            <a:r>
-              <a:rPr lang="en-US" altLang="zh-CN" sz="2800" dirty="0">
-                <a:ea typeface="微软雅黑" pitchFamily="34" charset="-122"/>
-              </a:rPr>
-              <a:t>      </a:t>
-            </a:r>
-            <a:r>
-              <a:rPr lang="en-US" altLang="zh-CN" sz="2800" dirty="0">
-                <a:solidFill>
-                  <a:schemeClr val="bg1"/>
-                </a:solidFill>
-                <a:ea typeface="微软雅黑" pitchFamily="34" charset="-122"/>
-              </a:rPr>
-              <a:t>Skills Requirements vs Education Background</a:t>
-            </a:r>
-            <a:endParaRPr lang="zh-CN" altLang="en-US" sz="2800" dirty="0">
-              <a:solidFill>
-                <a:schemeClr val="bg1"/>
-              </a:solidFill>
-              <a:ea typeface="微软雅黑" pitchFamily="34" charset="-122"/>
-            </a:endParaRPr>
-          </a:p>
-        </p:txBody>
-      </p:sp>
-      <p:pic>
-        <p:nvPicPr>
-          <p:cNvPr id="6" name="图片 9"/>
-          <p:cNvPicPr>
-            <a:picLocks noChangeAspect="1"/>
-          </p:cNvPicPr>
-          <p:nvPr/>
-        </p:nvPicPr>
-        <p:blipFill rotWithShape="1">
-          <a:blip r:embed="rId3">
-            <a:extLst>
-              <a:ext uri="{28A0092B-C50C-407E-A947-70E740481C1C}">
-                <a14:useLocalDpi xmlns:a14="http://schemas.microsoft.com/office/drawing/2010/main" val="0"/>
-              </a:ext>
-            </a:extLst>
-          </a:blip>
-          <a:srcRect r="3573"/>
-          <a:stretch/>
-        </p:blipFill>
-        <p:spPr>
-          <a:xfrm>
-            <a:off x="0" y="2478031"/>
-            <a:ext cx="4246038" cy="2973069"/>
-          </a:xfrm>
-          <a:prstGeom prst="rect">
-            <a:avLst/>
-          </a:prstGeom>
-        </p:spPr>
-      </p:pic>
-      <p:pic>
-        <p:nvPicPr>
-          <p:cNvPr id="7" name="图片 3"/>
-          <p:cNvPicPr/>
-          <p:nvPr/>
-        </p:nvPicPr>
-        <p:blipFill rotWithShape="1">
-          <a:blip r:embed="rId4">
-            <a:extLst>
-              <a:ext uri="{28A0092B-C50C-407E-A947-70E740481C1C}">
-                <a14:useLocalDpi xmlns:a14="http://schemas.microsoft.com/office/drawing/2010/main" val="0"/>
-              </a:ext>
-            </a:extLst>
-          </a:blip>
-          <a:srcRect l="-1" r="2171" b="1890"/>
-          <a:stretch/>
-        </p:blipFill>
-        <p:spPr>
-          <a:xfrm>
-            <a:off x="4507345" y="856700"/>
-            <a:ext cx="4091710" cy="2994864"/>
-          </a:xfrm>
-          <a:prstGeom prst="rect">
-            <a:avLst/>
-          </a:prstGeom>
-        </p:spPr>
-      </p:pic>
-      <p:pic>
-        <p:nvPicPr>
-          <p:cNvPr id="8" name="图片 4"/>
-          <p:cNvPicPr/>
-          <p:nvPr/>
-        </p:nvPicPr>
-        <p:blipFill rotWithShape="1">
-          <a:blip r:embed="rId5">
-            <a:extLst>
-              <a:ext uri="{28A0092B-C50C-407E-A947-70E740481C1C}">
-                <a14:useLocalDpi xmlns:a14="http://schemas.microsoft.com/office/drawing/2010/main" val="0"/>
-              </a:ext>
-            </a:extLst>
-          </a:blip>
-          <a:srcRect r="3910"/>
-          <a:stretch/>
-        </p:blipFill>
-        <p:spPr>
-          <a:xfrm>
-            <a:off x="4507345" y="3964565"/>
-            <a:ext cx="4163008" cy="2855555"/>
-          </a:xfrm>
-          <a:prstGeom prst="rect">
-            <a:avLst/>
-          </a:prstGeom>
-        </p:spPr>
-      </p:pic>
     </p:spTree>
     <p:extLst>
       <p:ext uri="{BB962C8B-B14F-4D97-AF65-F5344CB8AC3E}">
@@ -5954,11 +5511,11 @@
   <p:clrMapOvr>
     <a:masterClrMapping/>
   </p:clrMapOvr>
-  <p:transition/>
+  <p:transition xmlns:p14="http://schemas.microsoft.com/office/powerpoint/2010/main"/>
 </p:sld>
 </file>
 
-<file path=ppt/slides/slide12.xml><?xml version="1.0" encoding="utf-8"?>
+<file path=ppt/slides/slide11.xml><?xml version="1.0" encoding="utf-8"?>
 <p:sld xmlns:a="http://schemas.openxmlformats.org/drawingml/2006/main" xmlns:r="http://schemas.openxmlformats.org/officeDocument/2006/relationships" xmlns:p="http://schemas.openxmlformats.org/presentationml/2006/main">
   <p:cSld>
     <p:spTree>
@@ -6136,13 +5693,13 @@
   <p:clrMapOvr>
     <a:masterClrMapping/>
   </p:clrMapOvr>
-  <p:transition>
+  <p:transition xmlns:p14="http://schemas.microsoft.com/office/powerpoint/2010/main">
     <p:random/>
   </p:transition>
   <p:timing>
     <p:tnLst>
       <p:par>
-        <p:cTn id="1" dur="indefinite" restart="never" nodeType="tmRoot">
+        <p:cTn xmlns:p14="http://schemas.microsoft.com/office/powerpoint/2010/main" id="1" dur="indefinite" restart="never" nodeType="tmRoot">
           <p:childTnLst>
             <p:seq concurrent="1" nextAc="seek">
               <p:cTn id="2" dur="indefinite" nodeType="mainSeq">
@@ -6288,7 +5845,7 @@
 </p:sld>
 </file>
 
-<file path=ppt/slides/slide13.xml><?xml version="1.0" encoding="utf-8"?>
+<file path=ppt/slides/slide12.xml><?xml version="1.0" encoding="utf-8"?>
 <p:sld xmlns:a="http://schemas.openxmlformats.org/drawingml/2006/main" xmlns:r="http://schemas.openxmlformats.org/officeDocument/2006/relationships" xmlns:p="http://schemas.openxmlformats.org/presentationml/2006/main">
   <p:cSld>
     <p:spTree>
@@ -6419,8 +5976,8 @@
         </p:blipFill>
         <p:spPr bwMode="auto">
           <a:xfrm>
-            <a:off x="733351" y="4592999"/>
-            <a:ext cx="8096827" cy="1488713"/>
+            <a:off x="1031875" y="4119563"/>
+            <a:ext cx="7896225" cy="1065212"/>
           </a:xfrm>
           <a:prstGeom prst="rect">
             <a:avLst/>
@@ -6446,8 +6003,8 @@
         </p:nvSpPr>
         <p:spPr bwMode="auto">
           <a:xfrm>
-            <a:off x="1244814" y="4830400"/>
-            <a:ext cx="7073900" cy="954107"/>
+            <a:off x="1482724" y="4392612"/>
+            <a:ext cx="7073900" cy="519113"/>
           </a:xfrm>
           <a:prstGeom prst="rect">
             <a:avLst/>
@@ -6476,7 +6033,7 @@
                 <a:latin typeface="+mn-lt"/>
                 <a:ea typeface="微软雅黑" pitchFamily="34" charset="-122"/>
               </a:rPr>
-              <a:t>Job requirements for data analyst in different industries </a:t>
+              <a:t>Generalize to analyze big data </a:t>
             </a:r>
             <a:endParaRPr lang="zh-CN" altLang="en-US" sz="2800" dirty="0">
               <a:latin typeface="+mn-lt"/>
@@ -6526,6 +6083,84 @@
           </a:p>
         </p:txBody>
       </p:sp>
+      <p:pic>
+        <p:nvPicPr>
+          <p:cNvPr id="46087" name="Picture 9" descr="Client-info-Box"/>
+          <p:cNvPicPr>
+            <a:picLocks noChangeAspect="1" noChangeArrowheads="1"/>
+          </p:cNvPicPr>
+          <p:nvPr/>
+        </p:nvPicPr>
+        <p:blipFill>
+          <a:blip r:embed="rId3" cstate="print"/>
+          <a:srcRect/>
+          <a:stretch>
+            <a:fillRect/>
+          </a:stretch>
+        </p:blipFill>
+        <p:spPr bwMode="auto">
+          <a:xfrm>
+            <a:off x="1058863" y="5638800"/>
+            <a:ext cx="7778750" cy="1204913"/>
+          </a:xfrm>
+          <a:prstGeom prst="rect">
+            <a:avLst/>
+          </a:prstGeom>
+          <a:noFill/>
+          <a:ln w="9525" cmpd="sng">
+            <a:solidFill>
+              <a:schemeClr val="bg1"/>
+            </a:solidFill>
+            <a:miter lim="800000"/>
+            <a:headEnd/>
+            <a:tailEnd/>
+          </a:ln>
+        </p:spPr>
+      </p:pic>
+      <p:sp>
+        <p:nvSpPr>
+          <p:cNvPr id="46088" name="Text Box 10"/>
+          <p:cNvSpPr txBox="1">
+            <a:spLocks noChangeArrowheads="1"/>
+          </p:cNvSpPr>
+          <p:nvPr/>
+        </p:nvSpPr>
+        <p:spPr bwMode="auto">
+          <a:xfrm>
+            <a:off x="1400175" y="5727700"/>
+            <a:ext cx="7112000" cy="944563"/>
+          </a:xfrm>
+          <a:prstGeom prst="rect">
+            <a:avLst/>
+          </a:prstGeom>
+          <a:noFill/>
+          <a:ln w="9525">
+            <a:noFill/>
+            <a:miter lim="800000"/>
+            <a:headEnd/>
+            <a:tailEnd/>
+          </a:ln>
+        </p:spPr>
+        <p:txBody>
+          <a:bodyPr>
+            <a:spAutoFit/>
+          </a:bodyPr>
+          <a:lstStyle/>
+          <a:p>
+            <a:pPr eaLnBrk="0" hangingPunct="0">
+              <a:buSzPct val="100000"/>
+              <a:buFont typeface="Wingdings" pitchFamily="2" charset="2"/>
+              <a:buChar char="Ø"/>
+            </a:pPr>
+            <a:r>
+              <a:rPr lang="zh-CN" altLang="en-US" sz="2800" dirty="0">
+                <a:ea typeface="微软雅黑" pitchFamily="34" charset="-122"/>
+              </a:rPr>
+              <a:t>城市收入水平，建设水平，行业发展前景对毕业生选择就业城市有一定影响</a:t>
+            </a:r>
+          </a:p>
+        </p:txBody>
+      </p:sp>
       <p:sp>
         <p:nvSpPr>
           <p:cNvPr id="46089" name="Text Box 13"/>
@@ -6577,8 +6212,8 @@
         </p:blipFill>
         <p:spPr bwMode="auto">
           <a:xfrm>
-            <a:off x="666822" y="1391013"/>
-            <a:ext cx="8348519" cy="1111250"/>
+            <a:off x="952499" y="1230313"/>
+            <a:ext cx="7959725" cy="1111250"/>
           </a:xfrm>
           <a:prstGeom prst="rect">
             <a:avLst/>
@@ -6605,8 +6240,8 @@
         </p:nvSpPr>
         <p:spPr bwMode="auto">
           <a:xfrm>
-            <a:off x="1058863" y="1451157"/>
-            <a:ext cx="7564436" cy="982663"/>
+            <a:off x="1482724" y="1294606"/>
+            <a:ext cx="7140575" cy="982663"/>
           </a:xfrm>
           <a:prstGeom prst="rect">
             <a:avLst/>
@@ -6633,7 +6268,7 @@
               <a:rPr lang="en-US" altLang="zh-CN" sz="2800" dirty="0">
                 <a:ea typeface="微软雅黑" pitchFamily="34" charset="-122"/>
               </a:rPr>
-              <a:t>Job requirements for other occupations </a:t>
+              <a:t>Guide the choice of employment place</a:t>
             </a:r>
             <a:endParaRPr lang="zh-CN" altLang="en-US" sz="2800" dirty="0">
               <a:ea typeface="微软雅黑" pitchFamily="34" charset="-122"/>
@@ -6658,8 +6293,8 @@
         </p:blipFill>
         <p:spPr bwMode="auto">
           <a:xfrm>
-            <a:off x="663358" y="2751138"/>
-            <a:ext cx="8236815" cy="1516062"/>
+            <a:off x="952498" y="2584450"/>
+            <a:ext cx="7959725" cy="1111250"/>
           </a:xfrm>
           <a:prstGeom prst="rect">
             <a:avLst/>
@@ -6686,7 +6321,7 @@
         </p:nvSpPr>
         <p:spPr bwMode="auto">
           <a:xfrm>
-            <a:off x="1037431" y="3076938"/>
+            <a:off x="1457325" y="2813050"/>
             <a:ext cx="7380288" cy="984250"/>
           </a:xfrm>
           <a:prstGeom prst="rect">
@@ -6714,7 +6349,7 @@
               <a:rPr lang="en-US" altLang="zh-CN" sz="2800" dirty="0">
                 <a:ea typeface="微软雅黑" pitchFamily="34" charset="-122"/>
               </a:rPr>
-              <a:t>Job requirements for data analyst in different locations</a:t>
+              <a:t>Key factors to improve competitiveness</a:t>
             </a:r>
             <a:endParaRPr lang="zh-CN" altLang="en-US" sz="2800" dirty="0">
               <a:ea typeface="微软雅黑" pitchFamily="34" charset="-122"/>
@@ -6739,13 +6374,13 @@
   <p:clrMapOvr>
     <a:masterClrMapping/>
   </p:clrMapOvr>
-  <p:transition>
+  <p:transition xmlns:p14="http://schemas.microsoft.com/office/powerpoint/2010/main">
     <p:wipe dir="r"/>
   </p:transition>
   <p:timing>
     <p:tnLst>
       <p:par>
-        <p:cTn id="1" dur="indefinite" restart="never" nodeType="tmRoot">
+        <p:cTn xmlns:p14="http://schemas.microsoft.com/office/powerpoint/2010/main" id="1" dur="indefinite" restart="never" nodeType="tmRoot">
           <p:childTnLst>
             <p:seq concurrent="1" nextAc="seek">
               <p:cTn id="2" dur="indefinite" nodeType="mainSeq">
@@ -7360,6 +6995,179 @@
                       </p:childTnLst>
                     </p:cTn>
                   </p:par>
+                  <p:par>
+                    <p:cTn id="42" fill="hold">
+                      <p:stCondLst>
+                        <p:cond delay="indefinite"/>
+                      </p:stCondLst>
+                      <p:childTnLst>
+                        <p:par>
+                          <p:cTn id="43" fill="hold">
+                            <p:stCondLst>
+                              <p:cond delay="0"/>
+                            </p:stCondLst>
+                            <p:childTnLst>
+                              <p:par>
+                                <p:cTn id="44" presetID="2" presetClass="entr" presetSubtype="8" fill="hold" nodeType="clickEffect">
+                                  <p:stCondLst>
+                                    <p:cond delay="0"/>
+                                  </p:stCondLst>
+                                  <p:childTnLst>
+                                    <p:set>
+                                      <p:cBhvr>
+                                        <p:cTn id="45" dur="1" fill="hold">
+                                          <p:stCondLst>
+                                            <p:cond delay="0"/>
+                                          </p:stCondLst>
+                                        </p:cTn>
+                                        <p:tgtEl>
+                                          <p:spTgt spid="46087"/>
+                                        </p:tgtEl>
+                                        <p:attrNameLst>
+                                          <p:attrName>style.visibility</p:attrName>
+                                        </p:attrNameLst>
+                                      </p:cBhvr>
+                                      <p:to>
+                                        <p:strVal val="visible"/>
+                                      </p:to>
+                                    </p:set>
+                                    <p:anim calcmode="lin" valueType="num">
+                                      <p:cBhvr additive="base">
+                                        <p:cTn id="46" dur="500" fill="hold"/>
+                                        <p:tgtEl>
+                                          <p:spTgt spid="46087"/>
+                                        </p:tgtEl>
+                                        <p:attrNameLst>
+                                          <p:attrName>ppt_x</p:attrName>
+                                        </p:attrNameLst>
+                                      </p:cBhvr>
+                                      <p:tavLst>
+                                        <p:tav tm="0">
+                                          <p:val>
+                                            <p:strVal val="0-#ppt_w/2"/>
+                                          </p:val>
+                                        </p:tav>
+                                        <p:tav tm="100000">
+                                          <p:val>
+                                            <p:strVal val="#ppt_x"/>
+                                          </p:val>
+                                        </p:tav>
+                                      </p:tavLst>
+                                    </p:anim>
+                                    <p:anim calcmode="lin" valueType="num">
+                                      <p:cBhvr additive="base">
+                                        <p:cTn id="47" dur="500" fill="hold"/>
+                                        <p:tgtEl>
+                                          <p:spTgt spid="46087"/>
+                                        </p:tgtEl>
+                                        <p:attrNameLst>
+                                          <p:attrName>ppt_y</p:attrName>
+                                        </p:attrNameLst>
+                                      </p:cBhvr>
+                                      <p:tavLst>
+                                        <p:tav tm="0">
+                                          <p:val>
+                                            <p:strVal val="#ppt_y"/>
+                                          </p:val>
+                                        </p:tav>
+                                        <p:tav tm="100000">
+                                          <p:val>
+                                            <p:strVal val="#ppt_y"/>
+                                          </p:val>
+                                        </p:tav>
+                                      </p:tavLst>
+                                    </p:anim>
+                                  </p:childTnLst>
+                                </p:cTn>
+                              </p:par>
+                            </p:childTnLst>
+                          </p:cTn>
+                        </p:par>
+                        <p:par>
+                          <p:cTn id="48" fill="hold">
+                            <p:stCondLst>
+                              <p:cond delay="500"/>
+                            </p:stCondLst>
+                            <p:childTnLst>
+                              <p:par>
+                                <p:cTn id="49" presetID="2" presetClass="entr" presetSubtype="8" fill="hold" grpId="1" nodeType="afterEffect">
+                                  <p:stCondLst>
+                                    <p:cond delay="0"/>
+                                  </p:stCondLst>
+                                  <p:childTnLst>
+                                    <p:set>
+                                      <p:cBhvr>
+                                        <p:cTn id="50" dur="1" fill="hold">
+                                          <p:stCondLst>
+                                            <p:cond delay="0"/>
+                                          </p:stCondLst>
+                                        </p:cTn>
+                                        <p:tgtEl>
+                                          <p:spTgt spid="46088"/>
+                                        </p:tgtEl>
+                                        <p:attrNameLst>
+                                          <p:attrName>style.visibility</p:attrName>
+                                        </p:attrNameLst>
+                                      </p:cBhvr>
+                                      <p:to>
+                                        <p:strVal val="visible"/>
+                                      </p:to>
+                                    </p:set>
+                                    <p:anim calcmode="lin" valueType="num">
+                                      <p:cBhvr additive="base">
+                                        <p:cTn id="51" dur="500" fill="hold"/>
+                                        <p:tgtEl>
+                                          <p:spTgt spid="46088"/>
+                                        </p:tgtEl>
+                                        <p:attrNameLst>
+                                          <p:attrName>ppt_x</p:attrName>
+                                        </p:attrNameLst>
+                                      </p:cBhvr>
+                                      <p:tavLst>
+                                        <p:tav tm="0">
+                                          <p:val>
+                                            <p:strVal val="0-#ppt_w/2"/>
+                                          </p:val>
+                                        </p:tav>
+                                        <p:tav tm="100000">
+                                          <p:val>
+                                            <p:strVal val="#ppt_x"/>
+                                          </p:val>
+                                        </p:tav>
+                                      </p:tavLst>
+                                    </p:anim>
+                                    <p:anim calcmode="lin" valueType="num">
+                                      <p:cBhvr additive="base">
+                                        <p:cTn id="52" dur="500" fill="hold"/>
+                                        <p:tgtEl>
+                                          <p:spTgt spid="46088"/>
+                                        </p:tgtEl>
+                                        <p:attrNameLst>
+                                          <p:attrName>ppt_y</p:attrName>
+                                        </p:attrNameLst>
+                                      </p:cBhvr>
+                                      <p:tavLst>
+                                        <p:tav tm="0">
+                                          <p:val>
+                                            <p:strVal val="#ppt_y"/>
+                                          </p:val>
+                                        </p:tav>
+                                        <p:tav tm="100000">
+                                          <p:val>
+                                            <p:strVal val="#ppt_y"/>
+                                          </p:val>
+                                        </p:tav>
+                                      </p:tavLst>
+                                    </p:anim>
+                                  </p:childTnLst>
+                                </p:cTn>
+                              </p:par>
+                            </p:childTnLst>
+                          </p:cTn>
+                        </p:par>
+                      </p:childTnLst>
+                    </p:cTn>
+                  </p:par>
                 </p:childTnLst>
               </p:cTn>
               <p:prevCondLst>
@@ -7385,6 +7193,8 @@
       <p:bldP spid="46085" grpId="0" bldLvl="0" autoUpdateAnimBg="0"/>
       <p:bldP spid="46085" grpId="1" bldLvl="0" autoUpdateAnimBg="0"/>
       <p:bldP spid="46086" grpId="0" bldLvl="0" autoUpdateAnimBg="0"/>
+      <p:bldP spid="46088" grpId="0" bldLvl="0" autoUpdateAnimBg="0"/>
+      <p:bldP spid="46088" grpId="1" bldLvl="0" autoUpdateAnimBg="0"/>
       <p:bldP spid="46091" grpId="0" autoUpdateAnimBg="0"/>
       <p:bldP spid="46093" grpId="0" autoUpdateAnimBg="0"/>
     </p:bldLst>
@@ -7392,7 +7202,7 @@
 </p:sld>
 </file>
 
-<file path=ppt/slides/slide14.xml><?xml version="1.0" encoding="utf-8"?>
+<file path=ppt/slides/slide13.xml><?xml version="1.0" encoding="utf-8"?>
 <p:sld xmlns:a="http://schemas.openxmlformats.org/drawingml/2006/main" xmlns:r="http://schemas.openxmlformats.org/officeDocument/2006/relationships" xmlns:p="http://schemas.openxmlformats.org/presentationml/2006/main">
   <p:cSld>
     <p:spTree>
@@ -7685,14 +7495,6 @@
 <file path=ppt/slides/slide2.xml><?xml version="1.0" encoding="utf-8"?>
 <p:sld xmlns:a="http://schemas.openxmlformats.org/drawingml/2006/main" xmlns:r="http://schemas.openxmlformats.org/officeDocument/2006/relationships" xmlns:p="http://schemas.openxmlformats.org/presentationml/2006/main">
   <p:cSld>
-    <p:bg bwMode="auto">
-      <p:bgPr>
-        <a:solidFill>
-          <a:schemeClr val="bg1"/>
-        </a:solidFill>
-        <a:effectLst/>
-      </p:bgPr>
-    </p:bg>
     <p:spTree>
       <p:nvGrpSpPr>
         <p:cNvPr id="1" name=""/>
@@ -7775,14 +7577,14 @@
           <a:p>
             <a:pPr algn="ctr"/>
             <a:r>
-              <a:rPr lang="en-US" altLang="zh-CN" sz="3600" dirty="0">
+              <a:rPr lang="en-US" altLang="zh-CN" sz="3600" dirty="0" smtClean="0">
                 <a:solidFill>
                   <a:schemeClr val="bg1"/>
                 </a:solidFill>
                 <a:latin typeface="微软雅黑" pitchFamily="34" charset="-122"/>
                 <a:ea typeface="微软雅黑" pitchFamily="34" charset="-122"/>
               </a:rPr>
-              <a:t>Motivation</a:t>
+              <a:t>Project Background</a:t>
             </a:r>
             <a:endParaRPr lang="zh-CN" altLang="en-US" sz="3600" dirty="0">
               <a:solidFill>
@@ -7837,7 +7639,7 @@
         <p:spPr bwMode="auto">
           <a:xfrm>
             <a:off x="663575" y="1800225"/>
-            <a:ext cx="7897813" cy="2123658"/>
+            <a:ext cx="7897813" cy="2862322"/>
           </a:xfrm>
           <a:prstGeom prst="rect">
             <a:avLst/>
@@ -7880,12 +7682,23 @@
               <a:t>1</a:t>
             </a:r>
             <a:r>
-              <a:rPr lang="zh-CN" altLang="en-US" dirty="0">
+              <a:rPr lang="zh-CN" altLang="en-US" dirty="0" smtClean="0">
                 <a:latin typeface="微软雅黑" pitchFamily="34" charset="-122"/>
                 <a:ea typeface="微软雅黑" pitchFamily="34" charset="-122"/>
               </a:rPr>
               <a:t>．</a:t>
             </a:r>
+            <a:r>
+              <a:rPr lang="en-US" altLang="zh-CN" dirty="0" smtClean="0">
+                <a:latin typeface="微软雅黑" pitchFamily="34" charset="-122"/>
+                <a:ea typeface="微软雅黑" pitchFamily="34" charset="-122"/>
+              </a:rPr>
+              <a:t>Data analysis is now applied in anywhere.</a:t>
+            </a:r>
+            <a:endParaRPr lang="zh-CN" altLang="en-US" dirty="0">
+              <a:latin typeface="微软雅黑" pitchFamily="34" charset="-122"/>
+              <a:ea typeface="微软雅黑" pitchFamily="34" charset="-122"/>
+            </a:endParaRPr>
           </a:p>
           <a:p>
             <a:pPr>
@@ -7901,12 +7714,37 @@
               <a:t>2</a:t>
             </a:r>
             <a:r>
-              <a:rPr lang="zh-CN" altLang="en-US" dirty="0">
+              <a:rPr lang="zh-CN" altLang="en-US" dirty="0" smtClean="0">
                 <a:latin typeface="微软雅黑" pitchFamily="34" charset="-122"/>
                 <a:ea typeface="微软雅黑" pitchFamily="34" charset="-122"/>
               </a:rPr>
               <a:t>．</a:t>
             </a:r>
+            <a:r>
+              <a:rPr lang="en-US" altLang="zh-CN" dirty="0" smtClean="0">
+                <a:latin typeface="微软雅黑" pitchFamily="34" charset="-122"/>
+                <a:ea typeface="微软雅黑" pitchFamily="34" charset="-122"/>
+              </a:rPr>
+              <a:t>More and more graduated students are looking    for “Data Analyst” </a:t>
+            </a:r>
+            <a:r>
+              <a:rPr lang="en-US" altLang="zh-CN" dirty="0" smtClean="0">
+                <a:latin typeface="微软雅黑" pitchFamily="34" charset="-122"/>
+                <a:ea typeface="微软雅黑" pitchFamily="34" charset="-122"/>
+              </a:rPr>
+              <a:t>posts</a:t>
+            </a:r>
+            <a:r>
+              <a:rPr lang="en-US" altLang="zh-CN" dirty="0" smtClean="0">
+                <a:latin typeface="微软雅黑" pitchFamily="34" charset="-122"/>
+                <a:ea typeface="微软雅黑" pitchFamily="34" charset="-122"/>
+              </a:rPr>
+              <a:t>.</a:t>
+            </a:r>
+            <a:endParaRPr lang="zh-CN" altLang="en-US" dirty="0">
+              <a:latin typeface="微软雅黑" pitchFamily="34" charset="-122"/>
+              <a:ea typeface="微软雅黑" pitchFamily="34" charset="-122"/>
+            </a:endParaRPr>
           </a:p>
           <a:p>
             <a:pPr>
@@ -7922,27 +7760,57 @@
               <a:t>3</a:t>
             </a:r>
             <a:r>
-              <a:rPr lang="zh-CN" altLang="en-US" dirty="0">
+              <a:rPr lang="zh-CN" altLang="en-US" dirty="0" smtClean="0">
                 <a:latin typeface="微软雅黑" pitchFamily="34" charset="-122"/>
                 <a:ea typeface="微软雅黑" pitchFamily="34" charset="-122"/>
               </a:rPr>
               <a:t>．</a:t>
             </a:r>
+            <a:r>
+              <a:rPr lang="en-US" altLang="zh-CN" dirty="0" smtClean="0">
+                <a:latin typeface="微软雅黑" pitchFamily="34" charset="-122"/>
+                <a:ea typeface="微软雅黑" pitchFamily="34" charset="-122"/>
+              </a:rPr>
+              <a:t>Our project play an important role in the </a:t>
+            </a:r>
+            <a:r>
+              <a:rPr lang="en-US" altLang="zh-CN" dirty="0" smtClean="0">
+                <a:latin typeface="微软雅黑" pitchFamily="34" charset="-122"/>
+                <a:ea typeface="微软雅黑" pitchFamily="34" charset="-122"/>
+              </a:rPr>
+              <a:t>posts </a:t>
+            </a:r>
+            <a:r>
+              <a:rPr lang="en-US" altLang="zh-CN" dirty="0" smtClean="0">
+                <a:latin typeface="微软雅黑" pitchFamily="34" charset="-122"/>
+                <a:ea typeface="微软雅黑" pitchFamily="34" charset="-122"/>
+              </a:rPr>
+              <a:t>finding process.</a:t>
+            </a:r>
+            <a:endParaRPr lang="zh-CN" altLang="en-US" dirty="0">
+              <a:latin typeface="微软雅黑" pitchFamily="34" charset="-122"/>
+              <a:ea typeface="微软雅黑" pitchFamily="34" charset="-122"/>
+            </a:endParaRPr>
           </a:p>
         </p:txBody>
       </p:sp>
     </p:spTree>
+    <p:extLst>
+      <p:ext uri="{BB962C8B-B14F-4D97-AF65-F5344CB8AC3E}">
+        <p14:creationId xmlns:p14="http://schemas.microsoft.com/office/powerpoint/2010/main" val="2723267752"/>
+      </p:ext>
+    </p:extLst>
   </p:cSld>
   <p:clrMapOvr>
     <a:masterClrMapping/>
   </p:clrMapOvr>
-  <p:transition>
+  <p:transition xmlns:p14="http://schemas.microsoft.com/office/powerpoint/2010/main">
     <p:blinds/>
   </p:transition>
   <p:timing>
     <p:tnLst>
       <p:par>
-        <p:cTn id="1" dur="indefinite" restart="never" nodeType="tmRoot">
+        <p:cTn xmlns:p14="http://schemas.microsoft.com/office/powerpoint/2010/main" id="1" dur="indefinite" restart="never" nodeType="tmRoot">
           <p:childTnLst>
             <p:seq concurrent="1" nextAc="seek">
               <p:cTn id="2" dur="indefinite" nodeType="mainSeq">
@@ -8276,8 +8144,25 @@
                 <a:latin typeface="微软雅黑" pitchFamily="34" charset="-122"/>
                 <a:ea typeface="微软雅黑" pitchFamily="34" charset="-122"/>
               </a:rPr>
-              <a:t>Project Procedure</a:t>
-            </a:r>
+              <a:t>Project </a:t>
+            </a:r>
+            <a:r>
+              <a:rPr lang="en-US" sz="3600" dirty="0" smtClean="0">
+                <a:solidFill>
+                  <a:schemeClr val="bg1"/>
+                </a:solidFill>
+                <a:latin typeface="微软雅黑" pitchFamily="34" charset="-122"/>
+                <a:ea typeface="微软雅黑" pitchFamily="34" charset="-122"/>
+              </a:rPr>
+              <a:t>Data</a:t>
+            </a:r>
+            <a:endParaRPr lang="en-US" sz="3600" dirty="0">
+              <a:solidFill>
+                <a:schemeClr val="bg1"/>
+              </a:solidFill>
+              <a:latin typeface="微软雅黑" pitchFamily="34" charset="-122"/>
+              <a:ea typeface="微软雅黑" pitchFamily="34" charset="-122"/>
+            </a:endParaRPr>
           </a:p>
         </p:txBody>
       </p:sp>
@@ -8356,12 +8241,23 @@
               <a:t>1</a:t>
             </a:r>
             <a:r>
-              <a:rPr lang="zh-CN" altLang="en-US" dirty="0">
+              <a:rPr lang="zh-CN" altLang="en-US" dirty="0" smtClean="0">
                 <a:latin typeface="微软雅黑" pitchFamily="34" charset="-122"/>
                 <a:ea typeface="微软雅黑" pitchFamily="34" charset="-122"/>
               </a:rPr>
               <a:t>．</a:t>
             </a:r>
+            <a:r>
+              <a:rPr lang="en-US" altLang="zh-CN" dirty="0" smtClean="0">
+                <a:latin typeface="微软雅黑" pitchFamily="34" charset="-122"/>
+                <a:ea typeface="微软雅黑" pitchFamily="34" charset="-122"/>
+              </a:rPr>
+              <a:t>Professional Job Website-----”Indeed”</a:t>
+            </a:r>
+            <a:endParaRPr lang="zh-CN" altLang="en-US" dirty="0">
+              <a:latin typeface="微软雅黑" pitchFamily="34" charset="-122"/>
+              <a:ea typeface="微软雅黑" pitchFamily="34" charset="-122"/>
+            </a:endParaRPr>
           </a:p>
           <a:p>
             <a:pPr marL="342900" indent="-342900">
@@ -8370,19 +8266,30 @@
               </a:spcBef>
             </a:pPr>
             <a:r>
-              <a:rPr lang="en-US" dirty="0">
+              <a:rPr lang="en-US" dirty="0" smtClean="0">
                 <a:latin typeface="微软雅黑" pitchFamily="34" charset="-122"/>
                 <a:ea typeface="微软雅黑" pitchFamily="34" charset="-122"/>
               </a:rPr>
               <a:t>2</a:t>
             </a:r>
             <a:r>
-              <a:rPr lang="zh-CN" altLang="en-US" dirty="0">
+              <a:rPr lang="zh-CN" altLang="en-US" dirty="0" smtClean="0">
                 <a:latin typeface="微软雅黑" pitchFamily="34" charset="-122"/>
                 <a:ea typeface="微软雅黑" pitchFamily="34" charset="-122"/>
               </a:rPr>
               <a:t>．</a:t>
             </a:r>
+            <a:r>
+              <a:rPr lang="en-US" altLang="zh-CN" dirty="0" smtClean="0">
+                <a:latin typeface="微软雅黑" pitchFamily="34" charset="-122"/>
+                <a:ea typeface="微软雅黑" pitchFamily="34" charset="-122"/>
+              </a:rPr>
+              <a:t>200 Pages</a:t>
+            </a:r>
+            <a:endParaRPr lang="zh-CN" altLang="en-US" dirty="0">
+              <a:latin typeface="微软雅黑" pitchFamily="34" charset="-122"/>
+              <a:ea typeface="微软雅黑" pitchFamily="34" charset="-122"/>
+            </a:endParaRPr>
           </a:p>
           <a:p>
             <a:pPr marL="342900" indent="-342900">
@@ -8391,19 +8298,30 @@
               </a:spcBef>
             </a:pPr>
             <a:r>
-              <a:rPr lang="en-US" dirty="0">
+              <a:rPr lang="en-US" dirty="0" smtClean="0">
                 <a:latin typeface="微软雅黑" pitchFamily="34" charset="-122"/>
                 <a:ea typeface="微软雅黑" pitchFamily="34" charset="-122"/>
               </a:rPr>
               <a:t>3</a:t>
             </a:r>
             <a:r>
-              <a:rPr lang="zh-CN" altLang="en-US" dirty="0">
+              <a:rPr lang="zh-CN" altLang="en-US" dirty="0" smtClean="0">
                 <a:latin typeface="微软雅黑" pitchFamily="34" charset="-122"/>
                 <a:ea typeface="微软雅黑" pitchFamily="34" charset="-122"/>
               </a:rPr>
               <a:t>．</a:t>
             </a:r>
+            <a:r>
+              <a:rPr lang="en-US" altLang="zh-CN" dirty="0" smtClean="0">
+                <a:latin typeface="微软雅黑" pitchFamily="34" charset="-122"/>
+                <a:ea typeface="微软雅黑" pitchFamily="34" charset="-122"/>
+              </a:rPr>
+              <a:t>3000 Post Information</a:t>
+            </a:r>
+            <a:endParaRPr lang="zh-CN" altLang="en-US" dirty="0">
+              <a:latin typeface="微软雅黑" pitchFamily="34" charset="-122"/>
+              <a:ea typeface="微软雅黑" pitchFamily="34" charset="-122"/>
+            </a:endParaRPr>
           </a:p>
           <a:p>
             <a:pPr marL="342900" indent="-342900">
@@ -8412,18 +8330,25 @@
               </a:spcBef>
             </a:pPr>
             <a:r>
-              <a:rPr lang="en-US" dirty="0">
+              <a:rPr lang="en-US" dirty="0" smtClean="0">
                 <a:latin typeface="微软雅黑" pitchFamily="34" charset="-122"/>
                 <a:ea typeface="微软雅黑" pitchFamily="34" charset="-122"/>
               </a:rPr>
               <a:t>4</a:t>
             </a:r>
             <a:r>
-              <a:rPr lang="zh-CN" altLang="en-US" dirty="0">
+              <a:rPr lang="zh-CN" altLang="en-US" dirty="0" smtClean="0">
                 <a:latin typeface="微软雅黑" pitchFamily="34" charset="-122"/>
                 <a:ea typeface="微软雅黑" pitchFamily="34" charset="-122"/>
               </a:rPr>
               <a:t>．</a:t>
+            </a:r>
+            <a:r>
+              <a:rPr lang="en-US" altLang="zh-CN" dirty="0" smtClean="0">
+                <a:latin typeface="微软雅黑" pitchFamily="34" charset="-122"/>
+                <a:ea typeface="微软雅黑" pitchFamily="34" charset="-122"/>
+              </a:rPr>
+              <a:t>2445 Data</a:t>
             </a:r>
             <a:endParaRPr lang="en-US" dirty="0">
               <a:latin typeface="微软雅黑" pitchFamily="34" charset="-122"/>
@@ -8437,11 +8362,11 @@
   <p:clrMapOvr>
     <a:masterClrMapping/>
   </p:clrMapOvr>
-  <p:transition/>
+  <p:transition xmlns:p14="http://schemas.microsoft.com/office/powerpoint/2010/main"/>
   <p:timing>
     <p:tnLst>
       <p:par>
-        <p:cTn id="1" dur="indefinite" restart="never" nodeType="tmRoot">
+        <p:cTn xmlns:p14="http://schemas.microsoft.com/office/powerpoint/2010/main" id="1" dur="indefinite" restart="never" nodeType="tmRoot">
           <p:childTnLst>
             <p:seq concurrent="1" nextAc="seek">
               <p:cTn id="2" dur="indefinite" nodeType="mainSeq">
@@ -8824,14 +8749,35 @@
               <a:buNone/>
             </a:pPr>
             <a:r>
-              <a:rPr lang="en-US" altLang="zh-CN" sz="4000" b="1" dirty="0">
+              <a:rPr lang="en-US" altLang="zh-CN" sz="4000" b="1" dirty="0" smtClean="0">
                 <a:solidFill>
                   <a:schemeClr val="tx1"/>
                 </a:solidFill>
                 <a:ea typeface="微软雅黑" pitchFamily="34" charset="-122"/>
               </a:rPr>
-              <a:t>Data source and cleaning</a:t>
-            </a:r>
+              <a:t>Project </a:t>
+            </a:r>
+            <a:r>
+              <a:rPr lang="en-US" altLang="zh-CN" sz="4000" b="1" dirty="0" err="1" smtClean="0">
+                <a:solidFill>
+                  <a:schemeClr val="tx1"/>
+                </a:solidFill>
+                <a:ea typeface="微软雅黑" pitchFamily="34" charset="-122"/>
+              </a:rPr>
+              <a:t>Discription</a:t>
+            </a:r>
+            <a:endParaRPr lang="en-US" altLang="zh-CN" sz="4000" b="1" dirty="0">
+              <a:solidFill>
+                <a:schemeClr val="tx1"/>
+              </a:solidFill>
+              <a:ea typeface="微软雅黑" pitchFamily="34" charset="-122"/>
+            </a:endParaRPr>
+          </a:p>
+          <a:p>
+            <a:pPr eaLnBrk="1" hangingPunct="1">
+              <a:buFontTx/>
+              <a:buNone/>
+            </a:pPr>
             <a:endParaRPr lang="zh-CN" altLang="en-US" sz="4000" b="1" dirty="0">
               <a:solidFill>
                 <a:schemeClr val="tx1"/>
@@ -9768,6 +9714,130 @@
           </a:p>
         </p:txBody>
       </p:sp>
+      <p:sp>
+        <p:nvSpPr>
+          <p:cNvPr id="30" name="TextBox 32"/>
+          <p:cNvSpPr txBox="1"/>
+          <p:nvPr/>
+        </p:nvSpPr>
+        <p:spPr>
+          <a:xfrm>
+            <a:off x="1190106" y="3125363"/>
+            <a:ext cx="2106827" cy="584775"/>
+          </a:xfrm>
+          <a:prstGeom prst="rect">
+            <a:avLst/>
+          </a:prstGeom>
+          <a:noFill/>
+        </p:spPr>
+        <p:txBody>
+          <a:bodyPr wrap="square" rtlCol="0">
+            <a:spAutoFit/>
+          </a:bodyPr>
+          <a:lstStyle/>
+          <a:p>
+            <a:r>
+              <a:rPr lang="en-US" sz="3200" dirty="0" smtClean="0"/>
+              <a:t> Find URL</a:t>
+            </a:r>
+            <a:endParaRPr lang="en-US" sz="3200" dirty="0"/>
+          </a:p>
+        </p:txBody>
+      </p:sp>
+      <p:sp>
+        <p:nvSpPr>
+          <p:cNvPr id="31" name="TextBox 32"/>
+          <p:cNvSpPr txBox="1"/>
+          <p:nvPr/>
+        </p:nvSpPr>
+        <p:spPr>
+          <a:xfrm>
+            <a:off x="1273651" y="3693556"/>
+            <a:ext cx="7648955" cy="584776"/>
+          </a:xfrm>
+          <a:prstGeom prst="rect">
+            <a:avLst/>
+          </a:prstGeom>
+          <a:noFill/>
+        </p:spPr>
+        <p:txBody>
+          <a:bodyPr wrap="square" rtlCol="0">
+            <a:spAutoFit/>
+          </a:bodyPr>
+          <a:lstStyle/>
+          <a:p>
+            <a:r>
+              <a:rPr lang="en-US" sz="3200" dirty="0" smtClean="0"/>
+              <a:t>Companies’ locations and </a:t>
+            </a:r>
+            <a:r>
+              <a:rPr lang="en-US" sz="3200" dirty="0" err="1" smtClean="0"/>
+              <a:t>infomation</a:t>
+            </a:r>
+            <a:endParaRPr lang="en-US" sz="3200" dirty="0"/>
+          </a:p>
+        </p:txBody>
+      </p:sp>
+      <p:sp>
+        <p:nvSpPr>
+          <p:cNvPr id="32" name="TextBox 32"/>
+          <p:cNvSpPr txBox="1"/>
+          <p:nvPr/>
+        </p:nvSpPr>
+        <p:spPr>
+          <a:xfrm>
+            <a:off x="1325797" y="4330591"/>
+            <a:ext cx="7011994" cy="584776"/>
+          </a:xfrm>
+          <a:prstGeom prst="rect">
+            <a:avLst/>
+          </a:prstGeom>
+          <a:noFill/>
+        </p:spPr>
+        <p:txBody>
+          <a:bodyPr wrap="square" rtlCol="0">
+            <a:spAutoFit/>
+          </a:bodyPr>
+          <a:lstStyle/>
+          <a:p>
+            <a:r>
+              <a:rPr lang="en-US" sz="3200" dirty="0" smtClean="0"/>
+              <a:t>Requirement and Required Skills</a:t>
+            </a:r>
+            <a:endParaRPr lang="en-US" sz="3200" dirty="0"/>
+          </a:p>
+        </p:txBody>
+      </p:sp>
+      <p:sp>
+        <p:nvSpPr>
+          <p:cNvPr id="33" name="TextBox 32"/>
+          <p:cNvSpPr txBox="1"/>
+          <p:nvPr/>
+        </p:nvSpPr>
+        <p:spPr>
+          <a:xfrm>
+            <a:off x="1342506" y="4932207"/>
+            <a:ext cx="7429719" cy="584776"/>
+          </a:xfrm>
+          <a:prstGeom prst="rect">
+            <a:avLst/>
+          </a:prstGeom>
+          <a:noFill/>
+        </p:spPr>
+        <p:txBody>
+          <a:bodyPr wrap="square" rtlCol="0">
+            <a:spAutoFit/>
+          </a:bodyPr>
+          <a:lstStyle/>
+          <a:p>
+            <a:r>
+              <a:rPr lang="en-US" sz="3200" dirty="0" smtClean="0"/>
+              <a:t>Visualization and Statistics Analysis</a:t>
+            </a:r>
+            <a:endParaRPr lang="en-US" sz="3200" dirty="0"/>
+          </a:p>
+        </p:txBody>
+      </p:sp>
     </p:spTree>
     <p:extLst>
       <p:ext uri="{BB962C8B-B14F-4D97-AF65-F5344CB8AC3E}">
@@ -9778,11 +9848,11 @@
   <p:clrMapOvr>
     <a:masterClrMapping/>
   </p:clrMapOvr>
-  <p:transition/>
+  <p:transition xmlns:p14="http://schemas.microsoft.com/office/powerpoint/2010/main"/>
   <p:timing>
     <p:tnLst>
       <p:par>
-        <p:cTn id="1" dur="indefinite" restart="never" nodeType="tmRoot">
+        <p:cTn xmlns:p14="http://schemas.microsoft.com/office/powerpoint/2010/main" id="1" dur="indefinite" restart="never" nodeType="tmRoot">
           <p:childTnLst>
             <p:seq concurrent="1" nextAc="seek">
               <p:cTn id="2" dur="indefinite" nodeType="mainSeq">
@@ -11048,7 +11118,7 @@
           </a:prstGeom>
           <a:noFill/>
           <a:extLst>
-            <a:ext uri="{909E8E84-426E-40DD-AFC4-6F175D3DCCD1}">
+            <a:ext uri="{909E8E84-426E-40dd-AFC4-6F175D3DCCD1}">
               <a14:hiddenFill xmlns:a14="http://schemas.microsoft.com/office/drawing/2010/main">
                 <a:solidFill>
                   <a:srgbClr val="FFFFFF"/>
@@ -11213,7 +11283,7 @@
   <p:clrMapOvr>
     <a:masterClrMapping/>
   </p:clrMapOvr>
-  <p:transition/>
+  <p:transition xmlns:p14="http://schemas.microsoft.com/office/powerpoint/2010/main"/>
 </p:sld>
 </file>
 
@@ -12206,7 +12276,7 @@
           </a:prstGeom>
           <a:noFill/>
           <a:extLst>
-            <a:ext uri="{909E8E84-426E-40DD-AFC4-6F175D3DCCD1}">
+            <a:ext uri="{909E8E84-426E-40dd-AFC4-6F175D3DCCD1}">
               <a14:hiddenFill xmlns:a14="http://schemas.microsoft.com/office/drawing/2010/main">
                 <a:solidFill>
                   <a:srgbClr val="FFFFFF"/>
@@ -12245,7 +12315,7 @@
           </a:prstGeom>
           <a:noFill/>
           <a:extLst>
-            <a:ext uri="{909E8E84-426E-40DD-AFC4-6F175D3DCCD1}">
+            <a:ext uri="{909E8E84-426E-40dd-AFC4-6F175D3DCCD1}">
               <a14:hiddenFill xmlns:a14="http://schemas.microsoft.com/office/drawing/2010/main">
                 <a:solidFill>
                   <a:srgbClr val="FFFFFF"/>
@@ -12296,7 +12366,7 @@
   <p:clrMapOvr>
     <a:masterClrMapping/>
   </p:clrMapOvr>
-  <p:transition/>
+  <p:transition xmlns:p14="http://schemas.microsoft.com/office/powerpoint/2010/main"/>
 </p:sld>
 </file>
 
@@ -13409,7 +13479,7 @@
   <p:clrMapOvr>
     <a:masterClrMapping/>
   </p:clrMapOvr>
-  <p:transition/>
+  <p:transition xmlns:p14="http://schemas.microsoft.com/office/powerpoint/2010/main"/>
 </p:sld>
 </file>
 
@@ -14275,3137 +14345,16 @@
           </a:p>
         </p:txBody>
       </p:sp>
-      <p:graphicFrame>
-        <p:nvGraphicFramePr>
-          <p:cNvPr id="5" name="Table 4"/>
-          <p:cNvGraphicFramePr>
-            <a:graphicFrameLocks noGrp="1"/>
-          </p:cNvGraphicFramePr>
-          <p:nvPr>
-            <p:extLst>
-              <p:ext uri="{D42A27DB-BD31-4B8C-83A1-F6EECF244321}">
-                <p14:modId xmlns:p14="http://schemas.microsoft.com/office/powerpoint/2010/main" val="2907785595"/>
-              </p:ext>
-            </p:extLst>
-          </p:nvPr>
-        </p:nvGraphicFramePr>
-        <p:xfrm>
-          <a:off x="804038" y="2222501"/>
-          <a:ext cx="7535924" cy="4354715"/>
-        </p:xfrm>
-        <a:graphic>
-          <a:graphicData uri="http://schemas.openxmlformats.org/drawingml/2006/table">
-            <a:tbl>
-              <a:tblPr/>
-              <a:tblGrid>
-                <a:gridCol w="1883981">
-                  <a:extLst>
-                    <a:ext uri="{9D8B030D-6E8A-4147-A177-3AD203B41FA5}">
-                      <a16:colId xmlns:a16="http://schemas.microsoft.com/office/drawing/2014/main" val="1858275429"/>
-                    </a:ext>
-                  </a:extLst>
-                </a:gridCol>
-                <a:gridCol w="1883981">
-                  <a:extLst>
-                    <a:ext uri="{9D8B030D-6E8A-4147-A177-3AD203B41FA5}">
-                      <a16:colId xmlns:a16="http://schemas.microsoft.com/office/drawing/2014/main" val="947475530"/>
-                    </a:ext>
-                  </a:extLst>
-                </a:gridCol>
-                <a:gridCol w="1883981">
-                  <a:extLst>
-                    <a:ext uri="{9D8B030D-6E8A-4147-A177-3AD203B41FA5}">
-                      <a16:colId xmlns:a16="http://schemas.microsoft.com/office/drawing/2014/main" val="1294555838"/>
-                    </a:ext>
-                  </a:extLst>
-                </a:gridCol>
-                <a:gridCol w="1883981">
-                  <a:extLst>
-                    <a:ext uri="{9D8B030D-6E8A-4147-A177-3AD203B41FA5}">
-                      <a16:colId xmlns:a16="http://schemas.microsoft.com/office/drawing/2014/main" val="2560685005"/>
-                    </a:ext>
-                  </a:extLst>
-                </a:gridCol>
-              </a:tblGrid>
-              <a:tr h="499065">
-                <a:tc>
-                  <a:txBody>
-                    <a:bodyPr/>
-                    <a:lstStyle/>
-                    <a:p>
-                      <a:pPr algn="ctr" fontAlgn="b"/>
-                      <a:r>
-                        <a:rPr lang="en-US" sz="2000" b="1" i="0" u="none" strike="noStrike" dirty="0">
-                          <a:solidFill>
-                            <a:schemeClr val="tx1"/>
-                          </a:solidFill>
-                          <a:effectLst/>
-                          <a:latin typeface="+mn-lt"/>
-                        </a:rPr>
-                        <a:t>skills</a:t>
-                      </a:r>
-                    </a:p>
-                  </a:txBody>
-                  <a:tcPr marL="6350" marR="6350" marT="6350" marB="0" anchor="ctr">
-                    <a:lnL w="12700" cap="flat" cmpd="sng" algn="ctr">
-                      <a:solidFill>
-                        <a:schemeClr val="tx1"/>
-                      </a:solidFill>
-                      <a:prstDash val="solid"/>
-                      <a:round/>
-                      <a:headEnd type="none" w="med" len="med"/>
-                      <a:tailEnd type="none" w="med" len="med"/>
-                    </a:lnL>
-                    <a:lnR w="12700" cap="flat" cmpd="sng" algn="ctr">
-                      <a:solidFill>
-                        <a:schemeClr val="tx1"/>
-                      </a:solidFill>
-                      <a:prstDash val="solid"/>
-                      <a:round/>
-                      <a:headEnd type="none" w="med" len="med"/>
-                      <a:tailEnd type="none" w="med" len="med"/>
-                    </a:lnR>
-                    <a:lnT w="12700" cap="flat" cmpd="sng" algn="ctr">
-                      <a:solidFill>
-                        <a:schemeClr val="tx1"/>
-                      </a:solidFill>
-                      <a:prstDash val="solid"/>
-                      <a:round/>
-                      <a:headEnd type="none" w="med" len="med"/>
-                      <a:tailEnd type="none" w="med" len="med"/>
-                    </a:lnT>
-                    <a:lnB w="12700" cap="flat" cmpd="sng" algn="ctr">
-                      <a:solidFill>
-                        <a:schemeClr val="tx1"/>
-                      </a:solidFill>
-                      <a:prstDash val="solid"/>
-                      <a:round/>
-                      <a:headEnd type="none" w="med" len="med"/>
-                      <a:tailEnd type="none" w="med" len="med"/>
-                    </a:lnB>
-                    <a:lnTlToBr w="12700" cmpd="sng">
-                      <a:noFill/>
-                      <a:prstDash val="solid"/>
-                    </a:lnTlToBr>
-                    <a:lnBlToTr w="12700" cmpd="sng">
-                      <a:noFill/>
-                      <a:prstDash val="solid"/>
-                    </a:lnBlToTr>
-                    <a:solidFill>
-                      <a:srgbClr val="5B9BD5"/>
-                    </a:solidFill>
-                  </a:tcPr>
-                </a:tc>
-                <a:tc>
-                  <a:txBody>
-                    <a:bodyPr/>
-                    <a:lstStyle/>
-                    <a:p>
-                      <a:pPr algn="ctr" fontAlgn="b"/>
-                      <a:r>
-                        <a:rPr lang="en-US" sz="2000" b="1" i="0" u="none" strike="noStrike" dirty="0" err="1">
-                          <a:solidFill>
-                            <a:schemeClr val="tx1"/>
-                          </a:solidFill>
-                          <a:effectLst/>
-                          <a:latin typeface="+mn-lt"/>
-                        </a:rPr>
-                        <a:t>idf</a:t>
-                      </a:r>
-                      <a:endParaRPr lang="en-US" sz="2000" b="1" i="0" u="none" strike="noStrike" dirty="0">
-                        <a:solidFill>
-                          <a:schemeClr val="tx1"/>
-                        </a:solidFill>
-                        <a:effectLst/>
-                        <a:latin typeface="+mn-lt"/>
-                      </a:endParaRPr>
-                    </a:p>
-                  </a:txBody>
-                  <a:tcPr marL="6350" marR="6350" marT="6350" marB="0" anchor="ctr">
-                    <a:lnL w="12700" cap="flat" cmpd="sng" algn="ctr">
-                      <a:solidFill>
-                        <a:schemeClr val="tx1"/>
-                      </a:solidFill>
-                      <a:prstDash val="solid"/>
-                      <a:round/>
-                      <a:headEnd type="none" w="med" len="med"/>
-                      <a:tailEnd type="none" w="med" len="med"/>
-                    </a:lnL>
-                    <a:lnR w="12700" cap="flat" cmpd="sng" algn="ctr">
-                      <a:solidFill>
-                        <a:schemeClr val="tx1"/>
-                      </a:solidFill>
-                      <a:prstDash val="solid"/>
-                      <a:round/>
-                      <a:headEnd type="none" w="med" len="med"/>
-                      <a:tailEnd type="none" w="med" len="med"/>
-                    </a:lnR>
-                    <a:lnT w="12700" cap="flat" cmpd="sng" algn="ctr">
-                      <a:solidFill>
-                        <a:schemeClr val="tx1"/>
-                      </a:solidFill>
-                      <a:prstDash val="solid"/>
-                      <a:round/>
-                      <a:headEnd type="none" w="med" len="med"/>
-                      <a:tailEnd type="none" w="med" len="med"/>
-                    </a:lnT>
-                    <a:lnB w="12700" cap="flat" cmpd="sng" algn="ctr">
-                      <a:solidFill>
-                        <a:schemeClr val="tx1"/>
-                      </a:solidFill>
-                      <a:prstDash val="solid"/>
-                      <a:round/>
-                      <a:headEnd type="none" w="med" len="med"/>
-                      <a:tailEnd type="none" w="med" len="med"/>
-                    </a:lnB>
-                    <a:lnTlToBr w="12700" cmpd="sng">
-                      <a:noFill/>
-                      <a:prstDash val="solid"/>
-                    </a:lnTlToBr>
-                    <a:lnBlToTr w="12700" cmpd="sng">
-                      <a:noFill/>
-                      <a:prstDash val="solid"/>
-                    </a:lnBlToTr>
-                    <a:solidFill>
-                      <a:srgbClr val="5B9BD5"/>
-                    </a:solidFill>
-                  </a:tcPr>
-                </a:tc>
-                <a:tc>
-                  <a:txBody>
-                    <a:bodyPr/>
-                    <a:lstStyle/>
-                    <a:p>
-                      <a:pPr algn="ctr" fontAlgn="b"/>
-                      <a:r>
-                        <a:rPr lang="en-US" sz="2000" b="1" i="0" u="none" strike="noStrike" dirty="0">
-                          <a:solidFill>
-                            <a:schemeClr val="tx1"/>
-                          </a:solidFill>
-                          <a:effectLst/>
-                          <a:latin typeface="+mn-lt"/>
-                        </a:rPr>
-                        <a:t>skills</a:t>
-                      </a:r>
-                    </a:p>
-                  </a:txBody>
-                  <a:tcPr marL="6350" marR="6350" marT="6350" marB="0" anchor="ctr">
-                    <a:lnL w="12700" cap="flat" cmpd="sng" algn="ctr">
-                      <a:solidFill>
-                        <a:schemeClr val="tx1"/>
-                      </a:solidFill>
-                      <a:prstDash val="solid"/>
-                      <a:round/>
-                      <a:headEnd type="none" w="med" len="med"/>
-                      <a:tailEnd type="none" w="med" len="med"/>
-                    </a:lnL>
-                    <a:lnR w="12700" cap="flat" cmpd="sng" algn="ctr">
-                      <a:solidFill>
-                        <a:schemeClr val="tx1"/>
-                      </a:solidFill>
-                      <a:prstDash val="solid"/>
-                      <a:round/>
-                      <a:headEnd type="none" w="med" len="med"/>
-                      <a:tailEnd type="none" w="med" len="med"/>
-                    </a:lnR>
-                    <a:lnT w="12700" cap="flat" cmpd="sng" algn="ctr">
-                      <a:solidFill>
-                        <a:schemeClr val="tx1"/>
-                      </a:solidFill>
-                      <a:prstDash val="solid"/>
-                      <a:round/>
-                      <a:headEnd type="none" w="med" len="med"/>
-                      <a:tailEnd type="none" w="med" len="med"/>
-                    </a:lnT>
-                    <a:lnB w="12700" cap="flat" cmpd="sng" algn="ctr">
-                      <a:solidFill>
-                        <a:schemeClr val="tx1"/>
-                      </a:solidFill>
-                      <a:prstDash val="solid"/>
-                      <a:round/>
-                      <a:headEnd type="none" w="med" len="med"/>
-                      <a:tailEnd type="none" w="med" len="med"/>
-                    </a:lnB>
-                    <a:lnTlToBr w="12700" cmpd="sng">
-                      <a:noFill/>
-                      <a:prstDash val="solid"/>
-                    </a:lnTlToBr>
-                    <a:lnBlToTr w="12700" cmpd="sng">
-                      <a:noFill/>
-                      <a:prstDash val="solid"/>
-                    </a:lnBlToTr>
-                    <a:solidFill>
-                      <a:srgbClr val="5B9BD5"/>
-                    </a:solidFill>
-                  </a:tcPr>
-                </a:tc>
-                <a:tc>
-                  <a:txBody>
-                    <a:bodyPr/>
-                    <a:lstStyle/>
-                    <a:p>
-                      <a:pPr algn="ctr" fontAlgn="b"/>
-                      <a:r>
-                        <a:rPr lang="en-US" sz="2000" b="1" i="0" u="none" strike="noStrike" dirty="0" err="1">
-                          <a:solidFill>
-                            <a:schemeClr val="tx1"/>
-                          </a:solidFill>
-                          <a:effectLst/>
-                          <a:latin typeface="+mn-lt"/>
-                        </a:rPr>
-                        <a:t>idf</a:t>
-                      </a:r>
-                      <a:endParaRPr lang="en-US" sz="2000" b="1" i="0" u="none" strike="noStrike" dirty="0">
-                        <a:solidFill>
-                          <a:schemeClr val="tx1"/>
-                        </a:solidFill>
-                        <a:effectLst/>
-                        <a:latin typeface="+mn-lt"/>
-                      </a:endParaRPr>
-                    </a:p>
-                  </a:txBody>
-                  <a:tcPr marL="6350" marR="6350" marT="6350" marB="0" anchor="ctr">
-                    <a:lnL w="12700" cap="flat" cmpd="sng" algn="ctr">
-                      <a:solidFill>
-                        <a:schemeClr val="tx1"/>
-                      </a:solidFill>
-                      <a:prstDash val="solid"/>
-                      <a:round/>
-                      <a:headEnd type="none" w="med" len="med"/>
-                      <a:tailEnd type="none" w="med" len="med"/>
-                    </a:lnL>
-                    <a:lnR w="12700" cap="flat" cmpd="sng" algn="ctr">
-                      <a:solidFill>
-                        <a:schemeClr val="tx1"/>
-                      </a:solidFill>
-                      <a:prstDash val="solid"/>
-                      <a:round/>
-                      <a:headEnd type="none" w="med" len="med"/>
-                      <a:tailEnd type="none" w="med" len="med"/>
-                    </a:lnR>
-                    <a:lnT w="12700" cap="flat" cmpd="sng" algn="ctr">
-                      <a:solidFill>
-                        <a:schemeClr val="tx1"/>
-                      </a:solidFill>
-                      <a:prstDash val="solid"/>
-                      <a:round/>
-                      <a:headEnd type="none" w="med" len="med"/>
-                      <a:tailEnd type="none" w="med" len="med"/>
-                    </a:lnT>
-                    <a:lnB w="12700" cap="flat" cmpd="sng" algn="ctr">
-                      <a:solidFill>
-                        <a:schemeClr val="tx1"/>
-                      </a:solidFill>
-                      <a:prstDash val="solid"/>
-                      <a:round/>
-                      <a:headEnd type="none" w="med" len="med"/>
-                      <a:tailEnd type="none" w="med" len="med"/>
-                    </a:lnB>
-                    <a:lnTlToBr w="12700" cmpd="sng">
-                      <a:noFill/>
-                      <a:prstDash val="solid"/>
-                    </a:lnTlToBr>
-                    <a:lnBlToTr w="12700" cmpd="sng">
-                      <a:noFill/>
-                      <a:prstDash val="solid"/>
-                    </a:lnBlToTr>
-                    <a:solidFill>
-                      <a:srgbClr val="5B9BD5"/>
-                    </a:solidFill>
-                  </a:tcPr>
-                </a:tc>
-                <a:extLst>
-                  <a:ext uri="{0D108BD9-81ED-4DB2-BD59-A6C34878D82A}">
-                    <a16:rowId xmlns:a16="http://schemas.microsoft.com/office/drawing/2014/main" val="3990770405"/>
-                  </a:ext>
-                </a:extLst>
-              </a:tr>
-              <a:tr h="385565">
-                <a:tc>
-                  <a:txBody>
-                    <a:bodyPr/>
-                    <a:lstStyle/>
-                    <a:p>
-                      <a:pPr algn="ctr" fontAlgn="b"/>
-                      <a:r>
-                        <a:rPr lang="en-US" sz="2000" b="0" i="0" u="none" strike="noStrike" dirty="0">
-                          <a:solidFill>
-                            <a:schemeClr val="tx1"/>
-                          </a:solidFill>
-                          <a:effectLst/>
-                          <a:latin typeface="+mn-lt"/>
-                        </a:rPr>
-                        <a:t>r</a:t>
-                      </a:r>
-                    </a:p>
-                  </a:txBody>
-                  <a:tcPr marL="6350" marR="6350" marT="6350" marB="0" anchor="ctr">
-                    <a:lnL w="12700" cap="flat" cmpd="sng" algn="ctr">
-                      <a:solidFill>
-                        <a:schemeClr val="tx1"/>
-                      </a:solidFill>
-                      <a:prstDash val="solid"/>
-                      <a:round/>
-                      <a:headEnd type="none" w="med" len="med"/>
-                      <a:tailEnd type="none" w="med" len="med"/>
-                    </a:lnL>
-                    <a:lnR w="12700" cap="flat" cmpd="sng" algn="ctr">
-                      <a:solidFill>
-                        <a:schemeClr val="tx1"/>
-                      </a:solidFill>
-                      <a:prstDash val="solid"/>
-                      <a:round/>
-                      <a:headEnd type="none" w="med" len="med"/>
-                      <a:tailEnd type="none" w="med" len="med"/>
-                    </a:lnR>
-                    <a:lnT w="12700" cap="flat" cmpd="sng" algn="ctr">
-                      <a:solidFill>
-                        <a:schemeClr val="tx1"/>
-                      </a:solidFill>
-                      <a:prstDash val="solid"/>
-                      <a:round/>
-                      <a:headEnd type="none" w="med" len="med"/>
-                      <a:tailEnd type="none" w="med" len="med"/>
-                    </a:lnT>
-                    <a:lnB w="12700" cap="flat" cmpd="sng" algn="ctr">
-                      <a:solidFill>
-                        <a:schemeClr val="tx1"/>
-                      </a:solidFill>
-                      <a:prstDash val="solid"/>
-                      <a:round/>
-                      <a:headEnd type="none" w="med" len="med"/>
-                      <a:tailEnd type="none" w="med" len="med"/>
-                    </a:lnB>
-                    <a:lnTlToBr w="12700" cmpd="sng">
-                      <a:noFill/>
-                      <a:prstDash val="solid"/>
-                    </a:lnTlToBr>
-                    <a:lnBlToTr w="12700" cmpd="sng">
-                      <a:noFill/>
-                      <a:prstDash val="solid"/>
-                    </a:lnBlToTr>
-                    <a:solidFill>
-                      <a:srgbClr val="DDEBF7"/>
-                    </a:solidFill>
-                  </a:tcPr>
-                </a:tc>
-                <a:tc>
-                  <a:txBody>
-                    <a:bodyPr/>
-                    <a:lstStyle/>
-                    <a:p>
-                      <a:pPr algn="ctr" fontAlgn="b"/>
-                      <a:r>
-                        <a:rPr lang="en-US" sz="2000" b="0" i="0" u="none" strike="noStrike" dirty="0">
-                          <a:solidFill>
-                            <a:schemeClr val="tx1"/>
-                          </a:solidFill>
-                          <a:effectLst/>
-                          <a:latin typeface="+mn-lt"/>
-                        </a:rPr>
-                        <a:t>1.54</a:t>
-                      </a:r>
-                    </a:p>
-                  </a:txBody>
-                  <a:tcPr marL="6350" marR="6350" marT="6350" marB="0" anchor="ctr">
-                    <a:lnL w="12700" cap="flat" cmpd="sng" algn="ctr">
-                      <a:solidFill>
-                        <a:schemeClr val="tx1"/>
-                      </a:solidFill>
-                      <a:prstDash val="solid"/>
-                      <a:round/>
-                      <a:headEnd type="none" w="med" len="med"/>
-                      <a:tailEnd type="none" w="med" len="med"/>
-                    </a:lnL>
-                    <a:lnR w="12700" cap="flat" cmpd="sng" algn="ctr">
-                      <a:solidFill>
-                        <a:schemeClr val="tx1"/>
-                      </a:solidFill>
-                      <a:prstDash val="solid"/>
-                      <a:round/>
-                      <a:headEnd type="none" w="med" len="med"/>
-                      <a:tailEnd type="none" w="med" len="med"/>
-                    </a:lnR>
-                    <a:lnT w="12700" cap="flat" cmpd="sng" algn="ctr">
-                      <a:solidFill>
-                        <a:schemeClr val="tx1"/>
-                      </a:solidFill>
-                      <a:prstDash val="solid"/>
-                      <a:round/>
-                      <a:headEnd type="none" w="med" len="med"/>
-                      <a:tailEnd type="none" w="med" len="med"/>
-                    </a:lnT>
-                    <a:lnB w="12700" cap="flat" cmpd="sng" algn="ctr">
-                      <a:solidFill>
-                        <a:schemeClr val="tx1"/>
-                      </a:solidFill>
-                      <a:prstDash val="solid"/>
-                      <a:round/>
-                      <a:headEnd type="none" w="med" len="med"/>
-                      <a:tailEnd type="none" w="med" len="med"/>
-                    </a:lnB>
-                    <a:lnTlToBr w="12700" cmpd="sng">
-                      <a:noFill/>
-                      <a:prstDash val="solid"/>
-                    </a:lnTlToBr>
-                    <a:lnBlToTr w="12700" cmpd="sng">
-                      <a:noFill/>
-                      <a:prstDash val="solid"/>
-                    </a:lnBlToTr>
-                    <a:solidFill>
-                      <a:srgbClr val="DDEBF7"/>
-                    </a:solidFill>
-                  </a:tcPr>
-                </a:tc>
-                <a:tc>
-                  <a:txBody>
-                    <a:bodyPr/>
-                    <a:lstStyle/>
-                    <a:p>
-                      <a:pPr algn="ctr" fontAlgn="b"/>
-                      <a:r>
-                        <a:rPr lang="en-US" sz="2000" b="0" i="0" u="none" strike="noStrike">
-                          <a:solidFill>
-                            <a:schemeClr val="tx1"/>
-                          </a:solidFill>
-                          <a:effectLst/>
-                          <a:latin typeface="+mn-lt"/>
-                        </a:rPr>
-                        <a:t>spark</a:t>
-                      </a:r>
-                    </a:p>
-                  </a:txBody>
-                  <a:tcPr marL="6350" marR="6350" marT="6350" marB="0" anchor="ctr">
-                    <a:lnL w="12700" cap="flat" cmpd="sng" algn="ctr">
-                      <a:solidFill>
-                        <a:schemeClr val="tx1"/>
-                      </a:solidFill>
-                      <a:prstDash val="solid"/>
-                      <a:round/>
-                      <a:headEnd type="none" w="med" len="med"/>
-                      <a:tailEnd type="none" w="med" len="med"/>
-                    </a:lnL>
-                    <a:lnR w="12700" cap="flat" cmpd="sng" algn="ctr">
-                      <a:solidFill>
-                        <a:schemeClr val="tx1"/>
-                      </a:solidFill>
-                      <a:prstDash val="solid"/>
-                      <a:round/>
-                      <a:headEnd type="none" w="med" len="med"/>
-                      <a:tailEnd type="none" w="med" len="med"/>
-                    </a:lnR>
-                    <a:lnT w="12700" cap="flat" cmpd="sng" algn="ctr">
-                      <a:solidFill>
-                        <a:schemeClr val="tx1"/>
-                      </a:solidFill>
-                      <a:prstDash val="solid"/>
-                      <a:round/>
-                      <a:headEnd type="none" w="med" len="med"/>
-                      <a:tailEnd type="none" w="med" len="med"/>
-                    </a:lnT>
-                    <a:lnB w="12700" cap="flat" cmpd="sng" algn="ctr">
-                      <a:solidFill>
-                        <a:schemeClr val="tx1"/>
-                      </a:solidFill>
-                      <a:prstDash val="solid"/>
-                      <a:round/>
-                      <a:headEnd type="none" w="med" len="med"/>
-                      <a:tailEnd type="none" w="med" len="med"/>
-                    </a:lnB>
-                    <a:lnTlToBr w="12700" cmpd="sng">
-                      <a:noFill/>
-                      <a:prstDash val="solid"/>
-                    </a:lnTlToBr>
-                    <a:lnBlToTr w="12700" cmpd="sng">
-                      <a:noFill/>
-                      <a:prstDash val="solid"/>
-                    </a:lnBlToTr>
-                    <a:solidFill>
-                      <a:srgbClr val="DDEBF7"/>
-                    </a:solidFill>
-                  </a:tcPr>
-                </a:tc>
-                <a:tc>
-                  <a:txBody>
-                    <a:bodyPr/>
-                    <a:lstStyle/>
-                    <a:p>
-                      <a:pPr algn="ctr" fontAlgn="b"/>
-                      <a:r>
-                        <a:rPr lang="en-US" sz="2000" b="0" i="0" u="none" strike="noStrike">
-                          <a:solidFill>
-                            <a:schemeClr val="tx1"/>
-                          </a:solidFill>
-                          <a:effectLst/>
-                          <a:latin typeface="+mn-lt"/>
-                        </a:rPr>
-                        <a:t>4.34</a:t>
-                      </a:r>
-                    </a:p>
-                  </a:txBody>
-                  <a:tcPr marL="6350" marR="6350" marT="6350" marB="0" anchor="ctr">
-                    <a:lnL w="12700" cap="flat" cmpd="sng" algn="ctr">
-                      <a:solidFill>
-                        <a:schemeClr val="tx1"/>
-                      </a:solidFill>
-                      <a:prstDash val="solid"/>
-                      <a:round/>
-                      <a:headEnd type="none" w="med" len="med"/>
-                      <a:tailEnd type="none" w="med" len="med"/>
-                    </a:lnL>
-                    <a:lnR w="12700" cap="flat" cmpd="sng" algn="ctr">
-                      <a:solidFill>
-                        <a:schemeClr val="tx1"/>
-                      </a:solidFill>
-                      <a:prstDash val="solid"/>
-                      <a:round/>
-                      <a:headEnd type="none" w="med" len="med"/>
-                      <a:tailEnd type="none" w="med" len="med"/>
-                    </a:lnR>
-                    <a:lnT w="12700" cap="flat" cmpd="sng" algn="ctr">
-                      <a:solidFill>
-                        <a:schemeClr val="tx1"/>
-                      </a:solidFill>
-                      <a:prstDash val="solid"/>
-                      <a:round/>
-                      <a:headEnd type="none" w="med" len="med"/>
-                      <a:tailEnd type="none" w="med" len="med"/>
-                    </a:lnT>
-                    <a:lnB w="12700" cap="flat" cmpd="sng" algn="ctr">
-                      <a:solidFill>
-                        <a:schemeClr val="tx1"/>
-                      </a:solidFill>
-                      <a:prstDash val="solid"/>
-                      <a:round/>
-                      <a:headEnd type="none" w="med" len="med"/>
-                      <a:tailEnd type="none" w="med" len="med"/>
-                    </a:lnB>
-                    <a:lnTlToBr w="12700" cmpd="sng">
-                      <a:noFill/>
-                      <a:prstDash val="solid"/>
-                    </a:lnTlToBr>
-                    <a:lnBlToTr w="12700" cmpd="sng">
-                      <a:noFill/>
-                      <a:prstDash val="solid"/>
-                    </a:lnBlToTr>
-                    <a:solidFill>
-                      <a:srgbClr val="DDEBF7"/>
-                    </a:solidFill>
-                  </a:tcPr>
-                </a:tc>
-                <a:extLst>
-                  <a:ext uri="{0D108BD9-81ED-4DB2-BD59-A6C34878D82A}">
-                    <a16:rowId xmlns:a16="http://schemas.microsoft.com/office/drawing/2014/main" val="3970602715"/>
-                  </a:ext>
-                </a:extLst>
-              </a:tr>
-              <a:tr h="385565">
-                <a:tc>
-                  <a:txBody>
-                    <a:bodyPr/>
-                    <a:lstStyle/>
-                    <a:p>
-                      <a:pPr algn="ctr" fontAlgn="b"/>
-                      <a:r>
-                        <a:rPr lang="en-US" sz="2000" b="0" i="0" u="none" strike="noStrike" dirty="0" err="1">
-                          <a:solidFill>
-                            <a:schemeClr val="tx1"/>
-                          </a:solidFill>
-                          <a:effectLst/>
-                          <a:latin typeface="+mn-lt"/>
-                        </a:rPr>
-                        <a:t>sql</a:t>
-                      </a:r>
-                      <a:endParaRPr lang="en-US" sz="2000" b="0" i="0" u="none" strike="noStrike" dirty="0">
-                        <a:solidFill>
-                          <a:schemeClr val="tx1"/>
-                        </a:solidFill>
-                        <a:effectLst/>
-                        <a:latin typeface="+mn-lt"/>
-                      </a:endParaRPr>
-                    </a:p>
-                  </a:txBody>
-                  <a:tcPr marL="6350" marR="6350" marT="6350" marB="0" anchor="ctr">
-                    <a:lnL w="12700" cap="flat" cmpd="sng" algn="ctr">
-                      <a:solidFill>
-                        <a:schemeClr val="tx1"/>
-                      </a:solidFill>
-                      <a:prstDash val="solid"/>
-                      <a:round/>
-                      <a:headEnd type="none" w="med" len="med"/>
-                      <a:tailEnd type="none" w="med" len="med"/>
-                    </a:lnL>
-                    <a:lnR w="12700" cap="flat" cmpd="sng" algn="ctr">
-                      <a:solidFill>
-                        <a:schemeClr val="tx1"/>
-                      </a:solidFill>
-                      <a:prstDash val="solid"/>
-                      <a:round/>
-                      <a:headEnd type="none" w="med" len="med"/>
-                      <a:tailEnd type="none" w="med" len="med"/>
-                    </a:lnR>
-                    <a:lnT w="12700" cap="flat" cmpd="sng" algn="ctr">
-                      <a:solidFill>
-                        <a:schemeClr val="tx1"/>
-                      </a:solidFill>
-                      <a:prstDash val="solid"/>
-                      <a:round/>
-                      <a:headEnd type="none" w="med" len="med"/>
-                      <a:tailEnd type="none" w="med" len="med"/>
-                    </a:lnT>
-                    <a:lnB w="12700" cap="flat" cmpd="sng" algn="ctr">
-                      <a:solidFill>
-                        <a:schemeClr val="tx1"/>
-                      </a:solidFill>
-                      <a:prstDash val="solid"/>
-                      <a:round/>
-                      <a:headEnd type="none" w="med" len="med"/>
-                      <a:tailEnd type="none" w="med" len="med"/>
-                    </a:lnB>
-                    <a:lnTlToBr w="12700" cmpd="sng">
-                      <a:noFill/>
-                      <a:prstDash val="solid"/>
-                    </a:lnTlToBr>
-                    <a:lnBlToTr w="12700" cmpd="sng">
-                      <a:noFill/>
-                      <a:prstDash val="solid"/>
-                    </a:lnBlToTr>
-                  </a:tcPr>
-                </a:tc>
-                <a:tc>
-                  <a:txBody>
-                    <a:bodyPr/>
-                    <a:lstStyle/>
-                    <a:p>
-                      <a:pPr algn="ctr" fontAlgn="b"/>
-                      <a:r>
-                        <a:rPr lang="en-US" sz="2000" b="0" i="0" u="none" strike="noStrike" dirty="0">
-                          <a:solidFill>
-                            <a:schemeClr val="tx1"/>
-                          </a:solidFill>
-                          <a:effectLst/>
-                          <a:latin typeface="+mn-lt"/>
-                        </a:rPr>
-                        <a:t>1.86</a:t>
-                      </a:r>
-                    </a:p>
-                  </a:txBody>
-                  <a:tcPr marL="6350" marR="6350" marT="6350" marB="0" anchor="ctr">
-                    <a:lnL w="12700" cap="flat" cmpd="sng" algn="ctr">
-                      <a:solidFill>
-                        <a:schemeClr val="tx1"/>
-                      </a:solidFill>
-                      <a:prstDash val="solid"/>
-                      <a:round/>
-                      <a:headEnd type="none" w="med" len="med"/>
-                      <a:tailEnd type="none" w="med" len="med"/>
-                    </a:lnL>
-                    <a:lnR w="12700" cap="flat" cmpd="sng" algn="ctr">
-                      <a:solidFill>
-                        <a:schemeClr val="tx1"/>
-                      </a:solidFill>
-                      <a:prstDash val="solid"/>
-                      <a:round/>
-                      <a:headEnd type="none" w="med" len="med"/>
-                      <a:tailEnd type="none" w="med" len="med"/>
-                    </a:lnR>
-                    <a:lnT w="12700" cap="flat" cmpd="sng" algn="ctr">
-                      <a:solidFill>
-                        <a:schemeClr val="tx1"/>
-                      </a:solidFill>
-                      <a:prstDash val="solid"/>
-                      <a:round/>
-                      <a:headEnd type="none" w="med" len="med"/>
-                      <a:tailEnd type="none" w="med" len="med"/>
-                    </a:lnT>
-                    <a:lnB w="12700" cap="flat" cmpd="sng" algn="ctr">
-                      <a:solidFill>
-                        <a:schemeClr val="tx1"/>
-                      </a:solidFill>
-                      <a:prstDash val="solid"/>
-                      <a:round/>
-                      <a:headEnd type="none" w="med" len="med"/>
-                      <a:tailEnd type="none" w="med" len="med"/>
-                    </a:lnB>
-                    <a:lnTlToBr w="12700" cmpd="sng">
-                      <a:noFill/>
-                      <a:prstDash val="solid"/>
-                    </a:lnTlToBr>
-                    <a:lnBlToTr w="12700" cmpd="sng">
-                      <a:noFill/>
-                      <a:prstDash val="solid"/>
-                    </a:lnBlToTr>
-                  </a:tcPr>
-                </a:tc>
-                <a:tc>
-                  <a:txBody>
-                    <a:bodyPr/>
-                    <a:lstStyle/>
-                    <a:p>
-                      <a:pPr algn="ctr" fontAlgn="b"/>
-                      <a:r>
-                        <a:rPr lang="en-US" sz="2000" b="0" i="0" u="none" strike="noStrike" dirty="0" err="1">
-                          <a:solidFill>
-                            <a:schemeClr val="tx1"/>
-                          </a:solidFill>
-                          <a:effectLst/>
-                          <a:latin typeface="+mn-lt"/>
-                        </a:rPr>
-                        <a:t>mysql</a:t>
-                      </a:r>
-                      <a:endParaRPr lang="en-US" sz="2000" b="0" i="0" u="none" strike="noStrike" dirty="0">
-                        <a:solidFill>
-                          <a:schemeClr val="tx1"/>
-                        </a:solidFill>
-                        <a:effectLst/>
-                        <a:latin typeface="+mn-lt"/>
-                      </a:endParaRPr>
-                    </a:p>
-                  </a:txBody>
-                  <a:tcPr marL="6350" marR="6350" marT="6350" marB="0" anchor="ctr">
-                    <a:lnL w="12700" cap="flat" cmpd="sng" algn="ctr">
-                      <a:solidFill>
-                        <a:schemeClr val="tx1"/>
-                      </a:solidFill>
-                      <a:prstDash val="solid"/>
-                      <a:round/>
-                      <a:headEnd type="none" w="med" len="med"/>
-                      <a:tailEnd type="none" w="med" len="med"/>
-                    </a:lnL>
-                    <a:lnR w="12700" cap="flat" cmpd="sng" algn="ctr">
-                      <a:solidFill>
-                        <a:schemeClr val="tx1"/>
-                      </a:solidFill>
-                      <a:prstDash val="solid"/>
-                      <a:round/>
-                      <a:headEnd type="none" w="med" len="med"/>
-                      <a:tailEnd type="none" w="med" len="med"/>
-                    </a:lnR>
-                    <a:lnT w="12700" cap="flat" cmpd="sng" algn="ctr">
-                      <a:solidFill>
-                        <a:schemeClr val="tx1"/>
-                      </a:solidFill>
-                      <a:prstDash val="solid"/>
-                      <a:round/>
-                      <a:headEnd type="none" w="med" len="med"/>
-                      <a:tailEnd type="none" w="med" len="med"/>
-                    </a:lnT>
-                    <a:lnB w="12700" cap="flat" cmpd="sng" algn="ctr">
-                      <a:solidFill>
-                        <a:schemeClr val="tx1"/>
-                      </a:solidFill>
-                      <a:prstDash val="solid"/>
-                      <a:round/>
-                      <a:headEnd type="none" w="med" len="med"/>
-                      <a:tailEnd type="none" w="med" len="med"/>
-                    </a:lnB>
-                    <a:lnTlToBr w="12700" cmpd="sng">
-                      <a:noFill/>
-                      <a:prstDash val="solid"/>
-                    </a:lnTlToBr>
-                    <a:lnBlToTr w="12700" cmpd="sng">
-                      <a:noFill/>
-                      <a:prstDash val="solid"/>
-                    </a:lnBlToTr>
-                  </a:tcPr>
-                </a:tc>
-                <a:tc>
-                  <a:txBody>
-                    <a:bodyPr/>
-                    <a:lstStyle/>
-                    <a:p>
-                      <a:pPr algn="ctr" fontAlgn="b"/>
-                      <a:r>
-                        <a:rPr lang="en-US" sz="2000" b="0" i="0" u="none" strike="noStrike">
-                          <a:solidFill>
-                            <a:schemeClr val="tx1"/>
-                          </a:solidFill>
-                          <a:effectLst/>
-                          <a:latin typeface="+mn-lt"/>
-                        </a:rPr>
-                        <a:t>5.4</a:t>
-                      </a:r>
-                    </a:p>
-                  </a:txBody>
-                  <a:tcPr marL="6350" marR="6350" marT="6350" marB="0" anchor="ctr">
-                    <a:lnL w="12700" cap="flat" cmpd="sng" algn="ctr">
-                      <a:solidFill>
-                        <a:schemeClr val="tx1"/>
-                      </a:solidFill>
-                      <a:prstDash val="solid"/>
-                      <a:round/>
-                      <a:headEnd type="none" w="med" len="med"/>
-                      <a:tailEnd type="none" w="med" len="med"/>
-                    </a:lnL>
-                    <a:lnR w="12700" cap="flat" cmpd="sng" algn="ctr">
-                      <a:solidFill>
-                        <a:schemeClr val="tx1"/>
-                      </a:solidFill>
-                      <a:prstDash val="solid"/>
-                      <a:round/>
-                      <a:headEnd type="none" w="med" len="med"/>
-                      <a:tailEnd type="none" w="med" len="med"/>
-                    </a:lnR>
-                    <a:lnT w="12700" cap="flat" cmpd="sng" algn="ctr">
-                      <a:solidFill>
-                        <a:schemeClr val="tx1"/>
-                      </a:solidFill>
-                      <a:prstDash val="solid"/>
-                      <a:round/>
-                      <a:headEnd type="none" w="med" len="med"/>
-                      <a:tailEnd type="none" w="med" len="med"/>
-                    </a:lnT>
-                    <a:lnB w="12700" cap="flat" cmpd="sng" algn="ctr">
-                      <a:solidFill>
-                        <a:schemeClr val="tx1"/>
-                      </a:solidFill>
-                      <a:prstDash val="solid"/>
-                      <a:round/>
-                      <a:headEnd type="none" w="med" len="med"/>
-                      <a:tailEnd type="none" w="med" len="med"/>
-                    </a:lnB>
-                    <a:lnTlToBr w="12700" cmpd="sng">
-                      <a:noFill/>
-                      <a:prstDash val="solid"/>
-                    </a:lnTlToBr>
-                    <a:lnBlToTr w="12700" cmpd="sng">
-                      <a:noFill/>
-                      <a:prstDash val="solid"/>
-                    </a:lnBlToTr>
-                  </a:tcPr>
-                </a:tc>
-                <a:extLst>
-                  <a:ext uri="{0D108BD9-81ED-4DB2-BD59-A6C34878D82A}">
-                    <a16:rowId xmlns:a16="http://schemas.microsoft.com/office/drawing/2014/main" val="2719594484"/>
-                  </a:ext>
-                </a:extLst>
-              </a:tr>
-              <a:tr h="385565">
-                <a:tc>
-                  <a:txBody>
-                    <a:bodyPr/>
-                    <a:lstStyle/>
-                    <a:p>
-                      <a:pPr algn="ctr" fontAlgn="b"/>
-                      <a:r>
-                        <a:rPr lang="en-US" sz="2000" b="0" i="0" u="none" strike="noStrike">
-                          <a:solidFill>
-                            <a:schemeClr val="tx1"/>
-                          </a:solidFill>
-                          <a:effectLst/>
-                          <a:latin typeface="+mn-lt"/>
-                        </a:rPr>
-                        <a:t>excel</a:t>
-                      </a:r>
-                    </a:p>
-                  </a:txBody>
-                  <a:tcPr marL="6350" marR="6350" marT="6350" marB="0" anchor="ctr">
-                    <a:lnL w="12700" cap="flat" cmpd="sng" algn="ctr">
-                      <a:solidFill>
-                        <a:schemeClr val="tx1"/>
-                      </a:solidFill>
-                      <a:prstDash val="solid"/>
-                      <a:round/>
-                      <a:headEnd type="none" w="med" len="med"/>
-                      <a:tailEnd type="none" w="med" len="med"/>
-                    </a:lnL>
-                    <a:lnR w="12700" cap="flat" cmpd="sng" algn="ctr">
-                      <a:solidFill>
-                        <a:schemeClr val="tx1"/>
-                      </a:solidFill>
-                      <a:prstDash val="solid"/>
-                      <a:round/>
-                      <a:headEnd type="none" w="med" len="med"/>
-                      <a:tailEnd type="none" w="med" len="med"/>
-                    </a:lnR>
-                    <a:lnT w="12700" cap="flat" cmpd="sng" algn="ctr">
-                      <a:solidFill>
-                        <a:schemeClr val="tx1"/>
-                      </a:solidFill>
-                      <a:prstDash val="solid"/>
-                      <a:round/>
-                      <a:headEnd type="none" w="med" len="med"/>
-                      <a:tailEnd type="none" w="med" len="med"/>
-                    </a:lnT>
-                    <a:lnB w="12700" cap="flat" cmpd="sng" algn="ctr">
-                      <a:solidFill>
-                        <a:schemeClr val="tx1"/>
-                      </a:solidFill>
-                      <a:prstDash val="solid"/>
-                      <a:round/>
-                      <a:headEnd type="none" w="med" len="med"/>
-                      <a:tailEnd type="none" w="med" len="med"/>
-                    </a:lnB>
-                    <a:lnTlToBr w="12700" cmpd="sng">
-                      <a:noFill/>
-                      <a:prstDash val="solid"/>
-                    </a:lnTlToBr>
-                    <a:lnBlToTr w="12700" cmpd="sng">
-                      <a:noFill/>
-                      <a:prstDash val="solid"/>
-                    </a:lnBlToTr>
-                    <a:solidFill>
-                      <a:srgbClr val="DDEBF7"/>
-                    </a:solidFill>
-                  </a:tcPr>
-                </a:tc>
-                <a:tc>
-                  <a:txBody>
-                    <a:bodyPr/>
-                    <a:lstStyle/>
-                    <a:p>
-                      <a:pPr algn="ctr" fontAlgn="b"/>
-                      <a:r>
-                        <a:rPr lang="en-US" sz="2000" b="0" i="0" u="none" strike="noStrike" dirty="0">
-                          <a:solidFill>
-                            <a:schemeClr val="tx1"/>
-                          </a:solidFill>
-                          <a:effectLst/>
-                          <a:latin typeface="+mn-lt"/>
-                        </a:rPr>
-                        <a:t>2.12</a:t>
-                      </a:r>
-                    </a:p>
-                  </a:txBody>
-                  <a:tcPr marL="6350" marR="6350" marT="6350" marB="0" anchor="ctr">
-                    <a:lnL w="12700" cap="flat" cmpd="sng" algn="ctr">
-                      <a:solidFill>
-                        <a:schemeClr val="tx1"/>
-                      </a:solidFill>
-                      <a:prstDash val="solid"/>
-                      <a:round/>
-                      <a:headEnd type="none" w="med" len="med"/>
-                      <a:tailEnd type="none" w="med" len="med"/>
-                    </a:lnL>
-                    <a:lnR w="12700" cap="flat" cmpd="sng" algn="ctr">
-                      <a:solidFill>
-                        <a:schemeClr val="tx1"/>
-                      </a:solidFill>
-                      <a:prstDash val="solid"/>
-                      <a:round/>
-                      <a:headEnd type="none" w="med" len="med"/>
-                      <a:tailEnd type="none" w="med" len="med"/>
-                    </a:lnR>
-                    <a:lnT w="12700" cap="flat" cmpd="sng" algn="ctr">
-                      <a:solidFill>
-                        <a:schemeClr val="tx1"/>
-                      </a:solidFill>
-                      <a:prstDash val="solid"/>
-                      <a:round/>
-                      <a:headEnd type="none" w="med" len="med"/>
-                      <a:tailEnd type="none" w="med" len="med"/>
-                    </a:lnT>
-                    <a:lnB w="12700" cap="flat" cmpd="sng" algn="ctr">
-                      <a:solidFill>
-                        <a:schemeClr val="tx1"/>
-                      </a:solidFill>
-                      <a:prstDash val="solid"/>
-                      <a:round/>
-                      <a:headEnd type="none" w="med" len="med"/>
-                      <a:tailEnd type="none" w="med" len="med"/>
-                    </a:lnB>
-                    <a:lnTlToBr w="12700" cmpd="sng">
-                      <a:noFill/>
-                      <a:prstDash val="solid"/>
-                    </a:lnTlToBr>
-                    <a:lnBlToTr w="12700" cmpd="sng">
-                      <a:noFill/>
-                      <a:prstDash val="solid"/>
-                    </a:lnBlToTr>
-                    <a:solidFill>
-                      <a:srgbClr val="DDEBF7"/>
-                    </a:solidFill>
-                  </a:tcPr>
-                </a:tc>
-                <a:tc>
-                  <a:txBody>
-                    <a:bodyPr/>
-                    <a:lstStyle/>
-                    <a:p>
-                      <a:pPr algn="ctr" fontAlgn="b"/>
-                      <a:r>
-                        <a:rPr lang="en-US" sz="2000" b="0" i="0" u="none" strike="noStrike" dirty="0">
-                          <a:solidFill>
-                            <a:schemeClr val="tx1"/>
-                          </a:solidFill>
-                          <a:effectLst/>
-                          <a:latin typeface="+mn-lt"/>
-                        </a:rPr>
-                        <a:t>java</a:t>
-                      </a:r>
-                    </a:p>
-                  </a:txBody>
-                  <a:tcPr marL="6350" marR="6350" marT="6350" marB="0" anchor="ctr">
-                    <a:lnL w="12700" cap="flat" cmpd="sng" algn="ctr">
-                      <a:solidFill>
-                        <a:schemeClr val="tx1"/>
-                      </a:solidFill>
-                      <a:prstDash val="solid"/>
-                      <a:round/>
-                      <a:headEnd type="none" w="med" len="med"/>
-                      <a:tailEnd type="none" w="med" len="med"/>
-                    </a:lnL>
-                    <a:lnR w="12700" cap="flat" cmpd="sng" algn="ctr">
-                      <a:solidFill>
-                        <a:schemeClr val="tx1"/>
-                      </a:solidFill>
-                      <a:prstDash val="solid"/>
-                      <a:round/>
-                      <a:headEnd type="none" w="med" len="med"/>
-                      <a:tailEnd type="none" w="med" len="med"/>
-                    </a:lnR>
-                    <a:lnT w="12700" cap="flat" cmpd="sng" algn="ctr">
-                      <a:solidFill>
-                        <a:schemeClr val="tx1"/>
-                      </a:solidFill>
-                      <a:prstDash val="solid"/>
-                      <a:round/>
-                      <a:headEnd type="none" w="med" len="med"/>
-                      <a:tailEnd type="none" w="med" len="med"/>
-                    </a:lnT>
-                    <a:lnB w="12700" cap="flat" cmpd="sng" algn="ctr">
-                      <a:solidFill>
-                        <a:schemeClr val="tx1"/>
-                      </a:solidFill>
-                      <a:prstDash val="solid"/>
-                      <a:round/>
-                      <a:headEnd type="none" w="med" len="med"/>
-                      <a:tailEnd type="none" w="med" len="med"/>
-                    </a:lnB>
-                    <a:lnTlToBr w="12700" cmpd="sng">
-                      <a:noFill/>
-                      <a:prstDash val="solid"/>
-                    </a:lnTlToBr>
-                    <a:lnBlToTr w="12700" cmpd="sng">
-                      <a:noFill/>
-                      <a:prstDash val="solid"/>
-                    </a:lnBlToTr>
-                    <a:solidFill>
-                      <a:srgbClr val="DDEBF7"/>
-                    </a:solidFill>
-                  </a:tcPr>
-                </a:tc>
-                <a:tc>
-                  <a:txBody>
-                    <a:bodyPr/>
-                    <a:lstStyle/>
-                    <a:p>
-                      <a:pPr algn="ctr" fontAlgn="b"/>
-                      <a:r>
-                        <a:rPr lang="en-US" sz="2000" b="0" i="0" u="none" strike="noStrike">
-                          <a:solidFill>
-                            <a:schemeClr val="tx1"/>
-                          </a:solidFill>
-                          <a:effectLst/>
-                          <a:latin typeface="+mn-lt"/>
-                        </a:rPr>
-                        <a:t>5.42</a:t>
-                      </a:r>
-                    </a:p>
-                  </a:txBody>
-                  <a:tcPr marL="6350" marR="6350" marT="6350" marB="0" anchor="ctr">
-                    <a:lnL w="12700" cap="flat" cmpd="sng" algn="ctr">
-                      <a:solidFill>
-                        <a:schemeClr val="tx1"/>
-                      </a:solidFill>
-                      <a:prstDash val="solid"/>
-                      <a:round/>
-                      <a:headEnd type="none" w="med" len="med"/>
-                      <a:tailEnd type="none" w="med" len="med"/>
-                    </a:lnL>
-                    <a:lnR w="12700" cap="flat" cmpd="sng" algn="ctr">
-                      <a:solidFill>
-                        <a:schemeClr val="tx1"/>
-                      </a:solidFill>
-                      <a:prstDash val="solid"/>
-                      <a:round/>
-                      <a:headEnd type="none" w="med" len="med"/>
-                      <a:tailEnd type="none" w="med" len="med"/>
-                    </a:lnR>
-                    <a:lnT w="12700" cap="flat" cmpd="sng" algn="ctr">
-                      <a:solidFill>
-                        <a:schemeClr val="tx1"/>
-                      </a:solidFill>
-                      <a:prstDash val="solid"/>
-                      <a:round/>
-                      <a:headEnd type="none" w="med" len="med"/>
-                      <a:tailEnd type="none" w="med" len="med"/>
-                    </a:lnT>
-                    <a:lnB w="12700" cap="flat" cmpd="sng" algn="ctr">
-                      <a:solidFill>
-                        <a:schemeClr val="tx1"/>
-                      </a:solidFill>
-                      <a:prstDash val="solid"/>
-                      <a:round/>
-                      <a:headEnd type="none" w="med" len="med"/>
-                      <a:tailEnd type="none" w="med" len="med"/>
-                    </a:lnB>
-                    <a:lnTlToBr w="12700" cmpd="sng">
-                      <a:noFill/>
-                      <a:prstDash val="solid"/>
-                    </a:lnTlToBr>
-                    <a:lnBlToTr w="12700" cmpd="sng">
-                      <a:noFill/>
-                      <a:prstDash val="solid"/>
-                    </a:lnBlToTr>
-                    <a:solidFill>
-                      <a:srgbClr val="DDEBF7"/>
-                    </a:solidFill>
-                  </a:tcPr>
-                </a:tc>
-                <a:extLst>
-                  <a:ext uri="{0D108BD9-81ED-4DB2-BD59-A6C34878D82A}">
-                    <a16:rowId xmlns:a16="http://schemas.microsoft.com/office/drawing/2014/main" val="810167522"/>
-                  </a:ext>
-                </a:extLst>
-              </a:tr>
-              <a:tr h="385565">
-                <a:tc>
-                  <a:txBody>
-                    <a:bodyPr/>
-                    <a:lstStyle/>
-                    <a:p>
-                      <a:pPr algn="ctr" fontAlgn="b"/>
-                      <a:r>
-                        <a:rPr lang="en-US" sz="2000" b="0" i="0" u="none" strike="noStrike">
-                          <a:solidFill>
-                            <a:schemeClr val="tx1"/>
-                          </a:solidFill>
-                          <a:effectLst/>
-                          <a:latin typeface="+mn-lt"/>
-                        </a:rPr>
-                        <a:t>microsoft</a:t>
-                      </a:r>
-                    </a:p>
-                  </a:txBody>
-                  <a:tcPr marL="6350" marR="6350" marT="6350" marB="0" anchor="ctr">
-                    <a:lnL w="12700" cap="flat" cmpd="sng" algn="ctr">
-                      <a:solidFill>
-                        <a:schemeClr val="tx1"/>
-                      </a:solidFill>
-                      <a:prstDash val="solid"/>
-                      <a:round/>
-                      <a:headEnd type="none" w="med" len="med"/>
-                      <a:tailEnd type="none" w="med" len="med"/>
-                    </a:lnL>
-                    <a:lnR w="12700" cap="flat" cmpd="sng" algn="ctr">
-                      <a:solidFill>
-                        <a:schemeClr val="tx1"/>
-                      </a:solidFill>
-                      <a:prstDash val="solid"/>
-                      <a:round/>
-                      <a:headEnd type="none" w="med" len="med"/>
-                      <a:tailEnd type="none" w="med" len="med"/>
-                    </a:lnR>
-                    <a:lnT w="12700" cap="flat" cmpd="sng" algn="ctr">
-                      <a:solidFill>
-                        <a:schemeClr val="tx1"/>
-                      </a:solidFill>
-                      <a:prstDash val="solid"/>
-                      <a:round/>
-                      <a:headEnd type="none" w="med" len="med"/>
-                      <a:tailEnd type="none" w="med" len="med"/>
-                    </a:lnT>
-                    <a:lnB w="12700" cap="flat" cmpd="sng" algn="ctr">
-                      <a:solidFill>
-                        <a:schemeClr val="tx1"/>
-                      </a:solidFill>
-                      <a:prstDash val="solid"/>
-                      <a:round/>
-                      <a:headEnd type="none" w="med" len="med"/>
-                      <a:tailEnd type="none" w="med" len="med"/>
-                    </a:lnB>
-                    <a:lnTlToBr w="12700" cmpd="sng">
-                      <a:noFill/>
-                      <a:prstDash val="solid"/>
-                    </a:lnTlToBr>
-                    <a:lnBlToTr w="12700" cmpd="sng">
-                      <a:noFill/>
-                      <a:prstDash val="solid"/>
-                    </a:lnBlToTr>
-                  </a:tcPr>
-                </a:tc>
-                <a:tc>
-                  <a:txBody>
-                    <a:bodyPr/>
-                    <a:lstStyle/>
-                    <a:p>
-                      <a:pPr algn="ctr" fontAlgn="b"/>
-                      <a:r>
-                        <a:rPr lang="en-US" sz="2000" b="0" i="0" u="none" strike="noStrike" dirty="0">
-                          <a:solidFill>
-                            <a:schemeClr val="tx1"/>
-                          </a:solidFill>
-                          <a:effectLst/>
-                          <a:latin typeface="+mn-lt"/>
-                        </a:rPr>
-                        <a:t>2.61</a:t>
-                      </a:r>
-                    </a:p>
-                  </a:txBody>
-                  <a:tcPr marL="6350" marR="6350" marT="6350" marB="0" anchor="ctr">
-                    <a:lnL w="12700" cap="flat" cmpd="sng" algn="ctr">
-                      <a:solidFill>
-                        <a:schemeClr val="tx1"/>
-                      </a:solidFill>
-                      <a:prstDash val="solid"/>
-                      <a:round/>
-                      <a:headEnd type="none" w="med" len="med"/>
-                      <a:tailEnd type="none" w="med" len="med"/>
-                    </a:lnL>
-                    <a:lnR w="12700" cap="flat" cmpd="sng" algn="ctr">
-                      <a:solidFill>
-                        <a:schemeClr val="tx1"/>
-                      </a:solidFill>
-                      <a:prstDash val="solid"/>
-                      <a:round/>
-                      <a:headEnd type="none" w="med" len="med"/>
-                      <a:tailEnd type="none" w="med" len="med"/>
-                    </a:lnR>
-                    <a:lnT w="12700" cap="flat" cmpd="sng" algn="ctr">
-                      <a:solidFill>
-                        <a:schemeClr val="tx1"/>
-                      </a:solidFill>
-                      <a:prstDash val="solid"/>
-                      <a:round/>
-                      <a:headEnd type="none" w="med" len="med"/>
-                      <a:tailEnd type="none" w="med" len="med"/>
-                    </a:lnT>
-                    <a:lnB w="12700" cap="flat" cmpd="sng" algn="ctr">
-                      <a:solidFill>
-                        <a:schemeClr val="tx1"/>
-                      </a:solidFill>
-                      <a:prstDash val="solid"/>
-                      <a:round/>
-                      <a:headEnd type="none" w="med" len="med"/>
-                      <a:tailEnd type="none" w="med" len="med"/>
-                    </a:lnB>
-                    <a:lnTlToBr w="12700" cmpd="sng">
-                      <a:noFill/>
-                      <a:prstDash val="solid"/>
-                    </a:lnTlToBr>
-                    <a:lnBlToTr w="12700" cmpd="sng">
-                      <a:noFill/>
-                      <a:prstDash val="solid"/>
-                    </a:lnBlToTr>
-                  </a:tcPr>
-                </a:tc>
-                <a:tc>
-                  <a:txBody>
-                    <a:bodyPr/>
-                    <a:lstStyle/>
-                    <a:p>
-                      <a:pPr algn="ctr" fontAlgn="b"/>
-                      <a:r>
-                        <a:rPr lang="en-US" sz="2000" b="0" i="0" u="none" strike="noStrike" dirty="0" err="1">
-                          <a:solidFill>
-                            <a:schemeClr val="tx1"/>
-                          </a:solidFill>
-                          <a:effectLst/>
-                          <a:latin typeface="+mn-lt"/>
-                        </a:rPr>
-                        <a:t>spss</a:t>
-                      </a:r>
-                      <a:endParaRPr lang="en-US" sz="2000" b="0" i="0" u="none" strike="noStrike" dirty="0">
-                        <a:solidFill>
-                          <a:schemeClr val="tx1"/>
-                        </a:solidFill>
-                        <a:effectLst/>
-                        <a:latin typeface="+mn-lt"/>
-                      </a:endParaRPr>
-                    </a:p>
-                  </a:txBody>
-                  <a:tcPr marL="6350" marR="6350" marT="6350" marB="0" anchor="ctr">
-                    <a:lnL w="12700" cap="flat" cmpd="sng" algn="ctr">
-                      <a:solidFill>
-                        <a:schemeClr val="tx1"/>
-                      </a:solidFill>
-                      <a:prstDash val="solid"/>
-                      <a:round/>
-                      <a:headEnd type="none" w="med" len="med"/>
-                      <a:tailEnd type="none" w="med" len="med"/>
-                    </a:lnL>
-                    <a:lnR w="12700" cap="flat" cmpd="sng" algn="ctr">
-                      <a:solidFill>
-                        <a:schemeClr val="tx1"/>
-                      </a:solidFill>
-                      <a:prstDash val="solid"/>
-                      <a:round/>
-                      <a:headEnd type="none" w="med" len="med"/>
-                      <a:tailEnd type="none" w="med" len="med"/>
-                    </a:lnR>
-                    <a:lnT w="12700" cap="flat" cmpd="sng" algn="ctr">
-                      <a:solidFill>
-                        <a:schemeClr val="tx1"/>
-                      </a:solidFill>
-                      <a:prstDash val="solid"/>
-                      <a:round/>
-                      <a:headEnd type="none" w="med" len="med"/>
-                      <a:tailEnd type="none" w="med" len="med"/>
-                    </a:lnT>
-                    <a:lnB w="12700" cap="flat" cmpd="sng" algn="ctr">
-                      <a:solidFill>
-                        <a:schemeClr val="tx1"/>
-                      </a:solidFill>
-                      <a:prstDash val="solid"/>
-                      <a:round/>
-                      <a:headEnd type="none" w="med" len="med"/>
-                      <a:tailEnd type="none" w="med" len="med"/>
-                    </a:lnB>
-                    <a:lnTlToBr w="12700" cmpd="sng">
-                      <a:noFill/>
-                      <a:prstDash val="solid"/>
-                    </a:lnTlToBr>
-                    <a:lnBlToTr w="12700" cmpd="sng">
-                      <a:noFill/>
-                      <a:prstDash val="solid"/>
-                    </a:lnBlToTr>
-                  </a:tcPr>
-                </a:tc>
-                <a:tc>
-                  <a:txBody>
-                    <a:bodyPr/>
-                    <a:lstStyle/>
-                    <a:p>
-                      <a:pPr algn="ctr" fontAlgn="b"/>
-                      <a:r>
-                        <a:rPr lang="en-US" sz="2000" b="0" i="0" u="none" strike="noStrike" dirty="0">
-                          <a:solidFill>
-                            <a:schemeClr val="tx1"/>
-                          </a:solidFill>
-                          <a:effectLst/>
-                          <a:latin typeface="+mn-lt"/>
-                        </a:rPr>
-                        <a:t>5.79</a:t>
-                      </a:r>
-                    </a:p>
-                  </a:txBody>
-                  <a:tcPr marL="6350" marR="6350" marT="6350" marB="0" anchor="ctr">
-                    <a:lnL w="12700" cap="flat" cmpd="sng" algn="ctr">
-                      <a:solidFill>
-                        <a:schemeClr val="tx1"/>
-                      </a:solidFill>
-                      <a:prstDash val="solid"/>
-                      <a:round/>
-                      <a:headEnd type="none" w="med" len="med"/>
-                      <a:tailEnd type="none" w="med" len="med"/>
-                    </a:lnL>
-                    <a:lnR w="12700" cap="flat" cmpd="sng" algn="ctr">
-                      <a:solidFill>
-                        <a:schemeClr val="tx1"/>
-                      </a:solidFill>
-                      <a:prstDash val="solid"/>
-                      <a:round/>
-                      <a:headEnd type="none" w="med" len="med"/>
-                      <a:tailEnd type="none" w="med" len="med"/>
-                    </a:lnR>
-                    <a:lnT w="12700" cap="flat" cmpd="sng" algn="ctr">
-                      <a:solidFill>
-                        <a:schemeClr val="tx1"/>
-                      </a:solidFill>
-                      <a:prstDash val="solid"/>
-                      <a:round/>
-                      <a:headEnd type="none" w="med" len="med"/>
-                      <a:tailEnd type="none" w="med" len="med"/>
-                    </a:lnT>
-                    <a:lnB w="12700" cap="flat" cmpd="sng" algn="ctr">
-                      <a:solidFill>
-                        <a:schemeClr val="tx1"/>
-                      </a:solidFill>
-                      <a:prstDash val="solid"/>
-                      <a:round/>
-                      <a:headEnd type="none" w="med" len="med"/>
-                      <a:tailEnd type="none" w="med" len="med"/>
-                    </a:lnB>
-                    <a:lnTlToBr w="12700" cmpd="sng">
-                      <a:noFill/>
-                      <a:prstDash val="solid"/>
-                    </a:lnTlToBr>
-                    <a:lnBlToTr w="12700" cmpd="sng">
-                      <a:noFill/>
-                      <a:prstDash val="solid"/>
-                    </a:lnBlToTr>
-                  </a:tcPr>
-                </a:tc>
-                <a:extLst>
-                  <a:ext uri="{0D108BD9-81ED-4DB2-BD59-A6C34878D82A}">
-                    <a16:rowId xmlns:a16="http://schemas.microsoft.com/office/drawing/2014/main" val="3251041889"/>
-                  </a:ext>
-                </a:extLst>
-              </a:tr>
-              <a:tr h="385565">
-                <a:tc>
-                  <a:txBody>
-                    <a:bodyPr/>
-                    <a:lstStyle/>
-                    <a:p>
-                      <a:pPr algn="ctr" fontAlgn="b"/>
-                      <a:r>
-                        <a:rPr lang="en-US" sz="2000" b="0" i="0" u="none" strike="noStrike">
-                          <a:solidFill>
-                            <a:schemeClr val="tx1"/>
-                          </a:solidFill>
-                          <a:effectLst/>
-                          <a:latin typeface="+mn-lt"/>
-                        </a:rPr>
-                        <a:t>tableau</a:t>
-                      </a:r>
-                    </a:p>
-                  </a:txBody>
-                  <a:tcPr marL="6350" marR="6350" marT="6350" marB="0" anchor="ctr">
-                    <a:lnL w="12700" cap="flat" cmpd="sng" algn="ctr">
-                      <a:solidFill>
-                        <a:schemeClr val="tx1"/>
-                      </a:solidFill>
-                      <a:prstDash val="solid"/>
-                      <a:round/>
-                      <a:headEnd type="none" w="med" len="med"/>
-                      <a:tailEnd type="none" w="med" len="med"/>
-                    </a:lnL>
-                    <a:lnR w="12700" cap="flat" cmpd="sng" algn="ctr">
-                      <a:solidFill>
-                        <a:schemeClr val="tx1"/>
-                      </a:solidFill>
-                      <a:prstDash val="solid"/>
-                      <a:round/>
-                      <a:headEnd type="none" w="med" len="med"/>
-                      <a:tailEnd type="none" w="med" len="med"/>
-                    </a:lnR>
-                    <a:lnT w="12700" cap="flat" cmpd="sng" algn="ctr">
-                      <a:solidFill>
-                        <a:schemeClr val="tx1"/>
-                      </a:solidFill>
-                      <a:prstDash val="solid"/>
-                      <a:round/>
-                      <a:headEnd type="none" w="med" len="med"/>
-                      <a:tailEnd type="none" w="med" len="med"/>
-                    </a:lnT>
-                    <a:lnB w="12700" cap="flat" cmpd="sng" algn="ctr">
-                      <a:solidFill>
-                        <a:schemeClr val="tx1"/>
-                      </a:solidFill>
-                      <a:prstDash val="solid"/>
-                      <a:round/>
-                      <a:headEnd type="none" w="med" len="med"/>
-                      <a:tailEnd type="none" w="med" len="med"/>
-                    </a:lnB>
-                    <a:lnTlToBr w="12700" cmpd="sng">
-                      <a:noFill/>
-                      <a:prstDash val="solid"/>
-                    </a:lnTlToBr>
-                    <a:lnBlToTr w="12700" cmpd="sng">
-                      <a:noFill/>
-                      <a:prstDash val="solid"/>
-                    </a:lnBlToTr>
-                    <a:solidFill>
-                      <a:srgbClr val="DDEBF7"/>
-                    </a:solidFill>
-                  </a:tcPr>
-                </a:tc>
-                <a:tc>
-                  <a:txBody>
-                    <a:bodyPr/>
-                    <a:lstStyle/>
-                    <a:p>
-                      <a:pPr algn="ctr" fontAlgn="b"/>
-                      <a:r>
-                        <a:rPr lang="en-US" sz="2000" b="0" i="0" u="none" strike="noStrike">
-                          <a:solidFill>
-                            <a:schemeClr val="tx1"/>
-                          </a:solidFill>
-                          <a:effectLst/>
-                          <a:latin typeface="+mn-lt"/>
-                        </a:rPr>
-                        <a:t>2.61</a:t>
-                      </a:r>
-                    </a:p>
-                  </a:txBody>
-                  <a:tcPr marL="6350" marR="6350" marT="6350" marB="0" anchor="ctr">
-                    <a:lnL w="12700" cap="flat" cmpd="sng" algn="ctr">
-                      <a:solidFill>
-                        <a:schemeClr val="tx1"/>
-                      </a:solidFill>
-                      <a:prstDash val="solid"/>
-                      <a:round/>
-                      <a:headEnd type="none" w="med" len="med"/>
-                      <a:tailEnd type="none" w="med" len="med"/>
-                    </a:lnL>
-                    <a:lnR w="12700" cap="flat" cmpd="sng" algn="ctr">
-                      <a:solidFill>
-                        <a:schemeClr val="tx1"/>
-                      </a:solidFill>
-                      <a:prstDash val="solid"/>
-                      <a:round/>
-                      <a:headEnd type="none" w="med" len="med"/>
-                      <a:tailEnd type="none" w="med" len="med"/>
-                    </a:lnR>
-                    <a:lnT w="12700" cap="flat" cmpd="sng" algn="ctr">
-                      <a:solidFill>
-                        <a:schemeClr val="tx1"/>
-                      </a:solidFill>
-                      <a:prstDash val="solid"/>
-                      <a:round/>
-                      <a:headEnd type="none" w="med" len="med"/>
-                      <a:tailEnd type="none" w="med" len="med"/>
-                    </a:lnT>
-                    <a:lnB w="12700" cap="flat" cmpd="sng" algn="ctr">
-                      <a:solidFill>
-                        <a:schemeClr val="tx1"/>
-                      </a:solidFill>
-                      <a:prstDash val="solid"/>
-                      <a:round/>
-                      <a:headEnd type="none" w="med" len="med"/>
-                      <a:tailEnd type="none" w="med" len="med"/>
-                    </a:lnB>
-                    <a:lnTlToBr w="12700" cmpd="sng">
-                      <a:noFill/>
-                      <a:prstDash val="solid"/>
-                    </a:lnTlToBr>
-                    <a:lnBlToTr w="12700" cmpd="sng">
-                      <a:noFill/>
-                      <a:prstDash val="solid"/>
-                    </a:lnBlToTr>
-                    <a:solidFill>
-                      <a:srgbClr val="DDEBF7"/>
-                    </a:solidFill>
-                  </a:tcPr>
-                </a:tc>
-                <a:tc>
-                  <a:txBody>
-                    <a:bodyPr/>
-                    <a:lstStyle/>
-                    <a:p>
-                      <a:pPr algn="ctr" fontAlgn="b"/>
-                      <a:r>
-                        <a:rPr lang="en-US" sz="2000" b="0" i="0" u="none" strike="noStrike" dirty="0">
-                          <a:solidFill>
-                            <a:schemeClr val="tx1"/>
-                          </a:solidFill>
-                          <a:effectLst/>
-                          <a:latin typeface="+mn-lt"/>
-                        </a:rPr>
-                        <a:t>hive</a:t>
-                      </a:r>
-                    </a:p>
-                  </a:txBody>
-                  <a:tcPr marL="6350" marR="6350" marT="6350" marB="0" anchor="ctr">
-                    <a:lnL w="12700" cap="flat" cmpd="sng" algn="ctr">
-                      <a:solidFill>
-                        <a:schemeClr val="tx1"/>
-                      </a:solidFill>
-                      <a:prstDash val="solid"/>
-                      <a:round/>
-                      <a:headEnd type="none" w="med" len="med"/>
-                      <a:tailEnd type="none" w="med" len="med"/>
-                    </a:lnL>
-                    <a:lnR w="12700" cap="flat" cmpd="sng" algn="ctr">
-                      <a:solidFill>
-                        <a:schemeClr val="tx1"/>
-                      </a:solidFill>
-                      <a:prstDash val="solid"/>
-                      <a:round/>
-                      <a:headEnd type="none" w="med" len="med"/>
-                      <a:tailEnd type="none" w="med" len="med"/>
-                    </a:lnR>
-                    <a:lnT w="12700" cap="flat" cmpd="sng" algn="ctr">
-                      <a:solidFill>
-                        <a:schemeClr val="tx1"/>
-                      </a:solidFill>
-                      <a:prstDash val="solid"/>
-                      <a:round/>
-                      <a:headEnd type="none" w="med" len="med"/>
-                      <a:tailEnd type="none" w="med" len="med"/>
-                    </a:lnT>
-                    <a:lnB w="12700" cap="flat" cmpd="sng" algn="ctr">
-                      <a:solidFill>
-                        <a:schemeClr val="tx1"/>
-                      </a:solidFill>
-                      <a:prstDash val="solid"/>
-                      <a:round/>
-                      <a:headEnd type="none" w="med" len="med"/>
-                      <a:tailEnd type="none" w="med" len="med"/>
-                    </a:lnB>
-                    <a:lnTlToBr w="12700" cmpd="sng">
-                      <a:noFill/>
-                      <a:prstDash val="solid"/>
-                    </a:lnTlToBr>
-                    <a:lnBlToTr w="12700" cmpd="sng">
-                      <a:noFill/>
-                      <a:prstDash val="solid"/>
-                    </a:lnBlToTr>
-                    <a:solidFill>
-                      <a:srgbClr val="DDEBF7"/>
-                    </a:solidFill>
-                  </a:tcPr>
-                </a:tc>
-                <a:tc>
-                  <a:txBody>
-                    <a:bodyPr/>
-                    <a:lstStyle/>
-                    <a:p>
-                      <a:pPr algn="ctr" fontAlgn="b"/>
-                      <a:r>
-                        <a:rPr lang="en-US" sz="2000" b="0" i="0" u="none" strike="noStrike" dirty="0">
-                          <a:solidFill>
-                            <a:schemeClr val="tx1"/>
-                          </a:solidFill>
-                          <a:effectLst/>
-                          <a:latin typeface="+mn-lt"/>
-                        </a:rPr>
-                        <a:t>5.87</a:t>
-                      </a:r>
-                    </a:p>
-                  </a:txBody>
-                  <a:tcPr marL="6350" marR="6350" marT="6350" marB="0" anchor="ctr">
-                    <a:lnL w="12700" cap="flat" cmpd="sng" algn="ctr">
-                      <a:solidFill>
-                        <a:schemeClr val="tx1"/>
-                      </a:solidFill>
-                      <a:prstDash val="solid"/>
-                      <a:round/>
-                      <a:headEnd type="none" w="med" len="med"/>
-                      <a:tailEnd type="none" w="med" len="med"/>
-                    </a:lnL>
-                    <a:lnR w="12700" cap="flat" cmpd="sng" algn="ctr">
-                      <a:solidFill>
-                        <a:schemeClr val="tx1"/>
-                      </a:solidFill>
-                      <a:prstDash val="solid"/>
-                      <a:round/>
-                      <a:headEnd type="none" w="med" len="med"/>
-                      <a:tailEnd type="none" w="med" len="med"/>
-                    </a:lnR>
-                    <a:lnT w="12700" cap="flat" cmpd="sng" algn="ctr">
-                      <a:solidFill>
-                        <a:schemeClr val="tx1"/>
-                      </a:solidFill>
-                      <a:prstDash val="solid"/>
-                      <a:round/>
-                      <a:headEnd type="none" w="med" len="med"/>
-                      <a:tailEnd type="none" w="med" len="med"/>
-                    </a:lnT>
-                    <a:lnB w="12700" cap="flat" cmpd="sng" algn="ctr">
-                      <a:solidFill>
-                        <a:schemeClr val="tx1"/>
-                      </a:solidFill>
-                      <a:prstDash val="solid"/>
-                      <a:round/>
-                      <a:headEnd type="none" w="med" len="med"/>
-                      <a:tailEnd type="none" w="med" len="med"/>
-                    </a:lnB>
-                    <a:lnTlToBr w="12700" cmpd="sng">
-                      <a:noFill/>
-                      <a:prstDash val="solid"/>
-                    </a:lnTlToBr>
-                    <a:lnBlToTr w="12700" cmpd="sng">
-                      <a:noFill/>
-                      <a:prstDash val="solid"/>
-                    </a:lnBlToTr>
-                    <a:solidFill>
-                      <a:srgbClr val="DDEBF7"/>
-                    </a:solidFill>
-                  </a:tcPr>
-                </a:tc>
-                <a:extLst>
-                  <a:ext uri="{0D108BD9-81ED-4DB2-BD59-A6C34878D82A}">
-                    <a16:rowId xmlns:a16="http://schemas.microsoft.com/office/drawing/2014/main" val="3077802652"/>
-                  </a:ext>
-                </a:extLst>
-              </a:tr>
-              <a:tr h="385565">
-                <a:tc>
-                  <a:txBody>
-                    <a:bodyPr/>
-                    <a:lstStyle/>
-                    <a:p>
-                      <a:pPr algn="ctr" fontAlgn="b"/>
-                      <a:r>
-                        <a:rPr lang="en-US" sz="2000" b="0" i="0" u="none" strike="noStrike">
-                          <a:solidFill>
-                            <a:schemeClr val="tx1"/>
-                          </a:solidFill>
-                          <a:effectLst/>
-                          <a:latin typeface="+mn-lt"/>
-                        </a:rPr>
-                        <a:t>python</a:t>
-                      </a:r>
-                    </a:p>
-                  </a:txBody>
-                  <a:tcPr marL="6350" marR="6350" marT="6350" marB="0" anchor="ctr">
-                    <a:lnL w="12700" cap="flat" cmpd="sng" algn="ctr">
-                      <a:solidFill>
-                        <a:schemeClr val="tx1"/>
-                      </a:solidFill>
-                      <a:prstDash val="solid"/>
-                      <a:round/>
-                      <a:headEnd type="none" w="med" len="med"/>
-                      <a:tailEnd type="none" w="med" len="med"/>
-                    </a:lnL>
-                    <a:lnR w="12700" cap="flat" cmpd="sng" algn="ctr">
-                      <a:solidFill>
-                        <a:schemeClr val="tx1"/>
-                      </a:solidFill>
-                      <a:prstDash val="solid"/>
-                      <a:round/>
-                      <a:headEnd type="none" w="med" len="med"/>
-                      <a:tailEnd type="none" w="med" len="med"/>
-                    </a:lnR>
-                    <a:lnT w="12700" cap="flat" cmpd="sng" algn="ctr">
-                      <a:solidFill>
-                        <a:schemeClr val="tx1"/>
-                      </a:solidFill>
-                      <a:prstDash val="solid"/>
-                      <a:round/>
-                      <a:headEnd type="none" w="med" len="med"/>
-                      <a:tailEnd type="none" w="med" len="med"/>
-                    </a:lnT>
-                    <a:lnB w="12700" cap="flat" cmpd="sng" algn="ctr">
-                      <a:solidFill>
-                        <a:schemeClr val="tx1"/>
-                      </a:solidFill>
-                      <a:prstDash val="solid"/>
-                      <a:round/>
-                      <a:headEnd type="none" w="med" len="med"/>
-                      <a:tailEnd type="none" w="med" len="med"/>
-                    </a:lnB>
-                    <a:lnTlToBr w="12700" cmpd="sng">
-                      <a:noFill/>
-                      <a:prstDash val="solid"/>
-                    </a:lnTlToBr>
-                    <a:lnBlToTr w="12700" cmpd="sng">
-                      <a:noFill/>
-                      <a:prstDash val="solid"/>
-                    </a:lnBlToTr>
-                  </a:tcPr>
-                </a:tc>
-                <a:tc>
-                  <a:txBody>
-                    <a:bodyPr/>
-                    <a:lstStyle/>
-                    <a:p>
-                      <a:pPr algn="ctr" fontAlgn="b"/>
-                      <a:r>
-                        <a:rPr lang="en-US" sz="2000" b="0" i="0" u="none" strike="noStrike">
-                          <a:solidFill>
-                            <a:schemeClr val="tx1"/>
-                          </a:solidFill>
-                          <a:effectLst/>
-                          <a:latin typeface="+mn-lt"/>
-                        </a:rPr>
-                        <a:t>2.67</a:t>
-                      </a:r>
-                    </a:p>
-                  </a:txBody>
-                  <a:tcPr marL="6350" marR="6350" marT="6350" marB="0" anchor="ctr">
-                    <a:lnL w="12700" cap="flat" cmpd="sng" algn="ctr">
-                      <a:solidFill>
-                        <a:schemeClr val="tx1"/>
-                      </a:solidFill>
-                      <a:prstDash val="solid"/>
-                      <a:round/>
-                      <a:headEnd type="none" w="med" len="med"/>
-                      <a:tailEnd type="none" w="med" len="med"/>
-                    </a:lnL>
-                    <a:lnR w="12700" cap="flat" cmpd="sng" algn="ctr">
-                      <a:solidFill>
-                        <a:schemeClr val="tx1"/>
-                      </a:solidFill>
-                      <a:prstDash val="solid"/>
-                      <a:round/>
-                      <a:headEnd type="none" w="med" len="med"/>
-                      <a:tailEnd type="none" w="med" len="med"/>
-                    </a:lnR>
-                    <a:lnT w="12700" cap="flat" cmpd="sng" algn="ctr">
-                      <a:solidFill>
-                        <a:schemeClr val="tx1"/>
-                      </a:solidFill>
-                      <a:prstDash val="solid"/>
-                      <a:round/>
-                      <a:headEnd type="none" w="med" len="med"/>
-                      <a:tailEnd type="none" w="med" len="med"/>
-                    </a:lnT>
-                    <a:lnB w="12700" cap="flat" cmpd="sng" algn="ctr">
-                      <a:solidFill>
-                        <a:schemeClr val="tx1"/>
-                      </a:solidFill>
-                      <a:prstDash val="solid"/>
-                      <a:round/>
-                      <a:headEnd type="none" w="med" len="med"/>
-                      <a:tailEnd type="none" w="med" len="med"/>
-                    </a:lnB>
-                    <a:lnTlToBr w="12700" cmpd="sng">
-                      <a:noFill/>
-                      <a:prstDash val="solid"/>
-                    </a:lnTlToBr>
-                    <a:lnBlToTr w="12700" cmpd="sng">
-                      <a:noFill/>
-                      <a:prstDash val="solid"/>
-                    </a:lnBlToTr>
-                  </a:tcPr>
-                </a:tc>
-                <a:tc>
-                  <a:txBody>
-                    <a:bodyPr/>
-                    <a:lstStyle/>
-                    <a:p>
-                      <a:pPr algn="ctr" fontAlgn="b"/>
-                      <a:r>
-                        <a:rPr lang="en-US" sz="2000" b="0" i="0" u="none" strike="noStrike" dirty="0" err="1">
-                          <a:solidFill>
-                            <a:schemeClr val="tx1"/>
-                          </a:solidFill>
-                          <a:effectLst/>
-                          <a:latin typeface="+mn-lt"/>
-                        </a:rPr>
-                        <a:t>sas</a:t>
-                      </a:r>
-                      <a:endParaRPr lang="en-US" sz="2000" b="0" i="0" u="none" strike="noStrike" dirty="0">
-                        <a:solidFill>
-                          <a:schemeClr val="tx1"/>
-                        </a:solidFill>
-                        <a:effectLst/>
-                        <a:latin typeface="+mn-lt"/>
-                      </a:endParaRPr>
-                    </a:p>
-                  </a:txBody>
-                  <a:tcPr marL="6350" marR="6350" marT="6350" marB="0" anchor="ctr">
-                    <a:lnL w="12700" cap="flat" cmpd="sng" algn="ctr">
-                      <a:solidFill>
-                        <a:schemeClr val="tx1"/>
-                      </a:solidFill>
-                      <a:prstDash val="solid"/>
-                      <a:round/>
-                      <a:headEnd type="none" w="med" len="med"/>
-                      <a:tailEnd type="none" w="med" len="med"/>
-                    </a:lnL>
-                    <a:lnR w="12700" cap="flat" cmpd="sng" algn="ctr">
-                      <a:solidFill>
-                        <a:schemeClr val="tx1"/>
-                      </a:solidFill>
-                      <a:prstDash val="solid"/>
-                      <a:round/>
-                      <a:headEnd type="none" w="med" len="med"/>
-                      <a:tailEnd type="none" w="med" len="med"/>
-                    </a:lnR>
-                    <a:lnT w="12700" cap="flat" cmpd="sng" algn="ctr">
-                      <a:solidFill>
-                        <a:schemeClr val="tx1"/>
-                      </a:solidFill>
-                      <a:prstDash val="solid"/>
-                      <a:round/>
-                      <a:headEnd type="none" w="med" len="med"/>
-                      <a:tailEnd type="none" w="med" len="med"/>
-                    </a:lnT>
-                    <a:lnB w="12700" cap="flat" cmpd="sng" algn="ctr">
-                      <a:solidFill>
-                        <a:schemeClr val="tx1"/>
-                      </a:solidFill>
-                      <a:prstDash val="solid"/>
-                      <a:round/>
-                      <a:headEnd type="none" w="med" len="med"/>
-                      <a:tailEnd type="none" w="med" len="med"/>
-                    </a:lnB>
-                    <a:lnTlToBr w="12700" cmpd="sng">
-                      <a:noFill/>
-                      <a:prstDash val="solid"/>
-                    </a:lnTlToBr>
-                    <a:lnBlToTr w="12700" cmpd="sng">
-                      <a:noFill/>
-                      <a:prstDash val="solid"/>
-                    </a:lnBlToTr>
-                  </a:tcPr>
-                </a:tc>
-                <a:tc>
-                  <a:txBody>
-                    <a:bodyPr/>
-                    <a:lstStyle/>
-                    <a:p>
-                      <a:pPr algn="ctr" fontAlgn="b"/>
-                      <a:r>
-                        <a:rPr lang="en-US" sz="2000" b="0" i="0" u="none" strike="noStrike" dirty="0">
-                          <a:solidFill>
-                            <a:schemeClr val="tx1"/>
-                          </a:solidFill>
-                          <a:effectLst/>
-                          <a:latin typeface="+mn-lt"/>
-                        </a:rPr>
-                        <a:t>6.01</a:t>
-                      </a:r>
-                    </a:p>
-                  </a:txBody>
-                  <a:tcPr marL="6350" marR="6350" marT="6350" marB="0" anchor="ctr">
-                    <a:lnL w="12700" cap="flat" cmpd="sng" algn="ctr">
-                      <a:solidFill>
-                        <a:schemeClr val="tx1"/>
-                      </a:solidFill>
-                      <a:prstDash val="solid"/>
-                      <a:round/>
-                      <a:headEnd type="none" w="med" len="med"/>
-                      <a:tailEnd type="none" w="med" len="med"/>
-                    </a:lnL>
-                    <a:lnR w="12700" cap="flat" cmpd="sng" algn="ctr">
-                      <a:solidFill>
-                        <a:schemeClr val="tx1"/>
-                      </a:solidFill>
-                      <a:prstDash val="solid"/>
-                      <a:round/>
-                      <a:headEnd type="none" w="med" len="med"/>
-                      <a:tailEnd type="none" w="med" len="med"/>
-                    </a:lnR>
-                    <a:lnT w="12700" cap="flat" cmpd="sng" algn="ctr">
-                      <a:solidFill>
-                        <a:schemeClr val="tx1"/>
-                      </a:solidFill>
-                      <a:prstDash val="solid"/>
-                      <a:round/>
-                      <a:headEnd type="none" w="med" len="med"/>
-                      <a:tailEnd type="none" w="med" len="med"/>
-                    </a:lnT>
-                    <a:lnB w="12700" cap="flat" cmpd="sng" algn="ctr">
-                      <a:solidFill>
-                        <a:schemeClr val="tx1"/>
-                      </a:solidFill>
-                      <a:prstDash val="solid"/>
-                      <a:round/>
-                      <a:headEnd type="none" w="med" len="med"/>
-                      <a:tailEnd type="none" w="med" len="med"/>
-                    </a:lnB>
-                    <a:lnTlToBr w="12700" cmpd="sng">
-                      <a:noFill/>
-                      <a:prstDash val="solid"/>
-                    </a:lnTlToBr>
-                    <a:lnBlToTr w="12700" cmpd="sng">
-                      <a:noFill/>
-                      <a:prstDash val="solid"/>
-                    </a:lnBlToTr>
-                  </a:tcPr>
-                </a:tc>
-                <a:extLst>
-                  <a:ext uri="{0D108BD9-81ED-4DB2-BD59-A6C34878D82A}">
-                    <a16:rowId xmlns:a16="http://schemas.microsoft.com/office/drawing/2014/main" val="1105513803"/>
-                  </a:ext>
-                </a:extLst>
-              </a:tr>
-              <a:tr h="385565">
-                <a:tc>
-                  <a:txBody>
-                    <a:bodyPr/>
-                    <a:lstStyle/>
-                    <a:p>
-                      <a:pPr algn="ctr" fontAlgn="b"/>
-                      <a:r>
-                        <a:rPr lang="en-US" sz="2000" b="0" i="0" u="none" strike="noStrike">
-                          <a:solidFill>
-                            <a:schemeClr val="tx1"/>
-                          </a:solidFill>
-                          <a:effectLst/>
-                          <a:latin typeface="+mn-lt"/>
-                        </a:rPr>
-                        <a:t>access</a:t>
-                      </a:r>
-                    </a:p>
-                  </a:txBody>
-                  <a:tcPr marL="6350" marR="6350" marT="6350" marB="0" anchor="ctr">
-                    <a:lnL w="12700" cap="flat" cmpd="sng" algn="ctr">
-                      <a:solidFill>
-                        <a:schemeClr val="tx1"/>
-                      </a:solidFill>
-                      <a:prstDash val="solid"/>
-                      <a:round/>
-                      <a:headEnd type="none" w="med" len="med"/>
-                      <a:tailEnd type="none" w="med" len="med"/>
-                    </a:lnL>
-                    <a:lnR w="12700" cap="flat" cmpd="sng" algn="ctr">
-                      <a:solidFill>
-                        <a:schemeClr val="tx1"/>
-                      </a:solidFill>
-                      <a:prstDash val="solid"/>
-                      <a:round/>
-                      <a:headEnd type="none" w="med" len="med"/>
-                      <a:tailEnd type="none" w="med" len="med"/>
-                    </a:lnR>
-                    <a:lnT w="12700" cap="flat" cmpd="sng" algn="ctr">
-                      <a:solidFill>
-                        <a:schemeClr val="tx1"/>
-                      </a:solidFill>
-                      <a:prstDash val="solid"/>
-                      <a:round/>
-                      <a:headEnd type="none" w="med" len="med"/>
-                      <a:tailEnd type="none" w="med" len="med"/>
-                    </a:lnT>
-                    <a:lnB w="12700" cap="flat" cmpd="sng" algn="ctr">
-                      <a:solidFill>
-                        <a:schemeClr val="tx1"/>
-                      </a:solidFill>
-                      <a:prstDash val="solid"/>
-                      <a:round/>
-                      <a:headEnd type="none" w="med" len="med"/>
-                      <a:tailEnd type="none" w="med" len="med"/>
-                    </a:lnB>
-                    <a:lnTlToBr w="12700" cmpd="sng">
-                      <a:noFill/>
-                      <a:prstDash val="solid"/>
-                    </a:lnTlToBr>
-                    <a:lnBlToTr w="12700" cmpd="sng">
-                      <a:noFill/>
-                      <a:prstDash val="solid"/>
-                    </a:lnBlToTr>
-                    <a:solidFill>
-                      <a:srgbClr val="DDEBF7"/>
-                    </a:solidFill>
-                  </a:tcPr>
-                </a:tc>
-                <a:tc>
-                  <a:txBody>
-                    <a:bodyPr/>
-                    <a:lstStyle/>
-                    <a:p>
-                      <a:pPr algn="ctr" fontAlgn="b"/>
-                      <a:r>
-                        <a:rPr lang="en-US" sz="2000" b="0" i="0" u="none" strike="noStrike">
-                          <a:solidFill>
-                            <a:schemeClr val="tx1"/>
-                          </a:solidFill>
-                          <a:effectLst/>
-                          <a:latin typeface="+mn-lt"/>
-                        </a:rPr>
-                        <a:t>2.68</a:t>
-                      </a:r>
-                    </a:p>
-                  </a:txBody>
-                  <a:tcPr marL="6350" marR="6350" marT="6350" marB="0" anchor="ctr">
-                    <a:lnL w="12700" cap="flat" cmpd="sng" algn="ctr">
-                      <a:solidFill>
-                        <a:schemeClr val="tx1"/>
-                      </a:solidFill>
-                      <a:prstDash val="solid"/>
-                      <a:round/>
-                      <a:headEnd type="none" w="med" len="med"/>
-                      <a:tailEnd type="none" w="med" len="med"/>
-                    </a:lnL>
-                    <a:lnR w="12700" cap="flat" cmpd="sng" algn="ctr">
-                      <a:solidFill>
-                        <a:schemeClr val="tx1"/>
-                      </a:solidFill>
-                      <a:prstDash val="solid"/>
-                      <a:round/>
-                      <a:headEnd type="none" w="med" len="med"/>
-                      <a:tailEnd type="none" w="med" len="med"/>
-                    </a:lnR>
-                    <a:lnT w="12700" cap="flat" cmpd="sng" algn="ctr">
-                      <a:solidFill>
-                        <a:schemeClr val="tx1"/>
-                      </a:solidFill>
-                      <a:prstDash val="solid"/>
-                      <a:round/>
-                      <a:headEnd type="none" w="med" len="med"/>
-                      <a:tailEnd type="none" w="med" len="med"/>
-                    </a:lnT>
-                    <a:lnB w="12700" cap="flat" cmpd="sng" algn="ctr">
-                      <a:solidFill>
-                        <a:schemeClr val="tx1"/>
-                      </a:solidFill>
-                      <a:prstDash val="solid"/>
-                      <a:round/>
-                      <a:headEnd type="none" w="med" len="med"/>
-                      <a:tailEnd type="none" w="med" len="med"/>
-                    </a:lnB>
-                    <a:lnTlToBr w="12700" cmpd="sng">
-                      <a:noFill/>
-                      <a:prstDash val="solid"/>
-                    </a:lnTlToBr>
-                    <a:lnBlToTr w="12700" cmpd="sng">
-                      <a:noFill/>
-                      <a:prstDash val="solid"/>
-                    </a:lnBlToTr>
-                    <a:solidFill>
-                      <a:srgbClr val="DDEBF7"/>
-                    </a:solidFill>
-                  </a:tcPr>
-                </a:tc>
-                <a:tc>
-                  <a:txBody>
-                    <a:bodyPr/>
-                    <a:lstStyle/>
-                    <a:p>
-                      <a:pPr algn="ctr" fontAlgn="b"/>
-                      <a:r>
-                        <a:rPr lang="en-US" sz="2000" b="0" i="0" u="none" strike="noStrike" dirty="0" err="1">
-                          <a:solidFill>
-                            <a:schemeClr val="tx1"/>
-                          </a:solidFill>
-                          <a:effectLst/>
-                          <a:latin typeface="+mn-lt"/>
-                        </a:rPr>
-                        <a:t>matlab</a:t>
-                      </a:r>
-                      <a:endParaRPr lang="en-US" sz="2000" b="0" i="0" u="none" strike="noStrike" dirty="0">
-                        <a:solidFill>
-                          <a:schemeClr val="tx1"/>
-                        </a:solidFill>
-                        <a:effectLst/>
-                        <a:latin typeface="+mn-lt"/>
-                      </a:endParaRPr>
-                    </a:p>
-                  </a:txBody>
-                  <a:tcPr marL="6350" marR="6350" marT="6350" marB="0" anchor="ctr">
-                    <a:lnL w="12700" cap="flat" cmpd="sng" algn="ctr">
-                      <a:solidFill>
-                        <a:schemeClr val="tx1"/>
-                      </a:solidFill>
-                      <a:prstDash val="solid"/>
-                      <a:round/>
-                      <a:headEnd type="none" w="med" len="med"/>
-                      <a:tailEnd type="none" w="med" len="med"/>
-                    </a:lnL>
-                    <a:lnR w="12700" cap="flat" cmpd="sng" algn="ctr">
-                      <a:solidFill>
-                        <a:schemeClr val="tx1"/>
-                      </a:solidFill>
-                      <a:prstDash val="solid"/>
-                      <a:round/>
-                      <a:headEnd type="none" w="med" len="med"/>
-                      <a:tailEnd type="none" w="med" len="med"/>
-                    </a:lnR>
-                    <a:lnT w="12700" cap="flat" cmpd="sng" algn="ctr">
-                      <a:solidFill>
-                        <a:schemeClr val="tx1"/>
-                      </a:solidFill>
-                      <a:prstDash val="solid"/>
-                      <a:round/>
-                      <a:headEnd type="none" w="med" len="med"/>
-                      <a:tailEnd type="none" w="med" len="med"/>
-                    </a:lnT>
-                    <a:lnB w="12700" cap="flat" cmpd="sng" algn="ctr">
-                      <a:solidFill>
-                        <a:schemeClr val="tx1"/>
-                      </a:solidFill>
-                      <a:prstDash val="solid"/>
-                      <a:round/>
-                      <a:headEnd type="none" w="med" len="med"/>
-                      <a:tailEnd type="none" w="med" len="med"/>
-                    </a:lnB>
-                    <a:lnTlToBr w="12700" cmpd="sng">
-                      <a:noFill/>
-                      <a:prstDash val="solid"/>
-                    </a:lnTlToBr>
-                    <a:lnBlToTr w="12700" cmpd="sng">
-                      <a:noFill/>
-                      <a:prstDash val="solid"/>
-                    </a:lnBlToTr>
-                    <a:solidFill>
-                      <a:srgbClr val="DDEBF7"/>
-                    </a:solidFill>
-                  </a:tcPr>
-                </a:tc>
-                <a:tc>
-                  <a:txBody>
-                    <a:bodyPr/>
-                    <a:lstStyle/>
-                    <a:p>
-                      <a:pPr algn="ctr" fontAlgn="b"/>
-                      <a:r>
-                        <a:rPr lang="en-US" sz="2000" b="0" i="0" u="none" strike="noStrike" dirty="0">
-                          <a:solidFill>
-                            <a:schemeClr val="tx1"/>
-                          </a:solidFill>
-                          <a:effectLst/>
-                          <a:latin typeface="+mn-lt"/>
-                        </a:rPr>
-                        <a:t>6.12</a:t>
-                      </a:r>
-                    </a:p>
-                  </a:txBody>
-                  <a:tcPr marL="6350" marR="6350" marT="6350" marB="0" anchor="ctr">
-                    <a:lnL w="12700" cap="flat" cmpd="sng" algn="ctr">
-                      <a:solidFill>
-                        <a:schemeClr val="tx1"/>
-                      </a:solidFill>
-                      <a:prstDash val="solid"/>
-                      <a:round/>
-                      <a:headEnd type="none" w="med" len="med"/>
-                      <a:tailEnd type="none" w="med" len="med"/>
-                    </a:lnL>
-                    <a:lnR w="12700" cap="flat" cmpd="sng" algn="ctr">
-                      <a:solidFill>
-                        <a:schemeClr val="tx1"/>
-                      </a:solidFill>
-                      <a:prstDash val="solid"/>
-                      <a:round/>
-                      <a:headEnd type="none" w="med" len="med"/>
-                      <a:tailEnd type="none" w="med" len="med"/>
-                    </a:lnR>
-                    <a:lnT w="12700" cap="flat" cmpd="sng" algn="ctr">
-                      <a:solidFill>
-                        <a:schemeClr val="tx1"/>
-                      </a:solidFill>
-                      <a:prstDash val="solid"/>
-                      <a:round/>
-                      <a:headEnd type="none" w="med" len="med"/>
-                      <a:tailEnd type="none" w="med" len="med"/>
-                    </a:lnT>
-                    <a:lnB w="12700" cap="flat" cmpd="sng" algn="ctr">
-                      <a:solidFill>
-                        <a:schemeClr val="tx1"/>
-                      </a:solidFill>
-                      <a:prstDash val="solid"/>
-                      <a:round/>
-                      <a:headEnd type="none" w="med" len="med"/>
-                      <a:tailEnd type="none" w="med" len="med"/>
-                    </a:lnB>
-                    <a:lnTlToBr w="12700" cmpd="sng">
-                      <a:noFill/>
-                      <a:prstDash val="solid"/>
-                    </a:lnTlToBr>
-                    <a:lnBlToTr w="12700" cmpd="sng">
-                      <a:noFill/>
-                      <a:prstDash val="solid"/>
-                    </a:lnBlToTr>
-                    <a:solidFill>
-                      <a:srgbClr val="DDEBF7"/>
-                    </a:solidFill>
-                  </a:tcPr>
-                </a:tc>
-                <a:extLst>
-                  <a:ext uri="{0D108BD9-81ED-4DB2-BD59-A6C34878D82A}">
-                    <a16:rowId xmlns:a16="http://schemas.microsoft.com/office/drawing/2014/main" val="3278486193"/>
-                  </a:ext>
-                </a:extLst>
-              </a:tr>
-              <a:tr h="385565">
-                <a:tc>
-                  <a:txBody>
-                    <a:bodyPr/>
-                    <a:lstStyle/>
-                    <a:p>
-                      <a:pPr algn="ctr" fontAlgn="b"/>
-                      <a:r>
-                        <a:rPr lang="en-US" sz="2000" b="0" i="0" u="none" strike="noStrike">
-                          <a:solidFill>
-                            <a:schemeClr val="tx1"/>
-                          </a:solidFill>
-                          <a:effectLst/>
-                          <a:latin typeface="+mn-lt"/>
-                        </a:rPr>
-                        <a:t>stata</a:t>
-                      </a:r>
-                    </a:p>
-                  </a:txBody>
-                  <a:tcPr marL="6350" marR="6350" marT="6350" marB="0" anchor="ctr">
-                    <a:lnL w="12700" cap="flat" cmpd="sng" algn="ctr">
-                      <a:solidFill>
-                        <a:schemeClr val="tx1"/>
-                      </a:solidFill>
-                      <a:prstDash val="solid"/>
-                      <a:round/>
-                      <a:headEnd type="none" w="med" len="med"/>
-                      <a:tailEnd type="none" w="med" len="med"/>
-                    </a:lnL>
-                    <a:lnR w="12700" cap="flat" cmpd="sng" algn="ctr">
-                      <a:solidFill>
-                        <a:schemeClr val="tx1"/>
-                      </a:solidFill>
-                      <a:prstDash val="solid"/>
-                      <a:round/>
-                      <a:headEnd type="none" w="med" len="med"/>
-                      <a:tailEnd type="none" w="med" len="med"/>
-                    </a:lnR>
-                    <a:lnT w="12700" cap="flat" cmpd="sng" algn="ctr">
-                      <a:solidFill>
-                        <a:schemeClr val="tx1"/>
-                      </a:solidFill>
-                      <a:prstDash val="solid"/>
-                      <a:round/>
-                      <a:headEnd type="none" w="med" len="med"/>
-                      <a:tailEnd type="none" w="med" len="med"/>
-                    </a:lnT>
-                    <a:lnB w="12700" cap="flat" cmpd="sng" algn="ctr">
-                      <a:solidFill>
-                        <a:schemeClr val="tx1"/>
-                      </a:solidFill>
-                      <a:prstDash val="solid"/>
-                      <a:round/>
-                      <a:headEnd type="none" w="med" len="med"/>
-                      <a:tailEnd type="none" w="med" len="med"/>
-                    </a:lnB>
-                    <a:lnTlToBr w="12700" cmpd="sng">
-                      <a:noFill/>
-                      <a:prstDash val="solid"/>
-                    </a:lnTlToBr>
-                    <a:lnBlToTr w="12700" cmpd="sng">
-                      <a:noFill/>
-                      <a:prstDash val="solid"/>
-                    </a:lnBlToTr>
-                  </a:tcPr>
-                </a:tc>
-                <a:tc>
-                  <a:txBody>
-                    <a:bodyPr/>
-                    <a:lstStyle/>
-                    <a:p>
-                      <a:pPr algn="ctr" fontAlgn="b"/>
-                      <a:r>
-                        <a:rPr lang="en-US" sz="2000" b="0" i="0" u="none" strike="noStrike">
-                          <a:solidFill>
-                            <a:schemeClr val="tx1"/>
-                          </a:solidFill>
-                          <a:effectLst/>
-                          <a:latin typeface="+mn-lt"/>
-                        </a:rPr>
-                        <a:t>3.64</a:t>
-                      </a:r>
-                    </a:p>
-                  </a:txBody>
-                  <a:tcPr marL="6350" marR="6350" marT="6350" marB="0" anchor="ctr">
-                    <a:lnL w="12700" cap="flat" cmpd="sng" algn="ctr">
-                      <a:solidFill>
-                        <a:schemeClr val="tx1"/>
-                      </a:solidFill>
-                      <a:prstDash val="solid"/>
-                      <a:round/>
-                      <a:headEnd type="none" w="med" len="med"/>
-                      <a:tailEnd type="none" w="med" len="med"/>
-                    </a:lnL>
-                    <a:lnR w="12700" cap="flat" cmpd="sng" algn="ctr">
-                      <a:solidFill>
-                        <a:schemeClr val="tx1"/>
-                      </a:solidFill>
-                      <a:prstDash val="solid"/>
-                      <a:round/>
-                      <a:headEnd type="none" w="med" len="med"/>
-                      <a:tailEnd type="none" w="med" len="med"/>
-                    </a:lnR>
-                    <a:lnT w="12700" cap="flat" cmpd="sng" algn="ctr">
-                      <a:solidFill>
-                        <a:schemeClr val="tx1"/>
-                      </a:solidFill>
-                      <a:prstDash val="solid"/>
-                      <a:round/>
-                      <a:headEnd type="none" w="med" len="med"/>
-                      <a:tailEnd type="none" w="med" len="med"/>
-                    </a:lnT>
-                    <a:lnB w="12700" cap="flat" cmpd="sng" algn="ctr">
-                      <a:solidFill>
-                        <a:schemeClr val="tx1"/>
-                      </a:solidFill>
-                      <a:prstDash val="solid"/>
-                      <a:round/>
-                      <a:headEnd type="none" w="med" len="med"/>
-                      <a:tailEnd type="none" w="med" len="med"/>
-                    </a:lnB>
-                    <a:lnTlToBr w="12700" cmpd="sng">
-                      <a:noFill/>
-                      <a:prstDash val="solid"/>
-                    </a:lnTlToBr>
-                    <a:lnBlToTr w="12700" cmpd="sng">
-                      <a:noFill/>
-                      <a:prstDash val="solid"/>
-                    </a:lnBlToTr>
-                  </a:tcPr>
-                </a:tc>
-                <a:tc>
-                  <a:txBody>
-                    <a:bodyPr/>
-                    <a:lstStyle/>
-                    <a:p>
-                      <a:pPr algn="ctr" fontAlgn="b"/>
-                      <a:r>
-                        <a:rPr lang="en-US" sz="2000" b="0" i="0" u="none" strike="noStrike" dirty="0" err="1">
-                          <a:solidFill>
-                            <a:schemeClr val="tx1"/>
-                          </a:solidFill>
-                          <a:effectLst/>
-                          <a:latin typeface="+mn-lt"/>
-                        </a:rPr>
-                        <a:t>vba</a:t>
-                      </a:r>
-                      <a:endParaRPr lang="en-US" sz="2000" b="0" i="0" u="none" strike="noStrike" dirty="0">
-                        <a:solidFill>
-                          <a:schemeClr val="tx1"/>
-                        </a:solidFill>
-                        <a:effectLst/>
-                        <a:latin typeface="+mn-lt"/>
-                      </a:endParaRPr>
-                    </a:p>
-                  </a:txBody>
-                  <a:tcPr marL="6350" marR="6350" marT="6350" marB="0" anchor="ctr">
-                    <a:lnL w="12700" cap="flat" cmpd="sng" algn="ctr">
-                      <a:solidFill>
-                        <a:schemeClr val="tx1"/>
-                      </a:solidFill>
-                      <a:prstDash val="solid"/>
-                      <a:round/>
-                      <a:headEnd type="none" w="med" len="med"/>
-                      <a:tailEnd type="none" w="med" len="med"/>
-                    </a:lnL>
-                    <a:lnR w="12700" cap="flat" cmpd="sng" algn="ctr">
-                      <a:solidFill>
-                        <a:schemeClr val="tx1"/>
-                      </a:solidFill>
-                      <a:prstDash val="solid"/>
-                      <a:round/>
-                      <a:headEnd type="none" w="med" len="med"/>
-                      <a:tailEnd type="none" w="med" len="med"/>
-                    </a:lnR>
-                    <a:lnT w="12700" cap="flat" cmpd="sng" algn="ctr">
-                      <a:solidFill>
-                        <a:schemeClr val="tx1"/>
-                      </a:solidFill>
-                      <a:prstDash val="solid"/>
-                      <a:round/>
-                      <a:headEnd type="none" w="med" len="med"/>
-                      <a:tailEnd type="none" w="med" len="med"/>
-                    </a:lnT>
-                    <a:lnB w="12700" cap="flat" cmpd="sng" algn="ctr">
-                      <a:solidFill>
-                        <a:schemeClr val="tx1"/>
-                      </a:solidFill>
-                      <a:prstDash val="solid"/>
-                      <a:round/>
-                      <a:headEnd type="none" w="med" len="med"/>
-                      <a:tailEnd type="none" w="med" len="med"/>
-                    </a:lnB>
-                    <a:lnTlToBr w="12700" cmpd="sng">
-                      <a:noFill/>
-                      <a:prstDash val="solid"/>
-                    </a:lnTlToBr>
-                    <a:lnBlToTr w="12700" cmpd="sng">
-                      <a:noFill/>
-                      <a:prstDash val="solid"/>
-                    </a:lnBlToTr>
-                  </a:tcPr>
-                </a:tc>
-                <a:tc>
-                  <a:txBody>
-                    <a:bodyPr/>
-                    <a:lstStyle/>
-                    <a:p>
-                      <a:pPr algn="ctr" fontAlgn="b"/>
-                      <a:r>
-                        <a:rPr lang="en-US" sz="2000" b="0" i="0" u="none" strike="noStrike" dirty="0">
-                          <a:solidFill>
-                            <a:schemeClr val="tx1"/>
-                          </a:solidFill>
-                          <a:effectLst/>
-                          <a:latin typeface="+mn-lt"/>
-                        </a:rPr>
-                        <a:t>6.3</a:t>
-                      </a:r>
-                    </a:p>
-                  </a:txBody>
-                  <a:tcPr marL="6350" marR="6350" marT="6350" marB="0" anchor="ctr">
-                    <a:lnL w="12700" cap="flat" cmpd="sng" algn="ctr">
-                      <a:solidFill>
-                        <a:schemeClr val="tx1"/>
-                      </a:solidFill>
-                      <a:prstDash val="solid"/>
-                      <a:round/>
-                      <a:headEnd type="none" w="med" len="med"/>
-                      <a:tailEnd type="none" w="med" len="med"/>
-                    </a:lnL>
-                    <a:lnR w="12700" cap="flat" cmpd="sng" algn="ctr">
-                      <a:solidFill>
-                        <a:schemeClr val="tx1"/>
-                      </a:solidFill>
-                      <a:prstDash val="solid"/>
-                      <a:round/>
-                      <a:headEnd type="none" w="med" len="med"/>
-                      <a:tailEnd type="none" w="med" len="med"/>
-                    </a:lnR>
-                    <a:lnT w="12700" cap="flat" cmpd="sng" algn="ctr">
-                      <a:solidFill>
-                        <a:schemeClr val="tx1"/>
-                      </a:solidFill>
-                      <a:prstDash val="solid"/>
-                      <a:round/>
-                      <a:headEnd type="none" w="med" len="med"/>
-                      <a:tailEnd type="none" w="med" len="med"/>
-                    </a:lnT>
-                    <a:lnB w="12700" cap="flat" cmpd="sng" algn="ctr">
-                      <a:solidFill>
-                        <a:schemeClr val="tx1"/>
-                      </a:solidFill>
-                      <a:prstDash val="solid"/>
-                      <a:round/>
-                      <a:headEnd type="none" w="med" len="med"/>
-                      <a:tailEnd type="none" w="med" len="med"/>
-                    </a:lnB>
-                    <a:lnTlToBr w="12700" cmpd="sng">
-                      <a:noFill/>
-                      <a:prstDash val="solid"/>
-                    </a:lnTlToBr>
-                    <a:lnBlToTr w="12700" cmpd="sng">
-                      <a:noFill/>
-                      <a:prstDash val="solid"/>
-                    </a:lnBlToTr>
-                  </a:tcPr>
-                </a:tc>
-                <a:extLst>
-                  <a:ext uri="{0D108BD9-81ED-4DB2-BD59-A6C34878D82A}">
-                    <a16:rowId xmlns:a16="http://schemas.microsoft.com/office/drawing/2014/main" val="2850072605"/>
-                  </a:ext>
-                </a:extLst>
-              </a:tr>
-              <a:tr h="385565">
-                <a:tc>
-                  <a:txBody>
-                    <a:bodyPr/>
-                    <a:lstStyle/>
-                    <a:p>
-                      <a:pPr algn="ctr" fontAlgn="b"/>
-                      <a:r>
-                        <a:rPr lang="en-US" sz="2000" b="0" i="0" u="none" strike="noStrike">
-                          <a:solidFill>
-                            <a:schemeClr val="tx1"/>
-                          </a:solidFill>
-                          <a:effectLst/>
-                          <a:latin typeface="+mn-lt"/>
-                        </a:rPr>
-                        <a:t>oracl</a:t>
-                      </a:r>
-                    </a:p>
-                  </a:txBody>
-                  <a:tcPr marL="6350" marR="6350" marT="6350" marB="0" anchor="ctr">
-                    <a:lnL w="12700" cap="flat" cmpd="sng" algn="ctr">
-                      <a:solidFill>
-                        <a:schemeClr val="tx1"/>
-                      </a:solidFill>
-                      <a:prstDash val="solid"/>
-                      <a:round/>
-                      <a:headEnd type="none" w="med" len="med"/>
-                      <a:tailEnd type="none" w="med" len="med"/>
-                    </a:lnL>
-                    <a:lnR w="12700" cap="flat" cmpd="sng" algn="ctr">
-                      <a:solidFill>
-                        <a:schemeClr val="tx1"/>
-                      </a:solidFill>
-                      <a:prstDash val="solid"/>
-                      <a:round/>
-                      <a:headEnd type="none" w="med" len="med"/>
-                      <a:tailEnd type="none" w="med" len="med"/>
-                    </a:lnR>
-                    <a:lnT w="12700" cap="flat" cmpd="sng" algn="ctr">
-                      <a:solidFill>
-                        <a:schemeClr val="tx1"/>
-                      </a:solidFill>
-                      <a:prstDash val="solid"/>
-                      <a:round/>
-                      <a:headEnd type="none" w="med" len="med"/>
-                      <a:tailEnd type="none" w="med" len="med"/>
-                    </a:lnT>
-                    <a:lnB w="12700" cap="flat" cmpd="sng" algn="ctr">
-                      <a:solidFill>
-                        <a:schemeClr val="tx1"/>
-                      </a:solidFill>
-                      <a:prstDash val="solid"/>
-                      <a:round/>
-                      <a:headEnd type="none" w="med" len="med"/>
-                      <a:tailEnd type="none" w="med" len="med"/>
-                    </a:lnB>
-                    <a:lnTlToBr w="12700" cmpd="sng">
-                      <a:noFill/>
-                      <a:prstDash val="solid"/>
-                    </a:lnTlToBr>
-                    <a:lnBlToTr w="12700" cmpd="sng">
-                      <a:noFill/>
-                      <a:prstDash val="solid"/>
-                    </a:lnBlToTr>
-                    <a:solidFill>
-                      <a:srgbClr val="DDEBF7"/>
-                    </a:solidFill>
-                  </a:tcPr>
-                </a:tc>
-                <a:tc>
-                  <a:txBody>
-                    <a:bodyPr/>
-                    <a:lstStyle/>
-                    <a:p>
-                      <a:pPr algn="ctr" fontAlgn="b"/>
-                      <a:r>
-                        <a:rPr lang="en-US" sz="2000" b="0" i="0" u="none" strike="noStrike">
-                          <a:solidFill>
-                            <a:schemeClr val="tx1"/>
-                          </a:solidFill>
-                          <a:effectLst/>
-                          <a:latin typeface="+mn-lt"/>
-                        </a:rPr>
-                        <a:t>3.64</a:t>
-                      </a:r>
-                    </a:p>
-                  </a:txBody>
-                  <a:tcPr marL="6350" marR="6350" marT="6350" marB="0" anchor="ctr">
-                    <a:lnL w="12700" cap="flat" cmpd="sng" algn="ctr">
-                      <a:solidFill>
-                        <a:schemeClr val="tx1"/>
-                      </a:solidFill>
-                      <a:prstDash val="solid"/>
-                      <a:round/>
-                      <a:headEnd type="none" w="med" len="med"/>
-                      <a:tailEnd type="none" w="med" len="med"/>
-                    </a:lnL>
-                    <a:lnR w="12700" cap="flat" cmpd="sng" algn="ctr">
-                      <a:solidFill>
-                        <a:schemeClr val="tx1"/>
-                      </a:solidFill>
-                      <a:prstDash val="solid"/>
-                      <a:round/>
-                      <a:headEnd type="none" w="med" len="med"/>
-                      <a:tailEnd type="none" w="med" len="med"/>
-                    </a:lnR>
-                    <a:lnT w="12700" cap="flat" cmpd="sng" algn="ctr">
-                      <a:solidFill>
-                        <a:schemeClr val="tx1"/>
-                      </a:solidFill>
-                      <a:prstDash val="solid"/>
-                      <a:round/>
-                      <a:headEnd type="none" w="med" len="med"/>
-                      <a:tailEnd type="none" w="med" len="med"/>
-                    </a:lnT>
-                    <a:lnB w="12700" cap="flat" cmpd="sng" algn="ctr">
-                      <a:solidFill>
-                        <a:schemeClr val="tx1"/>
-                      </a:solidFill>
-                      <a:prstDash val="solid"/>
-                      <a:round/>
-                      <a:headEnd type="none" w="med" len="med"/>
-                      <a:tailEnd type="none" w="med" len="med"/>
-                    </a:lnB>
-                    <a:lnTlToBr w="12700" cmpd="sng">
-                      <a:noFill/>
-                      <a:prstDash val="solid"/>
-                    </a:lnTlToBr>
-                    <a:lnBlToTr w="12700" cmpd="sng">
-                      <a:noFill/>
-                      <a:prstDash val="solid"/>
-                    </a:lnBlToTr>
-                    <a:solidFill>
-                      <a:srgbClr val="DDEBF7"/>
-                    </a:solidFill>
-                  </a:tcPr>
-                </a:tc>
-                <a:tc>
-                  <a:txBody>
-                    <a:bodyPr/>
-                    <a:lstStyle/>
-                    <a:p>
-                      <a:pPr algn="ctr" fontAlgn="b"/>
-                      <a:r>
-                        <a:rPr lang="en-US" sz="2000" b="0" i="0" u="none" strike="noStrike">
-                          <a:solidFill>
-                            <a:schemeClr val="tx1"/>
-                          </a:solidFill>
-                          <a:effectLst/>
-                          <a:latin typeface="+mn-lt"/>
-                        </a:rPr>
-                        <a:t>pig</a:t>
-                      </a:r>
-                    </a:p>
-                  </a:txBody>
-                  <a:tcPr marL="6350" marR="6350" marT="6350" marB="0" anchor="ctr">
-                    <a:lnL w="12700" cap="flat" cmpd="sng" algn="ctr">
-                      <a:solidFill>
-                        <a:schemeClr val="tx1"/>
-                      </a:solidFill>
-                      <a:prstDash val="solid"/>
-                      <a:round/>
-                      <a:headEnd type="none" w="med" len="med"/>
-                      <a:tailEnd type="none" w="med" len="med"/>
-                    </a:lnL>
-                    <a:lnR w="12700" cap="flat" cmpd="sng" algn="ctr">
-                      <a:solidFill>
-                        <a:schemeClr val="tx1"/>
-                      </a:solidFill>
-                      <a:prstDash val="solid"/>
-                      <a:round/>
-                      <a:headEnd type="none" w="med" len="med"/>
-                      <a:tailEnd type="none" w="med" len="med"/>
-                    </a:lnR>
-                    <a:lnT w="12700" cap="flat" cmpd="sng" algn="ctr">
-                      <a:solidFill>
-                        <a:schemeClr val="tx1"/>
-                      </a:solidFill>
-                      <a:prstDash val="solid"/>
-                      <a:round/>
-                      <a:headEnd type="none" w="med" len="med"/>
-                      <a:tailEnd type="none" w="med" len="med"/>
-                    </a:lnT>
-                    <a:lnB w="12700" cap="flat" cmpd="sng" algn="ctr">
-                      <a:solidFill>
-                        <a:schemeClr val="tx1"/>
-                      </a:solidFill>
-                      <a:prstDash val="solid"/>
-                      <a:round/>
-                      <a:headEnd type="none" w="med" len="med"/>
-                      <a:tailEnd type="none" w="med" len="med"/>
-                    </a:lnB>
-                    <a:lnTlToBr w="12700" cmpd="sng">
-                      <a:noFill/>
-                      <a:prstDash val="solid"/>
-                    </a:lnTlToBr>
-                    <a:lnBlToTr w="12700" cmpd="sng">
-                      <a:noFill/>
-                      <a:prstDash val="solid"/>
-                    </a:lnBlToTr>
-                    <a:solidFill>
-                      <a:srgbClr val="DDEBF7"/>
-                    </a:solidFill>
-                  </a:tcPr>
-                </a:tc>
-                <a:tc>
-                  <a:txBody>
-                    <a:bodyPr/>
-                    <a:lstStyle/>
-                    <a:p>
-                      <a:pPr algn="ctr" fontAlgn="b"/>
-                      <a:r>
-                        <a:rPr lang="en-US" sz="2000" b="0" i="0" u="none" strike="noStrike" dirty="0">
-                          <a:solidFill>
-                            <a:schemeClr val="tx1"/>
-                          </a:solidFill>
-                          <a:effectLst/>
-                          <a:latin typeface="+mn-lt"/>
-                        </a:rPr>
-                        <a:t>6.37</a:t>
-                      </a:r>
-                    </a:p>
-                  </a:txBody>
-                  <a:tcPr marL="6350" marR="6350" marT="6350" marB="0" anchor="ctr">
-                    <a:lnL w="12700" cap="flat" cmpd="sng" algn="ctr">
-                      <a:solidFill>
-                        <a:schemeClr val="tx1"/>
-                      </a:solidFill>
-                      <a:prstDash val="solid"/>
-                      <a:round/>
-                      <a:headEnd type="none" w="med" len="med"/>
-                      <a:tailEnd type="none" w="med" len="med"/>
-                    </a:lnL>
-                    <a:lnR w="12700" cap="flat" cmpd="sng" algn="ctr">
-                      <a:solidFill>
-                        <a:schemeClr val="tx1"/>
-                      </a:solidFill>
-                      <a:prstDash val="solid"/>
-                      <a:round/>
-                      <a:headEnd type="none" w="med" len="med"/>
-                      <a:tailEnd type="none" w="med" len="med"/>
-                    </a:lnR>
-                    <a:lnT w="12700" cap="flat" cmpd="sng" algn="ctr">
-                      <a:solidFill>
-                        <a:schemeClr val="tx1"/>
-                      </a:solidFill>
-                      <a:prstDash val="solid"/>
-                      <a:round/>
-                      <a:headEnd type="none" w="med" len="med"/>
-                      <a:tailEnd type="none" w="med" len="med"/>
-                    </a:lnT>
-                    <a:lnB w="12700" cap="flat" cmpd="sng" algn="ctr">
-                      <a:solidFill>
-                        <a:schemeClr val="tx1"/>
-                      </a:solidFill>
-                      <a:prstDash val="solid"/>
-                      <a:round/>
-                      <a:headEnd type="none" w="med" len="med"/>
-                      <a:tailEnd type="none" w="med" len="med"/>
-                    </a:lnB>
-                    <a:lnTlToBr w="12700" cmpd="sng">
-                      <a:noFill/>
-                      <a:prstDash val="solid"/>
-                    </a:lnTlToBr>
-                    <a:lnBlToTr w="12700" cmpd="sng">
-                      <a:noFill/>
-                      <a:prstDash val="solid"/>
-                    </a:lnBlToTr>
-                    <a:solidFill>
-                      <a:srgbClr val="DDEBF7"/>
-                    </a:solidFill>
-                  </a:tcPr>
-                </a:tc>
-                <a:extLst>
-                  <a:ext uri="{0D108BD9-81ED-4DB2-BD59-A6C34878D82A}">
-                    <a16:rowId xmlns:a16="http://schemas.microsoft.com/office/drawing/2014/main" val="861537370"/>
-                  </a:ext>
-                </a:extLst>
-              </a:tr>
-              <a:tr h="385565">
-                <a:tc>
-                  <a:txBody>
-                    <a:bodyPr/>
-                    <a:lstStyle/>
-                    <a:p>
-                      <a:pPr algn="ctr" fontAlgn="b"/>
-                      <a:r>
-                        <a:rPr lang="en-US" sz="2000" b="0" i="0" u="none" strike="noStrike">
-                          <a:solidFill>
-                            <a:schemeClr val="tx1"/>
-                          </a:solidFill>
-                          <a:effectLst/>
-                          <a:latin typeface="+mn-lt"/>
-                        </a:rPr>
-                        <a:t>hadoop</a:t>
-                      </a:r>
-                    </a:p>
-                  </a:txBody>
-                  <a:tcPr marL="6350" marR="6350" marT="6350" marB="0" anchor="ctr">
-                    <a:lnL w="12700" cap="flat" cmpd="sng" algn="ctr">
-                      <a:solidFill>
-                        <a:schemeClr val="tx1"/>
-                      </a:solidFill>
-                      <a:prstDash val="solid"/>
-                      <a:round/>
-                      <a:headEnd type="none" w="med" len="med"/>
-                      <a:tailEnd type="none" w="med" len="med"/>
-                    </a:lnL>
-                    <a:lnR w="12700" cap="flat" cmpd="sng" algn="ctr">
-                      <a:solidFill>
-                        <a:schemeClr val="tx1"/>
-                      </a:solidFill>
-                      <a:prstDash val="solid"/>
-                      <a:round/>
-                      <a:headEnd type="none" w="med" len="med"/>
-                      <a:tailEnd type="none" w="med" len="med"/>
-                    </a:lnR>
-                    <a:lnT w="12700" cap="flat" cmpd="sng" algn="ctr">
-                      <a:solidFill>
-                        <a:schemeClr val="tx1"/>
-                      </a:solidFill>
-                      <a:prstDash val="solid"/>
-                      <a:round/>
-                      <a:headEnd type="none" w="med" len="med"/>
-                      <a:tailEnd type="none" w="med" len="med"/>
-                    </a:lnT>
-                    <a:lnB w="12700" cap="flat" cmpd="sng" algn="ctr">
-                      <a:solidFill>
-                        <a:schemeClr val="tx1"/>
-                      </a:solidFill>
-                      <a:prstDash val="solid"/>
-                      <a:round/>
-                      <a:headEnd type="none" w="med" len="med"/>
-                      <a:tailEnd type="none" w="med" len="med"/>
-                    </a:lnB>
-                    <a:lnTlToBr w="12700" cmpd="sng">
-                      <a:noFill/>
-                      <a:prstDash val="solid"/>
-                    </a:lnTlToBr>
-                    <a:lnBlToTr w="12700" cmpd="sng">
-                      <a:noFill/>
-                      <a:prstDash val="solid"/>
-                    </a:lnBlToTr>
-                  </a:tcPr>
-                </a:tc>
-                <a:tc>
-                  <a:txBody>
-                    <a:bodyPr/>
-                    <a:lstStyle/>
-                    <a:p>
-                      <a:pPr algn="ctr" fontAlgn="b"/>
-                      <a:r>
-                        <a:rPr lang="en-US" sz="2000" b="0" i="0" u="none" strike="noStrike">
-                          <a:solidFill>
-                            <a:schemeClr val="tx1"/>
-                          </a:solidFill>
-                          <a:effectLst/>
-                          <a:latin typeface="+mn-lt"/>
-                        </a:rPr>
-                        <a:t>4.15</a:t>
-                      </a:r>
-                    </a:p>
-                  </a:txBody>
-                  <a:tcPr marL="6350" marR="6350" marT="6350" marB="0" anchor="ctr">
-                    <a:lnL w="12700" cap="flat" cmpd="sng" algn="ctr">
-                      <a:solidFill>
-                        <a:schemeClr val="tx1"/>
-                      </a:solidFill>
-                      <a:prstDash val="solid"/>
-                      <a:round/>
-                      <a:headEnd type="none" w="med" len="med"/>
-                      <a:tailEnd type="none" w="med" len="med"/>
-                    </a:lnL>
-                    <a:lnR w="12700" cap="flat" cmpd="sng" algn="ctr">
-                      <a:solidFill>
-                        <a:schemeClr val="tx1"/>
-                      </a:solidFill>
-                      <a:prstDash val="solid"/>
-                      <a:round/>
-                      <a:headEnd type="none" w="med" len="med"/>
-                      <a:tailEnd type="none" w="med" len="med"/>
-                    </a:lnR>
-                    <a:lnT w="12700" cap="flat" cmpd="sng" algn="ctr">
-                      <a:solidFill>
-                        <a:schemeClr val="tx1"/>
-                      </a:solidFill>
-                      <a:prstDash val="solid"/>
-                      <a:round/>
-                      <a:headEnd type="none" w="med" len="med"/>
-                      <a:tailEnd type="none" w="med" len="med"/>
-                    </a:lnT>
-                    <a:lnB w="12700" cap="flat" cmpd="sng" algn="ctr">
-                      <a:solidFill>
-                        <a:schemeClr val="tx1"/>
-                      </a:solidFill>
-                      <a:prstDash val="solid"/>
-                      <a:round/>
-                      <a:headEnd type="none" w="med" len="med"/>
-                      <a:tailEnd type="none" w="med" len="med"/>
-                    </a:lnB>
-                    <a:lnTlToBr w="12700" cmpd="sng">
-                      <a:noFill/>
-                      <a:prstDash val="solid"/>
-                    </a:lnTlToBr>
-                    <a:lnBlToTr w="12700" cmpd="sng">
-                      <a:noFill/>
-                      <a:prstDash val="solid"/>
-                    </a:lnBlToTr>
-                  </a:tcPr>
-                </a:tc>
-                <a:tc>
-                  <a:txBody>
-                    <a:bodyPr/>
-                    <a:lstStyle/>
-                    <a:p>
-                      <a:pPr algn="ctr" fontAlgn="b"/>
-                      <a:r>
-                        <a:rPr lang="en-US" sz="2000" b="0" i="0" u="none" strike="noStrike">
-                          <a:solidFill>
-                            <a:schemeClr val="tx1"/>
-                          </a:solidFill>
-                          <a:effectLst/>
-                          <a:latin typeface="+mn-lt"/>
-                        </a:rPr>
-                        <a:t>sqlserver</a:t>
-                      </a:r>
-                    </a:p>
-                  </a:txBody>
-                  <a:tcPr marL="6350" marR="6350" marT="6350" marB="0" anchor="ctr">
-                    <a:lnL w="12700" cap="flat" cmpd="sng" algn="ctr">
-                      <a:solidFill>
-                        <a:schemeClr val="tx1"/>
-                      </a:solidFill>
-                      <a:prstDash val="solid"/>
-                      <a:round/>
-                      <a:headEnd type="none" w="med" len="med"/>
-                      <a:tailEnd type="none" w="med" len="med"/>
-                    </a:lnL>
-                    <a:lnR w="12700" cap="flat" cmpd="sng" algn="ctr">
-                      <a:solidFill>
-                        <a:schemeClr val="tx1"/>
-                      </a:solidFill>
-                      <a:prstDash val="solid"/>
-                      <a:round/>
-                      <a:headEnd type="none" w="med" len="med"/>
-                      <a:tailEnd type="none" w="med" len="med"/>
-                    </a:lnR>
-                    <a:lnT w="12700" cap="flat" cmpd="sng" algn="ctr">
-                      <a:solidFill>
-                        <a:schemeClr val="tx1"/>
-                      </a:solidFill>
-                      <a:prstDash val="solid"/>
-                      <a:round/>
-                      <a:headEnd type="none" w="med" len="med"/>
-                      <a:tailEnd type="none" w="med" len="med"/>
-                    </a:lnT>
-                    <a:lnB w="12700" cap="flat" cmpd="sng" algn="ctr">
-                      <a:solidFill>
-                        <a:schemeClr val="tx1"/>
-                      </a:solidFill>
-                      <a:prstDash val="solid"/>
-                      <a:round/>
-                      <a:headEnd type="none" w="med" len="med"/>
-                      <a:tailEnd type="none" w="med" len="med"/>
-                    </a:lnB>
-                    <a:lnTlToBr w="12700" cmpd="sng">
-                      <a:noFill/>
-                      <a:prstDash val="solid"/>
-                    </a:lnTlToBr>
-                    <a:lnBlToTr w="12700" cmpd="sng">
-                      <a:noFill/>
-                      <a:prstDash val="solid"/>
-                    </a:lnBlToTr>
-                  </a:tcPr>
-                </a:tc>
-                <a:tc>
-                  <a:txBody>
-                    <a:bodyPr/>
-                    <a:lstStyle/>
-                    <a:p>
-                      <a:pPr algn="ctr" fontAlgn="b"/>
-                      <a:r>
-                        <a:rPr lang="en-US" sz="2000" b="0" i="0" u="none" strike="noStrike" dirty="0">
-                          <a:solidFill>
-                            <a:schemeClr val="tx1"/>
-                          </a:solidFill>
-                          <a:effectLst/>
-                          <a:latin typeface="+mn-lt"/>
-                        </a:rPr>
-                        <a:t>8.31</a:t>
-                      </a:r>
-                    </a:p>
-                  </a:txBody>
-                  <a:tcPr marL="6350" marR="6350" marT="6350" marB="0" anchor="ctr">
-                    <a:lnL w="12700" cap="flat" cmpd="sng" algn="ctr">
-                      <a:solidFill>
-                        <a:schemeClr val="tx1"/>
-                      </a:solidFill>
-                      <a:prstDash val="solid"/>
-                      <a:round/>
-                      <a:headEnd type="none" w="med" len="med"/>
-                      <a:tailEnd type="none" w="med" len="med"/>
-                    </a:lnL>
-                    <a:lnR w="12700" cap="flat" cmpd="sng" algn="ctr">
-                      <a:solidFill>
-                        <a:schemeClr val="tx1"/>
-                      </a:solidFill>
-                      <a:prstDash val="solid"/>
-                      <a:round/>
-                      <a:headEnd type="none" w="med" len="med"/>
-                      <a:tailEnd type="none" w="med" len="med"/>
-                    </a:lnR>
-                    <a:lnT w="12700" cap="flat" cmpd="sng" algn="ctr">
-                      <a:solidFill>
-                        <a:schemeClr val="tx1"/>
-                      </a:solidFill>
-                      <a:prstDash val="solid"/>
-                      <a:round/>
-                      <a:headEnd type="none" w="med" len="med"/>
-                      <a:tailEnd type="none" w="med" len="med"/>
-                    </a:lnT>
-                    <a:lnB w="12700" cap="flat" cmpd="sng" algn="ctr">
-                      <a:solidFill>
-                        <a:schemeClr val="tx1"/>
-                      </a:solidFill>
-                      <a:prstDash val="solid"/>
-                      <a:round/>
-                      <a:headEnd type="none" w="med" len="med"/>
-                      <a:tailEnd type="none" w="med" len="med"/>
-                    </a:lnB>
-                    <a:lnTlToBr w="12700" cmpd="sng">
-                      <a:noFill/>
-                      <a:prstDash val="solid"/>
-                    </a:lnTlToBr>
-                    <a:lnBlToTr w="12700" cmpd="sng">
-                      <a:noFill/>
-                      <a:prstDash val="solid"/>
-                    </a:lnBlToTr>
-                  </a:tcPr>
-                </a:tc>
-                <a:extLst>
-                  <a:ext uri="{0D108BD9-81ED-4DB2-BD59-A6C34878D82A}">
-                    <a16:rowId xmlns:a16="http://schemas.microsoft.com/office/drawing/2014/main" val="854490632"/>
-                  </a:ext>
-                </a:extLst>
-              </a:tr>
-            </a:tbl>
-          </a:graphicData>
-        </a:graphic>
-      </p:graphicFrame>
       <p:sp>
         <p:nvSpPr>
-          <p:cNvPr id="6" name="TextBox 5"/>
+          <p:cNvPr id="3" name="TextBox 2"/>
           <p:cNvSpPr txBox="1"/>
           <p:nvPr/>
         </p:nvSpPr>
         <p:spPr>
           <a:xfrm>
-            <a:off x="2733964" y="1608856"/>
-            <a:ext cx="4082472" cy="461665"/>
+            <a:off x="824189" y="1995055"/>
+            <a:ext cx="7535921" cy="461665"/>
           </a:xfrm>
           <a:prstGeom prst="rect">
             <a:avLst/>
@@ -17420,7 +14369,7 @@
           <a:p>
             <a:r>
               <a:rPr lang="en-US" dirty="0"/>
-              <a:t>IDF of Required Skills</a:t>
+              <a:t>Word cloud</a:t>
             </a:r>
           </a:p>
         </p:txBody>
@@ -17428,14 +14377,14 @@
     </p:spTree>
     <p:extLst>
       <p:ext uri="{BB962C8B-B14F-4D97-AF65-F5344CB8AC3E}">
-        <p14:creationId xmlns:p14="http://schemas.microsoft.com/office/powerpoint/2010/main" val="3062627114"/>
+        <p14:creationId xmlns:p14="http://schemas.microsoft.com/office/powerpoint/2010/main" val="4000364226"/>
       </p:ext>
     </p:extLst>
   </p:cSld>
   <p:clrMapOvr>
     <a:masterClrMapping/>
   </p:clrMapOvr>
-  <p:transition/>
+  <p:transition xmlns:p14="http://schemas.microsoft.com/office/powerpoint/2010/main"/>
 </p:sld>
 </file>
 
@@ -17490,593 +14439,37 @@
       </p:pic>
       <p:sp>
         <p:nvSpPr>
-          <p:cNvPr id="8195" name="Rectangle 3"/>
+          <p:cNvPr id="8197" name="Rectangle 5"/>
           <p:cNvSpPr>
             <a:spLocks noGrp="1" noChangeArrowheads="1"/>
           </p:cNvSpPr>
           <p:nvPr>
-            <p:ph type="title" idx="4294967295"/>
+            <p:ph type="body" idx="4294967295"/>
           </p:nvPr>
         </p:nvSpPr>
         <p:spPr>
           <a:xfrm>
-            <a:off x="471488" y="288925"/>
-            <a:ext cx="8229600" cy="1143000"/>
+            <a:off x="0" y="166369"/>
+            <a:ext cx="8746288" cy="5974081"/>
           </a:xfrm>
         </p:spPr>
         <p:txBody>
           <a:bodyPr/>
           <a:lstStyle/>
           <a:p>
-            <a:pPr eaLnBrk="1" hangingPunct="1"/>
-            <a:endParaRPr lang="zh-CN" altLang="en-US" dirty="0">
-              <a:ea typeface="宋体" pitchFamily="2" charset="-122"/>
+            <a:pPr eaLnBrk="1" hangingPunct="1">
+              <a:buFontTx/>
+              <a:buNone/>
+            </a:pPr>
+            <a:endParaRPr lang="zh-CN" altLang="en-US" sz="2800" b="1" dirty="0">
+              <a:solidFill>
+                <a:schemeClr val="tx1"/>
+              </a:solidFill>
+              <a:ea typeface="微软雅黑" pitchFamily="34" charset="-122"/>
             </a:endParaRPr>
           </a:p>
         </p:txBody>
       </p:sp>
-      <p:grpSp>
-        <p:nvGrpSpPr>
-          <p:cNvPr id="8198" name="Group 6"/>
-          <p:cNvGrpSpPr>
-            <a:grpSpLocks/>
-          </p:cNvGrpSpPr>
-          <p:nvPr/>
-        </p:nvGrpSpPr>
-        <p:grpSpPr bwMode="auto">
-          <a:xfrm>
-            <a:off x="341745" y="355454"/>
-            <a:ext cx="8404543" cy="1259034"/>
-            <a:chOff x="0" y="-1736"/>
-            <a:chExt cx="6945116" cy="1260640"/>
-          </a:xfrm>
-        </p:grpSpPr>
-        <p:grpSp>
-          <p:nvGrpSpPr>
-            <p:cNvPr id="8199" name="Group 7"/>
-            <p:cNvGrpSpPr>
-              <a:grpSpLocks/>
-            </p:cNvGrpSpPr>
-            <p:nvPr/>
-          </p:nvGrpSpPr>
-          <p:grpSpPr bwMode="auto">
-            <a:xfrm>
-              <a:off x="168995" y="-1736"/>
-              <a:ext cx="6776121" cy="1016999"/>
-              <a:chOff x="-1" y="-1736"/>
-              <a:chExt cx="6776121" cy="1016999"/>
-            </a:xfrm>
-          </p:grpSpPr>
-          <p:sp>
-            <p:nvSpPr>
-              <p:cNvPr id="8200" name="五边形 29"/>
-              <p:cNvSpPr>
-                <a:spLocks noChangeArrowheads="1"/>
-              </p:cNvSpPr>
-              <p:nvPr/>
-            </p:nvSpPr>
-            <p:spPr bwMode="auto">
-              <a:xfrm>
-                <a:off x="-1" y="0"/>
-                <a:ext cx="1880349" cy="1008112"/>
-              </a:xfrm>
-              <a:prstGeom prst="homePlate">
-                <a:avLst>
-                  <a:gd name="adj" fmla="val 50000"/>
-                </a:avLst>
-              </a:prstGeom>
-              <a:solidFill>
-                <a:schemeClr val="bg2">
-                  <a:lumMod val="60000"/>
-                  <a:lumOff val="40000"/>
-                </a:schemeClr>
-              </a:solidFill>
-              <a:ln w="9525">
-                <a:noFill/>
-                <a:miter lim="800000"/>
-                <a:headEnd/>
-                <a:tailEnd/>
-              </a:ln>
-            </p:spPr>
-            <p:txBody>
-              <a:bodyPr lIns="90170" tIns="46990" rIns="90170" bIns="46990" anchor="ctr"/>
-              <a:lstStyle/>
-              <a:p>
-                <a:pPr algn="ctr"/>
-                <a:endParaRPr lang="zh-CN" altLang="en-US" sz="6000" dirty="0">
-                  <a:solidFill>
-                    <a:srgbClr val="FFFFFF"/>
-                  </a:solidFill>
-                  <a:latin typeface="Broadway" pitchFamily="2" charset="0"/>
-                  <a:sym typeface="Broadway" pitchFamily="2" charset="0"/>
-                </a:endParaRPr>
-              </a:p>
-            </p:txBody>
-          </p:sp>
-          <p:sp>
-            <p:nvSpPr>
-              <p:cNvPr id="8201" name="燕尾形 30"/>
-              <p:cNvSpPr>
-                <a:spLocks noChangeArrowheads="1"/>
-              </p:cNvSpPr>
-              <p:nvPr/>
-            </p:nvSpPr>
-            <p:spPr bwMode="auto">
-              <a:xfrm>
-                <a:off x="4000461" y="7151"/>
-                <a:ext cx="2775659" cy="1008112"/>
-              </a:xfrm>
-              <a:prstGeom prst="chevron">
-                <a:avLst>
-                  <a:gd name="adj" fmla="val 50000"/>
-                </a:avLst>
-              </a:prstGeom>
-              <a:solidFill>
-                <a:schemeClr val="accent1"/>
-              </a:solidFill>
-              <a:ln w="9525">
-                <a:noFill/>
-                <a:miter lim="800000"/>
-                <a:headEnd/>
-                <a:tailEnd/>
-              </a:ln>
-            </p:spPr>
-            <p:txBody>
-              <a:bodyPr lIns="90170" tIns="46990" rIns="90170" bIns="46990" anchor="ctr"/>
-              <a:lstStyle/>
-              <a:p>
-                <a:pPr algn="ctr"/>
-                <a:endParaRPr lang="zh-CN" altLang="en-US" dirty="0">
-                  <a:solidFill>
-                    <a:schemeClr val="bg1"/>
-                  </a:solidFill>
-                  <a:latin typeface="宋体" pitchFamily="2" charset="-122"/>
-                  <a:sym typeface="宋体" pitchFamily="2" charset="-122"/>
-                </a:endParaRPr>
-              </a:p>
-            </p:txBody>
-          </p:sp>
-          <p:sp>
-            <p:nvSpPr>
-              <p:cNvPr id="8202" name="燕尾形 31"/>
-              <p:cNvSpPr>
-                <a:spLocks noChangeArrowheads="1"/>
-              </p:cNvSpPr>
-              <p:nvPr/>
-            </p:nvSpPr>
-            <p:spPr bwMode="auto">
-              <a:xfrm>
-                <a:off x="1637525" y="-1736"/>
-                <a:ext cx="2648866" cy="1008112"/>
-              </a:xfrm>
-              <a:prstGeom prst="chevron">
-                <a:avLst>
-                  <a:gd name="adj" fmla="val 50000"/>
-                </a:avLst>
-              </a:prstGeom>
-              <a:solidFill>
-                <a:srgbClr val="C0C0C0"/>
-              </a:solidFill>
-              <a:ln w="9525">
-                <a:noFill/>
-                <a:miter lim="800000"/>
-                <a:headEnd/>
-                <a:tailEnd/>
-              </a:ln>
-            </p:spPr>
-            <p:txBody>
-              <a:bodyPr lIns="90170" tIns="46990" rIns="90170" bIns="46990" anchor="ctr"/>
-              <a:lstStyle/>
-              <a:p>
-                <a:pPr algn="ctr"/>
-                <a:endParaRPr lang="zh-CN" altLang="en-US" dirty="0">
-                  <a:solidFill>
-                    <a:schemeClr val="bg1"/>
-                  </a:solidFill>
-                  <a:latin typeface="宋体" pitchFamily="2" charset="-122"/>
-                  <a:sym typeface="宋体" pitchFamily="2" charset="-122"/>
-                </a:endParaRPr>
-              </a:p>
-            </p:txBody>
-          </p:sp>
-        </p:grpSp>
-        <p:grpSp>
-          <p:nvGrpSpPr>
-            <p:cNvPr id="8204" name="Group 12"/>
-            <p:cNvGrpSpPr>
-              <a:grpSpLocks/>
-            </p:cNvGrpSpPr>
-            <p:nvPr/>
-          </p:nvGrpSpPr>
-          <p:grpSpPr bwMode="auto">
-            <a:xfrm>
-              <a:off x="0" y="0"/>
-              <a:ext cx="1079429" cy="1258904"/>
-              <a:chOff x="0" y="0"/>
-              <a:chExt cx="1079429" cy="1258904"/>
-            </a:xfrm>
-          </p:grpSpPr>
-          <p:sp>
-            <p:nvSpPr>
-              <p:cNvPr id="8205" name="TextBox 27"/>
-              <p:cNvSpPr>
-                <a:spLocks noChangeArrowheads="1"/>
-              </p:cNvSpPr>
-              <p:nvPr/>
-            </p:nvSpPr>
-            <p:spPr bwMode="auto">
-              <a:xfrm>
-                <a:off x="0" y="251145"/>
-                <a:ext cx="1079429" cy="1007759"/>
-              </a:xfrm>
-              <a:prstGeom prst="rect">
-                <a:avLst/>
-              </a:prstGeom>
-              <a:noFill/>
-              <a:ln w="9525">
-                <a:noFill/>
-                <a:miter lim="800000"/>
-                <a:headEnd/>
-                <a:tailEnd/>
-              </a:ln>
-            </p:spPr>
-            <p:txBody>
-              <a:bodyPr>
-                <a:spAutoFit/>
-              </a:bodyPr>
-              <a:lstStyle/>
-              <a:p>
-                <a:endParaRPr lang="zh-CN" altLang="en-US" sz="6000">
-                  <a:solidFill>
-                    <a:schemeClr val="bg1"/>
-                  </a:solidFill>
-                </a:endParaRPr>
-              </a:p>
-            </p:txBody>
-          </p:sp>
-          <p:sp>
-            <p:nvSpPr>
-              <p:cNvPr id="8206" name="矩形 28"/>
-              <p:cNvSpPr>
-                <a:spLocks noChangeArrowheads="1"/>
-              </p:cNvSpPr>
-              <p:nvPr/>
-            </p:nvSpPr>
-            <p:spPr bwMode="auto">
-              <a:xfrm>
-                <a:off x="231717" y="0"/>
-                <a:ext cx="166952" cy="640579"/>
-              </a:xfrm>
-              <a:prstGeom prst="rect">
-                <a:avLst/>
-              </a:prstGeom>
-              <a:noFill/>
-              <a:ln w="9525">
-                <a:noFill/>
-                <a:miter lim="800000"/>
-                <a:headEnd/>
-                <a:tailEnd/>
-              </a:ln>
-            </p:spPr>
-            <p:txBody>
-              <a:bodyPr wrap="none">
-                <a:spAutoFit/>
-              </a:bodyPr>
-              <a:lstStyle/>
-              <a:p>
-                <a:pPr>
-                  <a:lnSpc>
-                    <a:spcPct val="150000"/>
-                  </a:lnSpc>
-                </a:pPr>
-                <a:endParaRPr lang="zh-CN" altLang="en-US">
-                  <a:solidFill>
-                    <a:schemeClr val="bg1"/>
-                  </a:solidFill>
-                </a:endParaRPr>
-              </a:p>
-            </p:txBody>
-          </p:sp>
-        </p:grpSp>
-        <p:grpSp>
-          <p:nvGrpSpPr>
-            <p:cNvPr id="8207" name="Group 15"/>
-            <p:cNvGrpSpPr>
-              <a:grpSpLocks/>
-            </p:cNvGrpSpPr>
-            <p:nvPr/>
-          </p:nvGrpSpPr>
-          <p:grpSpPr bwMode="auto">
-            <a:xfrm>
-              <a:off x="2185220" y="0"/>
-              <a:ext cx="1334617" cy="681546"/>
-              <a:chOff x="0" y="0"/>
-              <a:chExt cx="1334617" cy="681546"/>
-            </a:xfrm>
-          </p:grpSpPr>
-          <p:sp>
-            <p:nvSpPr>
-              <p:cNvPr id="8208" name="TextBox 25"/>
-              <p:cNvSpPr>
-                <a:spLocks noChangeArrowheads="1"/>
-              </p:cNvSpPr>
-              <p:nvPr/>
-            </p:nvSpPr>
-            <p:spPr bwMode="auto">
-              <a:xfrm>
-                <a:off x="0" y="224005"/>
-                <a:ext cx="1079870" cy="457541"/>
-              </a:xfrm>
-              <a:prstGeom prst="rect">
-                <a:avLst/>
-              </a:prstGeom>
-              <a:noFill/>
-              <a:ln w="9525">
-                <a:noFill/>
-                <a:miter lim="800000"/>
-                <a:headEnd/>
-                <a:tailEnd/>
-              </a:ln>
-            </p:spPr>
-            <p:txBody>
-              <a:bodyPr>
-                <a:spAutoFit/>
-              </a:bodyPr>
-              <a:lstStyle/>
-              <a:p>
-                <a:endParaRPr lang="zh-CN" altLang="en-US">
-                  <a:solidFill>
-                    <a:schemeClr val="bg1"/>
-                  </a:solidFill>
-                </a:endParaRPr>
-              </a:p>
-            </p:txBody>
-          </p:sp>
-          <p:sp>
-            <p:nvSpPr>
-              <p:cNvPr id="8209" name="矩形 28"/>
-              <p:cNvSpPr>
-                <a:spLocks noChangeArrowheads="1"/>
-              </p:cNvSpPr>
-              <p:nvPr/>
-            </p:nvSpPr>
-            <p:spPr bwMode="auto">
-              <a:xfrm>
-                <a:off x="132981" y="0"/>
-                <a:ext cx="1201636" cy="640731"/>
-              </a:xfrm>
-              <a:prstGeom prst="rect">
-                <a:avLst/>
-              </a:prstGeom>
-              <a:noFill/>
-              <a:ln w="9525">
-                <a:noFill/>
-                <a:miter lim="800000"/>
-                <a:headEnd/>
-                <a:tailEnd/>
-              </a:ln>
-            </p:spPr>
-            <p:txBody>
-              <a:bodyPr>
-                <a:spAutoFit/>
-              </a:bodyPr>
-              <a:lstStyle/>
-              <a:p>
-                <a:pPr>
-                  <a:lnSpc>
-                    <a:spcPct val="150000"/>
-                  </a:lnSpc>
-                </a:pPr>
-                <a:endParaRPr lang="zh-CN" altLang="en-US">
-                  <a:solidFill>
-                    <a:srgbClr val="3F3F3F"/>
-                  </a:solidFill>
-                  <a:latin typeface="微软雅黑" pitchFamily="34" charset="-122"/>
-                  <a:ea typeface="微软雅黑" pitchFamily="34" charset="-122"/>
-                </a:endParaRPr>
-              </a:p>
-            </p:txBody>
-          </p:sp>
-        </p:grpSp>
-        <p:grpSp>
-          <p:nvGrpSpPr>
-            <p:cNvPr id="8210" name="Group 18"/>
-            <p:cNvGrpSpPr>
-              <a:grpSpLocks/>
-            </p:cNvGrpSpPr>
-            <p:nvPr/>
-          </p:nvGrpSpPr>
-          <p:grpSpPr bwMode="auto">
-            <a:xfrm>
-              <a:off x="3935376" y="0"/>
-              <a:ext cx="1080715" cy="681545"/>
-              <a:chOff x="0" y="0"/>
-              <a:chExt cx="1080715" cy="681545"/>
-            </a:xfrm>
-          </p:grpSpPr>
-          <p:sp>
-            <p:nvSpPr>
-              <p:cNvPr id="8211" name="TextBox 23"/>
-              <p:cNvSpPr>
-                <a:spLocks noChangeArrowheads="1"/>
-              </p:cNvSpPr>
-              <p:nvPr/>
-            </p:nvSpPr>
-            <p:spPr bwMode="auto">
-              <a:xfrm>
-                <a:off x="0" y="224004"/>
-                <a:ext cx="1080715" cy="457541"/>
-              </a:xfrm>
-              <a:prstGeom prst="rect">
-                <a:avLst/>
-              </a:prstGeom>
-              <a:noFill/>
-              <a:ln w="9525">
-                <a:noFill/>
-                <a:miter lim="800000"/>
-                <a:headEnd/>
-                <a:tailEnd/>
-              </a:ln>
-            </p:spPr>
-            <p:txBody>
-              <a:bodyPr>
-                <a:spAutoFit/>
-              </a:bodyPr>
-              <a:lstStyle/>
-              <a:p>
-                <a:endParaRPr lang="zh-CN" altLang="en-US">
-                  <a:solidFill>
-                    <a:schemeClr val="bg1"/>
-                  </a:solidFill>
-                </a:endParaRPr>
-              </a:p>
-            </p:txBody>
-          </p:sp>
-          <p:sp>
-            <p:nvSpPr>
-              <p:cNvPr id="8212" name="矩形 28"/>
-              <p:cNvSpPr>
-                <a:spLocks noChangeArrowheads="1"/>
-              </p:cNvSpPr>
-              <p:nvPr/>
-            </p:nvSpPr>
-            <p:spPr bwMode="auto">
-              <a:xfrm>
-                <a:off x="132391" y="0"/>
-                <a:ext cx="166928" cy="549684"/>
-              </a:xfrm>
-              <a:prstGeom prst="rect">
-                <a:avLst/>
-              </a:prstGeom>
-              <a:noFill/>
-              <a:ln w="9525">
-                <a:noFill/>
-                <a:miter lim="800000"/>
-                <a:headEnd/>
-                <a:tailEnd/>
-              </a:ln>
-            </p:spPr>
-            <p:txBody>
-              <a:bodyPr wrap="none">
-                <a:spAutoFit/>
-              </a:bodyPr>
-              <a:lstStyle/>
-              <a:p>
-                <a:pPr>
-                  <a:lnSpc>
-                    <a:spcPct val="150000"/>
-                  </a:lnSpc>
-                </a:pPr>
-                <a:endParaRPr lang="zh-CN" altLang="en-US" sz="2000">
-                  <a:solidFill>
-                    <a:srgbClr val="3F3F3F"/>
-                  </a:solidFill>
-                  <a:latin typeface="微软雅黑" pitchFamily="34" charset="-122"/>
-                  <a:ea typeface="微软雅黑" pitchFamily="34" charset="-122"/>
-                </a:endParaRPr>
-              </a:p>
-            </p:txBody>
-          </p:sp>
-        </p:grpSp>
-        <p:grpSp>
-          <p:nvGrpSpPr>
-            <p:cNvPr id="8213" name="Group 21"/>
-            <p:cNvGrpSpPr>
-              <a:grpSpLocks/>
-            </p:cNvGrpSpPr>
-            <p:nvPr/>
-          </p:nvGrpSpPr>
-          <p:grpSpPr bwMode="auto">
-            <a:xfrm>
-              <a:off x="5545593" y="0"/>
-              <a:ext cx="1080404" cy="734094"/>
-              <a:chOff x="0" y="0"/>
-              <a:chExt cx="1080404" cy="734094"/>
-            </a:xfrm>
-          </p:grpSpPr>
-          <p:sp>
-            <p:nvSpPr>
-              <p:cNvPr id="8214" name="TextBox 21"/>
-              <p:cNvSpPr>
-                <a:spLocks noChangeArrowheads="1"/>
-              </p:cNvSpPr>
-              <p:nvPr/>
-            </p:nvSpPr>
-            <p:spPr bwMode="auto">
-              <a:xfrm>
-                <a:off x="0" y="225872"/>
-                <a:ext cx="1080404" cy="458108"/>
-              </a:xfrm>
-              <a:prstGeom prst="rect">
-                <a:avLst/>
-              </a:prstGeom>
-              <a:noFill/>
-              <a:ln w="9525">
-                <a:noFill/>
-                <a:miter lim="800000"/>
-                <a:headEnd/>
-                <a:tailEnd/>
-              </a:ln>
-            </p:spPr>
-            <p:txBody>
-              <a:bodyPr>
-                <a:spAutoFit/>
-              </a:bodyPr>
-              <a:lstStyle/>
-              <a:p>
-                <a:endParaRPr lang="zh-CN" altLang="en-US">
-                  <a:solidFill>
-                    <a:schemeClr val="bg1"/>
-                  </a:solidFill>
-                </a:endParaRPr>
-              </a:p>
-            </p:txBody>
-          </p:sp>
-          <p:sp>
-            <p:nvSpPr>
-              <p:cNvPr id="8215" name="矩形 28"/>
-              <p:cNvSpPr>
-                <a:spLocks noChangeArrowheads="1"/>
-              </p:cNvSpPr>
-              <p:nvPr/>
-            </p:nvSpPr>
-            <p:spPr bwMode="auto">
-              <a:xfrm>
-                <a:off x="132530" y="0"/>
-                <a:ext cx="167102" cy="734094"/>
-              </a:xfrm>
-              <a:prstGeom prst="rect">
-                <a:avLst/>
-              </a:prstGeom>
-              <a:noFill/>
-              <a:ln w="9525">
-                <a:noFill/>
-                <a:miter lim="800000"/>
-                <a:headEnd/>
-                <a:tailEnd/>
-              </a:ln>
-            </p:spPr>
-            <p:txBody>
-              <a:bodyPr wrap="none">
-                <a:spAutoFit/>
-              </a:bodyPr>
-              <a:lstStyle/>
-              <a:p>
-                <a:pPr>
-                  <a:lnSpc>
-                    <a:spcPct val="150000"/>
-                  </a:lnSpc>
-                </a:pPr>
-                <a:endParaRPr lang="zh-CN" altLang="en-US" sz="2800">
-                  <a:solidFill>
-                    <a:schemeClr val="bg1"/>
-                  </a:solidFill>
-                </a:endParaRPr>
-              </a:p>
-            </p:txBody>
-          </p:sp>
-        </p:grpSp>
-      </p:grpSp>
       <p:sp>
         <p:nvSpPr>
           <p:cNvPr id="8216" name="Text Box 24"/>
@@ -18157,145 +14550,61 @@
       </p:sp>
       <p:sp>
         <p:nvSpPr>
-          <p:cNvPr id="8217" name="Text Box 25"/>
-          <p:cNvSpPr txBox="1">
+          <p:cNvPr id="36" name="AutoShape 5"/>
+          <p:cNvSpPr>
             <a:spLocks noChangeArrowheads="1"/>
           </p:cNvSpPr>
           <p:nvPr/>
         </p:nvSpPr>
         <p:spPr bwMode="auto">
           <a:xfrm>
-            <a:off x="5626518" y="166369"/>
-            <a:ext cx="2910896" cy="1384995"/>
+            <a:off x="0" y="-3372"/>
+            <a:ext cx="9144000" cy="831850"/>
           </a:xfrm>
-          <a:prstGeom prst="rect">
-            <a:avLst/>
+          <a:prstGeom prst="roundRect">
+            <a:avLst>
+              <a:gd name="adj" fmla="val 16667"/>
+            </a:avLst>
           </a:prstGeom>
-          <a:noFill/>
-          <a:ln w="9525">
-            <a:noFill/>
-            <a:miter lim="800000"/>
+          <a:solidFill>
+            <a:schemeClr val="accent1"/>
+          </a:solidFill>
+          <a:ln w="9525" cmpd="sng">
+            <a:solidFill>
+              <a:schemeClr val="bg1"/>
+            </a:solidFill>
+            <a:round/>
             <a:headEnd/>
             <a:tailEnd/>
           </a:ln>
         </p:spPr>
         <p:txBody>
-          <a:bodyPr wrap="square">
-            <a:spAutoFit/>
-          </a:bodyPr>
+          <a:bodyPr wrap="none" anchor="ctr"/>
           <a:lstStyle/>
           <a:p>
-            <a:pPr>
-              <a:lnSpc>
-                <a:spcPct val="150000"/>
-              </a:lnSpc>
-              <a:spcBef>
-                <a:spcPct val="50000"/>
-              </a:spcBef>
+            <a:pPr eaLnBrk="1" hangingPunct="1">
+              <a:buFontTx/>
+              <a:buNone/>
             </a:pPr>
             <a:r>
-              <a:rPr lang="en-US" altLang="zh-CN" dirty="0">
-                <a:solidFill>
-                  <a:schemeClr val="bg1"/>
-                </a:solidFill>
-                <a:latin typeface="微软雅黑" pitchFamily="34" charset="-122"/>
+              <a:rPr lang="en-US" altLang="zh-CN" sz="2800" dirty="0">
                 <a:ea typeface="微软雅黑" pitchFamily="34" charset="-122"/>
               </a:rPr>
-              <a:t>   </a:t>
+              <a:t>      </a:t>
             </a:r>
             <a:r>
               <a:rPr lang="en-US" altLang="zh-CN" sz="2800" dirty="0">
                 <a:solidFill>
                   <a:schemeClr val="bg1"/>
                 </a:solidFill>
-                <a:latin typeface="微软雅黑" pitchFamily="34" charset="-122"/>
                 <a:ea typeface="微软雅黑" pitchFamily="34" charset="-122"/>
               </a:rPr>
-              <a:t>Skills    Requirements </a:t>
+              <a:t>Skills Requirements vs Working Experience</a:t>
             </a:r>
             <a:endParaRPr lang="zh-CN" altLang="en-US" sz="2800" dirty="0">
               <a:solidFill>
                 <a:schemeClr val="bg1"/>
               </a:solidFill>
-              <a:latin typeface="微软雅黑" pitchFamily="34" charset="-122"/>
-              <a:ea typeface="微软雅黑" pitchFamily="34" charset="-122"/>
-            </a:endParaRPr>
-          </a:p>
-        </p:txBody>
-      </p:sp>
-      <p:sp>
-        <p:nvSpPr>
-          <p:cNvPr id="8218" name="Text Box 26"/>
-          <p:cNvSpPr txBox="1">
-            <a:spLocks noChangeArrowheads="1"/>
-          </p:cNvSpPr>
-          <p:nvPr/>
-        </p:nvSpPr>
-        <p:spPr bwMode="auto">
-          <a:xfrm>
-            <a:off x="2826632" y="415857"/>
-            <a:ext cx="3036485" cy="997196"/>
-          </a:xfrm>
-          <a:prstGeom prst="rect">
-            <a:avLst/>
-          </a:prstGeom>
-          <a:noFill/>
-          <a:ln w="9525">
-            <a:noFill/>
-            <a:miter lim="800000"/>
-            <a:headEnd/>
-            <a:tailEnd/>
-          </a:ln>
-        </p:spPr>
-        <p:txBody>
-          <a:bodyPr wrap="square">
-            <a:spAutoFit/>
-          </a:bodyPr>
-          <a:lstStyle/>
-          <a:p>
-            <a:pPr>
-              <a:lnSpc>
-                <a:spcPct val="80000"/>
-              </a:lnSpc>
-              <a:spcBef>
-                <a:spcPct val="50000"/>
-              </a:spcBef>
-            </a:pPr>
-            <a:r>
-              <a:rPr lang="en-US" altLang="zh-CN" sz="2800" dirty="0">
-                <a:solidFill>
-                  <a:schemeClr val="bg1"/>
-                </a:solidFill>
-                <a:latin typeface="微软雅黑" pitchFamily="34" charset="-122"/>
-                <a:ea typeface="微软雅黑" pitchFamily="34" charset="-122"/>
-              </a:rPr>
-              <a:t> Basic</a:t>
-            </a:r>
-          </a:p>
-          <a:p>
-            <a:pPr>
-              <a:lnSpc>
-                <a:spcPct val="80000"/>
-              </a:lnSpc>
-              <a:spcBef>
-                <a:spcPct val="50000"/>
-              </a:spcBef>
-            </a:pPr>
-            <a:r>
-              <a:rPr lang="en-US" altLang="zh-CN" sz="2800" dirty="0">
-                <a:solidFill>
-                  <a:schemeClr val="bg1"/>
-                </a:solidFill>
-                <a:latin typeface="微软雅黑" pitchFamily="34" charset="-122"/>
-                <a:ea typeface="微软雅黑" pitchFamily="34" charset="-122"/>
-              </a:rPr>
-              <a:t>Requirements</a:t>
-            </a:r>
-            <a:endParaRPr lang="zh-CN" altLang="en-US" sz="2800" dirty="0">
-              <a:solidFill>
-                <a:schemeClr val="bg1"/>
-              </a:solidFill>
-              <a:latin typeface="微软雅黑" pitchFamily="34" charset="-122"/>
               <a:ea typeface="微软雅黑" pitchFamily="34" charset="-122"/>
             </a:endParaRPr>
           </a:p>
@@ -18303,14 +14612,20 @@
       </p:sp>
       <p:pic>
         <p:nvPicPr>
-          <p:cNvPr id="27" name="Picture 4" descr="Client-info-Box"/>
+          <p:cNvPr id="1026" name="Picture 2" descr="C:\Users\lenovo\Desktop\bar_2.PNG"/>
           <p:cNvPicPr>
             <a:picLocks noChangeAspect="1" noChangeArrowheads="1"/>
           </p:cNvPicPr>
           <p:nvPr/>
         </p:nvPicPr>
         <p:blipFill>
-          <a:blip r:embed="rId3" cstate="print"/>
+          <a:blip r:embed="rId3">
+            <a:extLst>
+              <a:ext uri="{28A0092B-C50C-407E-A947-70E740481C1C}">
+                <a14:useLocalDpi xmlns:a14="http://schemas.microsoft.com/office/drawing/2010/main" val="0"/>
+              </a:ext>
+            </a:extLst>
+          </a:blip>
           <a:srcRect/>
           <a:stretch>
             <a:fillRect/>
@@ -18318,25 +14633,30 @@
         </p:blipFill>
         <p:spPr bwMode="auto">
           <a:xfrm>
-            <a:off x="-178483" y="1536207"/>
-            <a:ext cx="9336771" cy="5290837"/>
+            <a:off x="0" y="2200322"/>
+            <a:ext cx="4306681" cy="2868566"/>
           </a:xfrm>
           <a:prstGeom prst="rect">
             <a:avLst/>
           </a:prstGeom>
           <a:noFill/>
-          <a:ln w="9525">
-            <a:noFill/>
-            <a:miter lim="800000"/>
-            <a:headEnd/>
-            <a:tailEnd/>
-          </a:ln>
+          <a:extLst>
+            <a:ext uri="{909E8E84-426E-40dd-AFC4-6F175D3DCCD1}">
+              <a14:hiddenFill xmlns:a14="http://schemas.microsoft.com/office/drawing/2010/main">
+                <a:solidFill>
+                  <a:srgbClr val="FFFFFF"/>
+                </a:solidFill>
+              </a14:hiddenFill>
+            </a:ext>
+          </a:extLst>
         </p:spPr>
       </p:pic>
       <p:pic>
         <p:nvPicPr>
-          <p:cNvPr id="25" name="图片 7"/>
-          <p:cNvPicPr/>
+          <p:cNvPr id="1027" name="Picture 3" descr="C:\Users\lenovo\Desktop\bar3_5.PNG"/>
+          <p:cNvPicPr>
+            <a:picLocks noChangeAspect="1" noChangeArrowheads="1"/>
+          </p:cNvPicPr>
           <p:nvPr/>
         </p:nvPicPr>
         <p:blipFill>
@@ -18347,61 +14667,83 @@
               </a:ext>
             </a:extLst>
           </a:blip>
+          <a:srcRect/>
           <a:stretch>
             <a:fillRect/>
           </a:stretch>
         </p:blipFill>
-        <p:spPr>
+        <p:spPr bwMode="auto">
           <a:xfrm>
-            <a:off x="1809297" y="2360119"/>
-            <a:ext cx="5403755" cy="4189769"/>
-          </a:xfrm>
-          <a:prstGeom prst="rect">
-            <a:avLst/>
-          </a:prstGeom>
-        </p:spPr>
-      </p:pic>
-      <p:sp>
-        <p:nvSpPr>
-          <p:cNvPr id="2" name="TextBox 1"/>
-          <p:cNvSpPr txBox="1"/>
-          <p:nvPr/>
-        </p:nvSpPr>
-        <p:spPr>
-          <a:xfrm>
-            <a:off x="1911092" y="1876286"/>
-            <a:ext cx="4867564" cy="461665"/>
+            <a:off x="4482791" y="968084"/>
+            <a:ext cx="4299954" cy="2862271"/>
           </a:xfrm>
           <a:prstGeom prst="rect">
             <a:avLst/>
           </a:prstGeom>
           <a:noFill/>
+          <a:extLst>
+            <a:ext uri="{909E8E84-426E-40dd-AFC4-6F175D3DCCD1}">
+              <a14:hiddenFill xmlns:a14="http://schemas.microsoft.com/office/drawing/2010/main">
+                <a:solidFill>
+                  <a:srgbClr val="FFFFFF"/>
+                </a:solidFill>
+              </a14:hiddenFill>
+            </a:ext>
+          </a:extLst>
         </p:spPr>
-        <p:txBody>
-          <a:bodyPr wrap="square" rtlCol="0">
-            <a:spAutoFit/>
-          </a:bodyPr>
-          <a:lstStyle/>
-          <a:p>
-            <a:r>
-              <a:rPr lang="en-US" altLang="zh-CN" dirty="0"/>
-              <a:t>Word Cloud for Required Skills</a:t>
-            </a:r>
-            <a:endParaRPr lang="en-US" dirty="0"/>
-          </a:p>
-        </p:txBody>
-      </p:sp>
+      </p:pic>
+      <p:pic>
+        <p:nvPicPr>
+          <p:cNvPr id="1028" name="Picture 4" descr="C:\Users\lenovo\Desktop\bar_5.PNG"/>
+          <p:cNvPicPr>
+            <a:picLocks noChangeAspect="1" noChangeArrowheads="1"/>
+          </p:cNvPicPr>
+          <p:nvPr/>
+        </p:nvPicPr>
+        <p:blipFill>
+          <a:blip r:embed="rId5">
+            <a:extLst>
+              <a:ext uri="{28A0092B-C50C-407E-A947-70E740481C1C}">
+                <a14:useLocalDpi xmlns:a14="http://schemas.microsoft.com/office/drawing/2010/main" val="0"/>
+              </a:ext>
+            </a:extLst>
+          </a:blip>
+          <a:srcRect/>
+          <a:stretch>
+            <a:fillRect/>
+          </a:stretch>
+        </p:blipFill>
+        <p:spPr bwMode="auto">
+          <a:xfrm>
+            <a:off x="4482791" y="3869358"/>
+            <a:ext cx="4245114" cy="2879146"/>
+          </a:xfrm>
+          <a:prstGeom prst="rect">
+            <a:avLst/>
+          </a:prstGeom>
+          <a:noFill/>
+          <a:extLst>
+            <a:ext uri="{909E8E84-426E-40dd-AFC4-6F175D3DCCD1}">
+              <a14:hiddenFill xmlns:a14="http://schemas.microsoft.com/office/drawing/2010/main">
+                <a:solidFill>
+                  <a:srgbClr val="FFFFFF"/>
+                </a:solidFill>
+              </a14:hiddenFill>
+            </a:ext>
+          </a:extLst>
+        </p:spPr>
+      </p:pic>
     </p:spTree>
     <p:extLst>
       <p:ext uri="{BB962C8B-B14F-4D97-AF65-F5344CB8AC3E}">
-        <p14:creationId xmlns:p14="http://schemas.microsoft.com/office/powerpoint/2010/main" val="4000364226"/>
+        <p14:creationId xmlns:p14="http://schemas.microsoft.com/office/powerpoint/2010/main" val="627396308"/>
       </p:ext>
     </p:extLst>
   </p:cSld>
   <p:clrMapOvr>
     <a:masterClrMapping/>
   </p:clrMapOvr>
-  <p:transition/>
+  <p:transition xmlns:p14="http://schemas.microsoft.com/office/powerpoint/2010/main"/>
 </p:sld>
 </file>
 

--- a/141B presentation.pptx
+++ b/141B presentation.pptx
@@ -156,7 +156,7 @@
   </p:defaultTextStyle>
   <p:extLst>
     <p:ext uri="{EFAFB233-063F-42B5-8137-9DF3F51BA10A}">
-      <p15:sldGuideLst xmlns:p15="http://schemas.microsoft.com/office/powerpoint/2012/main" xmlns="">
+      <p15:sldGuideLst xmlns="" xmlns:p15="http://schemas.microsoft.com/office/powerpoint/2012/main">
         <p15:guide id="1" orient="horz" pos="2180">
           <p15:clr>
             <a:srgbClr val="A4A3A4"/>
@@ -7693,7 +7693,21 @@
                 <a:latin typeface="微软雅黑" pitchFamily="34" charset="-122"/>
                 <a:ea typeface="微软雅黑" pitchFamily="34" charset="-122"/>
               </a:rPr>
-              <a:t>Data analysis is now applied in anywhere.</a:t>
+              <a:t>Data analysis is now applied in </a:t>
+            </a:r>
+            <a:r>
+              <a:rPr lang="en-US" altLang="zh-CN" dirty="0" smtClean="0">
+                <a:latin typeface="微软雅黑" pitchFamily="34" charset="-122"/>
+                <a:ea typeface="微软雅黑" pitchFamily="34" charset="-122"/>
+              </a:rPr>
+              <a:t>everywhere</a:t>
+            </a:r>
+            <a:r>
+              <a:rPr lang="en-US" altLang="zh-CN" dirty="0" smtClean="0">
+                <a:latin typeface="微软雅黑" pitchFamily="34" charset="-122"/>
+                <a:ea typeface="微软雅黑" pitchFamily="34" charset="-122"/>
+              </a:rPr>
+              <a:t>.</a:t>
             </a:r>
             <a:endParaRPr lang="zh-CN" altLang="en-US" dirty="0">
               <a:latin typeface="微软雅黑" pitchFamily="34" charset="-122"/>
@@ -7725,21 +7739,7 @@
                 <a:latin typeface="微软雅黑" pitchFamily="34" charset="-122"/>
                 <a:ea typeface="微软雅黑" pitchFamily="34" charset="-122"/>
               </a:rPr>
-              <a:t>More and more graduated students are looking    for “Data Analyst” </a:t>
-            </a:r>
-            <a:r>
-              <a:rPr lang="en-US" altLang="zh-CN" dirty="0" smtClean="0">
-                <a:latin typeface="微软雅黑" pitchFamily="34" charset="-122"/>
-                <a:ea typeface="微软雅黑" pitchFamily="34" charset="-122"/>
-              </a:rPr>
-              <a:t>posts</a:t>
-            </a:r>
-            <a:r>
-              <a:rPr lang="en-US" altLang="zh-CN" dirty="0" smtClean="0">
-                <a:latin typeface="微软雅黑" pitchFamily="34" charset="-122"/>
-                <a:ea typeface="微软雅黑" pitchFamily="34" charset="-122"/>
-              </a:rPr>
-              <a:t>.</a:t>
+              <a:t>More and more graduated students are looking    for “Data Analyst” posts.</a:t>
             </a:r>
             <a:endParaRPr lang="zh-CN" altLang="en-US" dirty="0">
               <a:latin typeface="微软雅黑" pitchFamily="34" charset="-122"/>
@@ -7771,21 +7771,7 @@
                 <a:latin typeface="微软雅黑" pitchFamily="34" charset="-122"/>
                 <a:ea typeface="微软雅黑" pitchFamily="34" charset="-122"/>
               </a:rPr>
-              <a:t>Our project play an important role in the </a:t>
-            </a:r>
-            <a:r>
-              <a:rPr lang="en-US" altLang="zh-CN" dirty="0" smtClean="0">
-                <a:latin typeface="微软雅黑" pitchFamily="34" charset="-122"/>
-                <a:ea typeface="微软雅黑" pitchFamily="34" charset="-122"/>
-              </a:rPr>
-              <a:t>posts </a:t>
-            </a:r>
-            <a:r>
-              <a:rPr lang="en-US" altLang="zh-CN" dirty="0" smtClean="0">
-                <a:latin typeface="微软雅黑" pitchFamily="34" charset="-122"/>
-                <a:ea typeface="微软雅黑" pitchFamily="34" charset="-122"/>
-              </a:rPr>
-              <a:t>finding process.</a:t>
+              <a:t>Our project play an important role in the posts finding process.</a:t>
             </a:r>
             <a:endParaRPr lang="zh-CN" altLang="en-US" dirty="0">
               <a:latin typeface="微软雅黑" pitchFamily="34" charset="-122"/>
@@ -9771,8 +9757,8 @@
               <a:t>Companies’ locations and </a:t>
             </a:r>
             <a:r>
-              <a:rPr lang="en-US" sz="3200" dirty="0" err="1" smtClean="0"/>
-              <a:t>infomation</a:t>
+              <a:rPr lang="en-US" sz="3200" dirty="0" smtClean="0"/>
+              <a:t>information</a:t>
             </a:r>
             <a:endParaRPr lang="en-US" sz="3200" dirty="0"/>
           </a:p>
